--- a/Virtual Networks.pptx
+++ b/Virtual Networks.pptx
@@ -16,6 +16,11 @@
     <p:sldId id="263" r:id="rId10"/>
     <p:sldId id="265" r:id="rId11"/>
     <p:sldId id="266" r:id="rId12"/>
+    <p:sldId id="267" r:id="rId13"/>
+    <p:sldId id="268" r:id="rId14"/>
+    <p:sldId id="269" r:id="rId15"/>
+    <p:sldId id="270" r:id="rId16"/>
+    <p:sldId id="271" r:id="rId17"/>
   </p:sldIdLst>
   <p:sldSz cx="12192000" cy="6858000"/>
   <p:notesSz cx="6858000" cy="9144000"/>
@@ -114,6 +119,11 @@
       </a:defRPr>
     </a:lvl9pPr>
   </p:defaultTextStyle>
+  <p:extLst>
+    <p:ext uri="{EFAFB233-063F-42B5-8137-9DF3F51BA10A}">
+      <p15:sldGuideLst xmlns:p15="http://schemas.microsoft.com/office/powerpoint/2012/main"/>
+    </p:ext>
+  </p:extLst>
 </p:presentation>
 </file>
 
@@ -171,6 +181,278 @@
 </inkml:ink>
 </file>
 
+<file path=ppt/ink/ink100.xml><?xml version="1.0" encoding="utf-8"?>
+<inkml:ink xmlns:inkml="http://www.w3.org/2003/InkML">
+  <inkml:definitions>
+    <inkml:context xml:id="ctx0">
+      <inkml:inkSource xml:id="inkSrc0">
+        <inkml:traceFormat>
+          <inkml:channel name="X" type="integer" min="-2.14748E9" max="2.14748E9" units="cm"/>
+          <inkml:channel name="Y" type="integer" min="-2.14748E9" max="2.14748E9" units="cm"/>
+          <inkml:channel name="F" type="integer" max="32767" units="dev"/>
+        </inkml:traceFormat>
+        <inkml:channelProperties>
+          <inkml:channelProperty channel="X" name="resolution" value="1000" units="1/cm"/>
+          <inkml:channelProperty channel="Y" name="resolution" value="1000" units="1/cm"/>
+          <inkml:channelProperty channel="F" name="resolution" value="0" units="1/dev"/>
+        </inkml:channelProperties>
+      </inkml:inkSource>
+      <inkml:timestamp xml:id="ts0" timeString="2022-07-24T04:23:19.589"/>
+    </inkml:context>
+    <inkml:brush xml:id="br0">
+      <inkml:brushProperty name="width" value="0.05" units="cm"/>
+      <inkml:brushProperty name="height" value="0.05" units="cm"/>
+    </inkml:brush>
+  </inkml:definitions>
+  <inkml:trace contextRef="#ctx0" brushRef="#br0">0 72 1732,'0'0'3126,"2"-3"-2245,2-3-386,0 0 1,1 1 0,0-1 0,0 1-1,1 0 1,-1 0 0,1 1 0,0-1 0,0 1-1,1 1 1,-1-1 0,14-4 0,-17 7-136,15 0 767,-16 4-920,1 3-122,0 1 0,-1 0 0,1 0 0,-1 0 0,-1 0 1,1 0-1,0 8 0,-1-4-89,1 0 1,0-1 0,1 1-1,5 12 1,-2-13-11,0-1 0,0 1 1,1-1-1,0 0 0,0-1 0,17 14 0,-12-11-86,-1 1-1,13 16 1,-23-27 55,0 1-1,0 0 1,0 0-1,0 0 1,0 1-1,0-1 1,0 0-1,-1 0 1,1 0 0,-1 1-1,0-1 1,1 0-1,-1 1 1,0-1-1,-1 0 1,1 0-1,0 1 1,0-1 0,-1 0-1,0 0 1,1 1-1,-1-1 1,0 0-1,-2 3 1,0 2-219,-2-1-1,1 1 1,-1-1 0,0 0 0,0 0-1,0 0 1,-12 9 0,-25 14-4527,23-17 2064</inkml:trace>
+</inkml:ink>
+</file>
+
+<file path=ppt/ink/ink101.xml><?xml version="1.0" encoding="utf-8"?>
+<inkml:ink xmlns:inkml="http://www.w3.org/2003/InkML">
+  <inkml:definitions>
+    <inkml:context xml:id="ctx0">
+      <inkml:inkSource xml:id="inkSrc0">
+        <inkml:traceFormat>
+          <inkml:channel name="X" type="integer" min="-2.14748E9" max="2.14748E9" units="cm"/>
+          <inkml:channel name="Y" type="integer" min="-2.14748E9" max="2.14748E9" units="cm"/>
+          <inkml:channel name="F" type="integer" max="32767" units="dev"/>
+        </inkml:traceFormat>
+        <inkml:channelProperties>
+          <inkml:channelProperty channel="X" name="resolution" value="1000" units="1/cm"/>
+          <inkml:channelProperty channel="Y" name="resolution" value="1000" units="1/cm"/>
+          <inkml:channelProperty channel="F" name="resolution" value="0" units="1/dev"/>
+        </inkml:channelProperties>
+      </inkml:inkSource>
+      <inkml:timestamp xml:id="ts0" timeString="2022-07-24T04:23:20.123"/>
+    </inkml:context>
+    <inkml:brush xml:id="br0">
+      <inkml:brushProperty name="width" value="0.05" units="cm"/>
+      <inkml:brushProperty name="height" value="0.05" units="cm"/>
+    </inkml:brush>
+  </inkml:definitions>
+  <inkml:trace contextRef="#ctx0" brushRef="#br0">34 319 1312,'-5'43'1932,"4"-41"-1418,1 1-44,0-2-182,-2 14-315,0-8 4383,-3-19-4021,1-1 0,1-1 0,0 1 0,-1-18 0,-1-30 1341,5 59-1482,3-3 46,-3 5-226,0 0 1,0 0 0,0-1 0,0 1 0,0 0 0,0-1 0,0 1 0,0 0 0,0 0 0,1-1 0,-1 1 0,0 0 0,0 0 0,0-1 0,0 1 0,0 0 0,1 0 0,-1 0 0,0-1 0,0 1 0,0 0-1,1 0 1,-1 0 0,0-1 0,0 1 0,1 0 0,-1 0 0,0 0 0,0 0 0,1 0 0,-1 0 0,0 0 0,1 0 0,5-1 49,0 2 1,0-1 0,0 1-1,0 0 1,-1 0 0,9 3-1,2 0 63,-6-3-79,0 1 0,-1-2 0,1 1 0,0-1 0,12-2 0,-20 2-37,-1-1 1,1 1 0,-1-1 0,1 1 0,-1-1 0,0 1 0,1-1 0,-1 1-1,0-1 1,0 0 0,1 0 0,-1 0 0,0 0 0,0 0 0,0 0 0,0 0-1,0 0 1,0 0 0,-1-1 0,1 1 0,0 0 0,0 0 0,-1-1 0,1 1-1,-1-1 1,1 1 0,-1 0 0,0-1 0,0 1 0,1-1 0,-1 1 0,0-3-1,0-5 54,-1 1-1,1-1 0,-1 1 0,-3-11 0,3 17-64,-4-18 87,-2 1 0,0 0 0,-14-25 0,7 14-642,13 28 123,0-1-906,1-1 949,-1-2 6,0-1-4780</inkml:trace>
+</inkml:ink>
+</file>
+
+<file path=ppt/ink/ink102.xml><?xml version="1.0" encoding="utf-8"?>
+<inkml:ink xmlns:inkml="http://www.w3.org/2003/InkML">
+  <inkml:definitions>
+    <inkml:context xml:id="ctx0">
+      <inkml:inkSource xml:id="inkSrc0">
+        <inkml:traceFormat>
+          <inkml:channel name="X" type="integer" min="-2.14748E9" max="2.14748E9" units="cm"/>
+          <inkml:channel name="Y" type="integer" min="-2.14748E9" max="2.14748E9" units="cm"/>
+          <inkml:channel name="F" type="integer" max="32767" units="dev"/>
+        </inkml:traceFormat>
+        <inkml:channelProperties>
+          <inkml:channelProperty channel="X" name="resolution" value="1000" units="1/cm"/>
+          <inkml:channelProperty channel="Y" name="resolution" value="1000" units="1/cm"/>
+          <inkml:channelProperty channel="F" name="resolution" value="0" units="1/dev"/>
+        </inkml:channelProperties>
+      </inkml:inkSource>
+      <inkml:timestamp xml:id="ts0" timeString="2022-07-24T04:23:20.501"/>
+    </inkml:context>
+    <inkml:brush xml:id="br0">
+      <inkml:brushProperty name="width" value="0.05" units="cm"/>
+      <inkml:brushProperty name="height" value="0.05" units="cm"/>
+    </inkml:brush>
+  </inkml:definitions>
+  <inkml:trace contextRef="#ctx0" brushRef="#br0">0 154 1328,'0'0'2120,"5"-2"-1590,6-1-278,-1-1 0,0 0-1,0-1 1,0 0 0,14-10 0,47-40 526,-30 22-1105,-16 8-2409,-24 23 1476</inkml:trace>
+</inkml:ink>
+</file>
+
+<file path=ppt/ink/ink103.xml><?xml version="1.0" encoding="utf-8"?>
+<inkml:ink xmlns:inkml="http://www.w3.org/2003/InkML">
+  <inkml:definitions>
+    <inkml:context xml:id="ctx0">
+      <inkml:inkSource xml:id="inkSrc0">
+        <inkml:traceFormat>
+          <inkml:channel name="X" type="integer" min="-2.14748E9" max="2.14748E9" units="cm"/>
+          <inkml:channel name="Y" type="integer" min="-2.14748E9" max="2.14748E9" units="cm"/>
+          <inkml:channel name="F" type="integer" max="32767" units="dev"/>
+        </inkml:traceFormat>
+        <inkml:channelProperties>
+          <inkml:channelProperty channel="X" name="resolution" value="1000" units="1/cm"/>
+          <inkml:channelProperty channel="Y" name="resolution" value="1000" units="1/cm"/>
+          <inkml:channelProperty channel="F" name="resolution" value="0" units="1/dev"/>
+        </inkml:channelProperties>
+      </inkml:inkSource>
+      <inkml:timestamp xml:id="ts0" timeString="2022-07-24T04:23:20.895"/>
+    </inkml:context>
+    <inkml:brush xml:id="br0">
+      <inkml:brushProperty name="width" value="0.05" units="cm"/>
+      <inkml:brushProperty name="height" value="0.05" units="cm"/>
+    </inkml:brush>
+  </inkml:definitions>
+  <inkml:trace contextRef="#ctx0" brushRef="#br0">109 1 876,'-3'1'424,"0"1"-1,0 0 1,1-1 0,0 1 0,-1 0-1,1 1 1,0-1 0,0 0-1,0 1 1,0-1 0,0 1-1,0-1 1,1 1 0,0 0-1,-2 3 1,1 0-100,0-1-1,0 1 1,1 0-1,0 0 1,0 0-1,0 0 1,1 10 0,16 138 1462,-15-146-1841,-1 0-1,1-1 1,-1 1 0,-1 0 0,1-1-1,-1 1 1,-1 0 0,1-1 0,-1 1-1,-1-1 1,1 0 0,-1 1 0,0-1-1,-1-1 1,0 1 0,0 0 0,0-1 0,-11 12-1,-16 20-34,29-36 473,7-1-331,2-1-32,-1 1 0,1-2 0,0 1 0,-1 0-1,1-1 1,0-1 0,-1 1 0,1-1 0,8-3 0,65-31-181,-42 18-390,-31 15 319,34-17-1023,-16 2-2692,-17 11 1585</inkml:trace>
+  <inkml:trace contextRef="#ctx0" brushRef="#br0" timeOffset="1">506 77 1332,'0'0'5555,"-7"4"-4672,0-1-610,3-1-93,0-1 1,0 1 0,1 0 0,-1 0 0,1 1 0,-1-1-1,1 1 1,0 0 0,0 0 0,0 0 0,0 0 0,0 0-1,-3 6 1,1 1 117,0 1-1,1 0 1,0 0 0,1 1-1,0-1 1,0 1-1,1 0 1,1-1-1,0 16 1,1-25-263,1 1-1,-1-1 1,1 0 0,0 1 0,-1-1-1,1 0 1,0 1 0,1-1 0,-1 0-1,0 0 1,1 0 0,-1 0 0,1 0-1,3 3 1,-2-1 12,-1-3-109,0 1-1,0 0 1,0-1 0,0 1 0,0-1-1,1 0 1,-1 0 0,0 0 0,1 0-1,-1 0 1,1 0 0,-1-1 0,1 1-1,-1-1 1,1 0 0,-1 0 0,1 1-1,0-2 1,-1 1 0,1 0 0,4-2-1,4 0-512,0-1 1,-1 0-1,17-8 0,15-10-3783,-22 9 1639</inkml:trace>
+</inkml:ink>
+</file>
+
+<file path=ppt/ink/ink104.xml><?xml version="1.0" encoding="utf-8"?>
+<inkml:ink xmlns:inkml="http://www.w3.org/2003/InkML">
+  <inkml:definitions>
+    <inkml:context xml:id="ctx0">
+      <inkml:inkSource xml:id="inkSrc0">
+        <inkml:traceFormat>
+          <inkml:channel name="X" type="integer" min="-2.14748E9" max="2.14748E9" units="cm"/>
+          <inkml:channel name="Y" type="integer" min="-2.14748E9" max="2.14748E9" units="cm"/>
+          <inkml:channel name="F" type="integer" max="32767" units="dev"/>
+        </inkml:traceFormat>
+        <inkml:channelProperties>
+          <inkml:channelProperty channel="X" name="resolution" value="1000" units="1/cm"/>
+          <inkml:channelProperty channel="Y" name="resolution" value="1000" units="1/cm"/>
+          <inkml:channelProperty channel="F" name="resolution" value="0" units="1/dev"/>
+        </inkml:channelProperties>
+      </inkml:inkSource>
+      <inkml:timestamp xml:id="ts0" timeString="2022-07-24T04:23:21.273"/>
+    </inkml:context>
+    <inkml:brush xml:id="br0">
+      <inkml:brushProperty name="width" value="0.05" units="cm"/>
+      <inkml:brushProperty name="height" value="0.05" units="cm"/>
+    </inkml:brush>
+  </inkml:definitions>
+  <inkml:trace contextRef="#ctx0" brushRef="#br0">69 11 1108,'7'-11'8922,"-11"17"-8360,0 0-426,-6 6 657,1 1 1,-13 24 0,-4 27 1708,26-61-1339,1-3-1142,0 0 0,0 0 0,1 1 0,-1-1 0,0 0 0,0 1 1,1-1-1,-1 1 0,0 0 0,0-1 0,0 1 0,2 1 0,-1 0 25,2 0 90,3-4-18,25-10-673,1-2 1,-2-1-1,47-29 1,-57 29-3480</inkml:trace>
+</inkml:ink>
+</file>
+
+<file path=ppt/ink/ink105.xml><?xml version="1.0" encoding="utf-8"?>
+<inkml:ink xmlns:inkml="http://www.w3.org/2003/InkML">
+  <inkml:definitions>
+    <inkml:context xml:id="ctx0">
+      <inkml:inkSource xml:id="inkSrc0">
+        <inkml:traceFormat>
+          <inkml:channel name="X" type="integer" min="-2.14748E9" max="2.14748E9" units="cm"/>
+          <inkml:channel name="Y" type="integer" min="-2.14748E9" max="2.14748E9" units="cm"/>
+          <inkml:channel name="F" type="integer" max="32767" units="dev"/>
+        </inkml:traceFormat>
+        <inkml:channelProperties>
+          <inkml:channelProperty channel="X" name="resolution" value="1000" units="1/cm"/>
+          <inkml:channelProperty channel="Y" name="resolution" value="1000" units="1/cm"/>
+          <inkml:channelProperty channel="F" name="resolution" value="0" units="1/dev"/>
+        </inkml:channelProperties>
+      </inkml:inkSource>
+      <inkml:timestamp xml:id="ts0" timeString="2022-07-24T04:23:21.679"/>
+    </inkml:context>
+    <inkml:brush xml:id="br0">
+      <inkml:brushProperty name="width" value="0.05" units="cm"/>
+      <inkml:brushProperty name="height" value="0.05" units="cm"/>
+    </inkml:brush>
+  </inkml:definitions>
+  <inkml:trace contextRef="#ctx0" brushRef="#br0">49 1 1356,'0'0'4992,"-3"2"-4177,0 0-741,2-1 75,-1 0 0,1 0 1,-1 0-1,1 0 0,-1 0 0,1 0 0,0 1 1,-1-1-1,1 1 0,0-1 0,0 1 0,0-1 1,0 1-1,0 0 0,-1 2 0,-1 12 436,0-1-1,0 1 1,0 31-1,2-22-3609,-5 27 1,3-34 395</inkml:trace>
+</inkml:ink>
+</file>
+
+<file path=ppt/ink/ink106.xml><?xml version="1.0" encoding="utf-8"?>
+<inkml:ink xmlns:inkml="http://www.w3.org/2003/InkML">
+  <inkml:definitions>
+    <inkml:context xml:id="ctx0">
+      <inkml:inkSource xml:id="inkSrc0">
+        <inkml:traceFormat>
+          <inkml:channel name="X" type="integer" min="-2.14748E9" max="2.14748E9" units="cm"/>
+          <inkml:channel name="Y" type="integer" min="-2.14748E9" max="2.14748E9" units="cm"/>
+          <inkml:channel name="F" type="integer" max="32767" units="dev"/>
+        </inkml:traceFormat>
+        <inkml:channelProperties>
+          <inkml:channelProperty channel="X" name="resolution" value="1000" units="1/cm"/>
+          <inkml:channelProperty channel="Y" name="resolution" value="1000" units="1/cm"/>
+          <inkml:channelProperty channel="F" name="resolution" value="0" units="1/dev"/>
+        </inkml:channelProperties>
+      </inkml:inkSource>
+      <inkml:timestamp xml:id="ts0" timeString="2022-07-24T04:23:15.303"/>
+    </inkml:context>
+    <inkml:brush xml:id="br0">
+      <inkml:brushProperty name="width" value="0.05" units="cm"/>
+      <inkml:brushProperty name="height" value="0.05" units="cm"/>
+    </inkml:brush>
+  </inkml:definitions>
+  <inkml:trace contextRef="#ctx0" brushRef="#br0">0 66 1352,'0'0'5485,"1"4"-4799,16 178 3841,-10-81-2900,-7-68-769,0-31 832,-1-11-1617,-1-9-12,2-1 0,0 0 0,1 0 0,5-31 1,-5 48-66,5-16 73,-6 17-66,0 0-1,1 1 0,-1-1 0,0 1 0,1-1 0,-1 1 0,1-1 1,-1 1-1,0 0 0,1-1 0,-1 1 0,1-1 0,-1 1 0,1 0 1,0-1-1,-1 1 0,1 0 0,-1 0 0,1 0 0,0-1 0,-1 1 1,1 0-1,-1 0 0,1 0 0,0 0 0,-1 0 0,1 0 0,0 0 1,-1 0-1,1 0 0,-1 0 0,1 1 0,0-1 0,-1 0 0,1 0 1,-1 0-1,1 1 0,70 38 25,-42-22-23,54 23 0,-82-39-1,0-1 0,0 1-1,0-1 1,0 0 0,0 0-1,0 0 1,0 0 0,1 0-1,-1 0 1,0 0 0,0 0-1,0 0 1,0 0 0,0 0-1,0-1 1,0 1 0,0 0-1,0-1 1,0 1 0,0-1-1,0 1 1,0-1 0,0 0-1,0 1 1,0-1 0,-1 0-1,3-1 1,-2 0 1,1 0 1,-1 0 0,0 0-1,0 0 1,0-1-1,0 1 1,0 0 0,1-3-1,0-7 2,0 0 0,0-1-1,-2 1 1,1 0 0,-2-15 0,-12-60-52,3 24-885,6 29-2618,3 30 1632,8-14-4657</inkml:trace>
+</inkml:ink>
+</file>
+
+<file path=ppt/ink/ink107.xml><?xml version="1.0" encoding="utf-8"?>
+<inkml:ink xmlns:inkml="http://www.w3.org/2003/InkML">
+  <inkml:definitions>
+    <inkml:context xml:id="ctx0">
+      <inkml:inkSource xml:id="inkSrc0">
+        <inkml:traceFormat>
+          <inkml:channel name="X" type="integer" min="-2.14748E9" max="2.14748E9" units="cm"/>
+          <inkml:channel name="Y" type="integer" min="-2.14748E9" max="2.14748E9" units="cm"/>
+          <inkml:channel name="F" type="integer" max="32767" units="dev"/>
+        </inkml:traceFormat>
+        <inkml:channelProperties>
+          <inkml:channelProperty channel="X" name="resolution" value="1000" units="1/cm"/>
+          <inkml:channelProperty channel="Y" name="resolution" value="1000" units="1/cm"/>
+          <inkml:channelProperty channel="F" name="resolution" value="0" units="1/dev"/>
+        </inkml:channelProperties>
+      </inkml:inkSource>
+      <inkml:timestamp xml:id="ts0" timeString="2022-07-24T04:23:15.729"/>
+    </inkml:context>
+    <inkml:brush xml:id="br0">
+      <inkml:brushProperty name="width" value="0.05" units="cm"/>
+      <inkml:brushProperty name="height" value="0.05" units="cm"/>
+    </inkml:brush>
+  </inkml:definitions>
+  <inkml:trace contextRef="#ctx0" brushRef="#br0">0 42 1012,'0'0'1031,"12"5"3015,-1-7-3500,-1 0 0,0 0 0,1-1 1,-1 0-1,0 0 0,19-11 0,0 2-870,-27 11-70,0 0-156,-1 0 174,3-2 392</inkml:trace>
+</inkml:ink>
+</file>
+
+<file path=ppt/ink/ink108.xml><?xml version="1.0" encoding="utf-8"?>
+<inkml:ink xmlns:inkml="http://www.w3.org/2003/InkML">
+  <inkml:definitions>
+    <inkml:context xml:id="ctx0">
+      <inkml:inkSource xml:id="inkSrc0">
+        <inkml:traceFormat>
+          <inkml:channel name="X" type="integer" min="-2.14748E9" max="2.14748E9" units="cm"/>
+          <inkml:channel name="Y" type="integer" min="-2.14748E9" max="2.14748E9" units="cm"/>
+          <inkml:channel name="F" type="integer" max="32767" units="dev"/>
+        </inkml:traceFormat>
+        <inkml:channelProperties>
+          <inkml:channelProperty channel="X" name="resolution" value="1000" units="1/cm"/>
+          <inkml:channelProperty channel="Y" name="resolution" value="1000" units="1/cm"/>
+          <inkml:channelProperty channel="F" name="resolution" value="0" units="1/dev"/>
+        </inkml:channelProperties>
+      </inkml:inkSource>
+      <inkml:timestamp xml:id="ts0" timeString="2022-07-24T04:23:16.088"/>
+    </inkml:context>
+    <inkml:brush xml:id="br0">
+      <inkml:brushProperty name="width" value="0.05" units="cm"/>
+      <inkml:brushProperty name="height" value="0.05" units="cm"/>
+    </inkml:brush>
+  </inkml:definitions>
+  <inkml:trace contextRef="#ctx0" brushRef="#br0">41 1 1864,'0'0'8436,"-1"3"-8015,-4 63 1225,5-42-1289,4 33-1,0-20-92,-3-19-166,3 81 443,-4-84-573,-1 0 0,-1 0 0,0 0 0,-6 21 0,6-32-24,0 0-1,0 0 0,0 0 0,0 0 0,-1 0 1,1 0-1,-5 3 0,6-6 0,-6 2 20,7-3 31,0 1-1,0-1 1,0 0 0,0 0 0,0 0 0,-1 0 0,1 0 0,0 0 0,0 0 0,0 0 0,0 0 0,0 0 0,0 0 0,-1 0 0,1 0 0,0 0 0,0 0 0,0 0 0,0 0 0,0 0-1,-1 0 1,1 0 0,0 0 0,0-1 0,0 1 0,0 0 0,0 0 0,0 0 0,0 0 0,-1 0 0,1 0 0,0 0 0,0 0 0,0 0 0,0-1 0,0 1 0,0 0 0,0 0 0,0 0 0,0 0-1,0 0 1,0 0 0,0-1 0,0 1 0,-1 0 0,1 0 0,0 0 0,0 0 0,0 0 0,0-1 0,0 1 0,0 0 0,1 0 0,-1 0 0,0 0 0,0 0 0,0 0 0,0-1 0,0 1 0,0 0-1,0 0 1,0 0 0,0 0 0,0 0 0,0 0 0,1-1 0,1-7 0,-2 5 0,1 0 0,0 0-1,0 0 1,0 0 0,1 0 0,-1 0-1,1 0 1,-1 0 0,4-3 0,1-1-283,0 1 1,0-1 0,1 1 0,0 1 0,0-1 0,0 1 0,11-5 0,20-15-4202,-20 11 1816</inkml:trace>
+  <inkml:trace contextRef="#ctx0" brushRef="#br0" timeOffset="1">360 82 1920,'0'0'1098,"-5"-1"-64,-12 0-56,13 1-42,1 3-61,-5 5-489,2-1 0,-1 1-1,1 1 1,0-1 0,1 1-1,0 0 1,0 1-1,1-1 1,0 1 0,1 0-1,-3 13 1,4-14-240,0 1 0,1-1 0,0 1 0,0-1 0,1 1 0,0-1 0,1 1 0,0-1 0,1 1 0,0-1 0,0 0 0,7 18 0,-7-25-191,-1 1 1,1 0-1,-1 0 0,1-1 1,0 1-1,0-1 1,0 1-1,1-1 1,-1 0-1,0 0 1,1 0-1,-1 0 1,1 0-1,0 0 1,0-1-1,0 0 1,0 1-1,0-1 1,0 0-1,0 0 1,0-1-1,0 1 1,0-1-1,0 1 1,1-1-1,4 0 1,2-1-687,0-1 0,0 0 1,0 0-1,-1 0 0,1-2 1,-1 1-1,11-6 0,14-7-2100</inkml:trace>
+</inkml:ink>
+</file>
+
+<file path=ppt/ink/ink109.xml><?xml version="1.0" encoding="utf-8"?>
+<inkml:ink xmlns:inkml="http://www.w3.org/2003/InkML">
+  <inkml:definitions>
+    <inkml:context xml:id="ctx0">
+      <inkml:inkSource xml:id="inkSrc0">
+        <inkml:traceFormat>
+          <inkml:channel name="X" type="integer" min="-2.14748E9" max="2.14748E9" units="cm"/>
+          <inkml:channel name="Y" type="integer" min="-2.14748E9" max="2.14748E9" units="cm"/>
+          <inkml:channel name="F" type="integer" max="32767" units="dev"/>
+        </inkml:traceFormat>
+        <inkml:channelProperties>
+          <inkml:channelProperty channel="X" name="resolution" value="1000" units="1/cm"/>
+          <inkml:channelProperty channel="Y" name="resolution" value="1000" units="1/cm"/>
+          <inkml:channelProperty channel="F" name="resolution" value="0" units="1/dev"/>
+        </inkml:channelProperties>
+      </inkml:inkSource>
+      <inkml:timestamp xml:id="ts0" timeString="2022-07-24T04:23:16.495"/>
+    </inkml:context>
+    <inkml:brush xml:id="br0">
+      <inkml:brushProperty name="width" value="0.05" units="cm"/>
+      <inkml:brushProperty name="height" value="0.05" units="cm"/>
+    </inkml:brush>
+  </inkml:definitions>
+  <inkml:trace contextRef="#ctx0" brushRef="#br0">4 22 1116,'-4'-21'4777,"4"31"-1395,5 28-2185,16 90 179,-1 0-1852,-13-39-4679,-7-64 2374</inkml:trace>
+</inkml:ink>
+</file>
+
 <file path=ppt/ink/ink11.xml><?xml version="1.0" encoding="utf-8"?>
 <inkml:ink xmlns:inkml="http://www.w3.org/2003/InkML">
   <inkml:definitions>
@@ -198,6 +480,276 @@
 </inkml:ink>
 </file>
 
+<file path=ppt/ink/ink110.xml><?xml version="1.0" encoding="utf-8"?>
+<inkml:ink xmlns:inkml="http://www.w3.org/2003/InkML">
+  <inkml:definitions>
+    <inkml:context xml:id="ctx0">
+      <inkml:inkSource xml:id="inkSrc0">
+        <inkml:traceFormat>
+          <inkml:channel name="X" type="integer" min="-2.14748E9" max="2.14748E9" units="cm"/>
+          <inkml:channel name="Y" type="integer" min="-2.14748E9" max="2.14748E9" units="cm"/>
+          <inkml:channel name="F" type="integer" max="32767" units="dev"/>
+        </inkml:traceFormat>
+        <inkml:channelProperties>
+          <inkml:channelProperty channel="X" name="resolution" value="1000" units="1/cm"/>
+          <inkml:channelProperty channel="Y" name="resolution" value="1000" units="1/cm"/>
+          <inkml:channelProperty channel="F" name="resolution" value="0" units="1/dev"/>
+        </inkml:channelProperties>
+      </inkml:inkSource>
+      <inkml:timestamp xml:id="ts0" timeString="2022-07-24T04:22:59.518"/>
+    </inkml:context>
+    <inkml:brush xml:id="br0">
+      <inkml:brushProperty name="width" value="0.05" units="cm"/>
+      <inkml:brushProperty name="height" value="0.05" units="cm"/>
+    </inkml:brush>
+  </inkml:definitions>
+  <inkml:trace contextRef="#ctx0" brushRef="#br0">55 372 1788,'0'0'5611,"-1"7"-5089,-1 9 46,1 1 1,1 0 0,1 20 0,22 156 2665,-17-119-232,-6-74-2987,0 1 1,0-1 0,0 0 0,0 0 0,0 1 0,0-1 0,0 0 0,0 0 0,0 1 0,0-1 0,0 0 0,0 0 0,0 1 0,0-1 0,0 0 0,0 0 0,0 1 0,0-1 0,0 0 0,0 0-1,0 1 1,0-1 0,-1 0 0,1 0 0,0 1 0,0-1 0,0 0 0,0 0 0,-1 0 0,1 1 0,-6-7 366,-4-12-148,10 18-255,-8-18 138,0 1-1,2-1 1,-9-36-1,-2-57 142,10 13 71,7 98-326,-1 0-1,1-1 0,0 1 1,0 0-1,0 0 0,0 0 1,0-1-1,0 1 0,0 0 1,0 0-1,0 0 0,0-1 1,0 1-1,0 0 1,0 0-1,0 0 0,0-1 1,0 1-1,0 0 0,0 0 1,0-1-1,0 1 0,0 0 1,0 0-1,0 0 0,0-1 1,0 1-1,0 0 0,1 0 1,-1 0-1,0 0 0,0-1 1,0 1-1,0 0 0,0 0 1,1 0-1,-1 0 0,0 0 1,0 0-1,0-1 0,1 1 1,-1 0-1,0 0 0,0 0 1,0 0-1,1 0 1,-1 0-1,0 0 0,0 0 1,0 0-1,1 0 0,-1 0 1,0 0-1,0 0 0,0 0 1,1 0-1,-1 0 0,0 0 1,1 0-1,13 10 13,1-1 1,-1 1-1,18 19 0,-13-13 5,23 16-1,-39-29-17,73 44 46,-65-42-39,0 1 0,0-2 0,0 1 0,1-2 1,14 4-1,-25-7-7,0 0 1,0 0 0,0 0-1,0 0 1,0 0 0,0 0-1,0-1 1,0 1 0,0 0-1,0-1 1,0 1 0,0 0-1,0-1 1,0 1 0,0-1-1,0 0 1,-1 1 0,1-1-1,0 0 1,0 1 0,-1-1-1,1 0 1,0 0 0,-1 0-1,1 1 1,0-2 0,0-1 2,1 0-1,-1 1 1,0-1 0,0 0 0,0 0-1,0 0 1,1-6 0,-1-14 3,0 1 0,-2-1 0,-4-31 0,-18-69 4,9 57 35,-10-34 51,6 33-61,6 20-893,12 46 376,0-2-85,-1-4 267</inkml:trace>
+</inkml:ink>
+</file>
+
+<file path=ppt/ink/ink111.xml><?xml version="1.0" encoding="utf-8"?>
+<inkml:ink xmlns:inkml="http://www.w3.org/2003/InkML">
+  <inkml:definitions>
+    <inkml:context xml:id="ctx0">
+      <inkml:inkSource xml:id="inkSrc0">
+        <inkml:traceFormat>
+          <inkml:channel name="X" type="integer" min="-2.14748E9" max="2.14748E9" units="cm"/>
+          <inkml:channel name="Y" type="integer" min="-2.14748E9" max="2.14748E9" units="cm"/>
+          <inkml:channel name="F" type="integer" max="32767" units="dev"/>
+        </inkml:traceFormat>
+        <inkml:channelProperties>
+          <inkml:channelProperty channel="X" name="resolution" value="1000" units="1/cm"/>
+          <inkml:channelProperty channel="Y" name="resolution" value="1000" units="1/cm"/>
+          <inkml:channelProperty channel="F" name="resolution" value="0" units="1/dev"/>
+        </inkml:channelProperties>
+      </inkml:inkSource>
+      <inkml:timestamp xml:id="ts0" timeString="2022-07-24T04:22:59.940"/>
+    </inkml:context>
+    <inkml:brush xml:id="br0">
+      <inkml:brushProperty name="width" value="0.05" units="cm"/>
+      <inkml:brushProperty name="height" value="0.05" units="cm"/>
+    </inkml:brush>
+  </inkml:definitions>
+  <inkml:trace contextRef="#ctx0" brushRef="#br0">140 0 1828,'0'0'5631,"-5"4"-4867,-6 4-429,1 0-1,0 1 0,1 1 0,0 0 0,0 0 0,1 0 0,0 1 0,1 0 0,0 1 0,1 0 0,1 0 0,-8 21 0,12-30-282,0 0-1,1 0 0,-1 0 1,1-1-1,0 1 0,0 0 0,0 0 1,0 0-1,0 0 0,1 0 0,-1 0 1,1-1-1,0 1 0,0 0 0,0 0 1,0-1-1,0 1 0,1-1 1,-1 1-1,1-1 0,-1 1 0,1-1 1,0 0-1,0 0 0,0 0 0,0 0 1,1 0-1,-1 0 0,0-1 0,5 3 1,6 3 111,1-1 0,0-1 1,0 0-1,26 6 1,-18-6 8,-7-1-15,-5-2 122,1 1 1,-1 0-1,0 1 0,0 0 1,0 0-1,12 9 1,-21-13-211,0 1 0,0 0 0,-1-1 0,1 1 0,0 0 1,0 0-1,-1 0 0,1 0 0,-1 0 0,1 0 0,-1 0 1,1 0-1,-1 0 0,1 0 0,-1 0 0,0 0 0,0 0 1,1 0-1,-1 0 0,0 2 0,-1-1-8,1 0-1,0 0 1,-1 0-1,1 0 1,-1 0 0,0 0-1,0 0 1,0 0-1,0 0 1,-1 2-1,-5 5 63,0-1-1,0 0 0,-13 10 0,16-14-33,-36 31-621,-2-2-1,-67 41 0,96-67-271,6-4-1057,-1 1-4530,-2 1 2071</inkml:trace>
+</inkml:ink>
+</file>
+
+<file path=ppt/ink/ink112.xml><?xml version="1.0" encoding="utf-8"?>
+<inkml:ink xmlns:inkml="http://www.w3.org/2003/InkML">
+  <inkml:definitions>
+    <inkml:context xml:id="ctx0">
+      <inkml:inkSource xml:id="inkSrc0">
+        <inkml:traceFormat>
+          <inkml:channel name="X" type="integer" min="-2.14748E9" max="2.14748E9" units="cm"/>
+          <inkml:channel name="Y" type="integer" min="-2.14748E9" max="2.14748E9" units="cm"/>
+          <inkml:channel name="F" type="integer" max="32767" units="dev"/>
+        </inkml:traceFormat>
+        <inkml:channelProperties>
+          <inkml:channelProperty channel="X" name="resolution" value="1000" units="1/cm"/>
+          <inkml:channelProperty channel="Y" name="resolution" value="1000" units="1/cm"/>
+          <inkml:channelProperty channel="F" name="resolution" value="0" units="1/dev"/>
+        </inkml:channelProperties>
+      </inkml:inkSource>
+      <inkml:timestamp xml:id="ts0" timeString="2022-07-24T04:23:00.345"/>
+    </inkml:context>
+    <inkml:brush xml:id="br0">
+      <inkml:brushProperty name="width" value="0.05" units="cm"/>
+      <inkml:brushProperty name="height" value="0.05" units="cm"/>
+    </inkml:brush>
+  </inkml:definitions>
+  <inkml:trace contextRef="#ctx0" brushRef="#br0">85 0 1160,'0'0'5037,"-4"6"-4232,-2 1-560,3-4-127,0 1 0,0-1 1,0 1-1,1 0 0,-1 0 0,1 0 1,0 0-1,0 0 0,-2 6 0,-9 38 551,2 0-1,2 1 0,2 0 0,2 0 0,3 0 0,4 73 1,-1-115-578,0 0 0,1-1 0,-1 1 1,1-1-1,1 1 0,-1-1 0,1 0 1,0 0-1,7 10 0,-9-14-65,0-1 0,0 0 0,0 0 0,0 0-1,1-1 1,-1 1 0,0 0 0,0 0 0,1-1 0,-1 1-1,0 0 1,1-1 0,-1 0 0,1 1 0,1-1 0,0 1 32,-1 0 94,3-3 16,8-6 232,25-17 0,-23 15 461,30-18-1,-43 28-803,-1-1 0,1 1 0,0 0 0,-1-1 0,1 1 0,0 0 0,0 0 0,0 0 0,-1 0 0,1 0 0,0 1 1,0-1-1,-1 0 0,1 1 0,0-1 0,-1 1 0,1 0 0,-1 0 0,1-1 0,-1 1 0,1 0 0,-1 0 0,1 1 0,-1-1 0,0 0 0,1 0 0,0 3 0,5 3 46,-1 1 1,0 0-1,6 12 0,-11-18-68,13 24 13,-1 1-1,-1 0 1,11 39-1,1-15-2679,-18-40 1429,-6-10 904,0-1 0,1 1 0,-1 0 0,0-1 0,0 1 0,1 0 0,-1-1 0,1 1 0,-1-1 0,0 1 0,1-1 0,-1 1 0,1-1 0,0 1-1,-1-1 1,1 0 0,0 1 0,1 0-999</inkml:trace>
+</inkml:ink>
+</file>
+
+<file path=ppt/ink/ink113.xml><?xml version="1.0" encoding="utf-8"?>
+<inkml:ink xmlns:inkml="http://www.w3.org/2003/InkML">
+  <inkml:definitions>
+    <inkml:context xml:id="ctx0">
+      <inkml:inkSource xml:id="inkSrc0">
+        <inkml:traceFormat>
+          <inkml:channel name="X" type="integer" min="-2.14748E9" max="2.14748E9" units="cm"/>
+          <inkml:channel name="Y" type="integer" min="-2.14748E9" max="2.14748E9" units="cm"/>
+          <inkml:channel name="F" type="integer" max="32767" units="dev"/>
+        </inkml:traceFormat>
+        <inkml:channelProperties>
+          <inkml:channelProperty channel="X" name="resolution" value="1000" units="1/cm"/>
+          <inkml:channelProperty channel="Y" name="resolution" value="1000" units="1/cm"/>
+          <inkml:channelProperty channel="F" name="resolution" value="0" units="1/dev"/>
+        </inkml:channelProperties>
+      </inkml:inkSource>
+      <inkml:timestamp xml:id="ts0" timeString="2022-07-24T04:23:00.767"/>
+    </inkml:context>
+    <inkml:brush xml:id="br0">
+      <inkml:brushProperty name="width" value="0.05" units="cm"/>
+      <inkml:brushProperty name="height" value="0.05" units="cm"/>
+    </inkml:brush>
+  </inkml:definitions>
+  <inkml:trace contextRef="#ctx0" brushRef="#br0">12 30 2252,'-1'-2'1569,"-9"-26"7054,17 327-4674,-5-244-4156,2-1 0,19 90 1,-16-116-956,15 41 1,5-8-4250,-13-33 1720</inkml:trace>
+</inkml:ink>
+</file>
+
+<file path=ppt/ink/ink114.xml><?xml version="1.0" encoding="utf-8"?>
+<inkml:ink xmlns:inkml="http://www.w3.org/2003/InkML">
+  <inkml:definitions>
+    <inkml:context xml:id="ctx0">
+      <inkml:inkSource xml:id="inkSrc0">
+        <inkml:traceFormat>
+          <inkml:channel name="X" type="integer" min="-2.14748E9" max="2.14748E9" units="cm"/>
+          <inkml:channel name="Y" type="integer" min="-2.14748E9" max="2.14748E9" units="cm"/>
+          <inkml:channel name="F" type="integer" max="32767" units="dev"/>
+        </inkml:traceFormat>
+        <inkml:channelProperties>
+          <inkml:channelProperty channel="X" name="resolution" value="1000" units="1/cm"/>
+          <inkml:channelProperty channel="Y" name="resolution" value="1000" units="1/cm"/>
+          <inkml:channelProperty channel="F" name="resolution" value="0" units="1/dev"/>
+        </inkml:channelProperties>
+      </inkml:inkSource>
+      <inkml:timestamp xml:id="ts0" timeString="2022-07-24T04:23:01.389"/>
+    </inkml:context>
+    <inkml:brush xml:id="br0">
+      <inkml:brushProperty name="width" value="0.05" units="cm"/>
+      <inkml:brushProperty name="height" value="0.05" units="cm"/>
+    </inkml:brush>
+  </inkml:definitions>
+  <inkml:trace contextRef="#ctx0" brushRef="#br0">68 195 1020,'0'-2'2325,"2"26"4544,7 92-5503,-8-99-1167,1 36 999,-6 78 1,4-129-1149,0-1 0,0 1 0,-1-1 0,1 1 1,-1-1-1,1 0 0,-1 1 0,1-1 0,-1 0 0,0 0 0,1 1 0,-1-1 1,0 0-1,0 0 0,0 0 0,0 0 0,-1 1 0,1-2-40,0 2 339,-4-6-261,0-2-59,-1 0-1,1-1 0,1 0 1,-1 0-1,1 0 0,0-1 0,1 1 1,0-1-1,0 0 0,0 0 1,-2-14-1,2 0 54,0 1 1,1-29-1,1 48-76,2 0-1,-1 0 1,0 0-1,0 1 1,0-1-1,1 0 1,-1 0-1,1 1 1,-1-1-1,1 0 1,0 1 0,0-1-1,0 1 1,1-3-1,-1 2 6,0 1-6,1 1 0,-1-1 0,0 0 0,0 1 0,0-1 0,0 1 0,0-1 0,1 1 0,-1-1 1,0 1-1,0 0 0,1 0 0,-1 0 0,0 0 0,0 0 0,1 0 0,-1 0 0,0 0 0,0 0 0,3 1 0,25 6 37,-2 4-10,-2 0 0,43 27-1,-42-22 35,56 24-1,38-2 59,-119-38-121,0 1 0,0-1 1,0 0-1,0 0 0,0 0 1,0 0-1,0 0 0,0 0 1,1 0-1,-1 0 1,0 0-1,0 0 0,0 0 1,0-1-1,0 1 0,0-1 1,0 1-1,0-1 1,0 1-1,0-1 0,0 1 1,1-2-1,-1 0 3,1 1 0,-1-1 0,0 1 1,0-1-1,0 0 0,-1 1 0,1-1 0,0 0 0,-1 0 1,1 0-1,-1 1 0,1-3 0,0-4 15,-1 0 1,0-1-1,0 1 1,-2-13-1,-36-141 117,8 45-84,26 98-58,0 5-333,2-1 0,-2-16 0,4 29 12,0-1 1,1 1-1,-1-1 1,1 1-1,-1 0 1,1-1-1,0 1 1,0 0-1,0 0 1,0-1-1,0 1 1,1 0-1,-1 0 1,1 0 0,-1 1-1,1-1 1,0 0-1,2-2 1,3 0-2807</inkml:trace>
+</inkml:ink>
+</file>
+
+<file path=ppt/ink/ink115.xml><?xml version="1.0" encoding="utf-8"?>
+<inkml:ink xmlns:inkml="http://www.w3.org/2003/InkML">
+  <inkml:definitions>
+    <inkml:context xml:id="ctx0">
+      <inkml:inkSource xml:id="inkSrc0">
+        <inkml:traceFormat>
+          <inkml:channel name="X" type="integer" min="-2.14748E9" max="2.14748E9" units="cm"/>
+          <inkml:channel name="Y" type="integer" min="-2.14748E9" max="2.14748E9" units="cm"/>
+          <inkml:channel name="F" type="integer" max="32767" units="dev"/>
+        </inkml:traceFormat>
+        <inkml:channelProperties>
+          <inkml:channelProperty channel="X" name="resolution" value="1000" units="1/cm"/>
+          <inkml:channelProperty channel="Y" name="resolution" value="1000" units="1/cm"/>
+          <inkml:channelProperty channel="F" name="resolution" value="0" units="1/dev"/>
+        </inkml:channelProperties>
+      </inkml:inkSource>
+      <inkml:timestamp xml:id="ts0" timeString="2022-07-24T04:23:01.763"/>
+    </inkml:context>
+    <inkml:brush xml:id="br0">
+      <inkml:brushProperty name="width" value="0.05" units="cm"/>
+      <inkml:brushProperty name="height" value="0.05" units="cm"/>
+    </inkml:brush>
+  </inkml:definitions>
+  <inkml:trace contextRef="#ctx0" brushRef="#br0">92 1 1908,'0'0'6317,"-8"2"-5615,-22 12-69,29-13-554,-1 0 0,0 1 1,1-1-1,0 0 1,-1 1-1,1-1 0,0 1 1,0 0-1,0-1 1,0 1-1,0 0 0,0-1 1,0 1-1,1 0 1,-1 0-1,1 0 1,-1 0-1,1 0 0,0 0 1,-1 0-1,1 3 1,1 3 116,-1 0 1,1 1 0,2 10-1,-3-17-171,5 12 141,-1 1 0,2 0-1,0-1 1,1 0-1,0-1 1,1 1-1,18 23 1,-13-21 68,-2 2 1,0 0 0,15 33-1,-24-46-172,0 1 0,0-1-1,-1 0 1,0 0 0,0 1-1,0-1 1,-1 0 0,1 1-1,-1-1 1,-1 1 0,1-1 0,-1 0-1,0 1 1,0-1 0,0 0-1,-1 0 1,0 1 0,0-1-1,0-1 1,-1 1 0,1 0-1,-1 0 1,0-1 0,-1 0-1,1 0 1,-1 0 0,0 0-1,0 0 1,0-1 0,-6 5-1,7-6-135,0 0-1,0-1 0,0 1 0,-1-1 0,1 0 0,0 0 0,0 0 0,-1 0 0,1 0 0,0-1 0,-1 1 0,1-1 0,-1 0 0,1 0 0,-1 0 0,1-1 0,0 1 0,-1-1 0,1 0 0,0 0 0,-1 0 0,1 0 0,-3-2 0,3 1-454,0 0 1,0 0-1,0 1 0,1-2 1,-1 1-1,1 0 1,-1 0-1,1-1 1,0 1-1,0-1 1,0 0-1,0 0 0,1 1 1,-3-7-1,0-3-2428</inkml:trace>
+</inkml:ink>
+</file>
+
+<file path=ppt/ink/ink116.xml><?xml version="1.0" encoding="utf-8"?>
+<inkml:ink xmlns:inkml="http://www.w3.org/2003/InkML">
+  <inkml:definitions>
+    <inkml:context xml:id="ctx0">
+      <inkml:inkSource xml:id="inkSrc0">
+        <inkml:traceFormat>
+          <inkml:channel name="X" type="integer" min="-2.14748E9" max="2.14748E9" units="cm"/>
+          <inkml:channel name="Y" type="integer" min="-2.14748E9" max="2.14748E9" units="cm"/>
+          <inkml:channel name="F" type="integer" max="32767" units="dev"/>
+        </inkml:traceFormat>
+        <inkml:channelProperties>
+          <inkml:channelProperty channel="X" name="resolution" value="1000" units="1/cm"/>
+          <inkml:channelProperty channel="Y" name="resolution" value="1000" units="1/cm"/>
+          <inkml:channelProperty channel="F" name="resolution" value="0" units="1/dev"/>
+        </inkml:channelProperties>
+      </inkml:inkSource>
+      <inkml:timestamp xml:id="ts0" timeString="2022-07-24T04:23:02.215"/>
+    </inkml:context>
+    <inkml:brush xml:id="br0">
+      <inkml:brushProperty name="width" value="0.05" units="cm"/>
+      <inkml:brushProperty name="height" value="0.05" units="cm"/>
+    </inkml:brush>
+  </inkml:definitions>
+  <inkml:trace contextRef="#ctx0" brushRef="#br0">23 1 1136,'0'0'2834,"0"7"-1992,-9 96 1916,-2 31-485,10-89-1676,-1-28-348,2 1 0,2 19 1,13 49 822,-9-68-722,-5-17-332,-1 0 0,0 0 1,1-1-1,-1 1 0,1 0 0,-1 0 1,1-1-1,-1 1 0,1 0 0,0-1 1,-1 1-1,1 0 0,0-1 1,-1 1-1,1-1 0,0 1 0,0-1 1,-1 0-1,1 1 0,0-1 0,0 0 1,1 1-1,8-1 74,-7 0-1,1-2-1,12-5 57,6-3 154,0 1 1,27-7 0,-47 15-275,0 1 0,0-1 0,0 1-1,0 0 1,0 0 0,0 0 0,0 0 0,0 0-1,0 0 1,0 1 0,3 0 0,2 1 37,1-1 9,-1 0 0,0 1 1,0 0-1,0 0 0,0 1 0,0-1 1,-1 2-1,1-1 0,-1 1 1,0 0-1,0 0 0,10 9 1,-1 3 50,0 0 1,23 35 0,-26-33-1223,1-1 1,24 25-1,-35-40 532,1 0-83,12 6-6887</inkml:trace>
+</inkml:ink>
+</file>
+
+<file path=ppt/ink/ink117.xml><?xml version="1.0" encoding="utf-8"?>
+<inkml:ink xmlns:inkml="http://www.w3.org/2003/InkML">
+  <inkml:definitions>
+    <inkml:context xml:id="ctx0">
+      <inkml:inkSource xml:id="inkSrc0">
+        <inkml:traceFormat>
+          <inkml:channel name="X" type="integer" min="-2.14748E9" max="2.14748E9" units="cm"/>
+          <inkml:channel name="Y" type="integer" min="-2.14748E9" max="2.14748E9" units="cm"/>
+          <inkml:channel name="F" type="integer" max="32767" units="dev"/>
+        </inkml:traceFormat>
+        <inkml:channelProperties>
+          <inkml:channelProperty channel="X" name="resolution" value="1000" units="1/cm"/>
+          <inkml:channelProperty channel="Y" name="resolution" value="1000" units="1/cm"/>
+          <inkml:channelProperty channel="F" name="resolution" value="0" units="1/dev"/>
+        </inkml:channelProperties>
+      </inkml:inkSource>
+      <inkml:timestamp xml:id="ts0" timeString="2022-07-24T04:23:02.639"/>
+    </inkml:context>
+    <inkml:brush xml:id="br0">
+      <inkml:brushProperty name="width" value="0.05" units="cm"/>
+      <inkml:brushProperty name="height" value="0.05" units="cm"/>
+    </inkml:brush>
+  </inkml:definitions>
+  <inkml:trace contextRef="#ctx0" brushRef="#br0">123 182 1908,'-13'-7'1208,"2"0"0,-1 0 0,1-1 0,0-1 0,0 0 0,1 0 0,0-1 0,1 0 0,-9-13 0,17 21-1050,0-1-1,0 1 1,0 0 0,1-1-1,-1 1 1,1-1 0,-1 1-1,1 0 1,0-1 0,0 1 0,0-1-1,1-3 1,-1 4-99,0 0-6,1 0 0,-1 1 0,1-1 1,-1 1-1,1-1 0,0 1 0,-1-1 0,1 1 0,0-1 1,0 1-1,0 0 0,0 0 0,0-1 0,1 1 1,-1 0-1,2-1 0,-1 0 100,-1 1-119,1 0 1,-1 0-1,0-1 0,1 2 0,-1-1 1,1 0-1,-1 0 0,1 0 0,0 1 1,-1-1-1,1 1 0,3-1 0,0-1 43,-1 1-40,0 0 0,-1 0 0,1 0 0,-1 1-1,1-1 1,0 1 0,0 0 0,-1 0 0,1 0 0,0 1-1,-1-1 1,1 1 0,0 0 0,-1 0 0,1 0 0,-1 0-1,1 1 1,-1-1 0,0 1 0,0 0 0,0 0 0,0 0-1,0 1 1,0-1 0,0 1 0,-1-1 0,4 5 0,1 1 4,-1 1 1,0 0 0,-1 0 0,0 0 0,-1 1-1,1 0 1,-2 0 0,4 11 0,-3-3 2,-1 0 0,-1 0 0,-1 0 1,0 1-1,-3 26 0,-2-10 46,-15 65-1,-26 32 62,2-12 1,38-79-13,9-41-127,2 0-11,1 0 1,-1-1-1,1 0 1,-1 0-1,1 0 1,11-5-1,42-19-84,-32 12 6,31-13-319,88-34-1310,-117 50-452,42-8 1,-39 11-3520,-19 5 2135</inkml:trace>
+</inkml:ink>
+</file>
+
+<file path=ppt/ink/ink118.xml><?xml version="1.0" encoding="utf-8"?>
+<inkml:ink xmlns:inkml="http://www.w3.org/2003/InkML">
+  <inkml:definitions>
+    <inkml:context xml:id="ctx0">
+      <inkml:inkSource xml:id="inkSrc0">
+        <inkml:traceFormat>
+          <inkml:channel name="X" type="integer" min="-2.14748E9" max="2.14748E9" units="cm"/>
+          <inkml:channel name="Y" type="integer" min="-2.14748E9" max="2.14748E9" units="cm"/>
+          <inkml:channel name="F" type="integer" max="32767" units="dev"/>
+        </inkml:traceFormat>
+        <inkml:channelProperties>
+          <inkml:channelProperty channel="X" name="resolution" value="1000" units="1/cm"/>
+          <inkml:channelProperty channel="Y" name="resolution" value="1000" units="1/cm"/>
+          <inkml:channelProperty channel="F" name="resolution" value="0" units="1/dev"/>
+        </inkml:channelProperties>
+      </inkml:inkSource>
+      <inkml:timestamp xml:id="ts0" timeString="2022-07-24T04:23:03.859"/>
+    </inkml:context>
+    <inkml:brush xml:id="br0">
+      <inkml:brushProperty name="width" value="0.05" units="cm"/>
+      <inkml:brushProperty name="height" value="0.05" units="cm"/>
+    </inkml:brush>
+  </inkml:definitions>
+  <inkml:trace contextRef="#ctx0" brushRef="#br0">171 13 940,'0'0'1083,"-1"-2"-100,0 1-810,0 0 0,0 0 1,0 0-1,0 0 0,0 0 1,-1 1-1,1-1 0,0 0 1,0 1-1,-1-1 0,1 1 1,0-1-1,0 1 0,-1 0 1,1 0-1,0-1 1,-1 1-1,1 0 0,-1 0 1,1 0-1,0 1 0,-1-1 1,1 0-1,0 0 0,-1 1 1,1-1-1,0 1 0,0-1 1,-3 2-1,1-1-54,-1 0 1,1 1-1,0-1 0,0 1 1,-1 0-1,1 0 0,0 0 1,0 1-1,1-1 1,-1 1-1,0-1 0,1 1 1,0 0-1,0 0 0,0 0 1,0 0-1,0 0 0,0 1 1,1-1-1,-1 0 0,1 1 1,0-1-1,0 1 0,1 0 1,-1-1-1,1 1 0,-1 0 1,1-1-1,0 1 0,1 0 1,-1-1-1,1 1 0,-1 0 1,1-1-1,0 1 0,0-1 1,1 1-1,-1-1 1,1 0-1,0 1 0,3 4 1,36 38 196,-30-35-73,0 0 1,-1 1 0,0 0-1,11 20 1,-19-29-165,-1 1 0,1 0 0,0 0-1,-1-1 1,0 1 0,0 0 0,0 0 0,-1 0 0,1 0-1,-1 0 1,0 0 0,0 0 0,0 0 0,-1 0 0,1 0-1,-1 0 1,0 0 0,0 0 0,0 0 0,-1 0 0,-3 6 0,0-2-25,-1 0 1,0 0-1,0 0 1,0-1-1,-1 0 1,-1 0-1,1-1 1,-1 0-1,0 0 1,0-1 0,-1 0-1,1 0 1,-1-1-1,0 0 1,-13 3-1,20-6-182,-1-1-1,1 1 0,0-1 0,0 0 1,-1 0-1,1 0 0,0 0 1,-1 0-1,1 0 0,0-1 1,0 1-1,-1-1 0,1 0 1,0 1-1,0-1 0,-3-2 0,2 2-749,1-1 1,0 1-1,0-1 0,0 0 0,0 0 0,1 0 0,-4-3 0</inkml:trace>
+</inkml:ink>
+</file>
+
+<file path=ppt/ink/ink119.xml><?xml version="1.0" encoding="utf-8"?>
+<inkml:ink xmlns:inkml="http://www.w3.org/2003/InkML">
+  <inkml:definitions>
+    <inkml:context xml:id="ctx0">
+      <inkml:inkSource xml:id="inkSrc0">
+        <inkml:traceFormat>
+          <inkml:channel name="X" type="integer" min="-2.14748E9" max="2.14748E9" units="cm"/>
+          <inkml:channel name="Y" type="integer" min="-2.14748E9" max="2.14748E9" units="cm"/>
+          <inkml:channel name="F" type="integer" max="32767" units="dev"/>
+        </inkml:traceFormat>
+        <inkml:channelProperties>
+          <inkml:channelProperty channel="X" name="resolution" value="1000" units="1/cm"/>
+          <inkml:channelProperty channel="Y" name="resolution" value="1000" units="1/cm"/>
+          <inkml:channelProperty channel="F" name="resolution" value="0" units="1/dev"/>
+        </inkml:channelProperties>
+      </inkml:inkSource>
+      <inkml:timestamp xml:id="ts0" timeString="2022-07-24T04:23:04.517"/>
+    </inkml:context>
+    <inkml:brush xml:id="br0">
+      <inkml:brushProperty name="width" value="0.05" units="cm"/>
+      <inkml:brushProperty name="height" value="0.05" units="cm"/>
+    </inkml:brush>
+  </inkml:definitions>
+  <inkml:trace contextRef="#ctx0" brushRef="#br0">1 241 1432,'23'80'6090,"30"86"-1624,-52-162-4321,1 1 0,0-1 0,0 0 0,1 0 0,-1 0 0,1 0 0,0-1 0,5 6 0,-7-8 208,-1-1-349,0-1 0,0 1 0,0 0 0,0 0 0,0 0-1,1-1 1,-1 1 0,0 0 0,0 0 0,0 0 0,0 0 0,1 0 0,-1-1 0,0 1 0,0 0 0,0 0 0,1 0-1,-1 0 1,0 0 0,0 0 0,1 0 0,-1 0 0,0 0 0,0 0 0,0 0 0,1 0 0,-1 0 0,0 0 0,0 0 0,1 0-1,-1 0 1,0 0 0,1 0 0,-1 0-1,1 0 1,-1 1-1,1-1 1,-1 0-1,0 0 1,1 0-1,-1-1 0,1 1 1,-1 0-1,1 0 1,-1 0-1,0 0 1,1 0-1,-1 0 1,1 0-1,-1-1 1,0 1-1,1 0 1,-1 0-1,0-1 1,1 1-1,-1 0 0,0-1 1,1 1-1,-1 0 1,0-1-1,0 1 1,1-1-1,11-19 90,-9 14-57,0 0 0,1 1 0,0-1 0,0 1 0,0-1-1,0 1 1,1 1 0,9-9 0,-13 12-26,2 2-7,0-1 0,0 1 0,0-1 0,-1 1 0,1 0 0,0 0 0,-1 0 1,1 1-1,-1-1 0,1 0 0,3 4 0,27 24-5,-12-11 10,-16-14-4,0-1-1,0 1 1,1-1 0,-1 0-1,1 0 1,0 0 0,0-1-1,0 0 1,7 2 0,-11-4-5,1 0 0,0 0 1,0 0-1,-1 0 0,1 0 1,0 0-1,-1-1 0,1 1 1,0-1-1,-1 0 0,1 0 0,-1 0 1,1 0-1,-1 0 0,1-1 1,-1 1-1,0-1 0,0 0 0,0 1 1,0-1-1,0 0 0,0 0 1,2-3-1,1-2-1,0-1 0,0 1 0,-1-1 0,0 0 0,0 0 0,-1-1 0,0 1 0,-1-1 0,0 0-1,0 1 1,1-12 0,-1-11-8,-3-57 0,0 81 10,0-30 5,-1-7 0,-1 0 1,-16-79 0,18 120-4,-9-20-1,10 22 2,-3 3-4,0 0 2,0 0 0,0 0 0,1 0 0,-1 1 0,1-1 0,0 1 0,0 0 0,0-1 0,0 1 0,0 0 0,1 0 0,-1 0 0,-1 6 0,-2 5 5,-6 29 1,9-33-14,0 1 13,-3 9 2,-2 33 0,7-49-7,-1 1-1,1-1 0,0 1 0,1-1 0,-1 0 0,1 1 0,0-1 0,0 0 0,0 0 1,0 1-1,1-1 0,0 0 0,4 7 0,-4-9 1,0 0-1,0 0 1,0 0-1,0-1 1,1 1 0,-1 0-1,0-1 1,1 0-1,-1 0 1,1 1 0,4 0-1,33 7 13,-22-6-11,-7 0-2,7 1 2,0 0-1,34 14 1,-48-16-2,-1-1 1,1 1-1,-1 0 1,1 0-1,-1 0 1,0 0-1,0 1 0,0-1 1,0 1-1,0 0 1,0-1-1,-1 2 1,0-1-1,1 0 0,-1 0 1,0 1-1,-1-1 1,1 1-1,-1-1 1,2 6-1,-2-5 0,0-1 0,-1 1 0,0-1 0,1 0 1,-1 1-1,-1-1 0,1 1 0,0-1 0,-1 0 0,0 1 0,1-1 0,-1 0 0,-1 1 0,1-1 1,0 0-1,-3 4 0,2-5-27,0 1 1,0-1-1,0 0 0,-1 0 1,1 0-1,0 0 1,-1 0-1,0-1 0,1 1 1,-1-1-1,0 1 1,0-1-1,1 0 0,-7 1 1,4-1-157,0 0-1,0 0 1,-1-1 0,1 0 0,0 0-1,-1 0 1,1-1 0,0 1 0,0-1-1,0-1 1,0 1 0,0-1 0,0 0-1,0 0 1,0 0 0,0 0 0,-8-7-1,-3-9-4291,10 7 1676</inkml:trace>
+</inkml:ink>
+</file>
+
 <file path=ppt/ink/ink12.xml><?xml version="1.0" encoding="utf-8"?>
 <inkml:ink xmlns:inkml="http://www.w3.org/2003/InkML">
   <inkml:definitions>
@@ -225,6 +777,276 @@
 </inkml:ink>
 </file>
 
+<file path=ppt/ink/ink120.xml><?xml version="1.0" encoding="utf-8"?>
+<inkml:ink xmlns:inkml="http://www.w3.org/2003/InkML">
+  <inkml:definitions>
+    <inkml:context xml:id="ctx0">
+      <inkml:inkSource xml:id="inkSrc0">
+        <inkml:traceFormat>
+          <inkml:channel name="X" type="integer" min="-2.14748E9" max="2.14748E9" units="cm"/>
+          <inkml:channel name="Y" type="integer" min="-2.14748E9" max="2.14748E9" units="cm"/>
+          <inkml:channel name="F" type="integer" max="32767" units="dev"/>
+        </inkml:traceFormat>
+        <inkml:channelProperties>
+          <inkml:channelProperty channel="X" name="resolution" value="1000" units="1/cm"/>
+          <inkml:channelProperty channel="Y" name="resolution" value="1000" units="1/cm"/>
+          <inkml:channelProperty channel="F" name="resolution" value="0" units="1/dev"/>
+        </inkml:channelProperties>
+      </inkml:inkSource>
+      <inkml:timestamp xml:id="ts0" timeString="2022-07-24T04:23:05.196"/>
+    </inkml:context>
+    <inkml:brush xml:id="br0">
+      <inkml:brushProperty name="width" value="0.05" units="cm"/>
+      <inkml:brushProperty name="height" value="0.05" units="cm"/>
+    </inkml:brush>
+  </inkml:definitions>
+  <inkml:trace contextRef="#ctx0" brushRef="#br0">1 251 832,'8'22'1275,"-1"1"1,-1 0-1,0 0 0,2 39 1,5 15 94,-3-28-524,20 78 1619,-29-125-2303,-1-2-152,0 0 0,0 0 0,0 1 0,0-1 0,0 0 0,0 0 0,0 0 0,0 0 0,0 0 0,0 1-1,0-1 1,0 0 0,0 0 0,0 0 0,1 0 0,-1 0 0,0 0 0,0 1 0,0-1 0,0 0 0,0 0-1,0 0 1,0 0 0,1 0 0,-1 0 0,0 0 0,0 0 0,0 0 0,0 0 0,0 0 0,1 1 0,-1-1-1,0 0 1,0 0 0,0 0 0,0 0 0,1 0 0,-1 0 0,0 0 0,0 0 0,0-1 0,0 1 0,0 0-1,1 0 1,-1 0 0,0 0 0,0 0 0,0 0 0,0 0 0,0 0 0,1 0 0,-1 0 0,0 0 0,0 0-1,0-1 1,0 1 0,0 0 0,0 0 0,0 0 0,0 0 0,0 0 0,1 0 0,-1-1 0,0 1 0,0 0-1,14-35 159,-11 26-122,1 0 1,0-1-1,0 2 1,1-1 0,0 0-1,0 1 1,12-13 0,-16 20-39,0 0 1,0 1-1,0-1 1,0 1-1,0-1 1,1 1-1,-1-1 1,0 1-1,0-1 1,0 1 0,1 0-1,-1 0 1,0 0-1,0 0 1,1 0-1,-1 0 1,0 0-1,0 0 1,0 0 0,1 1-1,-1-1 1,0 0-1,2 2 1,2-1 6,-1 1-1,0 1 1,0-1 0,0 0 0,5 5 0,12 11 20,-8-7-15,0-1 1,0 0 0,1-1 0,20 11-1,-30-18-21,1 0-1,-1-1 0,0 1 0,1-1 0,-1 0 0,1 0 0,0-1 0,-1 1 0,1-1 0,0 0 0,-1 0 0,1-1 0,0 1 0,-1-1 0,1 0 0,-1 0 0,1-1 0,-1 1 0,0-1 1,7-3-1,-4 0-25,0 0 1,0 0 0,-1-1 0,0 1 0,0-1 0,0-1-1,-1 1 1,0-1 0,0 0 0,0 0 0,-1 0 0,4-10-1,2-8-53,-1 0 0,9-40 1,-18 64 77,0 1 1,1 0 0,-1-1-1,0 1 1,0-1 0,0 1 0,1-1-1,-1 1 1,0-1 0,0 1-1,0-1 1,0 1 0,0-1 0,0 1-1,0-1 1,0 1 0,0-1-1,0 1 1,0-1 0,-1 1 0,1-1-1,0 1 1,0 0 0,0-1-1,-1 1 1,1-1 0,0 1 0,0-1-1,-1 1 1,1 0 0,0-1-1,-1 1 1,1 0 0,0-1 0,-1 1-1,1 0 1,-1 0 0,1-1-1,-1 1 1,1 0 0,0 0 0,-1 0-1,1-1 1,-1 1 0,1 0-1,-1 0 1,1 0 0,-2 0 0,1 0-2,-1 0 0,1 1 0,-1-1 0,0 0 0,1 1 0,-1-1 0,1 1 0,0 0 0,-1-1 0,1 1 0,-3 1 1,0 4-8,0-1 1,0 0-1,0 1 1,0 0 0,1 0-1,0 0 1,0 0-1,1 1 1,0-1 0,0 0-1,0 1 1,1 0 0,-1 12-1,2-17 0,-1 0 1,1-1-1,0 1 0,0 0 0,0-1 0,0 1 0,0 0 0,1-1 1,-1 1-1,1 0 0,-1-1 0,1 1 0,-1-1 0,1 1 1,0-1-1,0 1 0,-1-1 0,1 1 0,0-1 0,0 0 1,1 1-1,-1-1 0,0 0 0,0 0 0,1 0 0,-1 0 1,0 0-1,1 0 0,-1-1 0,1 1 0,-1 0 0,1-1 1,0 1-1,-1-1 0,1 1 0,-1-1 0,3 0 0,2 1-15,0-1-1,0 0 0,0 0 0,1 0 0,-1-1 1,0 0-1,0 0 0,9-4 0,-1 0 14,0-1-1,0 0 1,-1-2-1,0 1 1,-1-1-1,0-1 1,0 0-1,0-1 1,-1 0-1,-1-1 1,0 0 0,0-1-1,-1 0 1,-1 0-1,0-1 1,-1 0-1,0 0 1,-1-1-1,8-23 1,-7 12 260,-1 1 0,-1-1 0,-1 0 0,-1 0 1,-1 0-1,-2-1 0,0 1 0,-5-29 0,4 47-97,1 0 167,-1 0-1,0 0 1,-1 0-1,0 0 1,0 0-1,0 0 1,-4-7-1,5 13 87,0 7-232,-1 13-51,1 0 1,1 0-1,3 32 1,15 62 151,-12-81-212,16 66 70,-9-44-228,-4-22-1014,21 48 1,-22-60-347,-7-13 744</inkml:trace>
+</inkml:ink>
+</file>
+
+<file path=ppt/ink/ink121.xml><?xml version="1.0" encoding="utf-8"?>
+<inkml:ink xmlns:inkml="http://www.w3.org/2003/InkML">
+  <inkml:definitions>
+    <inkml:context xml:id="ctx0">
+      <inkml:inkSource xml:id="inkSrc0">
+        <inkml:traceFormat>
+          <inkml:channel name="X" type="integer" min="-2.14748E9" max="2.14748E9" units="cm"/>
+          <inkml:channel name="Y" type="integer" min="-2.14748E9" max="2.14748E9" units="cm"/>
+          <inkml:channel name="F" type="integer" max="32767" units="dev"/>
+        </inkml:traceFormat>
+        <inkml:channelProperties>
+          <inkml:channelProperty channel="X" name="resolution" value="1000" units="1/cm"/>
+          <inkml:channelProperty channel="Y" name="resolution" value="1000" units="1/cm"/>
+          <inkml:channelProperty channel="F" name="resolution" value="0" units="1/dev"/>
+        </inkml:channelProperties>
+      </inkml:inkSource>
+      <inkml:timestamp xml:id="ts0" timeString="2022-07-24T04:23:05.604"/>
+    </inkml:context>
+    <inkml:brush xml:id="br0">
+      <inkml:brushProperty name="width" value="0.05" units="cm"/>
+      <inkml:brushProperty name="height" value="0.05" units="cm"/>
+    </inkml:brush>
+  </inkml:definitions>
+  <inkml:trace contextRef="#ctx0" brushRef="#br0">65 532 1696,'-55'-21'2898,"55"21"-2820,-1-1-1,0 1 0,0-1 1,1 1-1,-1-1 0,1 0 0,-1 1 1,0-1-1,1 0 0,-1 1 0,1-1 1,0 0-1,-1 0 0,1 0 0,-1 1 1,1-1-1,0 0 0,0 0 1,0 0-1,-1 0 0,1 0 0,0 0 1,0 1-1,0-1 0,0 0 0,1 0 1,-1 0-1,0 0 0,0 0 1,1-1-1,-1 1-178,3-3 341,0 2-205,221-158-112,-175 121-766,-1-2-1,59-66 1,-97 94 1237,0 0 0,0 0 1,-1-1-1,-1 0 0,0-1 0,-2 0 1,7-17-1,-13 30 4,2 1 121,-2 1-498,0 0 0,0 1-1,0-1 1,0 0 0,0 0-1,0 0 1,0 0 0,0 0-1,0 1 1,0-1 0,0 0-1,0 0 1,0 0 0,0 0 0,0 0-1,1 1 1,-1-1 0,0 0-1,0 0 1,0 0 0,0 0-1,0 0 1,0 0 0,0 0 0,1 0-1,-1 1 1,0-1 0,0 0-1,0 0 1,0 0 0,1 0-1,-1 0 1,0 0 0,0 0 0,0 0-1,0 0 1,0 0 0,1 0-1,-1 0 1,0 0 0,0 0-1,0 0 1,0 0 0,1 0 0,-1 0-1,0 0 1,0-1 0,0 1-1,0 0 1,0 0 0,1 0-1,-1 0 1,0 0 0,0 0-1,0 0 1,0 0 0,0 0 0,0-1-1,0 1 1,0 0 0,1 0-1,-1 0 1,0 0 0,0 0-1,0-1 1,0 1 0,0 0 0,22 88 569,28 141-1453,-25-122-3602,-14-71 2147</inkml:trace>
+</inkml:ink>
+</file>
+
+<file path=ppt/ink/ink122.xml><?xml version="1.0" encoding="utf-8"?>
+<inkml:ink xmlns:inkml="http://www.w3.org/2003/InkML">
+  <inkml:definitions>
+    <inkml:context xml:id="ctx0">
+      <inkml:inkSource xml:id="inkSrc0">
+        <inkml:traceFormat>
+          <inkml:channel name="X" type="integer" min="-2.14748E9" max="2.14748E9" units="cm"/>
+          <inkml:channel name="Y" type="integer" min="-2.14748E9" max="2.14748E9" units="cm"/>
+          <inkml:channel name="F" type="integer" max="32767" units="dev"/>
+        </inkml:traceFormat>
+        <inkml:channelProperties>
+          <inkml:channelProperty channel="X" name="resolution" value="1000" units="1/cm"/>
+          <inkml:channelProperty channel="Y" name="resolution" value="1000" units="1/cm"/>
+          <inkml:channelProperty channel="F" name="resolution" value="0" units="1/dev"/>
+        </inkml:channelProperties>
+      </inkml:inkSource>
+      <inkml:timestamp xml:id="ts0" timeString="2022-07-24T04:23:06.077"/>
+    </inkml:context>
+    <inkml:brush xml:id="br0">
+      <inkml:brushProperty name="width" value="0.05" units="cm"/>
+      <inkml:brushProperty name="height" value="0.05" units="cm"/>
+    </inkml:brush>
+  </inkml:definitions>
+  <inkml:trace contextRef="#ctx0" brushRef="#br0">89 1 960,'-5'3'340,"0"0"0,0 1 1,0 0-1,1 0 0,-1 0 0,1 0 0,0 1 1,1-1-1,-1 1 0,-3 8 0,5-10-210,1 0-1,0 0 0,0 0 1,0 0-1,0 0 1,0 0-1,1 0 0,-1 1 1,1-1-1,0 0 0,0 1 1,0-1-1,1 0 1,-1 0-1,1 1 0,0-1 1,0 0-1,0 0 1,0 0-1,2 4 0,9 11 210,0-1-1,1 0 1,0-1-1,2 0 1,30 25-1,8 9 368,-47-43-520,0-1-1,0 1 0,-1 0 1,1 0-1,-2 1 0,1 0 1,5 14-1,-8-18-92,-1 1-1,0-1 1,0 1 0,-1 0-1,1-1 1,-1 1 0,0 0-1,-1 0 1,1-1 0,-1 1-1,0 0 1,0-1 0,0 1 0,0 0-1,-5 7 1,1 0 13,-2-1 0,0-1 0,0 1 1,0-1-1,-2 0 0,1-1 0,-1 0 0,-11 9 1,7-7-118,-1-1 1,0-1 0,0 0 0,0-1 0,-28 11 0,17-14-815,24-4 588,0-1 0,0 0 1,0 0-1,0 0 0,0 0 0,0 0 0,0 0 1,0 0-1,0 0 0,1-1 0,-1 1 0,0 0 1,0 0-1,0-1 0,0 1 0,0-1 1,1 1-1,-1 0 0,0-1 0,0 0 0,1 1 1,-1-1-1,0 1 0,1-1 0,-1 0 1,1 1-1,-2-2 0,-2-10-2717</inkml:trace>
+</inkml:ink>
+</file>
+
+<file path=ppt/ink/ink123.xml><?xml version="1.0" encoding="utf-8"?>
+<inkml:ink xmlns:inkml="http://www.w3.org/2003/InkML">
+  <inkml:definitions>
+    <inkml:context xml:id="ctx0">
+      <inkml:inkSource xml:id="inkSrc0">
+        <inkml:traceFormat>
+          <inkml:channel name="X" type="integer" min="-2.14748E9" max="2.14748E9" units="cm"/>
+          <inkml:channel name="Y" type="integer" min="-2.14748E9" max="2.14748E9" units="cm"/>
+          <inkml:channel name="F" type="integer" max="32767" units="dev"/>
+        </inkml:traceFormat>
+        <inkml:channelProperties>
+          <inkml:channelProperty channel="X" name="resolution" value="1000" units="1/cm"/>
+          <inkml:channelProperty channel="Y" name="resolution" value="1000" units="1/cm"/>
+          <inkml:channelProperty channel="F" name="resolution" value="0" units="1/dev"/>
+        </inkml:channelProperties>
+      </inkml:inkSource>
+      <inkml:timestamp xml:id="ts0" timeString="2022-07-24T04:23:06.674"/>
+    </inkml:context>
+    <inkml:brush xml:id="br0">
+      <inkml:brushProperty name="width" value="0.05" units="cm"/>
+      <inkml:brushProperty name="height" value="0.05" units="cm"/>
+    </inkml:brush>
+  </inkml:definitions>
+  <inkml:trace contextRef="#ctx0" brushRef="#br0">0 90 892,'2'0'210,"-1"1"0,0-1 0,1 0 0,-1 1 0,0-1-1,0 1 1,1 0 0,-1-1 0,0 1 0,0 0 0,0 0 0,0 0 0,0 0 0,0 0 0,0 0-1,0 0 1,0 0 0,0 0 0,-1 0 0,1 1 0,0-1 0,-1 0 0,1 3 0,13 37 1371,-12-31-1245,11 38 874,17 53 546,-24-84-1383,1-1 0,0 0 0,19 29-1,-26-44-345,1 0-1,-1-1 0,1 1 1,0 0-1,-1 0 1,1-1-1,0 1 0,-1 0 1,1-1-1,0 1 0,0-1 1,-1 1-1,1-1 0,0 1 1,0-1-1,0 0 0,0 1 1,0-1-1,0 0 0,0 0 1,-1 0-1,1 1 0,0-1 1,2 0-1,-1-1-7,0 1 0,0-1 0,0 0 0,0 0 0,-1 1 0,1-1 0,0 0 0,0-1 0,-1 1 1,1 0-1,1-2 0,5-5 19,-1 0 1,0-1-1,8-12 1,-14 19-10,10-17 39,-8 13-42,0 1-1,0 0 1,1 0 0,6-8-1,-9 12 52,2 3-72,9 6 0,3 5 8,-15-12-12,1 0 0,0 0 0,0-1 1,0 1-1,0 0 0,0-1 1,-1 1-1,1-1 0,0 1 1,0-1-1,0 1 0,1-1 1,-1 0-1,0 0 0,0 1 0,0-1 1,0 0-1,0 0 0,0 0 1,2 0-1,0 0 0,0 0 0,0 0 0,0-1 0,1 1 0,-1 0 0,0-1 0,0 0 1,0 0-1,0 0 0,-1 0 0,1 0 0,0-1 0,0 1 0,-1-1 0,1 0 0,-1 0 0,1 0 0,-1 0 0,0 0 0,0 0 0,0 0 1,0-1-1,0 1 0,2-5 0,3-5 0,0 0 0,-2 0 0,1 0 0,4-16 0,-2-2-4,-2 0-1,0-1 1,-2 1 0,-2-1 0,-1-37 0,-1 66-11,2 7-72,12 28 86,2-1 0,2 0-1,24 33 1,2 5-3,-39-64 33,-1 1 1,0-1-1,-1 1 0,0 0 0,0 0 1,0 1-1,-1-1 0,0 0 0,0 1 1,0 11-1,-2-18-22,0 0 0,0 0 0,-1 0-1,1 0 1,0 0 0,-1 0 0,1 0 0,-1 0 0,0 0 0,1 0-1,-1 0 1,0 0 0,1 0 0,-1 0 0,0-1 0,0 1 0,0 0 0,1-1-1,-1 1 1,-2 0 0,-18 9 54,13-8-324,0 1 1,-1-1-1,1-1 0,-17 1 0,23-2-384,-9-5-1324</inkml:trace>
+</inkml:ink>
+</file>
+
+<file path=ppt/ink/ink124.xml><?xml version="1.0" encoding="utf-8"?>
+<inkml:ink xmlns:inkml="http://www.w3.org/2003/InkML">
+  <inkml:definitions>
+    <inkml:context xml:id="ctx0">
+      <inkml:inkSource xml:id="inkSrc0">
+        <inkml:traceFormat>
+          <inkml:channel name="X" type="integer" min="-2.14748E9" max="2.14748E9" units="cm"/>
+          <inkml:channel name="Y" type="integer" min="-2.14748E9" max="2.14748E9" units="cm"/>
+          <inkml:channel name="F" type="integer" max="32767" units="dev"/>
+        </inkml:traceFormat>
+        <inkml:channelProperties>
+          <inkml:channelProperty channel="X" name="resolution" value="1000" units="1/cm"/>
+          <inkml:channelProperty channel="Y" name="resolution" value="1000" units="1/cm"/>
+          <inkml:channelProperty channel="F" name="resolution" value="0" units="1/dev"/>
+        </inkml:channelProperties>
+      </inkml:inkSource>
+      <inkml:timestamp xml:id="ts0" timeString="2022-07-24T04:23:07.369"/>
+    </inkml:context>
+    <inkml:brush xml:id="br0">
+      <inkml:brushProperty name="width" value="0.05" units="cm"/>
+      <inkml:brushProperty name="height" value="0.05" units="cm"/>
+    </inkml:brush>
+  </inkml:definitions>
+  <inkml:trace contextRef="#ctx0" brushRef="#br0">6 223 1192,'-3'53'5453,"1"8"-2765,12 8-405,-11-68-2255,1-1 0,0 1 0,0-1-1,0 0 1,0 1 0,0-1-1,0 1 1,0-1 0,0 1-1,0-1 1,0 1 0,1-1 0,-1 0-1,0 1 1,0-1 0,0 1-1,0-1 1,1 0 0,-1 1-1,0-1 1,0 0 0,1 1 0,-1-1-1,0 0 1,1 1 0,-1-1-1,0 0 1,1 1 0,-1-1-1,0 0 1,1 0 0,-1 0 0,0 1-1,1-1 1,-1 0 0,1 0-1,-1 0 1,1 0 0,-1 0-1,0 0 1,1 0 0,-1 0 0,1 0-1,-1 0 1,1 0 0,0 0-1,19-14 147,-7 4 33,-9 8-187,-2 0 8,0 1-1,1-1 1,-1 1 0,1-1-1,0 1 1,-1 0-1,1 0 1,0 0-1,0 0 1,0 1-1,-1-1 1,1 1-1,0-1 1,4 1 0,0 2 18,-1-1 1,1 1 0,-1 0 0,1 1 0,-1-1 0,0 2 0,0-1 0,0 0 0,6 6-1,52 46 301,-12-9-180,-46-42-150,-3-1-8,0 0-1,1-1 1,-1 1 0,1-1-1,0 0 1,0 0 0,0 0-1,5 1 1,-6-2-17,1-1 0,-1 1 0,1-1 0,0 0 1,-1 0-1,1 0 0,-1 0 0,1-1 0,0 1 0,-1-1 0,0 0 0,1 0 0,-1 0 0,1 0 1,5-4-1,-3 1-28,0-1 1,-1 1 0,1-1 0,-1 0-1,5-7 1,-8 10 30,5-8-34,0-1 0,0 1 1,-1-2-1,-1 1 0,0-1 0,-1 1 0,0-1 0,0-1 0,2-21 0,-5 32 12,-4-4-5,3 6 31,0 0-1,0-1 1,0 1-1,0 0 1,0-1 0,0 1-1,0 0 1,0-1-1,0 1 1,0 0 0,0-1-1,-1 1 1,1 0-1,0-1 1,0 1-1,0 0 1,0-1 0,-1 1-1,1 0 1,0 0-1,0-1 1,0 1 0,-1 0-1,1 0 1,0 0-1,0-1 1,-1 1 0,1 0-1,0 0 1,-1 0-1,1 0 1,0-1 0,-1 1-1,-1 1-1,0-1-1,-1 0 1,1 1-1,0 0 1,0 0-1,0-1 0,0 1 1,0 0-1,1 1 1,-1-1-1,0 0 1,0 0-1,1 1 1,-1-1-1,1 1 0,-1 0 1,1-1-1,0 1 1,-1 0-1,1 0 1,-1 3-1,-1 0-2,1 0 0,0-1-1,1 1 1,-1 0 0,1 0-1,0 0 1,0 0 0,0 8 0,1-11-2,0 0 0,0 0 1,0 0-1,1 0 0,-1 0 1,0 0-1,1 0 0,-1 0 1,1-1-1,0 1 0,0 0 1,0 0-1,0-1 0,0 1 1,0 0-1,0-1 0,0 1 1,1-1-1,-1 1 0,1-1 1,-1 0-1,1 0 0,-1 0 1,1 1-1,0-1 0,-1-1 1,1 1-1,0 0 0,0 0 1,0-1-1,0 1 0,0-1 1,0 0-1,0 1 0,0-1 1,-1 0-1,5 0 0,4 0-23,-1-1 0,0 0-1,1 0 1,-1-1 0,0 0 0,12-5 0,-12 3 17,-1 1 0,0-1 1,0-1-1,-1 1 1,1-1-1,-1-1 1,0 1-1,0-1 1,-1-1-1,8-8 1,-6 5-1,-1-1 1,0 0 0,0 0 0,-1-1-1,-1 0 1,7-19 0,-6 11 113,-2 1 0,0-1 0,-1 0 1,-1 0-1,0 0 0,-2 0 1,-1 0-1,0 0 0,-5-23 0,5 36-9,0 1 86,0 0 0,0 0 0,-1 0 1,1 1-1,-1-1 0,-1 1 0,1-1 0,-6-9 0,7 14 291,-2 6-355,0 2-74,-1 1 1,2 0-1,-1 0 0,1-1 1,0 1-1,1 1 1,0-1-1,0 0 0,1 11 1,0 28 120,6 55 0,-3-80-294,0 0-1,2 0 1,0 0 0,15 36-1,-17-52-197,1 1-1,-1-1 0,1 1 0,8 9 0,4-2-6680,-10-10 3483</inkml:trace>
+</inkml:ink>
+</file>
+
+<file path=ppt/ink/ink125.xml><?xml version="1.0" encoding="utf-8"?>
+<inkml:ink xmlns:inkml="http://www.w3.org/2003/InkML">
+  <inkml:definitions>
+    <inkml:context xml:id="ctx0">
+      <inkml:inkSource xml:id="inkSrc0">
+        <inkml:traceFormat>
+          <inkml:channel name="X" type="integer" min="-2.14748E9" max="2.14748E9" units="cm"/>
+          <inkml:channel name="Y" type="integer" min="-2.14748E9" max="2.14748E9" units="cm"/>
+          <inkml:channel name="F" type="integer" max="32767" units="dev"/>
+        </inkml:traceFormat>
+        <inkml:channelProperties>
+          <inkml:channelProperty channel="X" name="resolution" value="1000" units="1/cm"/>
+          <inkml:channelProperty channel="Y" name="resolution" value="1000" units="1/cm"/>
+          <inkml:channelProperty channel="F" name="resolution" value="0" units="1/dev"/>
+        </inkml:channelProperties>
+      </inkml:inkSource>
+      <inkml:timestamp xml:id="ts0" timeString="2022-07-24T04:23:07.776"/>
+    </inkml:context>
+    <inkml:brush xml:id="br0">
+      <inkml:brushProperty name="width" value="0.05" units="cm"/>
+      <inkml:brushProperty name="height" value="0.05" units="cm"/>
+    </inkml:brush>
+  </inkml:definitions>
+  <inkml:trace contextRef="#ctx0" brushRef="#br0">15 275 1492,'-1'-1'284,"0"1"0,0-1 1,0 0-1,0 0 0,0 0 0,0 0 0,0-1 0,0 1 0,0 0 0,0 0 1,0 0-1,0-2 0,0 1 513,1 0 150,0-14 590,4 8-1253,0 1 0,0-1-1,1 0 1,0 1 0,12-13 0,38-34-84,-20 21-711,36-37-3974,-45 46 2127</inkml:trace>
+</inkml:ink>
+</file>
+
+<file path=ppt/ink/ink126.xml><?xml version="1.0" encoding="utf-8"?>
+<inkml:ink xmlns:inkml="http://www.w3.org/2003/InkML">
+  <inkml:definitions>
+    <inkml:context xml:id="ctx0">
+      <inkml:inkSource xml:id="inkSrc0">
+        <inkml:traceFormat>
+          <inkml:channel name="X" type="integer" min="-2.14748E9" max="2.14748E9" units="cm"/>
+          <inkml:channel name="Y" type="integer" min="-2.14748E9" max="2.14748E9" units="cm"/>
+          <inkml:channel name="F" type="integer" max="32767" units="dev"/>
+        </inkml:traceFormat>
+        <inkml:channelProperties>
+          <inkml:channelProperty channel="X" name="resolution" value="1000" units="1/cm"/>
+          <inkml:channelProperty channel="Y" name="resolution" value="1000" units="1/cm"/>
+          <inkml:channelProperty channel="F" name="resolution" value="0" units="1/dev"/>
+        </inkml:channelProperties>
+      </inkml:inkSource>
+      <inkml:timestamp xml:id="ts0" timeString="2022-07-24T04:23:08.140"/>
+    </inkml:context>
+    <inkml:brush xml:id="br0">
+      <inkml:brushProperty name="width" value="0.05" units="cm"/>
+      <inkml:brushProperty name="height" value="0.05" units="cm"/>
+    </inkml:brush>
+  </inkml:definitions>
+  <inkml:trace contextRef="#ctx0" brushRef="#br0">59 205 2020,'-2'0'414,"-1"0"0,0 0 1,0 0-1,1 0 0,-1 0 0,0 0 0,0-1 0,1 1 1,-1-1-1,0 0 0,1 1 0,-1-2 0,1 1 0,-1 0 0,1 0 1,0-1-1,-5-2 0,6 3-289,1-1 0,-1 1 0,0 0-1,0 0 1,1 0 0,-1-1 0,0 1 0,1 0 0,-1 0 0,1-1 0,0 1 0,0-1 0,-1 1-1,1 0 1,0-1 0,0 1 0,0 0 0,0-1 0,1-1 0,3-21 606,-4 24-742,2-7 139,1 0 1,0 1-1,0-1 0,0 1 1,1 0-1,0 0 0,0 0 0,0 0 1,1 1-1,0 0 0,0 0 1,11-8-1,-6 5 0,1 1-1,0 1 1,0-1 0,1 2 0,-1 0 0,16-5-1,-23 9-75,-1 0 0,1 0 0,-1 0 0,1 1-1,0-1 1,-1 1 0,1 0 0,0 0 0,-1 0-1,1 1 1,-1-1 0,1 1 0,-1 0 0,1 0-1,4 2 1,-4-1 3,-1 0-1,0 0 1,0 0-1,0 1 1,0-1-1,0 1 1,-1 0-1,1 0 1,-1 0 0,0 0-1,0 0 1,0 1-1,0-1 1,3 7-1,-2-1 5,0 1 0,0-1 0,-1 0 0,0 1 0,-1-1 0,0 1 0,0-1 0,-2 12 0,0-5 15,-1-1 0,-1 1 1,0-1-1,-8 21 0,-6 6 97,-1-1 0,-36 57 0,-7-8 89,5-9 72,55-80-321,1-1 0,-1 1-1,1 0 1,-1 0 0,1 0-1,-1-1 1,1 1 0,0 0 0,-1 0-1,1 0 1,0 0 0,0 0-1,0 0 1,0 0 0,0 0 0,0 0-1,0 0 1,0 0 0,0 0-1,0 2 1,1-3-7,-1 1 0,1-1-1,-1 1 1,1-1 0,0 1 0,-1-1-1,1 1 1,-1-1 0,1 1-1,0-1 1,-1 0 0,1 1 0,0-1-1,0 0 1,-1 0 0,1 0 0,0 1-1,0-1 1,1 0 0,4 0 0,-1 0 0,1 0 0,0-1 0,9-2 0,38-11-265,-1-2-1,75-34 1,49-17-4658,-141 57-788,-14 4 2124</inkml:trace>
+</inkml:ink>
+</file>
+
+<file path=ppt/ink/ink127.xml><?xml version="1.0" encoding="utf-8"?>
+<inkml:ink xmlns:inkml="http://www.w3.org/2003/InkML">
+  <inkml:definitions>
+    <inkml:context xml:id="ctx0">
+      <inkml:inkSource xml:id="inkSrc0">
+        <inkml:traceFormat>
+          <inkml:channel name="X" type="integer" min="-2.14748E9" max="2.14748E9" units="cm"/>
+          <inkml:channel name="Y" type="integer" min="-2.14748E9" max="2.14748E9" units="cm"/>
+          <inkml:channel name="F" type="integer" max="32767" units="dev"/>
+        </inkml:traceFormat>
+        <inkml:channelProperties>
+          <inkml:channelProperty channel="X" name="resolution" value="1000" units="1/cm"/>
+          <inkml:channelProperty channel="Y" name="resolution" value="1000" units="1/cm"/>
+          <inkml:channelProperty channel="F" name="resolution" value="0" units="1/dev"/>
+        </inkml:channelProperties>
+      </inkml:inkSource>
+      <inkml:timestamp xml:id="ts0" timeString="2022-07-24T04:23:09.337"/>
+    </inkml:context>
+    <inkml:brush xml:id="br0">
+      <inkml:brushProperty name="width" value="0.05" units="cm"/>
+      <inkml:brushProperty name="height" value="0.05" units="cm"/>
+    </inkml:brush>
+  </inkml:definitions>
+  <inkml:trace contextRef="#ctx0" brushRef="#br0">143 1 2084,'-15'-1'3153,"11"2"-2836,0 0-1,0 0 1,0 1 0,1-1-1,-1 1 1,0 0-1,1 0 1,-1 0 0,1 0-1,-4 3 1,5-3-200,0 0 1,1 0-1,-1 0 0,0 0 1,1 1-1,0-1 1,0 0-1,-1 1 0,1-1 1,1 1-1,-1-1 1,0 1-1,1-1 0,-1 1 1,1-1-1,0 1 1,-1 0-1,2 2 0,-1 1-26,1-1 0,0 1 0,0 0 0,0-1 0,1 1 0,0-1-1,0 0 1,0 0 0,1 0 0,4 7 0,5 6 235,22 23 1,3 4 311,-35-43-563,0 1 0,0 0-1,-1 0 1,1 1 0,-1-1 0,1 0-1,-1 0 1,0 1 0,0-1 0,-1 1-1,1-1 1,-1 1 0,1-1 0,-1 1-1,-1 3 1,0-2-7,0 0 0,0 0 0,-1 0 0,0 0 0,0-1 0,0 1 0,-1-1 0,0 1 0,-4 6 0,0-3-71,1 0-1,-1-1 0,0 0 1,0 0-1,-1 0 0,0-1 1,0 0-1,-1-1 0,1 0 1,-1 0-1,0-1 0,-1 0 1,-17 5-1,25-9-452,-2 0-141,-11-4-155,14 4 662,1 0 0,-1-1 1,1 1-1,-1 0 1,1 0-1,-1 0 1,1 0-1,-1-1 1,1 1-1,0 0 1,-1-1-1,1 1 1,-1 0-1,1-1 1,0 1-1,-1 0 1,1-1-1,0 1 1,-1-1-1,1 1 0,0-1 1,-1 0-1,0-4-3989,0-7 845</inkml:trace>
+</inkml:ink>
+</file>
+
+<file path=ppt/ink/ink128.xml><?xml version="1.0" encoding="utf-8"?>
+<inkml:ink xmlns:inkml="http://www.w3.org/2003/InkML">
+  <inkml:definitions>
+    <inkml:context xml:id="ctx0">
+      <inkml:inkSource xml:id="inkSrc0">
+        <inkml:traceFormat>
+          <inkml:channel name="X" type="integer" min="-2.14748E9" max="2.14748E9" units="cm"/>
+          <inkml:channel name="Y" type="integer" min="-2.14748E9" max="2.14748E9" units="cm"/>
+          <inkml:channel name="F" type="integer" max="32767" units="dev"/>
+        </inkml:traceFormat>
+        <inkml:channelProperties>
+          <inkml:channelProperty channel="X" name="resolution" value="1000" units="1/cm"/>
+          <inkml:channelProperty channel="Y" name="resolution" value="1000" units="1/cm"/>
+          <inkml:channelProperty channel="F" name="resolution" value="0" units="1/dev"/>
+        </inkml:channelProperties>
+      </inkml:inkSource>
+      <inkml:timestamp xml:id="ts0" timeString="2022-07-24T04:23:10.032"/>
+    </inkml:context>
+    <inkml:brush xml:id="br0">
+      <inkml:brushProperty name="width" value="0.05" units="cm"/>
+      <inkml:brushProperty name="height" value="0.05" units="cm"/>
+    </inkml:brush>
+  </inkml:definitions>
+  <inkml:trace contextRef="#ctx0" brushRef="#br0">0 175 1056,'8'-3'5665,"-4"6"-5328,0 0 0,-1 0 0,1 0 0,-1 0 1,0 1-1,0-1 0,0 1 0,0 0 0,-1 0 0,4 7 1,39 101 2280,-28-66-1508,24 47 0,-40-92-1079,-1 0 0,1 0-1,-1 0 1,1 0 0,-1 0-1,1 0 1,-1-1 0,1 1 0,0 0-1,0 0 1,-1-1 0,1 1 0,0 0-1,0-1 1,0 1 0,0-1 0,-1 1-1,1-1 1,0 1 0,0-1 0,2 1-1,-2-1-7,0 0 0,0-1 0,0 1 0,0 0 0,0 0 0,1-1 0,-1 1 0,0 0 0,0-1 0,0 0 0,2 0 0,-2 0-80,0 1 60,-1-1-1,1 1 0,0-1 0,-1 1 0,1-1 1,0 1-1,-1-1 0,1 1 0,-1-1 0,1 0 0,-1 1 1,1-1-1,-1 0 0,0 1 0,1-1 0,-1 0 0,0 0 1,0 1-1,1-1 0,-1 0 0,0-1 0,1-1 5,39-59 72,-39 60-75,1 2-4,-1 1 0,1-1 0,0 0 0,-1 1 0,1-1 0,-1 1 0,1 0 0,0-1 0,-1 1 0,0 0 0,1 0 0,-1 0 0,0 0 0,2 2 0,20 21-20,-19-19-9,-1-1-1,1 1 0,1-1 1,-1 0-1,9 6 0,-12-10 17,1 1-1,-1-1 0,1 1 0,-1-1 0,1 1 0,0-1 0,-1 0 0,1 0 0,-1 0 0,1 0 0,0 0 0,-1 0 0,1-1 0,-1 1 0,1 0 0,-1-1 0,1 1 1,-1-1-1,1 0 0,-1 1 0,1-1 0,1-2 0,4-2-7,0 0 0,0-1 0,-1 0 1,0-1-1,0 0 0,-1 0 0,1 0 1,-2 0-1,1-1 0,-1 1 0,0-1 0,5-15 1,-1-3-1,-1 0 1,0 0 0,2-29 0,-7 29 13,-1 0 1,-1 0-1,-1 1 0,-1-1 1,-9-37-1,11 61 7,0 0 0,-1 0 0,0 1 0,1-1 0,-1 0 1,0 0-1,0 0 0,0 1 0,0-1 0,0 0 0,0 1 0,0-1 0,-1 1 0,1 0 0,-1-1 0,-2-1 0,3 2 6,-3 4 3,-1 1-9,0 1 0,0 0 1,0 1-1,1-1 0,0 1 0,0 0 0,0 0 0,1 0 1,0 0-1,0 1 0,-2 10 0,-8 43 32,8-33-33,5-25 1,0 1 0,-1 0 0,1 0 0,0-1 0,0 1-1,1 0 1,-1 0 0,1-1 0,-1 1 0,1 0-1,0-1 1,0 1 0,0-1 0,0 1 0,0-1 0,1 1-1,-1-1 1,1 0 0,0 0 0,0 0 0,-1 0-1,1 0 1,0 0 0,1 0 0,3 2 0,17 5-7,0-2 0,38 8 1,18 5 6,-75-18 2,-2-2 0,0 1-1,0-1 1,0 1 0,0 0-1,0 0 1,0 0 0,-1 0-1,1 0 1,0 0 0,-1 0 0,1 1-1,-1-1 1,3 2 0,-4-2 47,-3 3-33,-8 3-10,1 0 0,-1-1 0,-1 0 1,1 0-1,-22 6 0,-90 29-892,121-40 572,0-1 0,0 1 0,-1-1 0,1 0 0,0 0 0,0 0 1,-1 0-1,1-1 0,0 1 0,0 0 0,-1-1 0,1 0 0,-3-1 0,3 1 100,-3-1-2942,0-4 34</inkml:trace>
+</inkml:ink>
+</file>
+
+<file path=ppt/ink/ink129.xml><?xml version="1.0" encoding="utf-8"?>
+<inkml:ink xmlns:inkml="http://www.w3.org/2003/InkML">
+  <inkml:definitions>
+    <inkml:context xml:id="ctx0">
+      <inkml:inkSource xml:id="inkSrc0">
+        <inkml:traceFormat>
+          <inkml:channel name="X" type="integer" min="-2.14748E9" max="2.14748E9" units="cm"/>
+          <inkml:channel name="Y" type="integer" min="-2.14748E9" max="2.14748E9" units="cm"/>
+          <inkml:channel name="F" type="integer" max="32767" units="dev"/>
+        </inkml:traceFormat>
+        <inkml:channelProperties>
+          <inkml:channelProperty channel="X" name="resolution" value="1000" units="1/cm"/>
+          <inkml:channelProperty channel="Y" name="resolution" value="1000" units="1/cm"/>
+          <inkml:channelProperty channel="F" name="resolution" value="0" units="1/dev"/>
+        </inkml:channelProperties>
+      </inkml:inkSource>
+      <inkml:timestamp xml:id="ts0" timeString="2022-07-24T04:23:10.709"/>
+    </inkml:context>
+    <inkml:brush xml:id="br0">
+      <inkml:brushProperty name="width" value="0.05" units="cm"/>
+      <inkml:brushProperty name="height" value="0.05" units="cm"/>
+    </inkml:brush>
+  </inkml:definitions>
+  <inkml:trace contextRef="#ctx0" brushRef="#br0">1 256 1212,'21'83'7061,"-16"-62"-6115,-3-10-303,1 0 0,0 0 1,8 19-1,-10-29 55,2-1-660,0-1 0,0 1 0,0-1 0,0 0 1,0 0-1,0 0 0,-1 0 0,1-1 0,0 1 0,-1-1 0,1 0 1,-1 1-1,1-1 0,3-4 0,17-11 101,-18 14-108,1 0 0,0 0-1,0 0 1,0 1 0,0 0 0,0 0 0,1 1-1,6-2 1,-10 3-10,1 0 0,-1 1-1,0-1 1,0 1 0,0-1-1,0 1 1,0 0 0,0 0 0,0 1-1,0-1 1,0 1 0,0-1 0,0 1-1,-1 0 1,1 0 0,-1 0-1,1 0 1,-1 0 0,2 4 0,13 14 122,19 29 0,14 18 45,-43-60-170,-1 0-1,1-1 1,0 0 0,0 0-1,0-1 1,1 0-1,8 5 1,-12-9-29,0 0-1,0 0 1,0 0 0,1 0-1,-1-1 1,0 0 0,0 0-1,0 0 1,0 0 0,1 0-1,-1-1 1,0 0 0,0 0-1,0 0 1,0 0 0,0-1-1,0 0 1,-1 1 0,5-4-1,2-1-71,0 0 0,0-1 0,-1 0 0,0 0 0,14-16 0,-17 16 41,0 0 0,0 0-1,-1-1 1,-1 0 0,1 0-1,-1 0 1,0-1 0,-1 1-1,0-1 1,0 0 0,-1 0 0,2-16-1,-4 24 8,-2-2-31,1 1 58,0 1 5,0 0 0,1 0 0,-1 0 1,0 0-1,1 1 0,-1-1 0,1 0 0,-1 0 0,1 0 0,0 0 0,-1 0 0,1-2 0,-3 3-16,-1 1 15,1 1 1,-1-1 0,1 1-1,-1-1 1,1 1 0,0 0-1,0 0 1,0 1 0,0-1 0,0 1-1,0-1 1,1 1 0,-1 0-1,-2 3 1,1 0-1,1-1 0,-1 1 0,1 0 0,0 0-1,1 0 1,-1 0 0,-2 11 0,4-12-2,0 0 1,1 0 0,-1 0-1,1 0 1,0 7 0,0-10 3,0-1 1,1 1 0,-1-1 0,1 1-1,-1-1 1,1 1 0,0-1 0,-1 0-1,1 1 1,0-1 0,2 2 0,-2-1-3,1-1 1,-1 1 0,1-1-1,0 0 1,-1 0 0,1 1 0,0-1-1,0 0 1,0-1 0,0 1 0,0 0-1,0 0 1,0-1 0,0 1 0,0-1-1,0 0 1,0 0 0,0 0 0,0 0-1,1 0 1,-1 0 0,4-1-1,3-1-13,1-1 0,-1 1-1,14-8 1,-21 10 12,8-5-4,-1 0 1,0-1-1,0 0 0,0 0 1,-1-1-1,0 0 0,0 0 1,-1-1-1,0 0 0,0 0 0,-1-1 1,0 0-1,0 0 0,-1-1 1,6-14-1,-2 2 46,-2 0-1,0 0 1,-1 0 0,-2-1-1,0 0 1,0-25 0,-3-3 1139,-12-97 1,10 145-934,1 3-197,-1 0 1,1 1-1,-1-1 1,1 0 0,-1 1-1,1-1 1,0 1-1,-1-1 1,1 0-1,-1 1 1,1-1-1,0 1 1,0-1 0,-1 1-1,1-1 1,0 1-1,0-1 1,-1 1-1,1-1 1,0 1 0,0 0-1,0-1 1,0 1-1,0 0 1,-3 28 242,2 38-159,2-30-69,1 1 0,2-1 0,2 0 0,1 0 0,23 66 0,-22-83-1066,14 23 0,-16-39 37,-4-3-312</inkml:trace>
+</inkml:ink>
+</file>
+
 <file path=ppt/ink/ink13.xml><?xml version="1.0" encoding="utf-8"?>
 <inkml:ink xmlns:inkml="http://www.w3.org/2003/InkML">
   <inkml:definitions>
@@ -252,6 +1074,276 @@
 </inkml:ink>
 </file>
 
+<file path=ppt/ink/ink130.xml><?xml version="1.0" encoding="utf-8"?>
+<inkml:ink xmlns:inkml="http://www.w3.org/2003/InkML">
+  <inkml:definitions>
+    <inkml:context xml:id="ctx0">
+      <inkml:inkSource xml:id="inkSrc0">
+        <inkml:traceFormat>
+          <inkml:channel name="X" type="integer" min="-2.14748E9" max="2.14748E9" units="cm"/>
+          <inkml:channel name="Y" type="integer" min="-2.14748E9" max="2.14748E9" units="cm"/>
+          <inkml:channel name="F" type="integer" max="32767" units="dev"/>
+        </inkml:traceFormat>
+        <inkml:channelProperties>
+          <inkml:channelProperty channel="X" name="resolution" value="1000" units="1/cm"/>
+          <inkml:channelProperty channel="Y" name="resolution" value="1000" units="1/cm"/>
+          <inkml:channelProperty channel="F" name="resolution" value="0" units="1/dev"/>
+        </inkml:channelProperties>
+      </inkml:inkSource>
+      <inkml:timestamp xml:id="ts0" timeString="2022-07-24T04:23:11.085"/>
+    </inkml:context>
+    <inkml:brush xml:id="br0">
+      <inkml:brushProperty name="width" value="0.05" units="cm"/>
+      <inkml:brushProperty name="height" value="0.05" units="cm"/>
+    </inkml:brush>
+  </inkml:definitions>
+  <inkml:trace contextRef="#ctx0" brushRef="#br0">18 270 1888,'-14'0'888,"11"0"563,2-2-849,1 1-507,0 0 0,1-1 0,-1 1 0,0 0 0,0 0 0,1 0-1,-1 0 1,0 0 0,1 0 0,0 0 0,-1 0 0,1 0 0,-1 0 0,1 0 0,0 0 0,0 0 0,-1 0 0,1 0-1,0 0 1,0 1 0,0-1 0,0 0 0,2 0 0,32-19 391,-20 13-222,72-39 386,143-83-2348,-197 107-371,1 3 29</inkml:trace>
+</inkml:ink>
+</file>
+
+<file path=ppt/ink/ink131.xml><?xml version="1.0" encoding="utf-8"?>
+<inkml:ink xmlns:inkml="http://www.w3.org/2003/InkML">
+  <inkml:definitions>
+    <inkml:context xml:id="ctx0">
+      <inkml:inkSource xml:id="inkSrc0">
+        <inkml:traceFormat>
+          <inkml:channel name="X" type="integer" min="-2.14748E9" max="2.14748E9" units="cm"/>
+          <inkml:channel name="Y" type="integer" min="-2.14748E9" max="2.14748E9" units="cm"/>
+          <inkml:channel name="F" type="integer" max="32767" units="dev"/>
+        </inkml:traceFormat>
+        <inkml:channelProperties>
+          <inkml:channelProperty channel="X" name="resolution" value="1000" units="1/cm"/>
+          <inkml:channelProperty channel="Y" name="resolution" value="1000" units="1/cm"/>
+          <inkml:channelProperty channel="F" name="resolution" value="0" units="1/dev"/>
+        </inkml:channelProperties>
+      </inkml:inkSource>
+      <inkml:timestamp xml:id="ts0" timeString="2022-07-24T04:23:11.466"/>
+    </inkml:context>
+    <inkml:brush xml:id="br0">
+      <inkml:brushProperty name="width" value="0.05" units="cm"/>
+      <inkml:brushProperty name="height" value="0.05" units="cm"/>
+    </inkml:brush>
+  </inkml:definitions>
+  <inkml:trace contextRef="#ctx0" brushRef="#br0">20 118 1296,'0'0'5780,"-3"-1"-5021,2 0-556,0 0 0,0 0 0,0 1 0,0-1 0,-1 1 0,1-1 0,0 1 0,-1-1 0,-1 1 0,2-3 623,1 2-667,0 0-1,0 1 0,-1-1 1,1 0-1,0 1 1,0-1-1,0 0 1,0 1-1,0-1 1,0 0-1,0 1 1,0-1-1,0 0 0,0 0 1,0 1-1,0-1 1,1-1-1,1-4 18,1 0-1,0 0 1,0 0-1,1 1 0,-1-1 1,1 1-1,1-1 1,-1 1-1,1 1 0,0-1 1,0 1-1,0-1 1,0 2-1,1-1 1,0 0-1,-1 1 0,1 0 1,12-4-1,-15 7-145,-1 0-1,0 0 1,0 0-1,0 0 1,0 0-1,0 0 1,0 1-1,0-1 1,0 1-1,0-1 1,0 1-1,0 0 1,0 0-1,0 0 1,0 0-1,0 0 1,-1 0-1,1 1 1,3 2-1,-5-3-20,1-1 0,0 1 0,-1 0 0,1 0-1,-1 0 1,1 0 0,-1 0 0,1 0 0,-1 0-1,1 0 1,-1 0 0,0 0 0,0 0 0,1 0 0,-1 2-1,0 0 15,4 10 30,-2-1 0,0 1 0,1 22 0,3 17 25,-5-46-94,0 0 0,1-1-1,0 1 1,0-1 0,1 1 0,-1-1-1,1 0 1,0 0 0,1 0 0,-1 0-1,5 4 1,3 2-135,1-1 0,24 16 0,-22-16 57,-9-7 44,0 1 0,-1-1 0,1 1 0,-1 0 0,0 0 0,0 0 0,0 1 0,-1 0 0,6 9 0,-9-13 43,1 0 1,-1 0 0,0 0 0,0 0 0,0 0-1,0-1 1,0 1 0,0 0 0,0 0 0,0 0-1,0 0 1,-1 0 0,1 0 0,0 0 0,-1 0-1,1 0 1,-1 0 0,1 0-8,-1 1 7,1 0 1,-1 0-1,1 0 1,-1 0 0,0-1-1,1 1 1,-1 0 0,0-1-1,0 1 1,0 0 0,-1-1-1,1 1 1,-2 0-1,-2 5-8,-8 10-312,-1 0 1,-1 0-1,0-2 0,-1 1 1,-1-2-1,0 0 0,-1-2 1,-24 15-1,23-19-5368</inkml:trace>
+</inkml:ink>
+</file>
+
+<file path=ppt/ink/ink132.xml><?xml version="1.0" encoding="utf-8"?>
+<inkml:ink xmlns:inkml="http://www.w3.org/2003/InkML">
+  <inkml:definitions>
+    <inkml:context xml:id="ctx0">
+      <inkml:inkSource xml:id="inkSrc0">
+        <inkml:traceFormat>
+          <inkml:channel name="X" type="integer" min="-2.14748E9" max="2.14748E9" units="cm"/>
+          <inkml:channel name="Y" type="integer" min="-2.14748E9" max="2.14748E9" units="cm"/>
+          <inkml:channel name="F" type="integer" max="32767" units="dev"/>
+        </inkml:traceFormat>
+        <inkml:channelProperties>
+          <inkml:channelProperty channel="X" name="resolution" value="1000" units="1/cm"/>
+          <inkml:channelProperty channel="Y" name="resolution" value="1000" units="1/cm"/>
+          <inkml:channelProperty channel="F" name="resolution" value="0" units="1/dev"/>
+        </inkml:channelProperties>
+      </inkml:inkSource>
+      <inkml:timestamp xml:id="ts0" timeString="2022-07-24T04:23:12.094"/>
+    </inkml:context>
+    <inkml:brush xml:id="br0">
+      <inkml:brushProperty name="width" value="0.05" units="cm"/>
+      <inkml:brushProperty name="height" value="0.05" units="cm"/>
+    </inkml:brush>
+  </inkml:definitions>
+  <inkml:trace contextRef="#ctx0" brushRef="#br0">145 1 1352,'0'0'2238,"-3"-1"-1256,-2 2-751,0-1-1,0 1 1,1-1 0,-1 1 0,0 1 0,0-1 0,1 1-1,-1-1 1,1 2 0,-1-1 0,1 0 0,0 1 0,0-1-1,0 1 1,0 1 0,1-1 0,-5 5 0,2-2-22,0 1 0,0-1 1,1 1-1,-1 0 0,2 1 1,-1-1-1,1 1 0,0 0 0,-3 12 1,5-16-142,1 1 0,0-1 1,1 1-1,-1 0 0,1-1 1,0 1-1,0-1 0,0 1 1,1 0-1,-1-1 0,1 1 1,0-1-1,1 1 0,-1-1 1,1 1-1,0-1 0,0 0 1,0 0-1,0 0 0,1 0 1,0 0-1,0-1 0,0 1 1,0-1-1,0 0 0,1 0 1,5 5-1,8 3 226,27 15 0,-30-20 116,-1 2 1,0 0-1,23 19 0,-35-26-369,-1-1 1,1 1-1,-1 0 0,1 0 1,-1 0-1,1-1 0,-1 1 1,0 0-1,1 0 0,-1 0 1,0 0-1,0 0 0,1 0 1,-1 0-1,0-1 0,0 1 1,0 0-1,0 0 0,0 0 1,0 0-1,-1 0 0,1 0 1,0 0-1,-1 1 0,0 1 16,0 0-1,-1 0 1,1-1-1,-1 1 0,1 0 1,-5 3-1,-11 11 36,0-2 0,-1 0 1,-1-1-1,-23 13 0,11-10-1181,30-17 427,-3 0-224,-8-1-330,8 0-817</inkml:trace>
+</inkml:ink>
+</file>
+
+<file path=ppt/ink/ink133.xml><?xml version="1.0" encoding="utf-8"?>
+<inkml:ink xmlns:inkml="http://www.w3.org/2003/InkML">
+  <inkml:definitions>
+    <inkml:context xml:id="ctx0">
+      <inkml:inkSource xml:id="inkSrc0">
+        <inkml:traceFormat>
+          <inkml:channel name="X" type="integer" min="-2.14748E9" max="2.14748E9" units="cm"/>
+          <inkml:channel name="Y" type="integer" min="-2.14748E9" max="2.14748E9" units="cm"/>
+          <inkml:channel name="F" type="integer" max="32767" units="dev"/>
+        </inkml:traceFormat>
+        <inkml:channelProperties>
+          <inkml:channelProperty channel="X" name="resolution" value="1000" units="1/cm"/>
+          <inkml:channelProperty channel="Y" name="resolution" value="1000" units="1/cm"/>
+          <inkml:channelProperty channel="F" name="resolution" value="0" units="1/dev"/>
+        </inkml:channelProperties>
+      </inkml:inkSource>
+      <inkml:timestamp xml:id="ts0" timeString="2022-07-24T04:23:12.741"/>
+    </inkml:context>
+    <inkml:brush xml:id="br0">
+      <inkml:brushProperty name="width" value="0.05" units="cm"/>
+      <inkml:brushProperty name="height" value="0.05" units="cm"/>
+    </inkml:brush>
+  </inkml:definitions>
+  <inkml:trace contextRef="#ctx0" brushRef="#br0">0 104 836,'0'0'1066,"3"0"-82,-2 0-821,-1 0-1,1 0 0,0 0 1,0 0-1,0 0 1,-1 0-1,1 0 0,0 0 1,0 0-1,0 1 1,-1-1-1,1 0 0,0 1 1,-1-1-1,1 0 1,0 1-1,-1-1 0,1 1 1,0-1-1,-1 1 1,1-1-1,0 2 1,10 19 2009,13 66 950,-17-55-2010,14 35 0,-21-66-1090,0 0 1,0-1-1,1 1 1,-1 0-1,0 0 1,1-1-1,-1 1 1,1 0-1,-1 0 1,1-1-1,-1 1 1,1-1-1,-1 1 1,1 0-1,0-1 1,-1 1-1,1-1 1,0 1-1,-1-1 1,1 0-1,0 1 1,0-1-1,-1 0 1,1 0-1,0 1 1,0-1-1,0 0 1,-1 0-1,1 0 1,0 0-1,0 0 1,0 0-1,0 0 1,-1 0-1,1 0 1,1-1-1,2 0 20,1-1 0,-1 0 0,0 0 0,0-1 0,5-4 0,2 1-29,-4 1 12,-1 1-2,0 1-1,0-1 0,0 1 0,10-3 1,-13 5-24,0 1 1,0-1-1,0 1 1,0 0-1,0 0 1,0 0-1,0 0 1,0 1-1,0-1 1,-1 1-1,1 0 1,5 2-1,26 12 41,-31-13-37,18 6-14,-17-7 16,9 1 16,-1-4-18,4-5-3,-11 3-2,0 0 1,0 0-1,-1 0 0,0-1 0,0 1 0,0-1 1,-1 0-1,1 0 0,-1 0 0,0-1 1,2-5-1,4-10-16,9-34 1,-12 32 28,-1-1 0,-2 0 1,0 0-1,0-24 0,-6 32 33,3 13-21,-2 1 2,2 1-24,0 1 0,-1 0 0,1 0 0,0 0-1,0-1 1,0 1 0,0 0 0,0 0 0,0 0 0,0-1 0,0 1 0,-1 0 0,1 0 0,0 0 0,0 0 0,0-1-1,0 1 1,-1 0 0,1 0 0,0 0 0,0 0 0,0 0 0,-1 0 0,1 0 0,0-1 0,0 1 0,-1 0 0,1 0 0,0 0-1,0 0 1,0 0 0,-1 0 0,1 0 0,0 0 0,0 0 0,-1 0 0,1 0 0,0 0 0,0 1 0,0-1 0,-1 0-1,1 0 1,0 0 0,0 0 0,-1 0 0,1 0 0,0 0 0,0 1 0,0-1 0,-1 0 0,-13 15-17,10-10 17,2-1 7,1 0 0,-1 0 0,1 0 0,0 1 0,1-1 0,-1 0 0,1 0 0,0 0 0,0 9 0,0-12-8,1 2 10,0 0 1,2 2-8,1-1-1,-1 0 1,1 0 0,-1 0 0,1-1-1,0 1 1,1-1 0,-1 0 0,1 0-1,4 2 1,58 28 18,-52-27-17,-9-4 6,-1 0 0,0 1 0,0-1 0,0 1 0,0 0 0,0 0 0,-1 1 0,1-1 0,-1 1 0,0 0 0,0 0 0,-1 1 0,1-1 0,-1 1 0,0-1 0,5 10 0,-7-11 17,-2 1 1,0-1-24,0 0-1,0 0 1,0 0 0,0 0 0,-1 0 0,1 0-1,-1 0 1,0-1 0,0 1 0,0-1 0,0 1-1,0-1 1,-1 0 0,1 1 0,-1-1 0,1-1-1,-1 1 1,0 0 0,-5 2 0,5-3-51,-1 0 0,1 0 1,0-1-1,-1 1 1,1-1-1,-1 0 0,1 0 1,0 0-1,-1 0 0,1 0 1,-1-1-1,1 0 0,0 1 1,0-1-1,-1-1 0,1 1 1,0 0-1,0-1 0,0 1 1,-5-5-1,5 4-117,-1-1 0,1 0 0,0-1 0,0 1 0,0 0 0,0-1 0,1 0-1,-1 0 1,1 1 0,0-1 0,0-1 0,1 1 0,-1 0 0,1 0 0,-2-9 0,2 4-725,-1 0 1,1-1 0,1 1-1,0-1 1,0 1 0,3-12-1,1 0-1876</inkml:trace>
+</inkml:ink>
+</file>
+
+<file path=ppt/ink/ink134.xml><?xml version="1.0" encoding="utf-8"?>
+<inkml:ink xmlns:inkml="http://www.w3.org/2003/InkML">
+  <inkml:definitions>
+    <inkml:context xml:id="ctx0">
+      <inkml:inkSource xml:id="inkSrc0">
+        <inkml:traceFormat>
+          <inkml:channel name="X" type="integer" min="-2.14748E9" max="2.14748E9" units="cm"/>
+          <inkml:channel name="Y" type="integer" min="-2.14748E9" max="2.14748E9" units="cm"/>
+          <inkml:channel name="F" type="integer" max="32767" units="dev"/>
+        </inkml:traceFormat>
+        <inkml:channelProperties>
+          <inkml:channelProperty channel="X" name="resolution" value="1000" units="1/cm"/>
+          <inkml:channelProperty channel="Y" name="resolution" value="1000" units="1/cm"/>
+          <inkml:channelProperty channel="F" name="resolution" value="0" units="1/dev"/>
+        </inkml:channelProperties>
+      </inkml:inkSource>
+      <inkml:timestamp xml:id="ts0" timeString="2022-07-24T04:23:13.377"/>
+    </inkml:context>
+    <inkml:brush xml:id="br0">
+      <inkml:brushProperty name="width" value="0.05" units="cm"/>
+      <inkml:brushProperty name="height" value="0.05" units="cm"/>
+    </inkml:brush>
+  </inkml:definitions>
+  <inkml:trace contextRef="#ctx0" brushRef="#br0">1 207 1020,'4'2'848,"-2"-1"-679,0 0-1,1 1 1,-1-1 0,0 1-1,0-1 1,0 1 0,0 0-1,0 0 1,0 0 0,0 0-1,-1 0 1,1 0 0,-1 1-1,1-1 1,-1 0-1,2 6 1,22 64 3188,30 139-1,-51-190-2992,4 20 635,-8-39-402,2-2-478,0 0-97,-1 0-1,0 0 1,1 0-1,-1 0 1,0 0 0,0-1-1,1 1 1,-1 0-1,0-1 1,0 1-1,0-1 1,1 1-1,-1-1 1,0 0 0,0 1-1,0-1 1,1-1-1,19-20 38,-4 4 46,-12 14-85,0 0 0,0 1 0,0-1 0,1 1-1,-1 0 1,8-3 0,-9 6-12,0 0-1,0 0 1,-1 0 0,1 0 0,0 1-1,-1-1 1,1 1 0,-1 0 0,1 0-1,-1 0 1,1 1 0,3 1 0,31 21 30,-34-21-38,0 1 0,1-1 0,0 0 0,-1 0 1,1-1-1,0 0 0,0 1 0,1-2 0,-1 1 0,0 0 1,1-1-1,-1 0 0,1-1 0,-1 1 0,7-1 0,1-1-40,-1-1 0,-1 0 0,1-1 0,0-1 0,-1 0 0,1 0 0,-1-1 0,0 0 0,-1-1 0,15-10 0,-13 6-38,1 0 1,-1-1-1,0 0 1,-1-1-1,-1 0 1,0-1-1,11-17 1,-20 29 76,-1 0 1,1 0-1,0-1 1,0 1 0,-1 0-1,1 0 1,-1-1-1,1 1 1,-1 0-1,0-1 1,1 1 0,-1 0-1,0-1 1,0 1-1,0 0 1,0-1 0,0 1-1,0-1 1,-1 1-1,1 0 1,0-1 0,-1 1-1,1 0 1,-1-1-1,1 1 1,-1 0 0,0 0-1,1 0 1,-1-1-1,-1 0 1,2 2 1,0 0 0,0 0-1,0-1 1,0 1 0,0 0 0,0 0 0,0 0 0,0 0 0,-1-1 0,1 1-1,0 0 1,0 0 0,0 0 0,0 0 0,0 0 0,0 0 0,-1-1-1,1 1 1,0 0 0,0 0 0,0 0 0,0 0 0,0 0 0,-1 0-1,1 0 1,0 0 0,0 0 0,0 0 0,0 0 0,-1 0 0,1 0-1,0 0 1,0 0 0,0 0 0,0 0 0,-1 0 0,1 0 0,0 0 0,0 0-1,0 0 1,-8 2 27,1 0 0,0 0-1,0 1 1,0-1 0,0 2 0,1-1-1,-1 1 1,1 0 0,0 0 0,0 1-1,-7 7 1,6-6-11,1 1 0,1-1 0,-1 1 1,1 0-1,0 1 0,1-1 0,0 1 0,0 0 0,-5 14 0,9-20-22,0 0 0,0 0-1,0-1 1,0 1 0,1 0 0,-1-1-1,0 1 1,1 0 0,-1 0 0,1-1-1,0 1 1,-1-1 0,1 1 0,0 0-1,0-1 1,0 0 0,0 1 0,0-1-1,0 0 1,1 1 0,-1-1 0,0 0-1,1 0 1,-1 0 0,1 0 0,-1 0-1,1 0 1,-1-1 0,1 1 0,0 0-1,-1-1 1,1 1 0,2-1 0,7 2-30,0-2 0,0 0 0,1 0 0,-1-1-1,0 0 1,0-1 0,0 0 0,-1-1 0,1 0 0,0-1 0,-1 0 0,0 0 0,0-1 0,14-10 0,-6 3 1,-1 0 0,0-2-1,0 0 1,-2-1-1,0-1 1,22-29 0,-28 31 40,-1 0 0,0 0 1,-1-1-1,0 0 1,-1 0-1,-1-1 1,-1 1-1,0-1 1,3-28-1,-5 6 492,0 1-1,-3-1 0,-5-38 1,3 63-65,2 11-355,0 0 748,-1 9-646,-4 14-74,2 0-1,0 1 1,2 0-1,0 43 1,14 96 268,-6-121-975,3 0 1,22 65 0,-27-98-377,-2-5-733</inkml:trace>
+</inkml:ink>
+</file>
+
+<file path=ppt/ink/ink135.xml><?xml version="1.0" encoding="utf-8"?>
+<inkml:ink xmlns:inkml="http://www.w3.org/2003/InkML">
+  <inkml:definitions>
+    <inkml:context xml:id="ctx0">
+      <inkml:inkSource xml:id="inkSrc0">
+        <inkml:traceFormat>
+          <inkml:channel name="X" type="integer" min="-2.14748E9" max="2.14748E9" units="cm"/>
+          <inkml:channel name="Y" type="integer" min="-2.14748E9" max="2.14748E9" units="cm"/>
+          <inkml:channel name="F" type="integer" max="32767" units="dev"/>
+        </inkml:traceFormat>
+        <inkml:channelProperties>
+          <inkml:channelProperty channel="X" name="resolution" value="1000" units="1/cm"/>
+          <inkml:channelProperty channel="Y" name="resolution" value="1000" units="1/cm"/>
+          <inkml:channelProperty channel="F" name="resolution" value="0" units="1/dev"/>
+        </inkml:channelProperties>
+      </inkml:inkSource>
+      <inkml:timestamp xml:id="ts0" timeString="2022-07-24T04:23:13.756"/>
+    </inkml:context>
+    <inkml:brush xml:id="br0">
+      <inkml:brushProperty name="width" value="0.05" units="cm"/>
+      <inkml:brushProperty name="height" value="0.05" units="cm"/>
+    </inkml:brush>
+  </inkml:definitions>
+  <inkml:trace contextRef="#ctx0" brushRef="#br0">4 332 1656,'-1'-1'241,"1"1"1,0-1-1,-1 0 0,1 1 1,0-1-1,-1 0 0,1 1 1,0-1-1,0 0 0,0 0 1,-1 1-1,1-1 0,0 0 1,0-1-1,1-3-79,1 0 0,-1 0 0,1 1 0,0-1 0,0 1 0,0-1 0,0 1 0,1 0 1,0 0-1,0 0 0,0 0 0,4-3 0,11-11 71,24-17 0,-7 5-135,130-115-3791,-132 113 1903</inkml:trace>
+</inkml:ink>
+</file>
+
+<file path=ppt/ink/ink136.xml><?xml version="1.0" encoding="utf-8"?>
+<inkml:ink xmlns:inkml="http://www.w3.org/2003/InkML">
+  <inkml:definitions>
+    <inkml:context xml:id="ctx0">
+      <inkml:inkSource xml:id="inkSrc0">
+        <inkml:traceFormat>
+          <inkml:channel name="X" type="integer" min="-2.14748E9" max="2.14748E9" units="cm"/>
+          <inkml:channel name="Y" type="integer" min="-2.14748E9" max="2.14748E9" units="cm"/>
+          <inkml:channel name="F" type="integer" max="32767" units="dev"/>
+        </inkml:traceFormat>
+        <inkml:channelProperties>
+          <inkml:channelProperty channel="X" name="resolution" value="1000" units="1/cm"/>
+          <inkml:channelProperty channel="Y" name="resolution" value="1000" units="1/cm"/>
+          <inkml:channelProperty channel="F" name="resolution" value="0" units="1/dev"/>
+        </inkml:channelProperties>
+      </inkml:inkSource>
+      <inkml:timestamp xml:id="ts0" timeString="2022-07-24T04:23:14.112"/>
+    </inkml:context>
+    <inkml:brush xml:id="br0">
+      <inkml:brushProperty name="width" value="0.05" units="cm"/>
+      <inkml:brushProperty name="height" value="0.05" units="cm"/>
+    </inkml:brush>
+  </inkml:definitions>
+  <inkml:trace contextRef="#ctx0" brushRef="#br0">52 1 1192,'0'0'2482,"1"5"-1739,2 14 253,-1-1 0,-1 1 0,0 0 0,-3 32 0,-18 82 833,12-81-1137,-4 10-40,5-29 113,-3 41-1,10-71-613,0-1-13,1-1-116,-1 0-1,1 0 1,0 0 0,-1-1-1,1 1 1,0 0 0,-1 0-1,1-1 1,0 1 0,0-1-1,-1 1 1,1-1 0,0 1 0,0-1-1,0 1 1,0-1 0,0 0-1,0 0 1,0 1 0,0-1-1,0 0 1,0 0 0,0 0-1,-1 0 1,1 0 0,2 0-1,-2 0-45,3 0 101,3-2 2,14-4 121,-1-2 0,0 0 0,-1-1 0,0-1 0,27-19 0,-44 27 25,3-4 83,3-1 643,-8 7-909,0 0 0,0 0 1,0 0-1,0-1 0,1 1 0,-1 0 1,0 0-1,0 0 0,0 0 0,0 0 0,0-1 1,1 1-1,-1 0 0,0 0 0,0 0 1,0 0-1,0 0 0,1 0 0,-1 0 0,0 0 1,0 0-1,0 0 0,0 0 0,1 0 1,-1 0-1,0 0 0,0 0 0,0 0 0,1 0 1,-1 0-1,0 0 0,0 0 0,0 0 1,0 0-1,1 0 0,-1 0 0,5 8 350,0 16-663,-5-21 425,3 20-124,-1 1-1,-1-1 1,-3 32 0,0-21-165,-9 77-1151,4-50-967,-2-14-2630,5-32 2937,-3 17-2348</inkml:trace>
+</inkml:ink>
+</file>
+
+<file path=ppt/ink/ink137.xml><?xml version="1.0" encoding="utf-8"?>
+<inkml:ink xmlns:inkml="http://www.w3.org/2003/InkML">
+  <inkml:definitions>
+    <inkml:context xml:id="ctx0">
+      <inkml:inkSource xml:id="inkSrc0">
+        <inkml:traceFormat>
+          <inkml:channel name="X" type="integer" min="-2.14748E9" max="2.14748E9" units="cm"/>
+          <inkml:channel name="Y" type="integer" min="-2.14748E9" max="2.14748E9" units="cm"/>
+          <inkml:channel name="F" type="integer" max="32767" units="dev"/>
+        </inkml:traceFormat>
+        <inkml:channelProperties>
+          <inkml:channelProperty channel="X" name="resolution" value="1000" units="1/cm"/>
+          <inkml:channelProperty channel="Y" name="resolution" value="1000" units="1/cm"/>
+          <inkml:channelProperty channel="F" name="resolution" value="0" units="1/dev"/>
+        </inkml:channelProperties>
+      </inkml:inkSource>
+      <inkml:timestamp xml:id="ts0" timeString="2022-07-24T04:23:31.336"/>
+    </inkml:context>
+    <inkml:brush xml:id="br0">
+      <inkml:brushProperty name="width" value="0.05" units="cm"/>
+      <inkml:brushProperty name="height" value="0.05" units="cm"/>
+    </inkml:brush>
+  </inkml:definitions>
+  <inkml:trace contextRef="#ctx0" brushRef="#br0">11 36 1092,'-6'5'3995,"6"-4"-3878,-1-1 0,1 0 0,0 0-1,-1 1 1,1-1 0,0 0 0,-1 1 0,1-1-1,0 0 1,0 1 0,-1-1 0,1 1 0,0-1-1,0 0 1,0 1 0,0-1 0,-1 1 0,1-1-1,0 0 1,0 1 0,0-1 0,0 1 0,0-1 0,0 1-1,0-1 1,0 1 0,0-1 0,0 0 0,1 1-1,-1-1 1,0 1 0,0-1 0,0 0 0,0 1-1,1-1 1,-1 1 0,0-1 0,0 0 0,1 1-1,-1-1 1,20 7 230,115 5 6,-64-8-297,137 9 58,58 5-22,-65-5-39,-24-2-56,38-6 43,-109-5-15,260-11 9,-297 8-15,148-13-20,-59 3-14,58-3 52,289-45-61,-473 56 23,30-1 0,14 1-3,-45 2-532,-23 3-4312</inkml:trace>
+</inkml:ink>
+</file>
+
+<file path=ppt/ink/ink138.xml><?xml version="1.0" encoding="utf-8"?>
+<inkml:ink xmlns:inkml="http://www.w3.org/2003/InkML">
+  <inkml:definitions>
+    <inkml:context xml:id="ctx0">
+      <inkml:inkSource xml:id="inkSrc0">
+        <inkml:traceFormat>
+          <inkml:channel name="X" type="integer" min="-2.14748E9" max="2.14748E9" units="cm"/>
+          <inkml:channel name="Y" type="integer" min="-2.14748E9" max="2.14748E9" units="cm"/>
+          <inkml:channel name="F" type="integer" max="32767" units="dev"/>
+        </inkml:traceFormat>
+        <inkml:channelProperties>
+          <inkml:channelProperty channel="X" name="resolution" value="1000" units="1/cm"/>
+          <inkml:channelProperty channel="Y" name="resolution" value="1000" units="1/cm"/>
+          <inkml:channelProperty channel="F" name="resolution" value="0" units="1/dev"/>
+        </inkml:channelProperties>
+      </inkml:inkSource>
+      <inkml:timestamp xml:id="ts0" timeString="2022-07-24T04:23:32.881"/>
+    </inkml:context>
+    <inkml:brush xml:id="br0">
+      <inkml:brushProperty name="width" value="0.05" units="cm"/>
+      <inkml:brushProperty name="height" value="0.05" units="cm"/>
+    </inkml:brush>
+  </inkml:definitions>
+  <inkml:trace contextRef="#ctx0" brushRef="#br0">45 519 1600,'-3'0'838,"-38"-5"6049,915-59-5228,-407 25-1397,-309 22-209,113-8 16,-73 5-6,-46 2-18,-127 16-43,610-75 120,-418 37-93,-6-11-5,-51 5-40,-108 32 30,-34 10-15,-1-1 0,29-12 0,67-33 59,-109 48-274,0 0-1,0-1 0,0 1 1,-1-1-1,1 0 0,4-5 1,-7 6-1318</inkml:trace>
+</inkml:ink>
+</file>
+
+<file path=ppt/ink/ink139.xml><?xml version="1.0" encoding="utf-8"?>
+<inkml:ink xmlns:inkml="http://www.w3.org/2003/InkML">
+  <inkml:definitions>
+    <inkml:context xml:id="ctx0">
+      <inkml:inkSource xml:id="inkSrc0">
+        <inkml:traceFormat>
+          <inkml:channel name="X" type="integer" min="-2.14748E9" max="2.14748E9" units="cm"/>
+          <inkml:channel name="Y" type="integer" min="-2.14748E9" max="2.14748E9" units="cm"/>
+          <inkml:channel name="F" type="integer" max="32767" units="dev"/>
+        </inkml:traceFormat>
+        <inkml:channelProperties>
+          <inkml:channelProperty channel="X" name="resolution" value="1000" units="1/cm"/>
+          <inkml:channelProperty channel="Y" name="resolution" value="1000" units="1/cm"/>
+          <inkml:channelProperty channel="F" name="resolution" value="0" units="1/dev"/>
+        </inkml:channelProperties>
+      </inkml:inkSource>
+      <inkml:timestamp xml:id="ts0" timeString="2022-07-24T04:23:34.357"/>
+    </inkml:context>
+    <inkml:brush xml:id="br0">
+      <inkml:brushProperty name="width" value="0.05" units="cm"/>
+      <inkml:brushProperty name="height" value="0.05" units="cm"/>
+    </inkml:brush>
+  </inkml:definitions>
+  <inkml:trace contextRef="#ctx0" brushRef="#br0">1 7 1424,'0'0'559,"0"-6"4405,12 28-4628,1 0 1,1 0 0,1-2-1,1 0 1,26 27 0,104 84 438,-18-31-248,169 100 0,-42-43-205,-37-22-136,166 131 58,-197-120-167,43 32-30,-125-111-35,158 76 1,-144-82 14,261 113 11,-348-160-36,180 81 17,-131-53-34,52 28 45,-27-16-14,-96-48-15,17 8 183,-1 1-1,-1 2 1,36 29-1,-50-36 30,-1-1 0,14 8 0,17 17 556,-22-25-494,-17-8-198,0 0-5,51 25 398,-52-25-441,10 6 174,22 19 413,-32-25-515,6 4 421,1 1-1831</inkml:trace>
+</inkml:ink>
+</file>
+
 <file path=ppt/ink/ink14.xml><?xml version="1.0" encoding="utf-8"?>
 <inkml:ink xmlns:inkml="http://www.w3.org/2003/InkML">
   <inkml:definitions>
@@ -276,6 +1368,114 @@
     </inkml:brush>
   </inkml:definitions>
   <inkml:trace contextRef="#ctx0" brushRef="#br0">21 9 1516,'-12'-9'4435,"6"11"-1623,4 15-1138,2-12-2020,0 0 475,2 2-6,71 221 699,-38-123-649,21 48-41,-32-92-82,109 240 175,-120-273-208,96 238 108,-97-234-110,46 113 59,43 61 453,-88-188-316</inkml:trace>
+</inkml:ink>
+</file>
+
+<file path=ppt/ink/ink140.xml><?xml version="1.0" encoding="utf-8"?>
+<inkml:ink xmlns:inkml="http://www.w3.org/2003/InkML">
+  <inkml:definitions>
+    <inkml:context xml:id="ctx0">
+      <inkml:inkSource xml:id="inkSrc0">
+        <inkml:traceFormat>
+          <inkml:channel name="X" type="integer" min="-2.14748E9" max="2.14748E9" units="cm"/>
+          <inkml:channel name="Y" type="integer" min="-2.14748E9" max="2.14748E9" units="cm"/>
+          <inkml:channel name="F" type="integer" max="32767" units="dev"/>
+        </inkml:traceFormat>
+        <inkml:channelProperties>
+          <inkml:channelProperty channel="X" name="resolution" value="1000" units="1/cm"/>
+          <inkml:channelProperty channel="Y" name="resolution" value="1000" units="1/cm"/>
+          <inkml:channelProperty channel="F" name="resolution" value="0" units="1/dev"/>
+        </inkml:channelProperties>
+      </inkml:inkSource>
+      <inkml:timestamp xml:id="ts0" timeString="2022-07-24T04:23:35.830"/>
+    </inkml:context>
+    <inkml:brush xml:id="br0">
+      <inkml:brushProperty name="width" value="0.05" units="cm"/>
+      <inkml:brushProperty name="height" value="0.05" units="cm"/>
+    </inkml:brush>
+  </inkml:definitions>
+  <inkml:trace contextRef="#ctx0" brushRef="#br0">1 0 1680,'0'0'3604,"4"3"-3067,151 108 2228,-58-45-1763,-26-15-422,244 168 872,-209-152-1182,118 55 0,-49-54-79,-92-40-131,100 31 51,-53-20-36,37 9 14,67 18-20,-46-12-8,-10-3-36,-144-42-20,282 64 17,-88-37-23,-35 6-2,57 9 21,-195-40-21,0 1 0,79 30 0,-117-35 0,28 16 0,-30-15 9,26 10 0,3 1-4,-36-16-1,-1-1 0,1 1 0,-1 0 0,7 5 0,38 17-5,-19-14 27,-23-8-21,1 1 1,-1-1-1,13 8 1,2-3 616,-22-7-539,-1-1 0,0 0 0,0 1 0,0 0 0,0-1 0,0 1 0,0 0 0,0 0 1,2 2-1,-3-3-24,29 19 458,-29-18-493,0 0-12,4 2-9,-3-3 41,1 3 259,-1-1-1169</inkml:trace>
+</inkml:ink>
+</file>
+
+<file path=ppt/ink/ink141.xml><?xml version="1.0" encoding="utf-8"?>
+<inkml:ink xmlns:inkml="http://www.w3.org/2003/InkML">
+  <inkml:definitions>
+    <inkml:context xml:id="ctx0">
+      <inkml:inkSource xml:id="inkSrc0">
+        <inkml:traceFormat>
+          <inkml:channel name="X" type="integer" min="-2.14748E9" max="2.14748E9" units="cm"/>
+          <inkml:channel name="Y" type="integer" min="-2.14748E9" max="2.14748E9" units="cm"/>
+          <inkml:channel name="F" type="integer" max="32767" units="dev"/>
+        </inkml:traceFormat>
+        <inkml:channelProperties>
+          <inkml:channelProperty channel="X" name="resolution" value="1000" units="1/cm"/>
+          <inkml:channelProperty channel="Y" name="resolution" value="1000" units="1/cm"/>
+          <inkml:channelProperty channel="F" name="resolution" value="0" units="1/dev"/>
+        </inkml:channelProperties>
+      </inkml:inkSource>
+      <inkml:timestamp xml:id="ts0" timeString="2022-07-24T04:23:37.985"/>
+    </inkml:context>
+    <inkml:brush xml:id="br0">
+      <inkml:brushProperty name="width" value="0.05" units="cm"/>
+      <inkml:brushProperty name="height" value="0.05" units="cm"/>
+    </inkml:brush>
+  </inkml:definitions>
+  <inkml:trace contextRef="#ctx0" brushRef="#br0">1 1 1448,'0'0'2651,"0"2"-2130,0 2-343,1 0 0,0-1 0,0 1 0,0 0 0,1-1 0,-1 1 0,1-1-1,0 1 1,-1-1 0,2 0 0,-1 0 0,5 5 0,38 38 1042,-35-36-1025,29 26 476,2-3 0,64 42 1,100 40 283,-149-87-798,73 38 151,-48-21-139,9 5 83,93 67-1,79 89 478,-170-128-468,2-5 0,171 102 0,-185-130-196,167 86 83,0-6-20,-149-72-80,-29-18-35,1-2 1,112 35 0,72 26 9,-173-60-22,162 44-1,-64-30-9,17 4-11,-143-40 33,0 3 0,62 26-1,-101-33-13,-10-6 1,-1 1 0,1-1 0,0 0-1,-1 0 1,9 2 0,40 21 8,-4-2-31,4 4 27,-17-13 26,-33-13-23</inkml:trace>
+</inkml:ink>
+</file>
+
+<file path=ppt/ink/ink142.xml><?xml version="1.0" encoding="utf-8"?>
+<inkml:ink xmlns:inkml="http://www.w3.org/2003/InkML">
+  <inkml:definitions>
+    <inkml:context xml:id="ctx0">
+      <inkml:inkSource xml:id="inkSrc0">
+        <inkml:traceFormat>
+          <inkml:channel name="X" type="integer" min="-2.14748E9" max="2.14748E9" units="cm"/>
+          <inkml:channel name="Y" type="integer" min="-2.14748E9" max="2.14748E9" units="cm"/>
+          <inkml:channel name="F" type="integer" max="32767" units="dev"/>
+        </inkml:traceFormat>
+        <inkml:channelProperties>
+          <inkml:channelProperty channel="X" name="resolution" value="1000" units="1/cm"/>
+          <inkml:channelProperty channel="Y" name="resolution" value="1000" units="1/cm"/>
+          <inkml:channelProperty channel="F" name="resolution" value="0" units="1/dev"/>
+        </inkml:channelProperties>
+      </inkml:inkSource>
+      <inkml:timestamp xml:id="ts0" timeString="2022-07-24T04:23:40.361"/>
+    </inkml:context>
+    <inkml:brush xml:id="br0">
+      <inkml:brushProperty name="width" value="0.05" units="cm"/>
+      <inkml:brushProperty name="height" value="0.05" units="cm"/>
+    </inkml:brush>
+  </inkml:definitions>
+  <inkml:trace contextRef="#ctx0" brushRef="#br0">5 1 1448,'0'0'4218,"-4"-1"-864,9 6-3333,1 0-1,-1-1 1,1 1 0,0-1 0,1 0-1,9 4 1,58 32 72,-55-31-60,15 6-45,-31-14 12,0 0 0,-1 0 0,1 1 0,-1-1 0,1 0 0,-1 1 0,4 2 0,12 9 25,6 6-23,-22-17-7,0-1 9,64 47-2,-65-48 8,1 1-2,14 10-13,-15-10 17,22 16 608,-2-3 408,-20-13-792</inkml:trace>
+</inkml:ink>
+</file>
+
+<file path=ppt/ink/ink143.xml><?xml version="1.0" encoding="utf-8"?>
+<inkml:ink xmlns:inkml="http://www.w3.org/2003/InkML">
+  <inkml:definitions>
+    <inkml:context xml:id="ctx0">
+      <inkml:inkSource xml:id="inkSrc0">
+        <inkml:traceFormat>
+          <inkml:channel name="X" type="integer" min="-2.14748E9" max="2.14748E9" units="cm"/>
+          <inkml:channel name="Y" type="integer" min="-2.14748E9" max="2.14748E9" units="cm"/>
+          <inkml:channel name="F" type="integer" max="32767" units="dev"/>
+        </inkml:traceFormat>
+        <inkml:channelProperties>
+          <inkml:channelProperty channel="X" name="resolution" value="1000" units="1/cm"/>
+          <inkml:channelProperty channel="Y" name="resolution" value="1000" units="1/cm"/>
+          <inkml:channelProperty channel="F" name="resolution" value="0" units="1/dev"/>
+        </inkml:channelProperties>
+      </inkml:inkSource>
+      <inkml:timestamp xml:id="ts0" timeString="2022-07-24T04:23:59.807"/>
+    </inkml:context>
+    <inkml:brush xml:id="br0">
+      <inkml:brushProperty name="width" value="0.05" units="cm"/>
+      <inkml:brushProperty name="height" value="0.05" units="cm"/>
+    </inkml:brush>
+  </inkml:definitions>
+  <inkml:trace contextRef="#ctx0" brushRef="#br0">52 8 1844,'-19'-4'2438,"17"4"-1111,-1-1-763,2 1-650,1 0 208,-1-1 0,0 1 0,0 0 0,0 0 1,1-1-1,-1 1 0,0 0 0,0 0 0,0 0 0,0 0 1,0 0-1,1 0 0,-1 0 0,0 0 0,0 0 0,0 0 1,0 1-1,1-1 0,-1 0 0,0 1 0,0-1 0,0 0 0,1 1 1,-1-1-1,0 1 0,1-1 0,-1 1 0,0-1 0,1 1 1,-1 0-1,1-1 0,-1 1 0,0 1 0,0 0 76,2 2-15,10 18 117,0-1-1,2 0 1,29 39-1,-12-19-34,55 90 289,-55-83-372,40 54 122,-15-24 18,81 90 1,-129-160-307,298 306 418,-254-273-360,87 56 0,-64-48-35,155 115 48,-190-135-80,38 30-1,-31-22 10,61 39 0,56 23-2,-73-46 13,80 69-48,-157-111 20,58 40 16,146 80-1,-174-108-10,133 78 46,-141-79-57,-1 2-1,58 55 0,56 70 17,142 136-32,-258-254 44,33 44 1,6 6-176,-16-25-39,101 78 1,18 13-155,-145-120 167,77 69-497,-78-72 427,1-1 0,40 24 1,-64-44 225,122 66-441,-45-27 207,-52-25 179,167 89-371,-78-55-324,-99-43 549,47 15-451,-45-17 486,0 2 1,26 12-1,41 24-177,42 22 46,-63-35 251,-1-2 33,-33-12 28,60 18-1,-59-23-5,60 29-1,19 21-19,-107-58 36,-1 0-1,0 1 1,0 0-1,6 7 1,12 10-5,309 186-143,-310-194 60,7 4-79,3 2-169,39 30 1,-42-14 153,-29-34 174,2 2 67,0-1 1,-1 1-1,1 0 1,2 7-1,-4-8-15,0-2 37,8 14 164,30 38 491,-38-51-650,0 0 13,5 4 39,0 1-1,1-1 1,0 0 0,-1 0 0,2 0 0,9 5-1,54 27 469,-5-2-106,-22-8-187,-43-27-282,1-1-19,-1 1 0,1-1 0,0 1 0,-1 0 0,1 0 0,-1 0 0,1 0 0,2 2 0,11 6 98,35 19 189,-48-27-278,2 1 52,1 1 0,-1 0-1,0 0 1,0 0 0,0 0 0,6 7-1,-9-9-73,1 1 75,8 6 217,11 4-68,-19-11-179,1 0-1,6 3-14,-6-3-4,-1 1 0,7 2-2,-6-3-4,-1 0-7,22 3-2432,-21-4 888</inkml:trace>
 </inkml:ink>
 </file>
 
@@ -2368,6 +3568,142 @@
 </inkml:ink>
 </file>
 
+<file path=ppt/ink/ink85.xml><?xml version="1.0" encoding="utf-8"?>
+<inkml:ink xmlns:inkml="http://www.w3.org/2003/InkML">
+  <inkml:definitions>
+    <inkml:context xml:id="ctx0">
+      <inkml:inkSource xml:id="inkSrc0">
+        <inkml:traceFormat>
+          <inkml:channel name="X" type="integer" min="-2.14748E9" max="2.14748E9" units="cm"/>
+          <inkml:channel name="Y" type="integer" min="-2.14748E9" max="2.14748E9" units="cm"/>
+          <inkml:channel name="F" type="integer" max="32767" units="dev"/>
+        </inkml:traceFormat>
+        <inkml:channelProperties>
+          <inkml:channelProperty channel="X" name="resolution" value="1000" units="1/cm"/>
+          <inkml:channelProperty channel="Y" name="resolution" value="1000" units="1/cm"/>
+          <inkml:channelProperty channel="F" name="resolution" value="0" units="1/dev"/>
+        </inkml:channelProperties>
+      </inkml:inkSource>
+      <inkml:timestamp xml:id="ts0" timeString="2022-07-24T03:41:11.199"/>
+    </inkml:context>
+    <inkml:brush xml:id="br0">
+      <inkml:brushProperty name="width" value="0.05" units="cm"/>
+      <inkml:brushProperty name="height" value="0.05" units="cm"/>
+    </inkml:brush>
+  </inkml:definitions>
+  <inkml:trace contextRef="#ctx0" brushRef="#br0">37 197 1876,'-18'2'4230,"16"-2"-3382,-15 2 7249,21-2-8016,-1 0-1,1 1 0,0-2 1,-1 1-1,1 0 1,-1-1-1,5-1 0,4 0 45,22-3 316,-1-2-1,52-18 0,-21 5-44,396-99 1655,-417 110-942,-11 3-3166,-14 1-8389</inkml:trace>
+</inkml:ink>
+</file>
+
+<file path=ppt/ink/ink86.xml><?xml version="1.0" encoding="utf-8"?>
+<inkml:ink xmlns:inkml="http://www.w3.org/2003/InkML">
+  <inkml:definitions>
+    <inkml:context xml:id="ctx0">
+      <inkml:inkSource xml:id="inkSrc0">
+        <inkml:traceFormat>
+          <inkml:channel name="X" type="integer" min="-2.14748E9" max="2.14748E9" units="cm"/>
+          <inkml:channel name="Y" type="integer" min="-2.14748E9" max="2.14748E9" units="cm"/>
+          <inkml:channel name="F" type="integer" max="32767" units="dev"/>
+        </inkml:traceFormat>
+        <inkml:channelProperties>
+          <inkml:channelProperty channel="X" name="resolution" value="1000" units="1/cm"/>
+          <inkml:channelProperty channel="Y" name="resolution" value="1000" units="1/cm"/>
+          <inkml:channelProperty channel="F" name="resolution" value="0" units="1/dev"/>
+        </inkml:channelProperties>
+      </inkml:inkSource>
+      <inkml:timestamp xml:id="ts0" timeString="2022-07-24T03:41:11.573"/>
+    </inkml:context>
+    <inkml:brush xml:id="br0">
+      <inkml:brushProperty name="width" value="0.05" units="cm"/>
+      <inkml:brushProperty name="height" value="0.05" units="cm"/>
+    </inkml:brush>
+  </inkml:definitions>
+  <inkml:trace contextRef="#ctx0" brushRef="#br0">45 127 1144,'-2'-1'1549,"-33"-7"6117,33 8-6746,0-1 202,-2-3 2301,4 4-3368,36-17 682,64-21 0,-76 29-566,-15 6-140,115-38-230,-115 37-351</inkml:trace>
+</inkml:ink>
+</file>
+
+<file path=ppt/ink/ink87.xml><?xml version="1.0" encoding="utf-8"?>
+<inkml:ink xmlns:inkml="http://www.w3.org/2003/InkML">
+  <inkml:definitions>
+    <inkml:context xml:id="ctx0">
+      <inkml:inkSource xml:id="inkSrc0">
+        <inkml:traceFormat>
+          <inkml:channel name="X" type="integer" min="-2.14748E9" max="2.14748E9" units="cm"/>
+          <inkml:channel name="Y" type="integer" min="-2.14748E9" max="2.14748E9" units="cm"/>
+          <inkml:channel name="F" type="integer" max="32767" units="dev"/>
+        </inkml:traceFormat>
+        <inkml:channelProperties>
+          <inkml:channelProperty channel="X" name="resolution" value="1000" units="1/cm"/>
+          <inkml:channelProperty channel="Y" name="resolution" value="1000" units="1/cm"/>
+          <inkml:channelProperty channel="F" name="resolution" value="0" units="1/dev"/>
+        </inkml:channelProperties>
+      </inkml:inkSource>
+      <inkml:timestamp xml:id="ts0" timeString="2022-07-24T03:41:12.088"/>
+    </inkml:context>
+    <inkml:brush xml:id="br0">
+      <inkml:brushProperty name="width" value="0.05" units="cm"/>
+      <inkml:brushProperty name="height" value="0.05" units="cm"/>
+    </inkml:brush>
+  </inkml:definitions>
+  <inkml:trace contextRef="#ctx0" brushRef="#br0">119 0 5521,'0'0'194,"-6"2"129,-23 4 2021,28-6-2210,1 0 0,-1 0 0,0 0 0,0 0 0,0 0 0,0 0 0,0 1 0,0-1 0,0 0 0,0 0 0,0 1-1,0-1 1,1 0 0,-1 1 0,0-1 0,0 1 0,0-1 0,1 1 0,-1 0 0,0-1 0,1 1 0,-1 0 0,0-1 0,1 1 0,-1 0 0,1 0 0,-1-1 0,1 1 0,-1 0 0,1 0-1,0 0 1,-1 0 0,1 0 0,0 0 0,0 0 0,0 0 0,0 1 0,-2 5-35,1 0 0,0 0 0,0 10 0,1-16-37,1 32 331,0 0-1,13 65 1,26 62 90,-13-57-135,-25-95-342,-1 0 1,1 1-1,-2 0 0,1-1 0,-1 1 0,0-1 0,-2 11 0,1-15-21,1 0 0,-1 1 0,-1-1 1,1 0-1,-1-1 0,1 1 0,-1 0 1,0 0-1,-1-1 0,1 1 0,0-1 1,-1 1-1,0-1 0,0 0 0,0 0 1,-5 3-1,-4 3-37,10-7 51,0-1-1,0 0 1,0 1 0,0-1 0,-1 0 0,1 0 0,0-1 0,-1 1-1,1 0 1,0-1 0,-5 1 0,-3 2-8,-19 1 36,27-4-21,0-1-8,1 1 2,0 0 0,0 0 0,1-1 1,-1 1-1,0 0 0,1 0 0,-1 0 0,0-1 1,0 1-1,1 0 0,-1-1 0,1 1 0,-1 0 1,0-1-1,1 1 0,-1-1 0,1 1 0,-1-1 1,0 0-1,-1-8-1,3 3-6,16-17 13,0 1 0,2 0 0,0 2 0,30-25 0,-7 5-3,15-12 1,-56 51-19,1 0 5,7-2 7,-7 3-18,2 2 10,21 12 4,-22-10 8,0 1 0,19 21 29,-19-22-27,0 0 0,0 0-1,0-1 1,1 1 0,0-1 0,0 1 0,4 2-1,-6-5 10,1 0 5,1 0 32,0 0 0,0-1 0,0 1 0,0-1-1,0 0 1,-1 0 0,1 0 0,0-1 0,0 1 0,0-1 0,0 0-1,-1 0 1,8-3 0,9-6 587,36-11 0,-54 21-537,2 0-7,1 0-54,1 2 0,-1-1 0,0 0 0,1 1 0,-1 0 0,0 0 0,0 1-1,0 0 1,6 4 0,2 4-254,0 0 1,13 17-1,7 7-1901,-6-17-5114,-17-12 3422</inkml:trace>
+</inkml:ink>
+</file>
+
+<file path=ppt/ink/ink88.xml><?xml version="1.0" encoding="utf-8"?>
+<inkml:ink xmlns:inkml="http://www.w3.org/2003/InkML">
+  <inkml:definitions>
+    <inkml:context xml:id="ctx0">
+      <inkml:inkSource xml:id="inkSrc0">
+        <inkml:traceFormat>
+          <inkml:channel name="X" type="integer" min="-2.14748E9" max="2.14748E9" units="cm"/>
+          <inkml:channel name="Y" type="integer" min="-2.14748E9" max="2.14748E9" units="cm"/>
+          <inkml:channel name="F" type="integer" max="32767" units="dev"/>
+        </inkml:traceFormat>
+        <inkml:channelProperties>
+          <inkml:channelProperty channel="X" name="resolution" value="1000" units="1/cm"/>
+          <inkml:channelProperty channel="Y" name="resolution" value="1000" units="1/cm"/>
+          <inkml:channelProperty channel="F" name="resolution" value="0" units="1/dev"/>
+        </inkml:channelProperties>
+      </inkml:inkSource>
+      <inkml:timestamp xml:id="ts0" timeString="2022-07-24T03:41:12.531"/>
+    </inkml:context>
+    <inkml:brush xml:id="br0">
+      <inkml:brushProperty name="width" value="0.05" units="cm"/>
+      <inkml:brushProperty name="height" value="0.05" units="cm"/>
+    </inkml:brush>
+  </inkml:definitions>
+  <inkml:trace contextRef="#ctx0" brushRef="#br0">135 118 1620,'-7'-21'2712,"-17"-37"-1,7 19 5121,17 44-7740,0 0 0,1-1 1,-1 1-1,1 0 0,0-1 0,3 7 1,0 3 25,4 19 233,1-1 1,21 48 0,-10-28-114,102 220-3312,-99-231-2790,-15-26 2194</inkml:trace>
+  <inkml:trace contextRef="#ctx0" brushRef="#br0" timeOffset="1">24 455 2296,'-5'-8'735,"3"6"-425,0 0 0,0 0 0,1-1 1,-1 1-1,1 0 0,-1-1 0,1 0 0,0 1 0,0-1 0,1 0 0,-2-4 0,1 4-29,1-1 0,-1 1 0,1-1 1,0 0-1,0 1 0,0-1 0,1 0 0,-1 1 0,1-1 0,2-5 1,-1 3-47,1 0 1,1 0 0,-1 0 0,1 1 0,7-9 0,4-2 57,0 1 0,0 1 0,2 0 0,-1 1 0,2 1 0,0 1 0,27-14 0,49-16-1271,0 7-5074,-78 28 3094</inkml:trace>
+</inkml:ink>
+</file>
+
+<file path=ppt/ink/ink89.xml><?xml version="1.0" encoding="utf-8"?>
+<inkml:ink xmlns:inkml="http://www.w3.org/2003/InkML">
+  <inkml:definitions>
+    <inkml:context xml:id="ctx0">
+      <inkml:inkSource xml:id="inkSrc0">
+        <inkml:traceFormat>
+          <inkml:channel name="X" type="integer" min="-2.14748E9" max="2.14748E9" units="cm"/>
+          <inkml:channel name="Y" type="integer" min="-2.14748E9" max="2.14748E9" units="cm"/>
+          <inkml:channel name="F" type="integer" max="32767" units="dev"/>
+        </inkml:traceFormat>
+        <inkml:channelProperties>
+          <inkml:channelProperty channel="X" name="resolution" value="1000" units="1/cm"/>
+          <inkml:channelProperty channel="Y" name="resolution" value="1000" units="1/cm"/>
+          <inkml:channelProperty channel="F" name="resolution" value="0" units="1/dev"/>
+        </inkml:channelProperties>
+      </inkml:inkSource>
+      <inkml:timestamp xml:id="ts0" timeString="2022-07-24T03:41:13.663"/>
+    </inkml:context>
+    <inkml:brush xml:id="br0">
+      <inkml:brushProperty name="width" value="0.05" units="cm"/>
+      <inkml:brushProperty name="height" value="0.05" units="cm"/>
+    </inkml:brush>
+  </inkml:definitions>
+  <inkml:trace contextRef="#ctx0" brushRef="#br0">9 473 1020,'0'0'151,"1"1"-1,0 0 1,-1-1-1,1 1 1,0-1-1,0 1 1,0-1-1,-1 1 1,1-1-1,0 0 1,0 1-1,0-1 1,0 0-1,0 0 1,0 1-1,0-1 1,0 0-1,0 0 1,0 0-1,0 0 1,0 0-1,0-1 1,0 1 0,0 0-1,-1 0 1,2-1-1,26-10 981,-21 8-876,-1-1 0,1 0 0,-1 0 0,0-1 0,0 1 0,-1-1 0,1-1 0,-1 1 0,0-1 0,-1 0 0,1 0 0,-1 0 0,0-1 0,-1 0 0,1 1 0,4-15 0,-8 19-130,-1-1-1,1 1 1,0 0-1,0 0 1,-1 0-1,1 0 1,-1 0-1,0 0 0,0 0 1,0 0-1,0 0 1,0 1-1,0-1 1,0 0-1,0 0 1,-1 1-1,1-1 1,-1 1-1,1-1 1,-1 1-1,1 0 1,-1 0-1,0 0 0,0-1 1,0 2-1,0-1 1,-2-1-1,-2 1 67,0 0-1,0 0 1,0 1 0,0-1-1,0 1 1,-10 2-1,13-1-134,-1 0-1,1 0 1,0 0-1,0 1 1,-1-1-1,1 1 0,0 0 1,0 0-1,1 0 1,-1 0-1,0 1 0,1-1 1,0 1-1,-1-1 1,1 1-1,0 0 1,0 0-1,0 0 0,1 0 1,-3 6-1,2-4-19,1 0 0,-1-1 0,1 1 0,0 0 0,0 0 0,1 0 0,-1 0 0,1 0 0,0 0 0,1 0 1,-1 0-1,1 0 0,2 7 0,-1-6-30,1 0 1,0 0 0,0 0 0,0 0 0,1 0 0,0-1-1,0 1 1,0-1 0,1 0 0,-1-1 0,1 1 0,1-1 0,-1 0-1,0 0 1,1 0 0,0-1 0,12 5 0,-10-5-188,1 0 1,-1 0 0,1-1-1,0 0 1,0-1 0,0 0 0,0 0-1,0-1 1,-1 0 0,1-1-1,0 1 1,18-6 0,-16 3 60,-1 0 0,14-8 0,-16 7-651,0 0 0,0-1 0,-1 0 0,1 0 0,-1-1 0,-1 0 0,1 0 0,-1-1 0,0 0 0,6-9 0,-8 9 941,0 0 1,0-1-1,0 1 1,-1-1-1,0 0 1,2-11-1,-2 5 123,-1 0-1,0 0 1,0-1-1,-2-18 0,0 10 1062,0 21-969,1-13 512,-1 15-877,0-1 0,0 1 1,0 0-1,0 0 0,0-1 0,0 1 0,0 0 0,0 0 0,0 0 1,0-1-1,0 1 0,1 0 0,-1 0 0,0 0 0,0-1 1,0 1-1,0 0 0,0 0 0,0 0 0,1 0 0,-1-1 1,0 1-1,0 0 0,0 0 0,0 0 0,1 0 0,-1 0 1,0 0-1,0 0 0,1-1 0,-1 1 0,0 0 0,0 0 1,0 0-1,1 0 0,-1 0 0,0 0 0,0 0 0,0 0 0,1 0 1,-1 0-1,0 0 0,0 0 0,1 0 0,-1 1 0,0-1 1,0 0-1,0 0 0,1 0 0,12 6 75,-1 1 0,0 0 1,0 1-1,0 0 0,-1 1 0,12 12 0,-15-14-65,0 2 0,-1-1 0,0 1 0,0 0 0,-1 0 0,0 1 0,-1 0 0,7 18 0,-11-26-63,0 1 1,0 0 0,-1-1 0,1 1 0,-1 0 0,0 0-1,0-1 1,0 1 0,0 0 0,0 0 0,-1-1 0,1 1-1,-1 0 1,0-1 0,1 1 0,-1 0 0,0-1 0,-1 1 0,1-1-1,0 1 1,-1-1 0,0 0 0,1 0 0,-1 0 0,0 0-1,0 0 1,-3 3 0,0-2-10,1 0 0,-1 0 0,0 0-1,0-1 1,-1 0 0,1 0 0,0 0 0,-1 0-1,1-1 1,-1 0 0,0 0 0,-8 0 0,0 0-2,11-1 40,0 1 1,1-1-1,-1 0 1,0 0-1,0 0 1,0 0-1,1 0 1,-1-1-1,0 1 1,0-1 0,1 0-1,-1 0 1,0 0-1,1 0 1,-1 0-1,1-1 1,-1 1-1,1-1 1,-3-1-1,5 2 4,-1 0-1,1 0 0,-1 0 0,1 0 0,-1 0 0,1 0 1,0 0-1,-1 0 0,1 0 0,0 0 0,0 0 0,0 0 1,0 0-1,0 0 0,0 0 0,0 0 0,0 0 0,1-2 1,5-18-44,3 4-36,0 0-1,0 1 1,2 0-1,24-28 1,-26 34 54,-5 5 6,0 1-1,0 0 1,0 0 0,0 0 0,1 0 0,-1 1 0,1 0 0,10-5 0,-13 8 26,-1-1 1,1 1-1,0 0 1,-1 0 0,1 0-1,0 0 1,-1 0-1,1 0 1,0 1-1,-1-1 1,1 1 0,-1-1-1,1 1 1,0-1-1,-1 1 1,0 0 0,1 0-1,-1 0 1,1 0-1,-1 0 1,0 0-1,2 2 1,8 7 44,-1 1-1,17 23 1,-19-23-10,0 0 0,19 18 0,-25-28-23,28-2 318,-27 1-234,13-5 290,-9 4-333,0 1 0,0-1 0,0 2 0,0-1 0,0 1 0,0 0 0,0 0 0,0 1 0,10 3 0,27 5 14,8-2-16,-34-4-59,29 1 0,-40-5-30,-1 0 0,1 0 0,0-1 0,0 0 1,0 0-1,0-1 0,12-4 0,-12 3-15,1-1-1,-1 0 0,0 0 1,0 0-1,12-10 0,-17 11 43,1 1-1,-1-1 0,1 1 0,-1-1 1,0 0-1,0 0 0,0 0 1,-1 0-1,1 0 0,-1 0 0,1-1 1,-1 1-1,0 0 0,0-1 1,-1 1-1,1-1 0,0-4 0,-2 5 45,1 0-1,0 0 0,-1 0 0,1 0 0,-1 0 0,0 0 0,0 0 0,0 1 0,-1-1 0,-2-4 1,3 5-8,0 1-1,0 0 1,0-1 0,0 1 0,0 0 0,0 0 0,0-1 0,-1 1 0,1 0 0,-1 0 0,1 1 0,-1-1 0,1 0 0,-1 0 0,1 1 0,-1-1-1,1 1 1,-1-1 0,0 1 0,-3-1 0,2 2-29,0-1 0,0 0 1,0 1-1,0 0 0,0-1 0,0 1 0,0 0 0,0 1 0,0-1 1,0 0-1,0 1 0,1 0 0,-1-1 0,1 1 0,-1 0 0,1 0 0,0 1 1,0-1-1,0 0 0,0 1 0,0-1 0,0 1 0,1 0 0,-1 0 1,1-1-1,0 1 0,-1 0 0,2 0 0,-1 0 0,0 0 0,0 0 0,1 1 1,0-1-1,0 0 0,0 0 0,0 0 0,0 0 0,0 0 0,1 1 1,0-1-1,-1 0 0,1 0 0,0 0 0,2 3 0,-1-2-75,0-1-1,0 1 0,0 0 1,0-1-1,1 0 0,-1 1 1,1-1-1,0 0 0,0 0 1,0 0-1,0-1 0,1 1 1,-1-1-1,1 0 0,-1 0 1,1 0-1,5 2 0,-3-2 1,-1-1 1,1 0-1,0 0 0,0 0 1,0 0-1,0-1 0,0 0 0,0 0 1,0-1-1,0 0 0,11-3 0,-11 2 35,0 0 0,0 0 0,0-1-1,0 0 1,-1 0 0,1 0-1,-1-1 1,0 0 0,0 0 0,0 0-1,-1-1 1,1 1 0,-1-1-1,0 0 1,0-1 0,-1 1 0,0-1-1,4-7 1,0-5 114,0-1 0,-1-1 0,0 1-1,3-30 1,-6 28 315,-1 0 0,0 0 1,-2-1-1,-1 1 0,0 0 0,-2 0 0,0 0 0,-11-36 0,5 38 561,9 19-941,0 0 0,-1 0 0,1 0 0,0 0 0,0 0 1,0 0-1,0 0 0,0 0 0,0 0 0,0 0 0,0 0 1,-1 0-1,1 0 0,0 0 0,0 0 0,0 0 0,0 0 1,0 0-1,0 0 0,0 0 0,-1 0 0,1 0 0,0 0 1,0 0-1,0 0 0,0 0 0,0 0 0,0 0 0,0 0 0,0 0 1,-1 0-1,1 0 0,0 1 0,0-1 0,0 0 0,0 0 1,0 0-1,0 0 0,0 0 0,0 0 0,0 0 0,0 0 1,0 0-1,0 1 0,0-1 0,0 0 0,0 0 0,0 0 1,0 0-1,0 0 0,0 0 0,0 0 0,0 1 0,0-1 1,0 0-1,0 0 0,0 0 0,0 0 0,0 0 0,0 0 1,0 0-1,0 0 0,0 1 0,1 30 475,-1-27-576,2 11 136,1 0 1,0 0-1,1-1 1,0 1-1,1-1 1,8 16-1,-4-8 15,4 7-132,1 0 0,1-1 0,1-1 0,2 0 0,27 31 0,-25-35-4093,30 25 1,-42-42 408</inkml:trace>
+</inkml:ink>
+</file>
+
 <file path=ppt/ink/ink9.xml><?xml version="1.0" encoding="utf-8"?>
 <inkml:ink xmlns:inkml="http://www.w3.org/2003/InkML">
   <inkml:definitions>
@@ -2392,6 +3728,276 @@
     </inkml:brush>
   </inkml:definitions>
   <inkml:trace contextRef="#ctx0" brushRef="#br0">20 7 1160,'-19'-7'4333,"25"11"-1488,26 10-2003,76 30-308,112 30 0,-60-26-271,279 68 157,-171-47-282,-48-31-79,-38-8-39,-93-16-15,31 8 30,-112-20-38,124 35 511,-95-27-354,-25-8-110,0 1 1,0 1 0,12 5-1,13 3 237,-35-12-239,3 1 51,-1 0-1,0 0 0,1 0 0,-1 1 0,0-1 0,0 1 0,0 0 0,0 0 0,5 5 0,4 4 555</inkml:trace>
+</inkml:ink>
+</file>
+
+<file path=ppt/ink/ink90.xml><?xml version="1.0" encoding="utf-8"?>
+<inkml:ink xmlns:inkml="http://www.w3.org/2003/InkML">
+  <inkml:definitions>
+    <inkml:context xml:id="ctx0">
+      <inkml:inkSource xml:id="inkSrc0">
+        <inkml:traceFormat>
+          <inkml:channel name="X" type="integer" min="-2.14748E9" max="2.14748E9" units="cm"/>
+          <inkml:channel name="Y" type="integer" min="-2.14748E9" max="2.14748E9" units="cm"/>
+          <inkml:channel name="F" type="integer" max="32767" units="dev"/>
+        </inkml:traceFormat>
+        <inkml:channelProperties>
+          <inkml:channelProperty channel="X" name="resolution" value="1000" units="1/cm"/>
+          <inkml:channelProperty channel="Y" name="resolution" value="1000" units="1/cm"/>
+          <inkml:channelProperty channel="F" name="resolution" value="0" units="1/dev"/>
+        </inkml:channelProperties>
+      </inkml:inkSource>
+      <inkml:timestamp xml:id="ts0" timeString="2022-07-24T03:41:14.051"/>
+    </inkml:context>
+    <inkml:brush xml:id="br0">
+      <inkml:brushProperty name="width" value="0.05" units="cm"/>
+      <inkml:brushProperty name="height" value="0.05" units="cm"/>
+    </inkml:brush>
+  </inkml:definitions>
+  <inkml:trace contextRef="#ctx0" brushRef="#br0">30 318 1876,'-3'-1'262,"1"0"-1,0-1 1,0 1-1,-1-1 1,1 0-1,1 1 1,-1-1-1,0 0 1,0 0-1,1-1 1,-1 1-1,1 0 1,-1 0-1,0-4 1,2 5-194,0 0 0,0 0 1,0 0-1,0 0 0,1 0 1,-1 0-1,0 0 0,1 0 1,-1 0-1,1 0 0,-1 0 1,1 0-1,-1 0 0,1 0 1,0 0-1,1-1 0,-1 0 99,7-6 38,0 0 0,0 0 0,1 1 0,0 0 0,0 0 0,1 1 0,0 0 0,14-6 0,-8 4-9,309-135-816,-248 112-2656,-36 15 972</inkml:trace>
+</inkml:ink>
+</file>
+
+<file path=ppt/ink/ink91.xml><?xml version="1.0" encoding="utf-8"?>
+<inkml:ink xmlns:inkml="http://www.w3.org/2003/InkML">
+  <inkml:definitions>
+    <inkml:context xml:id="ctx0">
+      <inkml:inkSource xml:id="inkSrc0">
+        <inkml:traceFormat>
+          <inkml:channel name="X" type="integer" min="-2.14748E9" max="2.14748E9" units="cm"/>
+          <inkml:channel name="Y" type="integer" min="-2.14748E9" max="2.14748E9" units="cm"/>
+          <inkml:channel name="F" type="integer" max="32767" units="dev"/>
+        </inkml:traceFormat>
+        <inkml:channelProperties>
+          <inkml:channelProperty channel="X" name="resolution" value="1000" units="1/cm"/>
+          <inkml:channelProperty channel="Y" name="resolution" value="1000" units="1/cm"/>
+          <inkml:channelProperty channel="F" name="resolution" value="0" units="1/dev"/>
+        </inkml:channelProperties>
+      </inkml:inkSource>
+      <inkml:timestamp xml:id="ts0" timeString="2022-07-24T04:23:43.583"/>
+    </inkml:context>
+    <inkml:brush xml:id="br0">
+      <inkml:brushProperty name="width" value="0.05" units="cm"/>
+      <inkml:brushProperty name="height" value="0.05" units="cm"/>
+    </inkml:brush>
+  </inkml:definitions>
+  <inkml:trace contextRef="#ctx0" brushRef="#br0">14 11 1128,'0'0'1893,"-7"-8"-537,1 6 2664,6 17-3791,2 0 1,0-1-1,0 1 0,2-1 1,7 22-1,34 73 514,-27-70-520,76 149 621,-23-53-371,-52-97-349,49 110 272,-34-73-201,4-2 0,56 84 0,-47-89-73,3-2 0,74 76 0,133 98 84,-23-24-54,76 138 12,-263-299-134,2-2 1,89 74-1,124 72 10,-214-164-31,19 14-2,-4 2 0,-1 3 0,68 77 0,-92-87-3,0-1 12,34 49 0,-44-53-22,2-1 1,2-1 0,1-1-1,53 43 1,-26-24 9,64 76 0,-82-85-3,-27-31 1,2-1 1,0-1 0,1 0 0,0-1 0,31 15-1,-21-12 4,40 29 0,-35-18 5,-1 2 0,37 40 0,50 69-71,-62-67 29,-31-36 31,-3-1-47,7 8 44,7 17-51,-36-57 35,5 13-6,5 5-111,2-1 0,0 0 0,1-1-1,0-1 1,20 17 0,24 19-407,-37-35 226,-1 1 1,0 1-1,30 38 0,30 47-727,-71-92 965,0-1-1,20 19 1,-12-14 60,-1-5-2,-14-10 15,0 1-1,1-1 0,-1 0 0,0 1 1,0-1-1,0 1 0,3 3 0,24 21-19,-14-12 10,-1 2-8,-12-15 14,5 8-11,15 24 15,-12-17 0,18 22 0,-18-27-115,-1 0-1,2 0 1,-1-1 0,20 13 0,27 20-339,-56-42 428,-1 0 27,1 0-1,-1 0 1,1 0-1,0 0 0,-1 0 1,1 0-1,0 0 1,0 0-1,-1 0 1,1-1-1,2 2 0,14 13-68,17 8 21,-21-15 61,-11-7-9,1 0-4,0 1 0,0 0 0,0 0 0,0 0 1,0 0-1,0 1 0,4 4 0,-6-6-3,10 6 28,18 11-15,-16-9-4,-5-4-7,1 1 0,-1 0 0,-1 1-1,10 10 1,25 22 53,-41-38-33,1 0-5,32 26 220,-33-26-35,8 11 369</inkml:trace>
+</inkml:ink>
+</file>
+
+<file path=ppt/ink/ink92.xml><?xml version="1.0" encoding="utf-8"?>
+<inkml:ink xmlns:inkml="http://www.w3.org/2003/InkML">
+  <inkml:definitions>
+    <inkml:context xml:id="ctx0">
+      <inkml:inkSource xml:id="inkSrc0">
+        <inkml:traceFormat>
+          <inkml:channel name="X" type="integer" min="-2.14748E9" max="2.14748E9" units="cm"/>
+          <inkml:channel name="Y" type="integer" min="-2.14748E9" max="2.14748E9" units="cm"/>
+          <inkml:channel name="F" type="integer" max="32767" units="dev"/>
+        </inkml:traceFormat>
+        <inkml:channelProperties>
+          <inkml:channelProperty channel="X" name="resolution" value="1000" units="1/cm"/>
+          <inkml:channelProperty channel="Y" name="resolution" value="1000" units="1/cm"/>
+          <inkml:channelProperty channel="F" name="resolution" value="0" units="1/dev"/>
+        </inkml:channelProperties>
+      </inkml:inkSource>
+      <inkml:timestamp xml:id="ts0" timeString="2022-07-24T04:23:53.676"/>
+    </inkml:context>
+    <inkml:brush xml:id="br0">
+      <inkml:brushProperty name="width" value="0.05" units="cm"/>
+      <inkml:brushProperty name="height" value="0.05" units="cm"/>
+    </inkml:brush>
+  </inkml:definitions>
+  <inkml:trace contextRef="#ctx0" brushRef="#br0">84 9 1600,'0'0'729,"-3"0"-42,-32-2 2969,33 2-2821,0 0-446,1 0-399,-21-5 1714,22 5-1652,-1-1-1,0 1 1,1 0-1,-1 0 1,1 0-1,-1 0 1,1 0-1,-1 0 1,0-1-1,1 2 1,-1-1-1,1 0 1,-1 0-1,0 0 1,1 0 0,-1 0-1,1 0 1,-1 0-1,1 1 1,-1-1-1,0 0 1,1 1-1,-1-1 1,1 0-1,0 1 1,-1-1-1,1 0 1,-1 1-1,1-1 1,-1 1-1,1-1 1,0 1-1,-1-1 1,1 1 0,-1 0-1,2 2-6,1 5-19,1 0 0,0-1 0,0 1 0,1-1 0,0 1-1,0-1 1,1-1 0,0 1 0,6 6 0,59 56 75,-58-58-76,71 59 116,146 92 0,-93-70-67,101 96 3,-61-44-43,-82-73-7,143 111 14,-137-98-48,63 49-2,-127-106 13,31 22 16,75 42 1,123 76-58,-225-134 49,-2 1 0,38 43 0,19 27 11,167 161-14,-223-231-8,99 79-47,19-8 7,56 29-190,-162-97 88,-24-17-28,51 30 0,-2-7-396,89 69 0,-113-75 337,-20-14 125,1-2 0,1-2 0,1-1 0,63 23 0,-59-28 73,18 5-131,-2 3 0,59 31 0,-42-16-39,125 42 1,-87-38 100,-27 0 63,-31-15-187,9 2-322,-29-15 223,-1 2 0,-1 1 0,38 26 0,-28-14-1223,-27-19 1109,-1 0 1,23 20-1,89 89-691,-93-88 991,10 1 278,-28-22-59,19 16 0,114 87 248,-53-44-233,-56-42 71,2-2 0,0-1-1,58 22 1,-32-14-34,77 47 399,-129-70-420,0 1 1,-1 0 0,0 1-1,-1 0 1,18 19 0,-27-27-98,-1 0 1,40 36 991,-40-36-916,29 19 560,-23-12-4044</inkml:trace>
+</inkml:ink>
+</file>
+
+<file path=ppt/ink/ink93.xml><?xml version="1.0" encoding="utf-8"?>
+<inkml:ink xmlns:inkml="http://www.w3.org/2003/InkML">
+  <inkml:definitions>
+    <inkml:context xml:id="ctx0">
+      <inkml:inkSource xml:id="inkSrc0">
+        <inkml:traceFormat>
+          <inkml:channel name="X" type="integer" min="-2.14748E9" max="2.14748E9" units="cm"/>
+          <inkml:channel name="Y" type="integer" min="-2.14748E9" max="2.14748E9" units="cm"/>
+          <inkml:channel name="F" type="integer" max="32767" units="dev"/>
+        </inkml:traceFormat>
+        <inkml:channelProperties>
+          <inkml:channelProperty channel="X" name="resolution" value="1000" units="1/cm"/>
+          <inkml:channelProperty channel="Y" name="resolution" value="1000" units="1/cm"/>
+          <inkml:channelProperty channel="F" name="resolution" value="0" units="1/dev"/>
+        </inkml:channelProperties>
+      </inkml:inkSource>
+      <inkml:timestamp xml:id="ts0" timeString="2022-07-24T04:23:16.887"/>
+    </inkml:context>
+    <inkml:brush xml:id="br0">
+      <inkml:brushProperty name="width" value="0.05" units="cm"/>
+      <inkml:brushProperty name="height" value="0.05" units="cm"/>
+    </inkml:brush>
+  </inkml:definitions>
+  <inkml:trace contextRef="#ctx0" brushRef="#br0">34 140 1488,'0'0'5464,"-1"10"-4829,-16 124 1896,11-55-614,6-75-1685,-1 1 1,0-1-1,1 0 0,-1 0 0,-3 6 1,3-8 543,1-12-690,0 1-70,-1-12 77,4-38 0,-2 48-55,2-1 0,-1 1-1,1 0 1,1 0 0,9-19-1,-13 29-5,4 0-18,8-5-1,-8 4 19,0 3-19,47 18 15,-15-3 9,-31-14-36,9 2-5,11-1 5,-21-4-2,-1 1 11,-1-3-14,12-16 6,-13 13-1,-1 3 0,3-11-166,0 1 1,-1-1-1,-1 0 0,-1 0 1,0 0-1,0 0 1,-5-23-1,4 2-1800,6 7-3455,1 12 2651</inkml:trace>
+</inkml:ink>
+</file>
+
+<file path=ppt/ink/ink94.xml><?xml version="1.0" encoding="utf-8"?>
+<inkml:ink xmlns:inkml="http://www.w3.org/2003/InkML">
+  <inkml:definitions>
+    <inkml:context xml:id="ctx0">
+      <inkml:inkSource xml:id="inkSrc0">
+        <inkml:traceFormat>
+          <inkml:channel name="X" type="integer" min="-2.14748E9" max="2.14748E9" units="cm"/>
+          <inkml:channel name="Y" type="integer" min="-2.14748E9" max="2.14748E9" units="cm"/>
+          <inkml:channel name="F" type="integer" max="32767" units="dev"/>
+        </inkml:traceFormat>
+        <inkml:channelProperties>
+          <inkml:channelProperty channel="X" name="resolution" value="1000" units="1/cm"/>
+          <inkml:channelProperty channel="Y" name="resolution" value="1000" units="1/cm"/>
+          <inkml:channelProperty channel="F" name="resolution" value="0" units="1/dev"/>
+        </inkml:channelProperties>
+      </inkml:inkSource>
+      <inkml:timestamp xml:id="ts0" timeString="2022-07-24T04:23:17.238"/>
+    </inkml:context>
+    <inkml:brush xml:id="br0">
+      <inkml:brushProperty name="width" value="0.05" units="cm"/>
+      <inkml:brushProperty name="height" value="0.05" units="cm"/>
+    </inkml:brush>
+  </inkml:definitions>
+  <inkml:trace contextRef="#ctx0" brushRef="#br0">1 46 1212,'0'0'1111,"2"1"-661,0-1-331,0 1 1,0-1 0,0 0-1,0 1 1,0-1-1,0 0 1,0 0 0,0 0-1,0-1 1,0 1-1,0 0 1,0-1-1,-1 1 1,1-1 0,0 0-1,0 1 1,0-1-1,-1 0 1,4-2-1,31-18 628,-33 19-639,5-3 13,-1 0 142,1-1-203,-6 5 440,0 5-456,6 13-4,-6-12-10,-2-1-17,1 1-8,-7 34 53,-3 12-58,6-29-89,-1 0 1,-1 0 0,-13 36-1,13-45-270,0-1-1,-2 0 1,1 0-1,-1-1 0,-11 14 1,17-24 212,-1 1 38,24-9 1236,24-13-3656,-34 12 1385</inkml:trace>
+</inkml:ink>
+</file>
+
+<file path=ppt/ink/ink95.xml><?xml version="1.0" encoding="utf-8"?>
+<inkml:ink xmlns:inkml="http://www.w3.org/2003/InkML">
+  <inkml:definitions>
+    <inkml:context xml:id="ctx0">
+      <inkml:inkSource xml:id="inkSrc0">
+        <inkml:traceFormat>
+          <inkml:channel name="X" type="integer" min="-2.14748E9" max="2.14748E9" units="cm"/>
+          <inkml:channel name="Y" type="integer" min="-2.14748E9" max="2.14748E9" units="cm"/>
+          <inkml:channel name="F" type="integer" max="32767" units="dev"/>
+        </inkml:traceFormat>
+        <inkml:channelProperties>
+          <inkml:channelProperty channel="X" name="resolution" value="1000" units="1/cm"/>
+          <inkml:channelProperty channel="Y" name="resolution" value="1000" units="1/cm"/>
+          <inkml:channelProperty channel="F" name="resolution" value="0" units="1/dev"/>
+        </inkml:channelProperties>
+      </inkml:inkSource>
+      <inkml:timestamp xml:id="ts0" timeString="2022-07-24T04:23:17.616"/>
+    </inkml:context>
+    <inkml:brush xml:id="br0">
+      <inkml:brushProperty name="width" value="0.05" units="cm"/>
+      <inkml:brushProperty name="height" value="0.05" units="cm"/>
+    </inkml:brush>
+  </inkml:definitions>
+  <inkml:trace contextRef="#ctx0" brushRef="#br0">64 1 1064,'0'0'4555,"-6"4"-3841,-19 14-68,23-16-561,0 0 0,1 0-1,-1 0 1,1 0-1,-1 0 1,1 1 0,0-1-1,0 1 1,0-1-1,0 1 1,0-1 0,0 1-1,1-1 1,-1 4-1,-2 7 237,-1 2 11,1 0 0,1 0-1,0 0 1,1 1 0,1-1 0,3 31 0,-3-45-328,1 2-25,-1-1-1,1 1 0,0-1 1,0 1-1,0-1 0,0 0 1,0 1-1,1-1 0,2 4 1,-2-3-90,-1-2 4,0 0 0,0 0 0,0-1 1,0 1-1,0 0 0,1-1 0,-1 1 0,0 0 0,0-1 0,0 1 0,0-1 1,1 0-1,-1 1 0,0-1 0,0 0 0,1 0 0,-1 0 0,0 0 1,1 0-1,1 0 0,24-6-2925,-9-3 719</inkml:trace>
+</inkml:ink>
+</file>
+
+<file path=ppt/ink/ink96.xml><?xml version="1.0" encoding="utf-8"?>
+<inkml:ink xmlns:inkml="http://www.w3.org/2003/InkML">
+  <inkml:definitions>
+    <inkml:context xml:id="ctx0">
+      <inkml:inkSource xml:id="inkSrc0">
+        <inkml:traceFormat>
+          <inkml:channel name="X" type="integer" min="-2.14748E9" max="2.14748E9" units="cm"/>
+          <inkml:channel name="Y" type="integer" min="-2.14748E9" max="2.14748E9" units="cm"/>
+          <inkml:channel name="F" type="integer" max="32767" units="dev"/>
+        </inkml:traceFormat>
+        <inkml:channelProperties>
+          <inkml:channelProperty channel="X" name="resolution" value="1000" units="1/cm"/>
+          <inkml:channelProperty channel="Y" name="resolution" value="1000" units="1/cm"/>
+          <inkml:channelProperty channel="F" name="resolution" value="0" units="1/dev"/>
+        </inkml:channelProperties>
+      </inkml:inkSource>
+      <inkml:timestamp xml:id="ts0" timeString="2022-07-24T04:23:18.008"/>
+    </inkml:context>
+    <inkml:brush xml:id="br0">
+      <inkml:brushProperty name="width" value="0.05" units="cm"/>
+      <inkml:brushProperty name="height" value="0.05" units="cm"/>
+    </inkml:brush>
+  </inkml:definitions>
+  <inkml:trace contextRef="#ctx0" brushRef="#br0">3 25 1504,'0'0'1056,"-3"-13"5628,4 12-6593,0 0-1,0 0 1,0 0 0,0 0-1,1 0 1,-1 1-1,0-1 1,0 0 0,1 1-1,-1-1 1,0 0-1,1 1 1,-1 0 0,1-1-1,-1 1 1,0 0-1,3 0 1,-2 0 718,8 5-240,-9-5-545,-1 0 0,1 0 0,0 1 0,-1-1 0,1 0-1,0 1 1,-1-1 0,1 0 0,-1 1 0,1-1 0,0 1-1,-1-1 1,1 1 0,-1-1 0,1 1 0,-1 0 0,0-1 0,1 1-1,-1-1 1,1 1 0,-1 0 0,1 1 0,2 5 107,0 1 0,-1 0 0,0 0-1,0 0 1,-1 0 0,0 0 0,0 1 0,0-1 0,-2 10 0,0-5-29,-1 1 1,-1-1-1,0 1 1,-1-1-1,-5 13 1,1-6 68,1 0-1,1 0 1,-6 34-1,13-47-131,8 10-27,-3-14-41,-3-2 12,-1 0-21,-1 0 25,-1-1 1,1 0-1,-1 1 0,1-1 1,-1 0-1,1 0 0,-1 0 0,1 0 1,0 1-1,-1-1 0,1 0 1,-1 0-1,1 0 0,-1 0 1,1 0-1,0 0 0,-1 0 1,1-1-1,-1 1 0,1 0 1,-1 0-1,1 0 0,0-1 1,44-9-658,0-2 0,0-2 1,50-24-1,-75 31-424,27-8 1,-19 8-3807</inkml:trace>
+</inkml:ink>
+</file>
+
+<file path=ppt/ink/ink97.xml><?xml version="1.0" encoding="utf-8"?>
+<inkml:ink xmlns:inkml="http://www.w3.org/2003/InkML">
+  <inkml:definitions>
+    <inkml:context xml:id="ctx0">
+      <inkml:inkSource xml:id="inkSrc0">
+        <inkml:traceFormat>
+          <inkml:channel name="X" type="integer" min="-2.14748E9" max="2.14748E9" units="cm"/>
+          <inkml:channel name="Y" type="integer" min="-2.14748E9" max="2.14748E9" units="cm"/>
+          <inkml:channel name="F" type="integer" max="32767" units="dev"/>
+        </inkml:traceFormat>
+        <inkml:channelProperties>
+          <inkml:channelProperty channel="X" name="resolution" value="1000" units="1/cm"/>
+          <inkml:channelProperty channel="Y" name="resolution" value="1000" units="1/cm"/>
+          <inkml:channelProperty channel="F" name="resolution" value="0" units="1/dev"/>
+        </inkml:channelProperties>
+      </inkml:inkSource>
+      <inkml:timestamp xml:id="ts0" timeString="2022-07-24T04:23:18.356"/>
+    </inkml:context>
+    <inkml:brush xml:id="br0">
+      <inkml:brushProperty name="width" value="0.05" units="cm"/>
+      <inkml:brushProperty name="height" value="0.05" units="cm"/>
+    </inkml:brush>
+  </inkml:definitions>
+  <inkml:trace contextRef="#ctx0" brushRef="#br0">8 78 1516,'-3'20'881,"1"0"-1,0 1 1,2-1 0,0 1-1,6 35 1,-5-50-742,0 0 0,-1 1 0,0-1 0,0 7 0,1 14 357,-1-25 293,0-9-676,4-52 322,-3 29 57,-2 26-416,1 0-1,0-1 0,0 1 1,1 0-1,1-8 0,-2 10 53,2-1 40,-3 2-156,1 1 0,0 0 0,0 0 1,0-1-1,0 1 0,0 0 0,0 0 1,0-1-1,0 1 0,0 0 0,0-1 1,0 1-1,0 0 0,0 0 0,0-1 1,1 1-1,-1 0 0,0 0 1,0-1-1,0 1 0,0 0 0,0 0 1,1-1-1,-1 1 0,0 0 0,0 0 1,0 0-1,1 0 0,-1-1 0,0 1 1,0 0-1,0 0 0,1 0 0,-1 0 1,0 0-1,0-1 0,1 1 0,-1 0 1,0 0-1,0 0 0,1 0 1,-1 0-1,0 0 0,1 0 0,-1 0 1,0 0-1,0 0 0,1 0 0,53 25 185,-49-23-182,-1-1 0,1 0-1,-1 0 1,1 0-1,0 0 1,-1-1-1,1 1 1,0-1 0,-1-1-1,7 0 1,-9 1 2,1-2-7,8-4 1,-8 5 10,-3 1-19,0-1-1,0 1 0,0-1 1,0 1-1,0-1 1,0 1-1,0 0 1,0-1-1,0 1 1,0-1-1,0 1 1,0 0-1,1-1 1,-1 1-1,0 0 1,0-1-1,1 1 1,-1 0-1,0-1 1,0 1-1,1-1 0,0 1 1,-1-1-1,1 0 1,0 1-1,-1-1 0,1 0 1,-1 0-1,0 1 1,1-1-1,-1 0 0,0 0 1,1 0-1,-1 0 1,0 1-1,1-3 0,0-10-148,-1 0-1,0 0 1,0 0-1,-1 0 1,-1 0-1,0 0 1,-6-19-1,5 18-720,1-5-3105,1 16 1492</inkml:trace>
+</inkml:ink>
+</file>
+
+<file path=ppt/ink/ink98.xml><?xml version="1.0" encoding="utf-8"?>
+<inkml:ink xmlns:inkml="http://www.w3.org/2003/InkML">
+  <inkml:definitions>
+    <inkml:context xml:id="ctx0">
+      <inkml:inkSource xml:id="inkSrc0">
+        <inkml:traceFormat>
+          <inkml:channel name="X" type="integer" min="-2.14748E9" max="2.14748E9" units="cm"/>
+          <inkml:channel name="Y" type="integer" min="-2.14748E9" max="2.14748E9" units="cm"/>
+          <inkml:channel name="F" type="integer" max="32767" units="dev"/>
+        </inkml:traceFormat>
+        <inkml:channelProperties>
+          <inkml:channelProperty channel="X" name="resolution" value="1000" units="1/cm"/>
+          <inkml:channelProperty channel="Y" name="resolution" value="1000" units="1/cm"/>
+          <inkml:channelProperty channel="F" name="resolution" value="0" units="1/dev"/>
+        </inkml:channelProperties>
+      </inkml:inkSource>
+      <inkml:timestamp xml:id="ts0" timeString="2022-07-24T04:23:18.719"/>
+    </inkml:context>
+    <inkml:brush xml:id="br0">
+      <inkml:brushProperty name="width" value="0.05" units="cm"/>
+      <inkml:brushProperty name="height" value="0.05" units="cm"/>
+    </inkml:brush>
+  </inkml:definitions>
+  <inkml:trace contextRef="#ctx0" brushRef="#br0">0 119 1092,'20'-9'816,"0"-1"1,-1-2-1,-1 1 0,29-25 0,-43 32-720,19-21-150,-21 22-70,0 0-30,2-3 112,-3 11 9,-7 35 282,1 1 0,2 63 0,7-61-79,-1-24-98,-1 0 0,0 0 0,-2 0 0,-4 37 0,4-53-72,-1 0-6,-2 8 17,-2-1-83,4-9 285,3-4 1119,8-8-2525,0 1 1,17-13-1</inkml:trace>
+</inkml:ink>
+</file>
+
+<file path=ppt/ink/ink99.xml><?xml version="1.0" encoding="utf-8"?>
+<inkml:ink xmlns:inkml="http://www.w3.org/2003/InkML">
+  <inkml:definitions>
+    <inkml:context xml:id="ctx0">
+      <inkml:inkSource xml:id="inkSrc0">
+        <inkml:traceFormat>
+          <inkml:channel name="X" type="integer" min="-2.14748E9" max="2.14748E9" units="cm"/>
+          <inkml:channel name="Y" type="integer" min="-2.14748E9" max="2.14748E9" units="cm"/>
+          <inkml:channel name="F" type="integer" max="32767" units="dev"/>
+        </inkml:traceFormat>
+        <inkml:channelProperties>
+          <inkml:channelProperty channel="X" name="resolution" value="1000" units="1/cm"/>
+          <inkml:channelProperty channel="Y" name="resolution" value="1000" units="1/cm"/>
+          <inkml:channelProperty channel="F" name="resolution" value="0" units="1/dev"/>
+        </inkml:channelProperties>
+      </inkml:inkSource>
+      <inkml:timestamp xml:id="ts0" timeString="2022-07-24T04:23:19.211"/>
+    </inkml:context>
+    <inkml:brush xml:id="br0">
+      <inkml:brushProperty name="width" value="0.05" units="cm"/>
+      <inkml:brushProperty name="height" value="0.05" units="cm"/>
+    </inkml:brush>
+  </inkml:definitions>
+  <inkml:trace contextRef="#ctx0" brushRef="#br0">157 0 1832,'0'0'14962,"-8"5"-14760,-5 3-80,1 2-1,0-1 1,0 2-1,1 0 1,0 0-1,-12 18 1,10-11 52,2 1 0,-16 36 1,26-54-175,1 0 0,-1 0 0,1 1 0,0-1 1,-1 0-1,1 1 0,0-1 0,0 0 0,-1 0 1,1 1-1,0-1 0,1 2 0,-1 1-6,0-3 0,0 0-1,-1 0 1,1 0-1,0 0 1,0-1-1,0 1 1,0 0 0,1 0-1,-1 0 1,0 0-1,0 0 1,0 0-1,1 0 1,-1 0-1,1-1 1,-1 1-1,0 0 1,2 1-1,-1 0-31,-1-1 18,1 0 1,-1 0-1,0 0 1,1 0-1,0-1 0,-1 1 1,1 0-1,-1 0 1,1-1-1,0 1 0,-1 0 1,1 0-1,0-1 1,0 1-1,0-1 1,-1 1-1,1-1 0,0 1 1,1-1-1,1 2-61,0 0-43,1-1 1,0 1-1,-1 0 0,1-1 0,0 0 0,0 0 0,0 0 1,0-1-1,0 1 0,0-1 0,0 0 0,0 0 1,5-1-1,6-1-588,0 0 0,14-5 0,-16 3-919,0-1 1,-1 0 0,13-7-1,-4 1-1710</inkml:trace>
 </inkml:ink>
 </file>
 
@@ -2544,7 +4150,7 @@
           <a:p>
             <a:fld id="{11789BF6-08D2-48D9-BBDB-5FE4972890A9}" type="datetimeFigureOut">
               <a:rPr lang="en-IN" smtClean="0"/>
-              <a:t>23-07-2022</a:t>
+              <a:t>24-07-2022</a:t>
             </a:fld>
             <a:endParaRPr lang="en-IN"/>
           </a:p>
@@ -2744,7 +4350,7 @@
           <a:p>
             <a:fld id="{11789BF6-08D2-48D9-BBDB-5FE4972890A9}" type="datetimeFigureOut">
               <a:rPr lang="en-IN" smtClean="0"/>
-              <a:t>23-07-2022</a:t>
+              <a:t>24-07-2022</a:t>
             </a:fld>
             <a:endParaRPr lang="en-IN"/>
           </a:p>
@@ -2954,7 +4560,7 @@
           <a:p>
             <a:fld id="{11789BF6-08D2-48D9-BBDB-5FE4972890A9}" type="datetimeFigureOut">
               <a:rPr lang="en-IN" smtClean="0"/>
-              <a:t>23-07-2022</a:t>
+              <a:t>24-07-2022</a:t>
             </a:fld>
             <a:endParaRPr lang="en-IN"/>
           </a:p>
@@ -3154,7 +4760,7 @@
           <a:p>
             <a:fld id="{11789BF6-08D2-48D9-BBDB-5FE4972890A9}" type="datetimeFigureOut">
               <a:rPr lang="en-IN" smtClean="0"/>
-              <a:t>23-07-2022</a:t>
+              <a:t>24-07-2022</a:t>
             </a:fld>
             <a:endParaRPr lang="en-IN"/>
           </a:p>
@@ -3430,7 +5036,7 @@
           <a:p>
             <a:fld id="{11789BF6-08D2-48D9-BBDB-5FE4972890A9}" type="datetimeFigureOut">
               <a:rPr lang="en-IN" smtClean="0"/>
-              <a:t>23-07-2022</a:t>
+              <a:t>24-07-2022</a:t>
             </a:fld>
             <a:endParaRPr lang="en-IN"/>
           </a:p>
@@ -3698,7 +5304,7 @@
           <a:p>
             <a:fld id="{11789BF6-08D2-48D9-BBDB-5FE4972890A9}" type="datetimeFigureOut">
               <a:rPr lang="en-IN" smtClean="0"/>
-              <a:t>23-07-2022</a:t>
+              <a:t>24-07-2022</a:t>
             </a:fld>
             <a:endParaRPr lang="en-IN"/>
           </a:p>
@@ -4113,7 +5719,7 @@
           <a:p>
             <a:fld id="{11789BF6-08D2-48D9-BBDB-5FE4972890A9}" type="datetimeFigureOut">
               <a:rPr lang="en-IN" smtClean="0"/>
-              <a:t>23-07-2022</a:t>
+              <a:t>24-07-2022</a:t>
             </a:fld>
             <a:endParaRPr lang="en-IN"/>
           </a:p>
@@ -4255,7 +5861,7 @@
           <a:p>
             <a:fld id="{11789BF6-08D2-48D9-BBDB-5FE4972890A9}" type="datetimeFigureOut">
               <a:rPr lang="en-IN" smtClean="0"/>
-              <a:t>23-07-2022</a:t>
+              <a:t>24-07-2022</a:t>
             </a:fld>
             <a:endParaRPr lang="en-IN"/>
           </a:p>
@@ -4368,7 +5974,7 @@
           <a:p>
             <a:fld id="{11789BF6-08D2-48D9-BBDB-5FE4972890A9}" type="datetimeFigureOut">
               <a:rPr lang="en-IN" smtClean="0"/>
-              <a:t>23-07-2022</a:t>
+              <a:t>24-07-2022</a:t>
             </a:fld>
             <a:endParaRPr lang="en-IN"/>
           </a:p>
@@ -4681,7 +6287,7 @@
           <a:p>
             <a:fld id="{11789BF6-08D2-48D9-BBDB-5FE4972890A9}" type="datetimeFigureOut">
               <a:rPr lang="en-IN" smtClean="0"/>
-              <a:t>23-07-2022</a:t>
+              <a:t>24-07-2022</a:t>
             </a:fld>
             <a:endParaRPr lang="en-IN"/>
           </a:p>
@@ -4970,7 +6576,7 @@
           <a:p>
             <a:fld id="{11789BF6-08D2-48D9-BBDB-5FE4972890A9}" type="datetimeFigureOut">
               <a:rPr lang="en-IN" smtClean="0"/>
-              <a:t>23-07-2022</a:t>
+              <a:t>24-07-2022</a:t>
             </a:fld>
             <a:endParaRPr lang="en-IN"/>
           </a:p>
@@ -5213,7 +6819,7 @@
           <a:p>
             <a:fld id="{11789BF6-08D2-48D9-BBDB-5FE4972890A9}" type="datetimeFigureOut">
               <a:rPr lang="en-IN" smtClean="0"/>
-              <a:t>23-07-2022</a:t>
+              <a:t>24-07-2022</a:t>
             </a:fld>
             <a:endParaRPr lang="en-IN"/>
           </a:p>
@@ -6295,8 +7901,8 @@
             <a:chExt cx="1200960" cy="361080"/>
           </a:xfrm>
         </p:grpSpPr>
-        <mc:AlternateContent xmlns:mc="http://schemas.openxmlformats.org/markup-compatibility/2006">
-          <mc:Choice xmlns:p14="http://schemas.microsoft.com/office/powerpoint/2010/main" Requires="p14">
+        <mc:AlternateContent xmlns:mc="http://schemas.openxmlformats.org/markup-compatibility/2006" xmlns:p14="http://schemas.microsoft.com/office/powerpoint/2010/main">
+          <mc:Choice Requires="p14">
             <p:contentPart p14:bwMode="auto" r:id="rId2">
               <p14:nvContentPartPr>
                 <p14:cNvPr id="3" name="Ink 2">
@@ -6315,7 +7921,7 @@
               </p14:xfrm>
             </p:contentPart>
           </mc:Choice>
-          <mc:Fallback>
+          <mc:Fallback xmlns="">
             <p:pic>
               <p:nvPicPr>
                 <p:cNvPr id="3" name="Ink 2">
@@ -6346,8 +7952,8 @@
             </p:pic>
           </mc:Fallback>
         </mc:AlternateContent>
-        <mc:AlternateContent xmlns:mc="http://schemas.openxmlformats.org/markup-compatibility/2006">
-          <mc:Choice xmlns:p14="http://schemas.microsoft.com/office/powerpoint/2010/main" Requires="p14">
+        <mc:AlternateContent xmlns:mc="http://schemas.openxmlformats.org/markup-compatibility/2006" xmlns:p14="http://schemas.microsoft.com/office/powerpoint/2010/main">
+          <mc:Choice Requires="p14">
             <p:contentPart p14:bwMode="auto" r:id="rId4">
               <p14:nvContentPartPr>
                 <p14:cNvPr id="6" name="Ink 5">
@@ -6366,7 +7972,7 @@
               </p14:xfrm>
             </p:contentPart>
           </mc:Choice>
-          <mc:Fallback>
+          <mc:Fallback xmlns="">
             <p:pic>
               <p:nvPicPr>
                 <p:cNvPr id="6" name="Ink 5">
@@ -6397,8 +8003,8 @@
             </p:pic>
           </mc:Fallback>
         </mc:AlternateContent>
-        <mc:AlternateContent xmlns:mc="http://schemas.openxmlformats.org/markup-compatibility/2006">
-          <mc:Choice xmlns:p14="http://schemas.microsoft.com/office/powerpoint/2010/main" Requires="p14">
+        <mc:AlternateContent xmlns:mc="http://schemas.openxmlformats.org/markup-compatibility/2006" xmlns:p14="http://schemas.microsoft.com/office/powerpoint/2010/main">
+          <mc:Choice Requires="p14">
             <p:contentPart p14:bwMode="auto" r:id="rId6">
               <p14:nvContentPartPr>
                 <p14:cNvPr id="7" name="Ink 6">
@@ -6417,7 +8023,7 @@
               </p14:xfrm>
             </p:contentPart>
           </mc:Choice>
-          <mc:Fallback>
+          <mc:Fallback xmlns="">
             <p:pic>
               <p:nvPicPr>
                 <p:cNvPr id="7" name="Ink 6">
@@ -6448,8 +8054,8 @@
             </p:pic>
           </mc:Fallback>
         </mc:AlternateContent>
-        <mc:AlternateContent xmlns:mc="http://schemas.openxmlformats.org/markup-compatibility/2006">
-          <mc:Choice xmlns:p14="http://schemas.microsoft.com/office/powerpoint/2010/main" Requires="p14">
+        <mc:AlternateContent xmlns:mc="http://schemas.openxmlformats.org/markup-compatibility/2006" xmlns:p14="http://schemas.microsoft.com/office/powerpoint/2010/main">
+          <mc:Choice Requires="p14">
             <p:contentPart p14:bwMode="auto" r:id="rId8">
               <p14:nvContentPartPr>
                 <p14:cNvPr id="8" name="Ink 7">
@@ -6468,7 +8074,7 @@
               </p14:xfrm>
             </p:contentPart>
           </mc:Choice>
-          <mc:Fallback>
+          <mc:Fallback xmlns="">
             <p:pic>
               <p:nvPicPr>
                 <p:cNvPr id="8" name="Ink 7">
@@ -6499,8 +8105,8 @@
             </p:pic>
           </mc:Fallback>
         </mc:AlternateContent>
-        <mc:AlternateContent xmlns:mc="http://schemas.openxmlformats.org/markup-compatibility/2006">
-          <mc:Choice xmlns:p14="http://schemas.microsoft.com/office/powerpoint/2010/main" Requires="p14">
+        <mc:AlternateContent xmlns:mc="http://schemas.openxmlformats.org/markup-compatibility/2006" xmlns:p14="http://schemas.microsoft.com/office/powerpoint/2010/main">
+          <mc:Choice Requires="p14">
             <p:contentPart p14:bwMode="auto" r:id="rId10">
               <p14:nvContentPartPr>
                 <p14:cNvPr id="10" name="Ink 9">
@@ -6519,7 +8125,7 @@
               </p14:xfrm>
             </p:contentPart>
           </mc:Choice>
-          <mc:Fallback>
+          <mc:Fallback xmlns="">
             <p:pic>
               <p:nvPicPr>
                 <p:cNvPr id="10" name="Ink 9">
@@ -6550,8 +8156,8 @@
             </p:pic>
           </mc:Fallback>
         </mc:AlternateContent>
-        <mc:AlternateContent xmlns:mc="http://schemas.openxmlformats.org/markup-compatibility/2006">
-          <mc:Choice xmlns:p14="http://schemas.microsoft.com/office/powerpoint/2010/main" Requires="p14">
+        <mc:AlternateContent xmlns:mc="http://schemas.openxmlformats.org/markup-compatibility/2006" xmlns:p14="http://schemas.microsoft.com/office/powerpoint/2010/main">
+          <mc:Choice Requires="p14">
             <p:contentPart p14:bwMode="auto" r:id="rId12">
               <p14:nvContentPartPr>
                 <p14:cNvPr id="11" name="Ink 10">
@@ -6570,7 +8176,7 @@
               </p14:xfrm>
             </p:contentPart>
           </mc:Choice>
-          <mc:Fallback>
+          <mc:Fallback xmlns="">
             <p:pic>
               <p:nvPicPr>
                 <p:cNvPr id="11" name="Ink 10">
@@ -6601,8 +8207,8 @@
             </p:pic>
           </mc:Fallback>
         </mc:AlternateContent>
-        <mc:AlternateContent xmlns:mc="http://schemas.openxmlformats.org/markup-compatibility/2006">
-          <mc:Choice xmlns:p14="http://schemas.microsoft.com/office/powerpoint/2010/main" Requires="p14">
+        <mc:AlternateContent xmlns:mc="http://schemas.openxmlformats.org/markup-compatibility/2006" xmlns:p14="http://schemas.microsoft.com/office/powerpoint/2010/main">
+          <mc:Choice Requires="p14">
             <p:contentPart p14:bwMode="auto" r:id="rId14">
               <p14:nvContentPartPr>
                 <p14:cNvPr id="12" name="Ink 11">
@@ -6621,7 +8227,7 @@
               </p14:xfrm>
             </p:contentPart>
           </mc:Choice>
-          <mc:Fallback>
+          <mc:Fallback xmlns="">
             <p:pic>
               <p:nvPicPr>
                 <p:cNvPr id="12" name="Ink 11">
@@ -6673,8 +8279,8 @@
             <a:chExt cx="705960" cy="315720"/>
           </a:xfrm>
         </p:grpSpPr>
-        <mc:AlternateContent xmlns:mc="http://schemas.openxmlformats.org/markup-compatibility/2006">
-          <mc:Choice xmlns:p14="http://schemas.microsoft.com/office/powerpoint/2010/main" Requires="p14">
+        <mc:AlternateContent xmlns:mc="http://schemas.openxmlformats.org/markup-compatibility/2006" xmlns:p14="http://schemas.microsoft.com/office/powerpoint/2010/main">
+          <mc:Choice Requires="p14">
             <p:contentPart p14:bwMode="auto" r:id="rId16">
               <p14:nvContentPartPr>
                 <p14:cNvPr id="13" name="Ink 12">
@@ -6693,7 +8299,7 @@
               </p14:xfrm>
             </p:contentPart>
           </mc:Choice>
-          <mc:Fallback>
+          <mc:Fallback xmlns="">
             <p:pic>
               <p:nvPicPr>
                 <p:cNvPr id="13" name="Ink 12">
@@ -6724,8 +8330,8 @@
             </p:pic>
           </mc:Fallback>
         </mc:AlternateContent>
-        <mc:AlternateContent xmlns:mc="http://schemas.openxmlformats.org/markup-compatibility/2006">
-          <mc:Choice xmlns:p14="http://schemas.microsoft.com/office/powerpoint/2010/main" Requires="p14">
+        <mc:AlternateContent xmlns:mc="http://schemas.openxmlformats.org/markup-compatibility/2006" xmlns:p14="http://schemas.microsoft.com/office/powerpoint/2010/main">
+          <mc:Choice Requires="p14">
             <p:contentPart p14:bwMode="auto" r:id="rId18">
               <p14:nvContentPartPr>
                 <p14:cNvPr id="14" name="Ink 13">
@@ -6744,7 +8350,7 @@
               </p14:xfrm>
             </p:contentPart>
           </mc:Choice>
-          <mc:Fallback>
+          <mc:Fallback xmlns="">
             <p:pic>
               <p:nvPicPr>
                 <p:cNvPr id="14" name="Ink 13">
@@ -6775,8 +8381,8 @@
             </p:pic>
           </mc:Fallback>
         </mc:AlternateContent>
-        <mc:AlternateContent xmlns:mc="http://schemas.openxmlformats.org/markup-compatibility/2006">
-          <mc:Choice xmlns:p14="http://schemas.microsoft.com/office/powerpoint/2010/main" Requires="p14">
+        <mc:AlternateContent xmlns:mc="http://schemas.openxmlformats.org/markup-compatibility/2006" xmlns:p14="http://schemas.microsoft.com/office/powerpoint/2010/main">
+          <mc:Choice Requires="p14">
             <p:contentPart p14:bwMode="auto" r:id="rId20">
               <p14:nvContentPartPr>
                 <p14:cNvPr id="15" name="Ink 14">
@@ -6795,7 +8401,7 @@
               </p14:xfrm>
             </p:contentPart>
           </mc:Choice>
-          <mc:Fallback>
+          <mc:Fallback xmlns="">
             <p:pic>
               <p:nvPicPr>
                 <p:cNvPr id="15" name="Ink 14">
@@ -6826,8 +8432,8 @@
             </p:pic>
           </mc:Fallback>
         </mc:AlternateContent>
-        <mc:AlternateContent xmlns:mc="http://schemas.openxmlformats.org/markup-compatibility/2006">
-          <mc:Choice xmlns:p14="http://schemas.microsoft.com/office/powerpoint/2010/main" Requires="p14">
+        <mc:AlternateContent xmlns:mc="http://schemas.openxmlformats.org/markup-compatibility/2006" xmlns:p14="http://schemas.microsoft.com/office/powerpoint/2010/main">
+          <mc:Choice Requires="p14">
             <p:contentPart p14:bwMode="auto" r:id="rId22">
               <p14:nvContentPartPr>
                 <p14:cNvPr id="16" name="Ink 15">
@@ -6846,7 +8452,7 @@
               </p14:xfrm>
             </p:contentPart>
           </mc:Choice>
-          <mc:Fallback>
+          <mc:Fallback xmlns="">
             <p:pic>
               <p:nvPicPr>
                 <p:cNvPr id="16" name="Ink 15">
@@ -6877,8 +8483,8 @@
             </p:pic>
           </mc:Fallback>
         </mc:AlternateContent>
-        <mc:AlternateContent xmlns:mc="http://schemas.openxmlformats.org/markup-compatibility/2006">
-          <mc:Choice xmlns:p14="http://schemas.microsoft.com/office/powerpoint/2010/main" Requires="p14">
+        <mc:AlternateContent xmlns:mc="http://schemas.openxmlformats.org/markup-compatibility/2006" xmlns:p14="http://schemas.microsoft.com/office/powerpoint/2010/main">
+          <mc:Choice Requires="p14">
             <p:contentPart p14:bwMode="auto" r:id="rId24">
               <p14:nvContentPartPr>
                 <p14:cNvPr id="17" name="Ink 16">
@@ -6897,7 +8503,7 @@
               </p14:xfrm>
             </p:contentPart>
           </mc:Choice>
-          <mc:Fallback>
+          <mc:Fallback xmlns="">
             <p:pic>
               <p:nvPicPr>
                 <p:cNvPr id="17" name="Ink 16">
@@ -6928,8 +8534,8 @@
             </p:pic>
           </mc:Fallback>
         </mc:AlternateContent>
-        <mc:AlternateContent xmlns:mc="http://schemas.openxmlformats.org/markup-compatibility/2006">
-          <mc:Choice xmlns:p14="http://schemas.microsoft.com/office/powerpoint/2010/main" Requires="p14">
+        <mc:AlternateContent xmlns:mc="http://schemas.openxmlformats.org/markup-compatibility/2006" xmlns:p14="http://schemas.microsoft.com/office/powerpoint/2010/main">
+          <mc:Choice Requires="p14">
             <p:contentPart p14:bwMode="auto" r:id="rId26">
               <p14:nvContentPartPr>
                 <p14:cNvPr id="18" name="Ink 17">
@@ -6948,7 +8554,7 @@
               </p14:xfrm>
             </p:contentPart>
           </mc:Choice>
-          <mc:Fallback>
+          <mc:Fallback xmlns="">
             <p:pic>
               <p:nvPicPr>
                 <p:cNvPr id="18" name="Ink 17">
@@ -7000,8 +8606,8 @@
             <a:chExt cx="642240" cy="152640"/>
           </a:xfrm>
         </p:grpSpPr>
-        <mc:AlternateContent xmlns:mc="http://schemas.openxmlformats.org/markup-compatibility/2006">
-          <mc:Choice xmlns:p14="http://schemas.microsoft.com/office/powerpoint/2010/main" Requires="p14">
+        <mc:AlternateContent xmlns:mc="http://schemas.openxmlformats.org/markup-compatibility/2006" xmlns:p14="http://schemas.microsoft.com/office/powerpoint/2010/main">
+          <mc:Choice Requires="p14">
             <p:contentPart p14:bwMode="auto" r:id="rId28">
               <p14:nvContentPartPr>
                 <p14:cNvPr id="21" name="Ink 20">
@@ -7020,7 +8626,7 @@
               </p14:xfrm>
             </p:contentPart>
           </mc:Choice>
-          <mc:Fallback>
+          <mc:Fallback xmlns="">
             <p:pic>
               <p:nvPicPr>
                 <p:cNvPr id="21" name="Ink 20">
@@ -7051,8 +8657,8 @@
             </p:pic>
           </mc:Fallback>
         </mc:AlternateContent>
-        <mc:AlternateContent xmlns:mc="http://schemas.openxmlformats.org/markup-compatibility/2006">
-          <mc:Choice xmlns:p14="http://schemas.microsoft.com/office/powerpoint/2010/main" Requires="p14">
+        <mc:AlternateContent xmlns:mc="http://schemas.openxmlformats.org/markup-compatibility/2006" xmlns:p14="http://schemas.microsoft.com/office/powerpoint/2010/main">
+          <mc:Choice Requires="p14">
             <p:contentPart p14:bwMode="auto" r:id="rId30">
               <p14:nvContentPartPr>
                 <p14:cNvPr id="22" name="Ink 21">
@@ -7071,7 +8677,7 @@
               </p14:xfrm>
             </p:contentPart>
           </mc:Choice>
-          <mc:Fallback>
+          <mc:Fallback xmlns="">
             <p:pic>
               <p:nvPicPr>
                 <p:cNvPr id="22" name="Ink 21">
@@ -7102,8 +8708,8 @@
             </p:pic>
           </mc:Fallback>
         </mc:AlternateContent>
-        <mc:AlternateContent xmlns:mc="http://schemas.openxmlformats.org/markup-compatibility/2006">
-          <mc:Choice xmlns:p14="http://schemas.microsoft.com/office/powerpoint/2010/main" Requires="p14">
+        <mc:AlternateContent xmlns:mc="http://schemas.openxmlformats.org/markup-compatibility/2006" xmlns:p14="http://schemas.microsoft.com/office/powerpoint/2010/main">
+          <mc:Choice Requires="p14">
             <p:contentPart p14:bwMode="auto" r:id="rId32">
               <p14:nvContentPartPr>
                 <p14:cNvPr id="23" name="Ink 22">
@@ -7122,7 +8728,7 @@
               </p14:xfrm>
             </p:contentPart>
           </mc:Choice>
-          <mc:Fallback>
+          <mc:Fallback xmlns="">
             <p:pic>
               <p:nvPicPr>
                 <p:cNvPr id="23" name="Ink 22">
@@ -7153,8 +8759,8 @@
             </p:pic>
           </mc:Fallback>
         </mc:AlternateContent>
-        <mc:AlternateContent xmlns:mc="http://schemas.openxmlformats.org/markup-compatibility/2006">
-          <mc:Choice xmlns:p14="http://schemas.microsoft.com/office/powerpoint/2010/main" Requires="p14">
+        <mc:AlternateContent xmlns:mc="http://schemas.openxmlformats.org/markup-compatibility/2006" xmlns:p14="http://schemas.microsoft.com/office/powerpoint/2010/main">
+          <mc:Choice Requires="p14">
             <p:contentPart p14:bwMode="auto" r:id="rId34">
               <p14:nvContentPartPr>
                 <p14:cNvPr id="24" name="Ink 23">
@@ -7173,7 +8779,7 @@
               </p14:xfrm>
             </p:contentPart>
           </mc:Choice>
-          <mc:Fallback>
+          <mc:Fallback xmlns="">
             <p:pic>
               <p:nvPicPr>
                 <p:cNvPr id="24" name="Ink 23">
@@ -7204,8 +8810,8 @@
             </p:pic>
           </mc:Fallback>
         </mc:AlternateContent>
-        <mc:AlternateContent xmlns:mc="http://schemas.openxmlformats.org/markup-compatibility/2006">
-          <mc:Choice xmlns:p14="http://schemas.microsoft.com/office/powerpoint/2010/main" Requires="p14">
+        <mc:AlternateContent xmlns:mc="http://schemas.openxmlformats.org/markup-compatibility/2006" xmlns:p14="http://schemas.microsoft.com/office/powerpoint/2010/main">
+          <mc:Choice Requires="p14">
             <p:contentPart p14:bwMode="auto" r:id="rId36">
               <p14:nvContentPartPr>
                 <p14:cNvPr id="25" name="Ink 24">
@@ -7224,7 +8830,7 @@
               </p14:xfrm>
             </p:contentPart>
           </mc:Choice>
-          <mc:Fallback>
+          <mc:Fallback xmlns="">
             <p:pic>
               <p:nvPicPr>
                 <p:cNvPr id="25" name="Ink 24">
@@ -7276,8 +8882,8 @@
             <a:chExt cx="552240" cy="446760"/>
           </a:xfrm>
         </p:grpSpPr>
-        <mc:AlternateContent xmlns:mc="http://schemas.openxmlformats.org/markup-compatibility/2006">
-          <mc:Choice xmlns:p14="http://schemas.microsoft.com/office/powerpoint/2010/main" Requires="p14">
+        <mc:AlternateContent xmlns:mc="http://schemas.openxmlformats.org/markup-compatibility/2006" xmlns:p14="http://schemas.microsoft.com/office/powerpoint/2010/main">
+          <mc:Choice Requires="p14">
             <p:contentPart p14:bwMode="auto" r:id="rId38">
               <p14:nvContentPartPr>
                 <p14:cNvPr id="26" name="Ink 25">
@@ -7296,7 +8902,7 @@
               </p14:xfrm>
             </p:contentPart>
           </mc:Choice>
-          <mc:Fallback>
+          <mc:Fallback xmlns="">
             <p:pic>
               <p:nvPicPr>
                 <p:cNvPr id="26" name="Ink 25">
@@ -7327,8 +8933,8 @@
             </p:pic>
           </mc:Fallback>
         </mc:AlternateContent>
-        <mc:AlternateContent xmlns:mc="http://schemas.openxmlformats.org/markup-compatibility/2006">
-          <mc:Choice xmlns:p14="http://schemas.microsoft.com/office/powerpoint/2010/main" Requires="p14">
+        <mc:AlternateContent xmlns:mc="http://schemas.openxmlformats.org/markup-compatibility/2006" xmlns:p14="http://schemas.microsoft.com/office/powerpoint/2010/main">
+          <mc:Choice Requires="p14">
             <p:contentPart p14:bwMode="auto" r:id="rId40">
               <p14:nvContentPartPr>
                 <p14:cNvPr id="27" name="Ink 26">
@@ -7347,7 +8953,7 @@
               </p14:xfrm>
             </p:contentPart>
           </mc:Choice>
-          <mc:Fallback>
+          <mc:Fallback xmlns="">
             <p:pic>
               <p:nvPicPr>
                 <p:cNvPr id="27" name="Ink 26">
@@ -7378,8 +8984,8 @@
             </p:pic>
           </mc:Fallback>
         </mc:AlternateContent>
-        <mc:AlternateContent xmlns:mc="http://schemas.openxmlformats.org/markup-compatibility/2006">
-          <mc:Choice xmlns:p14="http://schemas.microsoft.com/office/powerpoint/2010/main" Requires="p14">
+        <mc:AlternateContent xmlns:mc="http://schemas.openxmlformats.org/markup-compatibility/2006" xmlns:p14="http://schemas.microsoft.com/office/powerpoint/2010/main">
+          <mc:Choice Requires="p14">
             <p:contentPart p14:bwMode="auto" r:id="rId42">
               <p14:nvContentPartPr>
                 <p14:cNvPr id="28" name="Ink 27">
@@ -7398,7 +9004,7 @@
               </p14:xfrm>
             </p:contentPart>
           </mc:Choice>
-          <mc:Fallback>
+          <mc:Fallback xmlns="">
             <p:pic>
               <p:nvPicPr>
                 <p:cNvPr id="28" name="Ink 27">
@@ -7429,8 +9035,8 @@
             </p:pic>
           </mc:Fallback>
         </mc:AlternateContent>
-        <mc:AlternateContent xmlns:mc="http://schemas.openxmlformats.org/markup-compatibility/2006">
-          <mc:Choice xmlns:p14="http://schemas.microsoft.com/office/powerpoint/2010/main" Requires="p14">
+        <mc:AlternateContent xmlns:mc="http://schemas.openxmlformats.org/markup-compatibility/2006" xmlns:p14="http://schemas.microsoft.com/office/powerpoint/2010/main">
+          <mc:Choice Requires="p14">
             <p:contentPart p14:bwMode="auto" r:id="rId44">
               <p14:nvContentPartPr>
                 <p14:cNvPr id="31" name="Ink 30">
@@ -7449,7 +9055,7 @@
               </p14:xfrm>
             </p:contentPart>
           </mc:Choice>
-          <mc:Fallback>
+          <mc:Fallback xmlns="">
             <p:pic>
               <p:nvPicPr>
                 <p:cNvPr id="31" name="Ink 30">
@@ -7480,8 +9086,8 @@
             </p:pic>
           </mc:Fallback>
         </mc:AlternateContent>
-        <mc:AlternateContent xmlns:mc="http://schemas.openxmlformats.org/markup-compatibility/2006">
-          <mc:Choice xmlns:p14="http://schemas.microsoft.com/office/powerpoint/2010/main" Requires="p14">
+        <mc:AlternateContent xmlns:mc="http://schemas.openxmlformats.org/markup-compatibility/2006" xmlns:p14="http://schemas.microsoft.com/office/powerpoint/2010/main">
+          <mc:Choice Requires="p14">
             <p:contentPart p14:bwMode="auto" r:id="rId46">
               <p14:nvContentPartPr>
                 <p14:cNvPr id="32" name="Ink 31">
@@ -7500,7 +9106,7 @@
               </p14:xfrm>
             </p:contentPart>
           </mc:Choice>
-          <mc:Fallback>
+          <mc:Fallback xmlns="">
             <p:pic>
               <p:nvPicPr>
                 <p:cNvPr id="32" name="Ink 31">
@@ -7531,8 +9137,8 @@
             </p:pic>
           </mc:Fallback>
         </mc:AlternateContent>
-        <mc:AlternateContent xmlns:mc="http://schemas.openxmlformats.org/markup-compatibility/2006">
-          <mc:Choice xmlns:p14="http://schemas.microsoft.com/office/powerpoint/2010/main" Requires="p14">
+        <mc:AlternateContent xmlns:mc="http://schemas.openxmlformats.org/markup-compatibility/2006" xmlns:p14="http://schemas.microsoft.com/office/powerpoint/2010/main">
+          <mc:Choice Requires="p14">
             <p:contentPart p14:bwMode="auto" r:id="rId48">
               <p14:nvContentPartPr>
                 <p14:cNvPr id="33" name="Ink 32">
@@ -7551,7 +9157,7 @@
               </p14:xfrm>
             </p:contentPart>
           </mc:Choice>
-          <mc:Fallback>
+          <mc:Fallback xmlns="">
             <p:pic>
               <p:nvPicPr>
                 <p:cNvPr id="33" name="Ink 32">
@@ -7583,8 +9189,8 @@
           </mc:Fallback>
         </mc:AlternateContent>
       </p:grpSp>
-      <mc:AlternateContent xmlns:mc="http://schemas.openxmlformats.org/markup-compatibility/2006">
-        <mc:Choice xmlns:p14="http://schemas.microsoft.com/office/powerpoint/2010/main" Requires="p14">
+      <mc:AlternateContent xmlns:mc="http://schemas.openxmlformats.org/markup-compatibility/2006" xmlns:p14="http://schemas.microsoft.com/office/powerpoint/2010/main">
+        <mc:Choice Requires="p14">
           <p:contentPart p14:bwMode="auto" r:id="rId50">
             <p14:nvContentPartPr>
               <p14:cNvPr id="35" name="Ink 34">
@@ -7603,7 +9209,7 @@
             </p14:xfrm>
           </p:contentPart>
         </mc:Choice>
-        <mc:Fallback>
+        <mc:Fallback xmlns="">
           <p:pic>
             <p:nvPicPr>
               <p:cNvPr id="35" name="Ink 34">
@@ -7634,8 +9240,8 @@
           </p:pic>
         </mc:Fallback>
       </mc:AlternateContent>
-      <mc:AlternateContent xmlns:mc="http://schemas.openxmlformats.org/markup-compatibility/2006">
-        <mc:Choice xmlns:p14="http://schemas.microsoft.com/office/powerpoint/2010/main" Requires="p14">
+      <mc:AlternateContent xmlns:mc="http://schemas.openxmlformats.org/markup-compatibility/2006" xmlns:p14="http://schemas.microsoft.com/office/powerpoint/2010/main">
+        <mc:Choice Requires="p14">
           <p:contentPart p14:bwMode="auto" r:id="rId52">
             <p14:nvContentPartPr>
               <p14:cNvPr id="36" name="Ink 35">
@@ -7654,7 +9260,7 @@
             </p14:xfrm>
           </p:contentPart>
         </mc:Choice>
-        <mc:Fallback>
+        <mc:Fallback xmlns="">
           <p:pic>
             <p:nvPicPr>
               <p:cNvPr id="36" name="Ink 35">
@@ -7685,8 +9291,8 @@
           </p:pic>
         </mc:Fallback>
       </mc:AlternateContent>
-      <mc:AlternateContent xmlns:mc="http://schemas.openxmlformats.org/markup-compatibility/2006">
-        <mc:Choice xmlns:p14="http://schemas.microsoft.com/office/powerpoint/2010/main" Requires="p14">
+      <mc:AlternateContent xmlns:mc="http://schemas.openxmlformats.org/markup-compatibility/2006" xmlns:p14="http://schemas.microsoft.com/office/powerpoint/2010/main">
+        <mc:Choice Requires="p14">
           <p:contentPart p14:bwMode="auto" r:id="rId54">
             <p14:nvContentPartPr>
               <p14:cNvPr id="37" name="Ink 36">
@@ -7705,7 +9311,7 @@
             </p14:xfrm>
           </p:contentPart>
         </mc:Choice>
-        <mc:Fallback>
+        <mc:Fallback xmlns="">
           <p:pic>
             <p:nvPicPr>
               <p:cNvPr id="37" name="Ink 36">
@@ -7736,8 +9342,8 @@
           </p:pic>
         </mc:Fallback>
       </mc:AlternateContent>
-      <mc:AlternateContent xmlns:mc="http://schemas.openxmlformats.org/markup-compatibility/2006">
-        <mc:Choice xmlns:p14="http://schemas.microsoft.com/office/powerpoint/2010/main" Requires="p14">
+      <mc:AlternateContent xmlns:mc="http://schemas.openxmlformats.org/markup-compatibility/2006" xmlns:p14="http://schemas.microsoft.com/office/powerpoint/2010/main">
+        <mc:Choice Requires="p14">
           <p:contentPart p14:bwMode="auto" r:id="rId56">
             <p14:nvContentPartPr>
               <p14:cNvPr id="38" name="Ink 37">
@@ -7756,7 +9362,7 @@
             </p14:xfrm>
           </p:contentPart>
         </mc:Choice>
-        <mc:Fallback>
+        <mc:Fallback xmlns="">
           <p:pic>
             <p:nvPicPr>
               <p:cNvPr id="38" name="Ink 37">
@@ -7787,8 +9393,8 @@
           </p:pic>
         </mc:Fallback>
       </mc:AlternateContent>
-      <mc:AlternateContent xmlns:mc="http://schemas.openxmlformats.org/markup-compatibility/2006">
-        <mc:Choice xmlns:p14="http://schemas.microsoft.com/office/powerpoint/2010/main" Requires="p14">
+      <mc:AlternateContent xmlns:mc="http://schemas.openxmlformats.org/markup-compatibility/2006" xmlns:p14="http://schemas.microsoft.com/office/powerpoint/2010/main">
+        <mc:Choice Requires="p14">
           <p:contentPart p14:bwMode="auto" r:id="rId58">
             <p14:nvContentPartPr>
               <p14:cNvPr id="39" name="Ink 38">
@@ -7807,7 +9413,7 @@
             </p14:xfrm>
           </p:contentPart>
         </mc:Choice>
-        <mc:Fallback>
+        <mc:Fallback xmlns="">
           <p:pic>
             <p:nvPicPr>
               <p:cNvPr id="39" name="Ink 38">
@@ -7838,8 +9444,8 @@
           </p:pic>
         </mc:Fallback>
       </mc:AlternateContent>
-      <mc:AlternateContent xmlns:mc="http://schemas.openxmlformats.org/markup-compatibility/2006">
-        <mc:Choice xmlns:p14="http://schemas.microsoft.com/office/powerpoint/2010/main" Requires="p14">
+      <mc:AlternateContent xmlns:mc="http://schemas.openxmlformats.org/markup-compatibility/2006" xmlns:p14="http://schemas.microsoft.com/office/powerpoint/2010/main">
+        <mc:Choice Requires="p14">
           <p:contentPart p14:bwMode="auto" r:id="rId60">
             <p14:nvContentPartPr>
               <p14:cNvPr id="40" name="Ink 39">
@@ -7858,7 +9464,7 @@
             </p14:xfrm>
           </p:contentPart>
         </mc:Choice>
-        <mc:Fallback>
+        <mc:Fallback xmlns="">
           <p:pic>
             <p:nvPicPr>
               <p:cNvPr id="40" name="Ink 39">
@@ -7889,8 +9495,8 @@
           </p:pic>
         </mc:Fallback>
       </mc:AlternateContent>
-      <mc:AlternateContent xmlns:mc="http://schemas.openxmlformats.org/markup-compatibility/2006">
-        <mc:Choice xmlns:p14="http://schemas.microsoft.com/office/powerpoint/2010/main" Requires="p14">
+      <mc:AlternateContent xmlns:mc="http://schemas.openxmlformats.org/markup-compatibility/2006" xmlns:p14="http://schemas.microsoft.com/office/powerpoint/2010/main">
+        <mc:Choice Requires="p14">
           <p:contentPart p14:bwMode="auto" r:id="rId62">
             <p14:nvContentPartPr>
               <p14:cNvPr id="45" name="Ink 44">
@@ -7909,7 +9515,7 @@
             </p14:xfrm>
           </p:contentPart>
         </mc:Choice>
-        <mc:Fallback>
+        <mc:Fallback xmlns="">
           <p:pic>
             <p:nvPicPr>
               <p:cNvPr id="45" name="Ink 44">
@@ -7940,8 +9546,8 @@
           </p:pic>
         </mc:Fallback>
       </mc:AlternateContent>
-      <mc:AlternateContent xmlns:mc="http://schemas.openxmlformats.org/markup-compatibility/2006">
-        <mc:Choice xmlns:p14="http://schemas.microsoft.com/office/powerpoint/2010/main" Requires="p14">
+      <mc:AlternateContent xmlns:mc="http://schemas.openxmlformats.org/markup-compatibility/2006" xmlns:p14="http://schemas.microsoft.com/office/powerpoint/2010/main">
+        <mc:Choice Requires="p14">
           <p:contentPart p14:bwMode="auto" r:id="rId64">
             <p14:nvContentPartPr>
               <p14:cNvPr id="46" name="Ink 45">
@@ -7960,7 +9566,7 @@
             </p14:xfrm>
           </p:contentPart>
         </mc:Choice>
-        <mc:Fallback>
+        <mc:Fallback xmlns="">
           <p:pic>
             <p:nvPicPr>
               <p:cNvPr id="46" name="Ink 45">
@@ -8011,8 +9617,8 @@
             <a:chExt cx="818640" cy="255240"/>
           </a:xfrm>
         </p:grpSpPr>
-        <mc:AlternateContent xmlns:mc="http://schemas.openxmlformats.org/markup-compatibility/2006">
-          <mc:Choice xmlns:p14="http://schemas.microsoft.com/office/powerpoint/2010/main" Requires="p14">
+        <mc:AlternateContent xmlns:mc="http://schemas.openxmlformats.org/markup-compatibility/2006" xmlns:p14="http://schemas.microsoft.com/office/powerpoint/2010/main">
+          <mc:Choice Requires="p14">
             <p:contentPart p14:bwMode="auto" r:id="rId66">
               <p14:nvContentPartPr>
                 <p14:cNvPr id="47" name="Ink 46">
@@ -8031,7 +9637,7 @@
               </p14:xfrm>
             </p:contentPart>
           </mc:Choice>
-          <mc:Fallback>
+          <mc:Fallback xmlns="">
             <p:pic>
               <p:nvPicPr>
                 <p:cNvPr id="47" name="Ink 46">
@@ -8062,8 +9668,8 @@
             </p:pic>
           </mc:Fallback>
         </mc:AlternateContent>
-        <mc:AlternateContent xmlns:mc="http://schemas.openxmlformats.org/markup-compatibility/2006">
-          <mc:Choice xmlns:p14="http://schemas.microsoft.com/office/powerpoint/2010/main" Requires="p14">
+        <mc:AlternateContent xmlns:mc="http://schemas.openxmlformats.org/markup-compatibility/2006" xmlns:p14="http://schemas.microsoft.com/office/powerpoint/2010/main">
+          <mc:Choice Requires="p14">
             <p:contentPart p14:bwMode="auto" r:id="rId68">
               <p14:nvContentPartPr>
                 <p14:cNvPr id="48" name="Ink 47">
@@ -8082,7 +9688,7 @@
               </p14:xfrm>
             </p:contentPart>
           </mc:Choice>
-          <mc:Fallback>
+          <mc:Fallback xmlns="">
             <p:pic>
               <p:nvPicPr>
                 <p:cNvPr id="48" name="Ink 47">
@@ -8113,8 +9719,8 @@
             </p:pic>
           </mc:Fallback>
         </mc:AlternateContent>
-        <mc:AlternateContent xmlns:mc="http://schemas.openxmlformats.org/markup-compatibility/2006">
-          <mc:Choice xmlns:p14="http://schemas.microsoft.com/office/powerpoint/2010/main" Requires="p14">
+        <mc:AlternateContent xmlns:mc="http://schemas.openxmlformats.org/markup-compatibility/2006" xmlns:p14="http://schemas.microsoft.com/office/powerpoint/2010/main">
+          <mc:Choice Requires="p14">
             <p:contentPart p14:bwMode="auto" r:id="rId70">
               <p14:nvContentPartPr>
                 <p14:cNvPr id="49" name="Ink 48">
@@ -8133,7 +9739,7 @@
               </p14:xfrm>
             </p:contentPart>
           </mc:Choice>
-          <mc:Fallback>
+          <mc:Fallback xmlns="">
             <p:pic>
               <p:nvPicPr>
                 <p:cNvPr id="49" name="Ink 48">
@@ -8164,8 +9770,8 @@
             </p:pic>
           </mc:Fallback>
         </mc:AlternateContent>
-        <mc:AlternateContent xmlns:mc="http://schemas.openxmlformats.org/markup-compatibility/2006">
-          <mc:Choice xmlns:p14="http://schemas.microsoft.com/office/powerpoint/2010/main" Requires="p14">
+        <mc:AlternateContent xmlns:mc="http://schemas.openxmlformats.org/markup-compatibility/2006" xmlns:p14="http://schemas.microsoft.com/office/powerpoint/2010/main">
+          <mc:Choice Requires="p14">
             <p:contentPart p14:bwMode="auto" r:id="rId72">
               <p14:nvContentPartPr>
                 <p14:cNvPr id="50" name="Ink 49">
@@ -8184,7 +9790,7 @@
               </p14:xfrm>
             </p:contentPart>
           </mc:Choice>
-          <mc:Fallback>
+          <mc:Fallback xmlns="">
             <p:pic>
               <p:nvPicPr>
                 <p:cNvPr id="50" name="Ink 49">
@@ -8215,8 +9821,8 @@
             </p:pic>
           </mc:Fallback>
         </mc:AlternateContent>
-        <mc:AlternateContent xmlns:mc="http://schemas.openxmlformats.org/markup-compatibility/2006">
-          <mc:Choice xmlns:p14="http://schemas.microsoft.com/office/powerpoint/2010/main" Requires="p14">
+        <mc:AlternateContent xmlns:mc="http://schemas.openxmlformats.org/markup-compatibility/2006" xmlns:p14="http://schemas.microsoft.com/office/powerpoint/2010/main">
+          <mc:Choice Requires="p14">
             <p:contentPart p14:bwMode="auto" r:id="rId74">
               <p14:nvContentPartPr>
                 <p14:cNvPr id="51" name="Ink 50">
@@ -8235,7 +9841,7 @@
               </p14:xfrm>
             </p:contentPart>
           </mc:Choice>
-          <mc:Fallback>
+          <mc:Fallback xmlns="">
             <p:pic>
               <p:nvPicPr>
                 <p:cNvPr id="51" name="Ink 50">
@@ -8266,8 +9872,8 @@
             </p:pic>
           </mc:Fallback>
         </mc:AlternateContent>
-        <mc:AlternateContent xmlns:mc="http://schemas.openxmlformats.org/markup-compatibility/2006">
-          <mc:Choice xmlns:p14="http://schemas.microsoft.com/office/powerpoint/2010/main" Requires="p14">
+        <mc:AlternateContent xmlns:mc="http://schemas.openxmlformats.org/markup-compatibility/2006" xmlns:p14="http://schemas.microsoft.com/office/powerpoint/2010/main">
+          <mc:Choice Requires="p14">
             <p:contentPart p14:bwMode="auto" r:id="rId76">
               <p14:nvContentPartPr>
                 <p14:cNvPr id="52" name="Ink 51">
@@ -8286,7 +9892,7 @@
               </p14:xfrm>
             </p:contentPart>
           </mc:Choice>
-          <mc:Fallback>
+          <mc:Fallback xmlns="">
             <p:pic>
               <p:nvPicPr>
                 <p:cNvPr id="52" name="Ink 51">
@@ -8318,8 +9924,8 @@
           </mc:Fallback>
         </mc:AlternateContent>
       </p:grpSp>
-      <mc:AlternateContent xmlns:mc="http://schemas.openxmlformats.org/markup-compatibility/2006">
-        <mc:Choice xmlns:p14="http://schemas.microsoft.com/office/powerpoint/2010/main" Requires="p14">
+      <mc:AlternateContent xmlns:mc="http://schemas.openxmlformats.org/markup-compatibility/2006" xmlns:p14="http://schemas.microsoft.com/office/powerpoint/2010/main">
+        <mc:Choice Requires="p14">
           <p:contentPart p14:bwMode="auto" r:id="rId78">
             <p14:nvContentPartPr>
               <p14:cNvPr id="54" name="Ink 53">
@@ -8338,7 +9944,7 @@
             </p14:xfrm>
           </p:contentPart>
         </mc:Choice>
-        <mc:Fallback>
+        <mc:Fallback xmlns="">
           <p:pic>
             <p:nvPicPr>
               <p:cNvPr id="54" name="Ink 53">
@@ -8389,8 +9995,8 @@
             <a:chExt cx="1042200" cy="275400"/>
           </a:xfrm>
         </p:grpSpPr>
-        <mc:AlternateContent xmlns:mc="http://schemas.openxmlformats.org/markup-compatibility/2006">
-          <mc:Choice xmlns:p14="http://schemas.microsoft.com/office/powerpoint/2010/main" Requires="p14">
+        <mc:AlternateContent xmlns:mc="http://schemas.openxmlformats.org/markup-compatibility/2006" xmlns:p14="http://schemas.microsoft.com/office/powerpoint/2010/main">
+          <mc:Choice Requires="p14">
             <p:contentPart p14:bwMode="auto" r:id="rId80">
               <p14:nvContentPartPr>
                 <p14:cNvPr id="55" name="Ink 54">
@@ -8409,7 +10015,7 @@
               </p14:xfrm>
             </p:contentPart>
           </mc:Choice>
-          <mc:Fallback>
+          <mc:Fallback xmlns="">
             <p:pic>
               <p:nvPicPr>
                 <p:cNvPr id="55" name="Ink 54">
@@ -8440,8 +10046,8 @@
             </p:pic>
           </mc:Fallback>
         </mc:AlternateContent>
-        <mc:AlternateContent xmlns:mc="http://schemas.openxmlformats.org/markup-compatibility/2006">
-          <mc:Choice xmlns:p14="http://schemas.microsoft.com/office/powerpoint/2010/main" Requires="p14">
+        <mc:AlternateContent xmlns:mc="http://schemas.openxmlformats.org/markup-compatibility/2006" xmlns:p14="http://schemas.microsoft.com/office/powerpoint/2010/main">
+          <mc:Choice Requires="p14">
             <p:contentPart p14:bwMode="auto" r:id="rId82">
               <p14:nvContentPartPr>
                 <p14:cNvPr id="56" name="Ink 55">
@@ -8460,7 +10066,7 @@
               </p14:xfrm>
             </p:contentPart>
           </mc:Choice>
-          <mc:Fallback>
+          <mc:Fallback xmlns="">
             <p:pic>
               <p:nvPicPr>
                 <p:cNvPr id="56" name="Ink 55">
@@ -8491,8 +10097,8 @@
             </p:pic>
           </mc:Fallback>
         </mc:AlternateContent>
-        <mc:AlternateContent xmlns:mc="http://schemas.openxmlformats.org/markup-compatibility/2006">
-          <mc:Choice xmlns:p14="http://schemas.microsoft.com/office/powerpoint/2010/main" Requires="p14">
+        <mc:AlternateContent xmlns:mc="http://schemas.openxmlformats.org/markup-compatibility/2006" xmlns:p14="http://schemas.microsoft.com/office/powerpoint/2010/main">
+          <mc:Choice Requires="p14">
             <p:contentPart p14:bwMode="auto" r:id="rId84">
               <p14:nvContentPartPr>
                 <p14:cNvPr id="57" name="Ink 56">
@@ -8511,7 +10117,7 @@
               </p14:xfrm>
             </p:contentPart>
           </mc:Choice>
-          <mc:Fallback>
+          <mc:Fallback xmlns="">
             <p:pic>
               <p:nvPicPr>
                 <p:cNvPr id="57" name="Ink 56">
@@ -8542,8 +10148,8 @@
             </p:pic>
           </mc:Fallback>
         </mc:AlternateContent>
-        <mc:AlternateContent xmlns:mc="http://schemas.openxmlformats.org/markup-compatibility/2006">
-          <mc:Choice xmlns:p14="http://schemas.microsoft.com/office/powerpoint/2010/main" Requires="p14">
+        <mc:AlternateContent xmlns:mc="http://schemas.openxmlformats.org/markup-compatibility/2006" xmlns:p14="http://schemas.microsoft.com/office/powerpoint/2010/main">
+          <mc:Choice Requires="p14">
             <p:contentPart p14:bwMode="auto" r:id="rId86">
               <p14:nvContentPartPr>
                 <p14:cNvPr id="58" name="Ink 57">
@@ -8562,7 +10168,7 @@
               </p14:xfrm>
             </p:contentPart>
           </mc:Choice>
-          <mc:Fallback>
+          <mc:Fallback xmlns="">
             <p:pic>
               <p:nvPicPr>
                 <p:cNvPr id="58" name="Ink 57">
@@ -8593,8 +10199,8 @@
             </p:pic>
           </mc:Fallback>
         </mc:AlternateContent>
-        <mc:AlternateContent xmlns:mc="http://schemas.openxmlformats.org/markup-compatibility/2006">
-          <mc:Choice xmlns:p14="http://schemas.microsoft.com/office/powerpoint/2010/main" Requires="p14">
+        <mc:AlternateContent xmlns:mc="http://schemas.openxmlformats.org/markup-compatibility/2006" xmlns:p14="http://schemas.microsoft.com/office/powerpoint/2010/main">
+          <mc:Choice Requires="p14">
             <p:contentPart p14:bwMode="auto" r:id="rId88">
               <p14:nvContentPartPr>
                 <p14:cNvPr id="59" name="Ink 58">
@@ -8613,7 +10219,7 @@
               </p14:xfrm>
             </p:contentPart>
           </mc:Choice>
-          <mc:Fallback>
+          <mc:Fallback xmlns="">
             <p:pic>
               <p:nvPicPr>
                 <p:cNvPr id="59" name="Ink 58">
@@ -8644,8 +10250,8 @@
             </p:pic>
           </mc:Fallback>
         </mc:AlternateContent>
-        <mc:AlternateContent xmlns:mc="http://schemas.openxmlformats.org/markup-compatibility/2006">
-          <mc:Choice xmlns:p14="http://schemas.microsoft.com/office/powerpoint/2010/main" Requires="p14">
+        <mc:AlternateContent xmlns:mc="http://schemas.openxmlformats.org/markup-compatibility/2006" xmlns:p14="http://schemas.microsoft.com/office/powerpoint/2010/main">
+          <mc:Choice Requires="p14">
             <p:contentPart p14:bwMode="auto" r:id="rId90">
               <p14:nvContentPartPr>
                 <p14:cNvPr id="60" name="Ink 59">
@@ -8664,7 +10270,7 @@
               </p14:xfrm>
             </p:contentPart>
           </mc:Choice>
-          <mc:Fallback>
+          <mc:Fallback xmlns="">
             <p:pic>
               <p:nvPicPr>
                 <p:cNvPr id="60" name="Ink 59">
@@ -8695,8 +10301,8 @@
             </p:pic>
           </mc:Fallback>
         </mc:AlternateContent>
-        <mc:AlternateContent xmlns:mc="http://schemas.openxmlformats.org/markup-compatibility/2006">
-          <mc:Choice xmlns:p14="http://schemas.microsoft.com/office/powerpoint/2010/main" Requires="p14">
+        <mc:AlternateContent xmlns:mc="http://schemas.openxmlformats.org/markup-compatibility/2006" xmlns:p14="http://schemas.microsoft.com/office/powerpoint/2010/main">
+          <mc:Choice Requires="p14">
             <p:contentPart p14:bwMode="auto" r:id="rId92">
               <p14:nvContentPartPr>
                 <p14:cNvPr id="61" name="Ink 60">
@@ -8715,7 +10321,7 @@
               </p14:xfrm>
             </p:contentPart>
           </mc:Choice>
-          <mc:Fallback>
+          <mc:Fallback xmlns="">
             <p:pic>
               <p:nvPicPr>
                 <p:cNvPr id="61" name="Ink 60">
@@ -8746,8 +10352,8 @@
             </p:pic>
           </mc:Fallback>
         </mc:AlternateContent>
-        <mc:AlternateContent xmlns:mc="http://schemas.openxmlformats.org/markup-compatibility/2006">
-          <mc:Choice xmlns:p14="http://schemas.microsoft.com/office/powerpoint/2010/main" Requires="p14">
+        <mc:AlternateContent xmlns:mc="http://schemas.openxmlformats.org/markup-compatibility/2006" xmlns:p14="http://schemas.microsoft.com/office/powerpoint/2010/main">
+          <mc:Choice Requires="p14">
             <p:contentPart p14:bwMode="auto" r:id="rId94">
               <p14:nvContentPartPr>
                 <p14:cNvPr id="62" name="Ink 61">
@@ -8766,7 +10372,7 @@
               </p14:xfrm>
             </p:contentPart>
           </mc:Choice>
-          <mc:Fallback>
+          <mc:Fallback xmlns="">
             <p:pic>
               <p:nvPicPr>
                 <p:cNvPr id="62" name="Ink 61">
@@ -8798,8 +10404,8 @@
           </mc:Fallback>
         </mc:AlternateContent>
       </p:grpSp>
-      <mc:AlternateContent xmlns:mc="http://schemas.openxmlformats.org/markup-compatibility/2006">
-        <mc:Choice xmlns:p14="http://schemas.microsoft.com/office/powerpoint/2010/main" Requires="p14">
+      <mc:AlternateContent xmlns:mc="http://schemas.openxmlformats.org/markup-compatibility/2006" xmlns:p14="http://schemas.microsoft.com/office/powerpoint/2010/main">
+        <mc:Choice Requires="p14">
           <p:contentPart p14:bwMode="auto" r:id="rId96">
             <p14:nvContentPartPr>
               <p14:cNvPr id="64" name="Ink 63">
@@ -8818,7 +10424,7 @@
             </p14:xfrm>
           </p:contentPart>
         </mc:Choice>
-        <mc:Fallback>
+        <mc:Fallback xmlns="">
           <p:pic>
             <p:nvPicPr>
               <p:cNvPr id="64" name="Ink 63">
@@ -8869,8 +10475,8 @@
             <a:chExt cx="1055160" cy="224640"/>
           </a:xfrm>
         </p:grpSpPr>
-        <mc:AlternateContent xmlns:mc="http://schemas.openxmlformats.org/markup-compatibility/2006">
-          <mc:Choice xmlns:p14="http://schemas.microsoft.com/office/powerpoint/2010/main" Requires="p14">
+        <mc:AlternateContent xmlns:mc="http://schemas.openxmlformats.org/markup-compatibility/2006" xmlns:p14="http://schemas.microsoft.com/office/powerpoint/2010/main">
+          <mc:Choice Requires="p14">
             <p:contentPart p14:bwMode="auto" r:id="rId98">
               <p14:nvContentPartPr>
                 <p14:cNvPr id="65" name="Ink 64">
@@ -8889,7 +10495,7 @@
               </p14:xfrm>
             </p:contentPart>
           </mc:Choice>
-          <mc:Fallback>
+          <mc:Fallback xmlns="">
             <p:pic>
               <p:nvPicPr>
                 <p:cNvPr id="65" name="Ink 64">
@@ -8920,8 +10526,8 @@
             </p:pic>
           </mc:Fallback>
         </mc:AlternateContent>
-        <mc:AlternateContent xmlns:mc="http://schemas.openxmlformats.org/markup-compatibility/2006">
-          <mc:Choice xmlns:p14="http://schemas.microsoft.com/office/powerpoint/2010/main" Requires="p14">
+        <mc:AlternateContent xmlns:mc="http://schemas.openxmlformats.org/markup-compatibility/2006" xmlns:p14="http://schemas.microsoft.com/office/powerpoint/2010/main">
+          <mc:Choice Requires="p14">
             <p:contentPart p14:bwMode="auto" r:id="rId100">
               <p14:nvContentPartPr>
                 <p14:cNvPr id="66" name="Ink 65">
@@ -8940,7 +10546,7 @@
               </p14:xfrm>
             </p:contentPart>
           </mc:Choice>
-          <mc:Fallback>
+          <mc:Fallback xmlns="">
             <p:pic>
               <p:nvPicPr>
                 <p:cNvPr id="66" name="Ink 65">
@@ -8971,8 +10577,8 @@
             </p:pic>
           </mc:Fallback>
         </mc:AlternateContent>
-        <mc:AlternateContent xmlns:mc="http://schemas.openxmlformats.org/markup-compatibility/2006">
-          <mc:Choice xmlns:p14="http://schemas.microsoft.com/office/powerpoint/2010/main" Requires="p14">
+        <mc:AlternateContent xmlns:mc="http://schemas.openxmlformats.org/markup-compatibility/2006" xmlns:p14="http://schemas.microsoft.com/office/powerpoint/2010/main">
+          <mc:Choice Requires="p14">
             <p:contentPart p14:bwMode="auto" r:id="rId102">
               <p14:nvContentPartPr>
                 <p14:cNvPr id="67" name="Ink 66">
@@ -8991,7 +10597,7 @@
               </p14:xfrm>
             </p:contentPart>
           </mc:Choice>
-          <mc:Fallback>
+          <mc:Fallback xmlns="">
             <p:pic>
               <p:nvPicPr>
                 <p:cNvPr id="67" name="Ink 66">
@@ -9022,8 +10628,8 @@
             </p:pic>
           </mc:Fallback>
         </mc:AlternateContent>
-        <mc:AlternateContent xmlns:mc="http://schemas.openxmlformats.org/markup-compatibility/2006">
-          <mc:Choice xmlns:p14="http://schemas.microsoft.com/office/powerpoint/2010/main" Requires="p14">
+        <mc:AlternateContent xmlns:mc="http://schemas.openxmlformats.org/markup-compatibility/2006" xmlns:p14="http://schemas.microsoft.com/office/powerpoint/2010/main">
+          <mc:Choice Requires="p14">
             <p:contentPart p14:bwMode="auto" r:id="rId104">
               <p14:nvContentPartPr>
                 <p14:cNvPr id="68" name="Ink 67">
@@ -9042,7 +10648,7 @@
               </p14:xfrm>
             </p:contentPart>
           </mc:Choice>
-          <mc:Fallback>
+          <mc:Fallback xmlns="">
             <p:pic>
               <p:nvPicPr>
                 <p:cNvPr id="68" name="Ink 67">
@@ -9073,8 +10679,8 @@
             </p:pic>
           </mc:Fallback>
         </mc:AlternateContent>
-        <mc:AlternateContent xmlns:mc="http://schemas.openxmlformats.org/markup-compatibility/2006">
-          <mc:Choice xmlns:p14="http://schemas.microsoft.com/office/powerpoint/2010/main" Requires="p14">
+        <mc:AlternateContent xmlns:mc="http://schemas.openxmlformats.org/markup-compatibility/2006" xmlns:p14="http://schemas.microsoft.com/office/powerpoint/2010/main">
+          <mc:Choice Requires="p14">
             <p:contentPart p14:bwMode="auto" r:id="rId106">
               <p14:nvContentPartPr>
                 <p14:cNvPr id="69" name="Ink 68">
@@ -9093,7 +10699,7 @@
               </p14:xfrm>
             </p:contentPart>
           </mc:Choice>
-          <mc:Fallback>
+          <mc:Fallback xmlns="">
             <p:pic>
               <p:nvPicPr>
                 <p:cNvPr id="69" name="Ink 68">
@@ -9124,8 +10730,8 @@
             </p:pic>
           </mc:Fallback>
         </mc:AlternateContent>
-        <mc:AlternateContent xmlns:mc="http://schemas.openxmlformats.org/markup-compatibility/2006">
-          <mc:Choice xmlns:p14="http://schemas.microsoft.com/office/powerpoint/2010/main" Requires="p14">
+        <mc:AlternateContent xmlns:mc="http://schemas.openxmlformats.org/markup-compatibility/2006" xmlns:p14="http://schemas.microsoft.com/office/powerpoint/2010/main">
+          <mc:Choice Requires="p14">
             <p:contentPart p14:bwMode="auto" r:id="rId108">
               <p14:nvContentPartPr>
                 <p14:cNvPr id="70" name="Ink 69">
@@ -9144,7 +10750,7 @@
               </p14:xfrm>
             </p:contentPart>
           </mc:Choice>
-          <mc:Fallback>
+          <mc:Fallback xmlns="">
             <p:pic>
               <p:nvPicPr>
                 <p:cNvPr id="70" name="Ink 69">
@@ -9175,8 +10781,8 @@
             </p:pic>
           </mc:Fallback>
         </mc:AlternateContent>
-        <mc:AlternateContent xmlns:mc="http://schemas.openxmlformats.org/markup-compatibility/2006">
-          <mc:Choice xmlns:p14="http://schemas.microsoft.com/office/powerpoint/2010/main" Requires="p14">
+        <mc:AlternateContent xmlns:mc="http://schemas.openxmlformats.org/markup-compatibility/2006" xmlns:p14="http://schemas.microsoft.com/office/powerpoint/2010/main">
+          <mc:Choice Requires="p14">
             <p:contentPart p14:bwMode="auto" r:id="rId110">
               <p14:nvContentPartPr>
                 <p14:cNvPr id="71" name="Ink 70">
@@ -9195,7 +10801,7 @@
               </p14:xfrm>
             </p:contentPart>
           </mc:Choice>
-          <mc:Fallback>
+          <mc:Fallback xmlns="">
             <p:pic>
               <p:nvPicPr>
                 <p:cNvPr id="71" name="Ink 70">
@@ -9226,8 +10832,8 @@
             </p:pic>
           </mc:Fallback>
         </mc:AlternateContent>
-        <mc:AlternateContent xmlns:mc="http://schemas.openxmlformats.org/markup-compatibility/2006">
-          <mc:Choice xmlns:p14="http://schemas.microsoft.com/office/powerpoint/2010/main" Requires="p14">
+        <mc:AlternateContent xmlns:mc="http://schemas.openxmlformats.org/markup-compatibility/2006" xmlns:p14="http://schemas.microsoft.com/office/powerpoint/2010/main">
+          <mc:Choice Requires="p14">
             <p:contentPart p14:bwMode="auto" r:id="rId112">
               <p14:nvContentPartPr>
                 <p14:cNvPr id="72" name="Ink 71">
@@ -9246,7 +10852,7 @@
               </p14:xfrm>
             </p:contentPart>
           </mc:Choice>
-          <mc:Fallback>
+          <mc:Fallback xmlns="">
             <p:pic>
               <p:nvPicPr>
                 <p:cNvPr id="72" name="Ink 71">
@@ -9298,8 +10904,8 @@
             <a:chExt cx="1540800" cy="265680"/>
           </a:xfrm>
         </p:grpSpPr>
-        <mc:AlternateContent xmlns:mc="http://schemas.openxmlformats.org/markup-compatibility/2006">
-          <mc:Choice xmlns:p14="http://schemas.microsoft.com/office/powerpoint/2010/main" Requires="p14">
+        <mc:AlternateContent xmlns:mc="http://schemas.openxmlformats.org/markup-compatibility/2006" xmlns:p14="http://schemas.microsoft.com/office/powerpoint/2010/main">
+          <mc:Choice Requires="p14">
             <p:contentPart p14:bwMode="auto" r:id="rId114">
               <p14:nvContentPartPr>
                 <p14:cNvPr id="73" name="Ink 72">
@@ -9318,7 +10924,7 @@
               </p14:xfrm>
             </p:contentPart>
           </mc:Choice>
-          <mc:Fallback>
+          <mc:Fallback xmlns="">
             <p:pic>
               <p:nvPicPr>
                 <p:cNvPr id="73" name="Ink 72">
@@ -9349,8 +10955,8 @@
             </p:pic>
           </mc:Fallback>
         </mc:AlternateContent>
-        <mc:AlternateContent xmlns:mc="http://schemas.openxmlformats.org/markup-compatibility/2006">
-          <mc:Choice xmlns:p14="http://schemas.microsoft.com/office/powerpoint/2010/main" Requires="p14">
+        <mc:AlternateContent xmlns:mc="http://schemas.openxmlformats.org/markup-compatibility/2006" xmlns:p14="http://schemas.microsoft.com/office/powerpoint/2010/main">
+          <mc:Choice Requires="p14">
             <p:contentPart p14:bwMode="auto" r:id="rId116">
               <p14:nvContentPartPr>
                 <p14:cNvPr id="74" name="Ink 73">
@@ -9369,7 +10975,7 @@
               </p14:xfrm>
             </p:contentPart>
           </mc:Choice>
-          <mc:Fallback>
+          <mc:Fallback xmlns="">
             <p:pic>
               <p:nvPicPr>
                 <p:cNvPr id="74" name="Ink 73">
@@ -9400,8 +11006,8 @@
             </p:pic>
           </mc:Fallback>
         </mc:AlternateContent>
-        <mc:AlternateContent xmlns:mc="http://schemas.openxmlformats.org/markup-compatibility/2006">
-          <mc:Choice xmlns:p14="http://schemas.microsoft.com/office/powerpoint/2010/main" Requires="p14">
+        <mc:AlternateContent xmlns:mc="http://schemas.openxmlformats.org/markup-compatibility/2006" xmlns:p14="http://schemas.microsoft.com/office/powerpoint/2010/main">
+          <mc:Choice Requires="p14">
             <p:contentPart p14:bwMode="auto" r:id="rId118">
               <p14:nvContentPartPr>
                 <p14:cNvPr id="75" name="Ink 74">
@@ -9420,7 +11026,7 @@
               </p14:xfrm>
             </p:contentPart>
           </mc:Choice>
-          <mc:Fallback>
+          <mc:Fallback xmlns="">
             <p:pic>
               <p:nvPicPr>
                 <p:cNvPr id="75" name="Ink 74">
@@ -9451,8 +11057,8 @@
             </p:pic>
           </mc:Fallback>
         </mc:AlternateContent>
-        <mc:AlternateContent xmlns:mc="http://schemas.openxmlformats.org/markup-compatibility/2006">
-          <mc:Choice xmlns:p14="http://schemas.microsoft.com/office/powerpoint/2010/main" Requires="p14">
+        <mc:AlternateContent xmlns:mc="http://schemas.openxmlformats.org/markup-compatibility/2006" xmlns:p14="http://schemas.microsoft.com/office/powerpoint/2010/main">
+          <mc:Choice Requires="p14">
             <p:contentPart p14:bwMode="auto" r:id="rId120">
               <p14:nvContentPartPr>
                 <p14:cNvPr id="76" name="Ink 75">
@@ -9471,7 +11077,7 @@
               </p14:xfrm>
             </p:contentPart>
           </mc:Choice>
-          <mc:Fallback>
+          <mc:Fallback xmlns="">
             <p:pic>
               <p:nvPicPr>
                 <p:cNvPr id="76" name="Ink 75">
@@ -9502,8 +11108,8 @@
             </p:pic>
           </mc:Fallback>
         </mc:AlternateContent>
-        <mc:AlternateContent xmlns:mc="http://schemas.openxmlformats.org/markup-compatibility/2006">
-          <mc:Choice xmlns:p14="http://schemas.microsoft.com/office/powerpoint/2010/main" Requires="p14">
+        <mc:AlternateContent xmlns:mc="http://schemas.openxmlformats.org/markup-compatibility/2006" xmlns:p14="http://schemas.microsoft.com/office/powerpoint/2010/main">
+          <mc:Choice Requires="p14">
             <p:contentPart p14:bwMode="auto" r:id="rId121">
               <p14:nvContentPartPr>
                 <p14:cNvPr id="77" name="Ink 76">
@@ -9522,7 +11128,7 @@
               </p14:xfrm>
             </p:contentPart>
           </mc:Choice>
-          <mc:Fallback>
+          <mc:Fallback xmlns="">
             <p:pic>
               <p:nvPicPr>
                 <p:cNvPr id="77" name="Ink 76">
@@ -9553,8 +11159,8 @@
             </p:pic>
           </mc:Fallback>
         </mc:AlternateContent>
-        <mc:AlternateContent xmlns:mc="http://schemas.openxmlformats.org/markup-compatibility/2006">
-          <mc:Choice xmlns:p14="http://schemas.microsoft.com/office/powerpoint/2010/main" Requires="p14">
+        <mc:AlternateContent xmlns:mc="http://schemas.openxmlformats.org/markup-compatibility/2006" xmlns:p14="http://schemas.microsoft.com/office/powerpoint/2010/main">
+          <mc:Choice Requires="p14">
             <p:contentPart p14:bwMode="auto" r:id="rId123">
               <p14:nvContentPartPr>
                 <p14:cNvPr id="78" name="Ink 77">
@@ -9573,7 +11179,7 @@
               </p14:xfrm>
             </p:contentPart>
           </mc:Choice>
-          <mc:Fallback>
+          <mc:Fallback xmlns="">
             <p:pic>
               <p:nvPicPr>
                 <p:cNvPr id="78" name="Ink 77">
@@ -9604,8 +11210,8 @@
             </p:pic>
           </mc:Fallback>
         </mc:AlternateContent>
-        <mc:AlternateContent xmlns:mc="http://schemas.openxmlformats.org/markup-compatibility/2006">
-          <mc:Choice xmlns:p14="http://schemas.microsoft.com/office/powerpoint/2010/main" Requires="p14">
+        <mc:AlternateContent xmlns:mc="http://schemas.openxmlformats.org/markup-compatibility/2006" xmlns:p14="http://schemas.microsoft.com/office/powerpoint/2010/main">
+          <mc:Choice Requires="p14">
             <p:contentPart p14:bwMode="auto" r:id="rId125">
               <p14:nvContentPartPr>
                 <p14:cNvPr id="79" name="Ink 78">
@@ -9624,7 +11230,7 @@
               </p14:xfrm>
             </p:contentPart>
           </mc:Choice>
-          <mc:Fallback>
+          <mc:Fallback xmlns="">
             <p:pic>
               <p:nvPicPr>
                 <p:cNvPr id="79" name="Ink 78">
@@ -9655,8 +11261,8 @@
             </p:pic>
           </mc:Fallback>
         </mc:AlternateContent>
-        <mc:AlternateContent xmlns:mc="http://schemas.openxmlformats.org/markup-compatibility/2006">
-          <mc:Choice xmlns:p14="http://schemas.microsoft.com/office/powerpoint/2010/main" Requires="p14">
+        <mc:AlternateContent xmlns:mc="http://schemas.openxmlformats.org/markup-compatibility/2006" xmlns:p14="http://schemas.microsoft.com/office/powerpoint/2010/main">
+          <mc:Choice Requires="p14">
             <p:contentPart p14:bwMode="auto" r:id="rId127">
               <p14:nvContentPartPr>
                 <p14:cNvPr id="80" name="Ink 79">
@@ -9675,7 +11281,7 @@
               </p14:xfrm>
             </p:contentPart>
           </mc:Choice>
-          <mc:Fallback>
+          <mc:Fallback xmlns="">
             <p:pic>
               <p:nvPicPr>
                 <p:cNvPr id="80" name="Ink 79">
@@ -9706,8 +11312,8 @@
             </p:pic>
           </mc:Fallback>
         </mc:AlternateContent>
-        <mc:AlternateContent xmlns:mc="http://schemas.openxmlformats.org/markup-compatibility/2006">
-          <mc:Choice xmlns:p14="http://schemas.microsoft.com/office/powerpoint/2010/main" Requires="p14">
+        <mc:AlternateContent xmlns:mc="http://schemas.openxmlformats.org/markup-compatibility/2006" xmlns:p14="http://schemas.microsoft.com/office/powerpoint/2010/main">
+          <mc:Choice Requires="p14">
             <p:contentPart p14:bwMode="auto" r:id="rId129">
               <p14:nvContentPartPr>
                 <p14:cNvPr id="81" name="Ink 80">
@@ -9726,7 +11332,7 @@
               </p14:xfrm>
             </p:contentPart>
           </mc:Choice>
-          <mc:Fallback>
+          <mc:Fallback xmlns="">
             <p:pic>
               <p:nvPicPr>
                 <p:cNvPr id="81" name="Ink 80">
@@ -9757,8 +11363,8 @@
             </p:pic>
           </mc:Fallback>
         </mc:AlternateContent>
-        <mc:AlternateContent xmlns:mc="http://schemas.openxmlformats.org/markup-compatibility/2006">
-          <mc:Choice xmlns:p14="http://schemas.microsoft.com/office/powerpoint/2010/main" Requires="p14">
+        <mc:AlternateContent xmlns:mc="http://schemas.openxmlformats.org/markup-compatibility/2006" xmlns:p14="http://schemas.microsoft.com/office/powerpoint/2010/main">
+          <mc:Choice Requires="p14">
             <p:contentPart p14:bwMode="auto" r:id="rId131">
               <p14:nvContentPartPr>
                 <p14:cNvPr id="82" name="Ink 81">
@@ -9777,7 +11383,7 @@
               </p14:xfrm>
             </p:contentPart>
           </mc:Choice>
-          <mc:Fallback>
+          <mc:Fallback xmlns="">
             <p:pic>
               <p:nvPicPr>
                 <p:cNvPr id="82" name="Ink 81">
@@ -9808,8 +11414,8 @@
             </p:pic>
           </mc:Fallback>
         </mc:AlternateContent>
-        <mc:AlternateContent xmlns:mc="http://schemas.openxmlformats.org/markup-compatibility/2006">
-          <mc:Choice xmlns:p14="http://schemas.microsoft.com/office/powerpoint/2010/main" Requires="p14">
+        <mc:AlternateContent xmlns:mc="http://schemas.openxmlformats.org/markup-compatibility/2006" xmlns:p14="http://schemas.microsoft.com/office/powerpoint/2010/main">
+          <mc:Choice Requires="p14">
             <p:contentPart p14:bwMode="auto" r:id="rId133">
               <p14:nvContentPartPr>
                 <p14:cNvPr id="83" name="Ink 82">
@@ -9828,7 +11434,7 @@
               </p14:xfrm>
             </p:contentPart>
           </mc:Choice>
-          <mc:Fallback>
+          <mc:Fallback xmlns="">
             <p:pic>
               <p:nvPicPr>
                 <p:cNvPr id="83" name="Ink 82">
@@ -9864,6 +11470,3574 @@
     <p:extLst>
       <p:ext uri="{BB962C8B-B14F-4D97-AF65-F5344CB8AC3E}">
         <p14:creationId xmlns:p14="http://schemas.microsoft.com/office/powerpoint/2010/main" val="839338774"/>
+      </p:ext>
+    </p:extLst>
+  </p:cSld>
+  <p:clrMapOvr>
+    <a:masterClrMapping/>
+  </p:clrMapOvr>
+</p:sld>
+</file>
+
+<file path=ppt/slides/slide12.xml><?xml version="1.0" encoding="utf-8"?>
+<p:sld xmlns:a="http://schemas.openxmlformats.org/drawingml/2006/main" xmlns:r="http://schemas.openxmlformats.org/officeDocument/2006/relationships" xmlns:p="http://schemas.openxmlformats.org/presentationml/2006/main">
+  <p:cSld>
+    <p:spTree>
+      <p:nvGrpSpPr>
+        <p:cNvPr id="1" name=""/>
+        <p:cNvGrpSpPr/>
+        <p:nvPr/>
+      </p:nvGrpSpPr>
+      <p:grpSpPr>
+        <a:xfrm>
+          <a:off x="0" y="0"/>
+          <a:ext cx="0" cy="0"/>
+          <a:chOff x="0" y="0"/>
+          <a:chExt cx="0" cy="0"/>
+        </a:xfrm>
+      </p:grpSpPr>
+      <p:sp>
+        <p:nvSpPr>
+          <p:cNvPr id="2" name="Title 1">
+            <a:extLst>
+              <a:ext uri="{FF2B5EF4-FFF2-40B4-BE49-F238E27FC236}">
+                <a16:creationId xmlns:a16="http://schemas.microsoft.com/office/drawing/2014/main" id="{2A467656-A7BD-63D4-CFD9-FE26B0B74E93}"/>
+              </a:ext>
+            </a:extLst>
+          </p:cNvPr>
+          <p:cNvSpPr>
+            <a:spLocks noGrp="1"/>
+          </p:cNvSpPr>
+          <p:nvPr>
+            <p:ph type="title"/>
+          </p:nvPr>
+        </p:nvSpPr>
+        <p:spPr/>
+        <p:txBody>
+          <a:bodyPr/>
+          <a:lstStyle/>
+          <a:p>
+            <a:r>
+              <a:rPr lang="en-US" dirty="0"/>
+              <a:t>Service Endpoints</a:t>
+            </a:r>
+            <a:endParaRPr lang="en-IN" dirty="0"/>
+          </a:p>
+        </p:txBody>
+      </p:sp>
+      <p:sp>
+        <p:nvSpPr>
+          <p:cNvPr id="3" name="Content Placeholder 2">
+            <a:extLst>
+              <a:ext uri="{FF2B5EF4-FFF2-40B4-BE49-F238E27FC236}">
+                <a16:creationId xmlns:a16="http://schemas.microsoft.com/office/drawing/2014/main" id="{A87CB3D8-186F-F97D-5344-0B4C8B1CDB75}"/>
+              </a:ext>
+            </a:extLst>
+          </p:cNvPr>
+          <p:cNvSpPr>
+            <a:spLocks noGrp="1"/>
+          </p:cNvSpPr>
+          <p:nvPr>
+            <p:ph idx="1"/>
+          </p:nvPr>
+        </p:nvSpPr>
+        <p:spPr/>
+        <p:txBody>
+          <a:bodyPr/>
+          <a:lstStyle/>
+          <a:p>
+            <a:r>
+              <a:rPr lang="en-US" dirty="0"/>
+              <a:t>Provides the identity of your virtual networks to the Azure service.</a:t>
+            </a:r>
+          </a:p>
+          <a:p>
+            <a:endParaRPr lang="en-IN" dirty="0"/>
+          </a:p>
+        </p:txBody>
+      </p:sp>
+      <p:pic>
+        <p:nvPicPr>
+          <p:cNvPr id="1026" name="Picture 2" descr="Azure virtual network service endpoint policies | Microsoft Docs">
+            <a:extLst>
+              <a:ext uri="{FF2B5EF4-FFF2-40B4-BE49-F238E27FC236}">
+                <a16:creationId xmlns:a16="http://schemas.microsoft.com/office/drawing/2014/main" id="{3D1B36E5-908A-C4DE-A826-E12AE4C32C27}"/>
+              </a:ext>
+            </a:extLst>
+          </p:cNvPr>
+          <p:cNvPicPr>
+            <a:picLocks noChangeAspect="1" noChangeArrowheads="1"/>
+          </p:cNvPicPr>
+          <p:nvPr/>
+        </p:nvPicPr>
+        <p:blipFill>
+          <a:blip r:embed="rId2">
+            <a:extLst>
+              <a:ext uri="{28A0092B-C50C-407E-A947-70E740481C1C}">
+                <a14:useLocalDpi xmlns:a14="http://schemas.microsoft.com/office/drawing/2010/main" val="0"/>
+              </a:ext>
+            </a:extLst>
+          </a:blip>
+          <a:srcRect/>
+          <a:stretch>
+            <a:fillRect/>
+          </a:stretch>
+        </p:blipFill>
+        <p:spPr bwMode="auto">
+          <a:xfrm>
+            <a:off x="2741722" y="2922041"/>
+            <a:ext cx="5413077" cy="3254922"/>
+          </a:xfrm>
+          <a:prstGeom prst="rect">
+            <a:avLst/>
+          </a:prstGeom>
+          <a:noFill/>
+          <a:extLst>
+            <a:ext uri="{909E8E84-426E-40DD-AFC4-6F175D3DCCD1}">
+              <a14:hiddenFill xmlns:a14="http://schemas.microsoft.com/office/drawing/2010/main">
+                <a:solidFill>
+                  <a:srgbClr val="FFFFFF"/>
+                </a:solidFill>
+              </a14:hiddenFill>
+            </a:ext>
+          </a:extLst>
+        </p:spPr>
+      </p:pic>
+      <p:grpSp>
+        <p:nvGrpSpPr>
+          <p:cNvPr id="11" name="Group 10">
+            <a:extLst>
+              <a:ext uri="{FF2B5EF4-FFF2-40B4-BE49-F238E27FC236}">
+                <a16:creationId xmlns:a16="http://schemas.microsoft.com/office/drawing/2014/main" id="{C3B59F51-F312-5316-0C86-85A80A9C4153}"/>
+              </a:ext>
+            </a:extLst>
+          </p:cNvPr>
+          <p:cNvGrpSpPr/>
+          <p:nvPr/>
+        </p:nvGrpSpPr>
+        <p:grpSpPr>
+          <a:xfrm>
+            <a:off x="7379367" y="2976881"/>
+            <a:ext cx="1516680" cy="324360"/>
+            <a:chOff x="7379367" y="2976881"/>
+            <a:chExt cx="1516680" cy="324360"/>
+          </a:xfrm>
+        </p:grpSpPr>
+        <mc:AlternateContent xmlns:mc="http://schemas.openxmlformats.org/markup-compatibility/2006">
+          <mc:Choice xmlns:p14="http://schemas.microsoft.com/office/powerpoint/2010/main" Requires="p14">
+            <p:contentPart p14:bwMode="auto" r:id="rId3">
+              <p14:nvContentPartPr>
+                <p14:cNvPr id="4" name="Ink 3">
+                  <a:extLst>
+                    <a:ext uri="{FF2B5EF4-FFF2-40B4-BE49-F238E27FC236}">
+                      <a16:creationId xmlns:a16="http://schemas.microsoft.com/office/drawing/2014/main" id="{33AEE649-CA0B-9A46-B102-A53A758C0C3D}"/>
+                    </a:ext>
+                  </a:extLst>
+                </p14:cNvPr>
+                <p14:cNvContentPartPr/>
+                <p14:nvPr/>
+              </p14:nvContentPartPr>
+              <p14:xfrm>
+                <a:off x="7379367" y="3184601"/>
+                <a:ext cx="293400" cy="72720"/>
+              </p14:xfrm>
+            </p:contentPart>
+          </mc:Choice>
+          <mc:Fallback>
+            <p:pic>
+              <p:nvPicPr>
+                <p:cNvPr id="4" name="Ink 3">
+                  <a:extLst>
+                    <a:ext uri="{FF2B5EF4-FFF2-40B4-BE49-F238E27FC236}">
+                      <a16:creationId xmlns:a16="http://schemas.microsoft.com/office/drawing/2014/main" id="{33AEE649-CA0B-9A46-B102-A53A758C0C3D}"/>
+                    </a:ext>
+                  </a:extLst>
+                </p:cNvPr>
+                <p:cNvPicPr/>
+                <p:nvPr/>
+              </p:nvPicPr>
+              <p:blipFill>
+                <a:blip r:embed="rId4"/>
+                <a:stretch>
+                  <a:fillRect/>
+                </a:stretch>
+              </p:blipFill>
+              <p:spPr>
+                <a:xfrm>
+                  <a:off x="7370367" y="3175601"/>
+                  <a:ext cx="311040" cy="90360"/>
+                </a:xfrm>
+                <a:prstGeom prst="rect">
+                  <a:avLst/>
+                </a:prstGeom>
+              </p:spPr>
+            </p:pic>
+          </mc:Fallback>
+        </mc:AlternateContent>
+        <mc:AlternateContent xmlns:mc="http://schemas.openxmlformats.org/markup-compatibility/2006">
+          <mc:Choice xmlns:p14="http://schemas.microsoft.com/office/powerpoint/2010/main" Requires="p14">
+            <p:contentPart p14:bwMode="auto" r:id="rId5">
+              <p14:nvContentPartPr>
+                <p14:cNvPr id="5" name="Ink 4">
+                  <a:extLst>
+                    <a:ext uri="{FF2B5EF4-FFF2-40B4-BE49-F238E27FC236}">
+                      <a16:creationId xmlns:a16="http://schemas.microsoft.com/office/drawing/2014/main" id="{BADA7767-54D1-4ED0-63D9-9B2452D4D99D}"/>
+                    </a:ext>
+                  </a:extLst>
+                </p14:cNvPr>
+                <p14:cNvContentPartPr/>
+                <p14:nvPr/>
+              </p14:nvContentPartPr>
+              <p14:xfrm>
+                <a:off x="7818207" y="3061481"/>
+                <a:ext cx="108720" cy="45720"/>
+              </p14:xfrm>
+            </p:contentPart>
+          </mc:Choice>
+          <mc:Fallback>
+            <p:pic>
+              <p:nvPicPr>
+                <p:cNvPr id="5" name="Ink 4">
+                  <a:extLst>
+                    <a:ext uri="{FF2B5EF4-FFF2-40B4-BE49-F238E27FC236}">
+                      <a16:creationId xmlns:a16="http://schemas.microsoft.com/office/drawing/2014/main" id="{BADA7767-54D1-4ED0-63D9-9B2452D4D99D}"/>
+                    </a:ext>
+                  </a:extLst>
+                </p:cNvPr>
+                <p:cNvPicPr/>
+                <p:nvPr/>
+              </p:nvPicPr>
+              <p:blipFill>
+                <a:blip r:embed="rId6"/>
+                <a:stretch>
+                  <a:fillRect/>
+                </a:stretch>
+              </p:blipFill>
+              <p:spPr>
+                <a:xfrm>
+                  <a:off x="7809207" y="3052841"/>
+                  <a:ext cx="126360" cy="63360"/>
+                </a:xfrm>
+                <a:prstGeom prst="rect">
+                  <a:avLst/>
+                </a:prstGeom>
+              </p:spPr>
+            </p:pic>
+          </mc:Fallback>
+        </mc:AlternateContent>
+        <mc:AlternateContent xmlns:mc="http://schemas.openxmlformats.org/markup-compatibility/2006">
+          <mc:Choice xmlns:p14="http://schemas.microsoft.com/office/powerpoint/2010/main" Requires="p14">
+            <p:contentPart p14:bwMode="auto" r:id="rId7">
+              <p14:nvContentPartPr>
+                <p14:cNvPr id="6" name="Ink 5">
+                  <a:extLst>
+                    <a:ext uri="{FF2B5EF4-FFF2-40B4-BE49-F238E27FC236}">
+                      <a16:creationId xmlns:a16="http://schemas.microsoft.com/office/drawing/2014/main" id="{8614DAD2-6C4E-C777-4137-301C2B34031A}"/>
+                    </a:ext>
+                  </a:extLst>
+                </p14:cNvPr>
+                <p14:cNvContentPartPr/>
+                <p14:nvPr/>
+              </p14:nvContentPartPr>
+              <p14:xfrm>
+                <a:off x="7884447" y="3061121"/>
+                <a:ext cx="235080" cy="240120"/>
+              </p14:xfrm>
+            </p:contentPart>
+          </mc:Choice>
+          <mc:Fallback>
+            <p:pic>
+              <p:nvPicPr>
+                <p:cNvPr id="6" name="Ink 5">
+                  <a:extLst>
+                    <a:ext uri="{FF2B5EF4-FFF2-40B4-BE49-F238E27FC236}">
+                      <a16:creationId xmlns:a16="http://schemas.microsoft.com/office/drawing/2014/main" id="{8614DAD2-6C4E-C777-4137-301C2B34031A}"/>
+                    </a:ext>
+                  </a:extLst>
+                </p:cNvPr>
+                <p:cNvPicPr/>
+                <p:nvPr/>
+              </p:nvPicPr>
+              <p:blipFill>
+                <a:blip r:embed="rId8"/>
+                <a:stretch>
+                  <a:fillRect/>
+                </a:stretch>
+              </p:blipFill>
+              <p:spPr>
+                <a:xfrm>
+                  <a:off x="7875807" y="3052121"/>
+                  <a:ext cx="252720" cy="257760"/>
+                </a:xfrm>
+                <a:prstGeom prst="rect">
+                  <a:avLst/>
+                </a:prstGeom>
+              </p:spPr>
+            </p:pic>
+          </mc:Fallback>
+        </mc:AlternateContent>
+        <mc:AlternateContent xmlns:mc="http://schemas.openxmlformats.org/markup-compatibility/2006">
+          <mc:Choice xmlns:p14="http://schemas.microsoft.com/office/powerpoint/2010/main" Requires="p14">
+            <p:contentPart p14:bwMode="auto" r:id="rId9">
+              <p14:nvContentPartPr>
+                <p14:cNvPr id="7" name="Ink 6">
+                  <a:extLst>
+                    <a:ext uri="{FF2B5EF4-FFF2-40B4-BE49-F238E27FC236}">
+                      <a16:creationId xmlns:a16="http://schemas.microsoft.com/office/drawing/2014/main" id="{0EF6AE2A-3956-AB34-4D04-354379D442D6}"/>
+                    </a:ext>
+                  </a:extLst>
+                </p14:cNvPr>
+                <p14:cNvContentPartPr/>
+                <p14:nvPr/>
+              </p14:nvContentPartPr>
+              <p14:xfrm>
+                <a:off x="8137527" y="3037721"/>
+                <a:ext cx="142560" cy="208440"/>
+              </p14:xfrm>
+            </p:contentPart>
+          </mc:Choice>
+          <mc:Fallback>
+            <p:pic>
+              <p:nvPicPr>
+                <p:cNvPr id="7" name="Ink 6">
+                  <a:extLst>
+                    <a:ext uri="{FF2B5EF4-FFF2-40B4-BE49-F238E27FC236}">
+                      <a16:creationId xmlns:a16="http://schemas.microsoft.com/office/drawing/2014/main" id="{0EF6AE2A-3956-AB34-4D04-354379D442D6}"/>
+                    </a:ext>
+                  </a:extLst>
+                </p:cNvPr>
+                <p:cNvPicPr/>
+                <p:nvPr/>
+              </p:nvPicPr>
+              <p:blipFill>
+                <a:blip r:embed="rId10"/>
+                <a:stretch>
+                  <a:fillRect/>
+                </a:stretch>
+              </p:blipFill>
+              <p:spPr>
+                <a:xfrm>
+                  <a:off x="8128527" y="3028721"/>
+                  <a:ext cx="160200" cy="226080"/>
+                </a:xfrm>
+                <a:prstGeom prst="rect">
+                  <a:avLst/>
+                </a:prstGeom>
+              </p:spPr>
+            </p:pic>
+          </mc:Fallback>
+        </mc:AlternateContent>
+        <mc:AlternateContent xmlns:mc="http://schemas.openxmlformats.org/markup-compatibility/2006">
+          <mc:Choice xmlns:p14="http://schemas.microsoft.com/office/powerpoint/2010/main" Requires="p14">
+            <p:contentPart p14:bwMode="auto" r:id="rId11">
+              <p14:nvContentPartPr>
+                <p14:cNvPr id="9" name="Ink 8">
+                  <a:extLst>
+                    <a:ext uri="{FF2B5EF4-FFF2-40B4-BE49-F238E27FC236}">
+                      <a16:creationId xmlns:a16="http://schemas.microsoft.com/office/drawing/2014/main" id="{56AE62EA-A13A-E45C-D624-39AFCA2DE5F1}"/>
+                    </a:ext>
+                  </a:extLst>
+                </p14:cNvPr>
+                <p14:cNvContentPartPr/>
+                <p14:nvPr/>
+              </p14:nvContentPartPr>
+              <p14:xfrm>
+                <a:off x="8324727" y="3004601"/>
+                <a:ext cx="531360" cy="197640"/>
+              </p14:xfrm>
+            </p:contentPart>
+          </mc:Choice>
+          <mc:Fallback>
+            <p:pic>
+              <p:nvPicPr>
+                <p:cNvPr id="9" name="Ink 8">
+                  <a:extLst>
+                    <a:ext uri="{FF2B5EF4-FFF2-40B4-BE49-F238E27FC236}">
+                      <a16:creationId xmlns:a16="http://schemas.microsoft.com/office/drawing/2014/main" id="{56AE62EA-A13A-E45C-D624-39AFCA2DE5F1}"/>
+                    </a:ext>
+                  </a:extLst>
+                </p:cNvPr>
+                <p:cNvPicPr/>
+                <p:nvPr/>
+              </p:nvPicPr>
+              <p:blipFill>
+                <a:blip r:embed="rId12"/>
+                <a:stretch>
+                  <a:fillRect/>
+                </a:stretch>
+              </p:blipFill>
+              <p:spPr>
+                <a:xfrm>
+                  <a:off x="8315727" y="2995961"/>
+                  <a:ext cx="549000" cy="215280"/>
+                </a:xfrm>
+                <a:prstGeom prst="rect">
+                  <a:avLst/>
+                </a:prstGeom>
+              </p:spPr>
+            </p:pic>
+          </mc:Fallback>
+        </mc:AlternateContent>
+        <mc:AlternateContent xmlns:mc="http://schemas.openxmlformats.org/markup-compatibility/2006">
+          <mc:Choice xmlns:p14="http://schemas.microsoft.com/office/powerpoint/2010/main" Requires="p14">
+            <p:contentPart p14:bwMode="auto" r:id="rId13">
+              <p14:nvContentPartPr>
+                <p14:cNvPr id="10" name="Ink 9">
+                  <a:extLst>
+                    <a:ext uri="{FF2B5EF4-FFF2-40B4-BE49-F238E27FC236}">
+                      <a16:creationId xmlns:a16="http://schemas.microsoft.com/office/drawing/2014/main" id="{F5817847-71CB-92C0-945C-AF43A6983C27}"/>
+                    </a:ext>
+                  </a:extLst>
+                </p14:cNvPr>
+                <p14:cNvContentPartPr/>
+                <p14:nvPr/>
+              </p14:nvContentPartPr>
+              <p14:xfrm>
+                <a:off x="8693007" y="2976881"/>
+                <a:ext cx="203040" cy="114840"/>
+              </p14:xfrm>
+            </p:contentPart>
+          </mc:Choice>
+          <mc:Fallback>
+            <p:pic>
+              <p:nvPicPr>
+                <p:cNvPr id="10" name="Ink 9">
+                  <a:extLst>
+                    <a:ext uri="{FF2B5EF4-FFF2-40B4-BE49-F238E27FC236}">
+                      <a16:creationId xmlns:a16="http://schemas.microsoft.com/office/drawing/2014/main" id="{F5817847-71CB-92C0-945C-AF43A6983C27}"/>
+                    </a:ext>
+                  </a:extLst>
+                </p:cNvPr>
+                <p:cNvPicPr/>
+                <p:nvPr/>
+              </p:nvPicPr>
+              <p:blipFill>
+                <a:blip r:embed="rId14"/>
+                <a:stretch>
+                  <a:fillRect/>
+                </a:stretch>
+              </p:blipFill>
+              <p:spPr>
+                <a:xfrm>
+                  <a:off x="8684367" y="2967881"/>
+                  <a:ext cx="220680" cy="132480"/>
+                </a:xfrm>
+                <a:prstGeom prst="rect">
+                  <a:avLst/>
+                </a:prstGeom>
+              </p:spPr>
+            </p:pic>
+          </mc:Fallback>
+        </mc:AlternateContent>
+      </p:grpSp>
+    </p:spTree>
+    <p:extLst>
+      <p:ext uri="{BB962C8B-B14F-4D97-AF65-F5344CB8AC3E}">
+        <p14:creationId xmlns:p14="http://schemas.microsoft.com/office/powerpoint/2010/main" val="1938083998"/>
+      </p:ext>
+    </p:extLst>
+  </p:cSld>
+  <p:clrMapOvr>
+    <a:masterClrMapping/>
+  </p:clrMapOvr>
+</p:sld>
+</file>
+
+<file path=ppt/slides/slide13.xml><?xml version="1.0" encoding="utf-8"?>
+<p:sld xmlns:a="http://schemas.openxmlformats.org/drawingml/2006/main" xmlns:r="http://schemas.openxmlformats.org/officeDocument/2006/relationships" xmlns:p="http://schemas.openxmlformats.org/presentationml/2006/main">
+  <p:cSld>
+    <p:spTree>
+      <p:nvGrpSpPr>
+        <p:cNvPr id="1" name=""/>
+        <p:cNvGrpSpPr/>
+        <p:nvPr/>
+      </p:nvGrpSpPr>
+      <p:grpSpPr>
+        <a:xfrm>
+          <a:off x="0" y="0"/>
+          <a:ext cx="0" cy="0"/>
+          <a:chOff x="0" y="0"/>
+          <a:chExt cx="0" cy="0"/>
+        </a:xfrm>
+      </p:grpSpPr>
+      <p:sp>
+        <p:nvSpPr>
+          <p:cNvPr id="2" name="Title 1">
+            <a:extLst>
+              <a:ext uri="{FF2B5EF4-FFF2-40B4-BE49-F238E27FC236}">
+                <a16:creationId xmlns:a16="http://schemas.microsoft.com/office/drawing/2014/main" id="{7EAB22ED-F825-A4A0-CF1D-20774C356765}"/>
+              </a:ext>
+            </a:extLst>
+          </p:cNvPr>
+          <p:cNvSpPr>
+            <a:spLocks noGrp="1"/>
+          </p:cNvSpPr>
+          <p:nvPr>
+            <p:ph type="title"/>
+          </p:nvPr>
+        </p:nvSpPr>
+        <p:spPr/>
+        <p:txBody>
+          <a:bodyPr/>
+          <a:lstStyle/>
+          <a:p>
+            <a:r>
+              <a:rPr lang="en-US" dirty="0"/>
+              <a:t>Service Endpoints Benefits</a:t>
+            </a:r>
+            <a:endParaRPr lang="en-IN" dirty="0"/>
+          </a:p>
+        </p:txBody>
+      </p:sp>
+      <p:sp>
+        <p:nvSpPr>
+          <p:cNvPr id="3" name="Content Placeholder 2">
+            <a:extLst>
+              <a:ext uri="{FF2B5EF4-FFF2-40B4-BE49-F238E27FC236}">
+                <a16:creationId xmlns:a16="http://schemas.microsoft.com/office/drawing/2014/main" id="{1C09500D-48E5-9D7E-72F6-7CF48AC2CC84}"/>
+              </a:ext>
+            </a:extLst>
+          </p:cNvPr>
+          <p:cNvSpPr>
+            <a:spLocks noGrp="1"/>
+          </p:cNvSpPr>
+          <p:nvPr>
+            <p:ph idx="1"/>
+          </p:nvPr>
+        </p:nvSpPr>
+        <p:spPr/>
+        <p:txBody>
+          <a:bodyPr/>
+          <a:lstStyle/>
+          <a:p>
+            <a:r>
+              <a:rPr lang="en-US" dirty="0"/>
+              <a:t>Improved security for Azure service resources</a:t>
+            </a:r>
+          </a:p>
+          <a:p>
+            <a:r>
+              <a:rPr lang="en-US" dirty="0"/>
+              <a:t>Optimal routing for Azure service traffic from your virtual network</a:t>
+            </a:r>
+          </a:p>
+          <a:p>
+            <a:r>
+              <a:rPr lang="en-US" dirty="0"/>
+              <a:t>Simple to setup with less management overhead</a:t>
+            </a:r>
+            <a:endParaRPr lang="en-IN" dirty="0"/>
+          </a:p>
+        </p:txBody>
+      </p:sp>
+    </p:spTree>
+    <p:extLst>
+      <p:ext uri="{BB962C8B-B14F-4D97-AF65-F5344CB8AC3E}">
+        <p14:creationId xmlns:p14="http://schemas.microsoft.com/office/powerpoint/2010/main" val="3358652091"/>
+      </p:ext>
+    </p:extLst>
+  </p:cSld>
+  <p:clrMapOvr>
+    <a:masterClrMapping/>
+  </p:clrMapOvr>
+</p:sld>
+</file>
+
+<file path=ppt/slides/slide14.xml><?xml version="1.0" encoding="utf-8"?>
+<p:sld xmlns:a="http://schemas.openxmlformats.org/drawingml/2006/main" xmlns:r="http://schemas.openxmlformats.org/officeDocument/2006/relationships" xmlns:p="http://schemas.openxmlformats.org/presentationml/2006/main">
+  <p:cSld>
+    <p:spTree>
+      <p:nvGrpSpPr>
+        <p:cNvPr id="1" name=""/>
+        <p:cNvGrpSpPr/>
+        <p:nvPr/>
+      </p:nvGrpSpPr>
+      <p:grpSpPr>
+        <a:xfrm>
+          <a:off x="0" y="0"/>
+          <a:ext cx="0" cy="0"/>
+          <a:chOff x="0" y="0"/>
+          <a:chExt cx="0" cy="0"/>
+        </a:xfrm>
+      </p:grpSpPr>
+      <p:sp>
+        <p:nvSpPr>
+          <p:cNvPr id="2" name="Title 1">
+            <a:extLst>
+              <a:ext uri="{FF2B5EF4-FFF2-40B4-BE49-F238E27FC236}">
+                <a16:creationId xmlns:a16="http://schemas.microsoft.com/office/drawing/2014/main" id="{3AD08BAA-0181-7EC2-E199-E733D0D760F7}"/>
+              </a:ext>
+            </a:extLst>
+          </p:cNvPr>
+          <p:cNvSpPr>
+            <a:spLocks noGrp="1"/>
+          </p:cNvSpPr>
+          <p:nvPr>
+            <p:ph type="ctrTitle"/>
+          </p:nvPr>
+        </p:nvSpPr>
+        <p:spPr/>
+        <p:txBody>
+          <a:bodyPr/>
+          <a:lstStyle/>
+          <a:p>
+            <a:r>
+              <a:rPr lang="en-US" dirty="0"/>
+              <a:t>Network Security Group</a:t>
+            </a:r>
+            <a:endParaRPr lang="en-IN" dirty="0"/>
+          </a:p>
+        </p:txBody>
+      </p:sp>
+      <p:sp>
+        <p:nvSpPr>
+          <p:cNvPr id="3" name="Subtitle 2">
+            <a:extLst>
+              <a:ext uri="{FF2B5EF4-FFF2-40B4-BE49-F238E27FC236}">
+                <a16:creationId xmlns:a16="http://schemas.microsoft.com/office/drawing/2014/main" id="{7D87EFA5-3662-1DC4-B0F6-828501DA86D6}"/>
+              </a:ext>
+            </a:extLst>
+          </p:cNvPr>
+          <p:cNvSpPr>
+            <a:spLocks noGrp="1"/>
+          </p:cNvSpPr>
+          <p:nvPr>
+            <p:ph type="subTitle" idx="1"/>
+          </p:nvPr>
+        </p:nvSpPr>
+        <p:spPr/>
+        <p:txBody>
+          <a:bodyPr/>
+          <a:lstStyle/>
+          <a:p>
+            <a:endParaRPr lang="en-IN"/>
+          </a:p>
+        </p:txBody>
+      </p:sp>
+    </p:spTree>
+    <p:extLst>
+      <p:ext uri="{BB962C8B-B14F-4D97-AF65-F5344CB8AC3E}">
+        <p14:creationId xmlns:p14="http://schemas.microsoft.com/office/powerpoint/2010/main" val="4013970759"/>
+      </p:ext>
+    </p:extLst>
+  </p:cSld>
+  <p:clrMapOvr>
+    <a:masterClrMapping/>
+  </p:clrMapOvr>
+</p:sld>
+</file>
+
+<file path=ppt/slides/slide15.xml><?xml version="1.0" encoding="utf-8"?>
+<p:sld xmlns:a="http://schemas.openxmlformats.org/drawingml/2006/main" xmlns:r="http://schemas.openxmlformats.org/officeDocument/2006/relationships" xmlns:p="http://schemas.openxmlformats.org/presentationml/2006/main">
+  <p:cSld>
+    <p:spTree>
+      <p:nvGrpSpPr>
+        <p:cNvPr id="1" name=""/>
+        <p:cNvGrpSpPr/>
+        <p:nvPr/>
+      </p:nvGrpSpPr>
+      <p:grpSpPr>
+        <a:xfrm>
+          <a:off x="0" y="0"/>
+          <a:ext cx="0" cy="0"/>
+          <a:chOff x="0" y="0"/>
+          <a:chExt cx="0" cy="0"/>
+        </a:xfrm>
+      </p:grpSpPr>
+      <p:sp>
+        <p:nvSpPr>
+          <p:cNvPr id="2" name="Title 1">
+            <a:extLst>
+              <a:ext uri="{FF2B5EF4-FFF2-40B4-BE49-F238E27FC236}">
+                <a16:creationId xmlns:a16="http://schemas.microsoft.com/office/drawing/2014/main" id="{65C0EEA6-24E0-7D76-4D06-36B13DA28612}"/>
+              </a:ext>
+            </a:extLst>
+          </p:cNvPr>
+          <p:cNvSpPr>
+            <a:spLocks noGrp="1"/>
+          </p:cNvSpPr>
+          <p:nvPr>
+            <p:ph type="title"/>
+          </p:nvPr>
+        </p:nvSpPr>
+        <p:spPr/>
+        <p:txBody>
+          <a:bodyPr/>
+          <a:lstStyle/>
+          <a:p>
+            <a:r>
+              <a:rPr lang="en-US" dirty="0"/>
+              <a:t>Network Security Group</a:t>
+            </a:r>
+            <a:endParaRPr lang="en-IN" dirty="0"/>
+          </a:p>
+        </p:txBody>
+      </p:sp>
+      <p:sp>
+        <p:nvSpPr>
+          <p:cNvPr id="3" name="Content Placeholder 2">
+            <a:extLst>
+              <a:ext uri="{FF2B5EF4-FFF2-40B4-BE49-F238E27FC236}">
+                <a16:creationId xmlns:a16="http://schemas.microsoft.com/office/drawing/2014/main" id="{9B782C33-2109-1005-B355-FA6E9CB50A68}"/>
+              </a:ext>
+            </a:extLst>
+          </p:cNvPr>
+          <p:cNvSpPr>
+            <a:spLocks noGrp="1"/>
+          </p:cNvSpPr>
+          <p:nvPr>
+            <p:ph idx="1"/>
+          </p:nvPr>
+        </p:nvSpPr>
+        <p:spPr/>
+        <p:txBody>
+          <a:bodyPr/>
+          <a:lstStyle/>
+          <a:p>
+            <a:r>
+              <a:rPr lang="en-US" dirty="0"/>
+              <a:t>You can limit network traffic to resources in a virtual network</a:t>
+            </a:r>
+            <a:endParaRPr lang="en-IN" dirty="0"/>
+          </a:p>
+          <a:p>
+            <a:r>
+              <a:rPr lang="en-IN" dirty="0"/>
+              <a:t>NSG contains list of security rules that allow or deny inbound or outbound network traffic</a:t>
+            </a:r>
+            <a:endParaRPr lang="en-US" dirty="0"/>
+          </a:p>
+          <a:p>
+            <a:r>
+              <a:rPr lang="en-US" dirty="0"/>
+              <a:t>Associated with subnet and NIC</a:t>
+            </a:r>
+            <a:endParaRPr lang="en-IN" dirty="0"/>
+          </a:p>
+        </p:txBody>
+      </p:sp>
+      <mc:AlternateContent xmlns:mc="http://schemas.openxmlformats.org/markup-compatibility/2006">
+        <mc:Choice xmlns:p14="http://schemas.microsoft.com/office/powerpoint/2010/main" Requires="p14">
+          <p:contentPart p14:bwMode="auto" r:id="rId2">
+            <p14:nvContentPartPr>
+              <p14:cNvPr id="68" name="Ink 67">
+                <a:extLst>
+                  <a:ext uri="{FF2B5EF4-FFF2-40B4-BE49-F238E27FC236}">
+                    <a16:creationId xmlns:a16="http://schemas.microsoft.com/office/drawing/2014/main" id="{B93D7E14-C030-375A-60DE-BA64758F799C}"/>
+                  </a:ext>
+                </a:extLst>
+              </p14:cNvPr>
+              <p14:cNvContentPartPr/>
+              <p14:nvPr/>
+            </p14:nvContentPartPr>
+            <p14:xfrm>
+              <a:off x="4965927" y="4173161"/>
+              <a:ext cx="1669320" cy="1871280"/>
+            </p14:xfrm>
+          </p:contentPart>
+        </mc:Choice>
+        <mc:Fallback>
+          <p:pic>
+            <p:nvPicPr>
+              <p:cNvPr id="68" name="Ink 67">
+                <a:extLst>
+                  <a:ext uri="{FF2B5EF4-FFF2-40B4-BE49-F238E27FC236}">
+                    <a16:creationId xmlns:a16="http://schemas.microsoft.com/office/drawing/2014/main" id="{B93D7E14-C030-375A-60DE-BA64758F799C}"/>
+                  </a:ext>
+                </a:extLst>
+              </p:cNvPr>
+              <p:cNvPicPr/>
+              <p:nvPr/>
+            </p:nvPicPr>
+            <p:blipFill>
+              <a:blip r:embed="rId3"/>
+              <a:stretch>
+                <a:fillRect/>
+              </a:stretch>
+            </p:blipFill>
+            <p:spPr>
+              <a:xfrm>
+                <a:off x="4957287" y="4164521"/>
+                <a:ext cx="1686960" cy="1888920"/>
+              </a:xfrm>
+              <a:prstGeom prst="rect">
+                <a:avLst/>
+              </a:prstGeom>
+            </p:spPr>
+          </p:pic>
+        </mc:Fallback>
+      </mc:AlternateContent>
+      <mc:AlternateContent xmlns:mc="http://schemas.openxmlformats.org/markup-compatibility/2006">
+        <mc:Choice xmlns:p14="http://schemas.microsoft.com/office/powerpoint/2010/main" Requires="p14">
+          <p:contentPart p14:bwMode="auto" r:id="rId4">
+            <p14:nvContentPartPr>
+              <p14:cNvPr id="70" name="Ink 69">
+                <a:extLst>
+                  <a:ext uri="{FF2B5EF4-FFF2-40B4-BE49-F238E27FC236}">
+                    <a16:creationId xmlns:a16="http://schemas.microsoft.com/office/drawing/2014/main" id="{DDAA2647-2A28-25DE-F19A-20170F21C3D5}"/>
+                  </a:ext>
+                </a:extLst>
+              </p14:cNvPr>
+              <p14:cNvContentPartPr/>
+              <p14:nvPr/>
+            </p14:nvContentPartPr>
+            <p14:xfrm>
+              <a:off x="4509807" y="4855721"/>
+              <a:ext cx="2161440" cy="1511640"/>
+            </p14:xfrm>
+          </p:contentPart>
+        </mc:Choice>
+        <mc:Fallback>
+          <p:pic>
+            <p:nvPicPr>
+              <p:cNvPr id="70" name="Ink 69">
+                <a:extLst>
+                  <a:ext uri="{FF2B5EF4-FFF2-40B4-BE49-F238E27FC236}">
+                    <a16:creationId xmlns:a16="http://schemas.microsoft.com/office/drawing/2014/main" id="{DDAA2647-2A28-25DE-F19A-20170F21C3D5}"/>
+                  </a:ext>
+                </a:extLst>
+              </p:cNvPr>
+              <p:cNvPicPr/>
+              <p:nvPr/>
+            </p:nvPicPr>
+            <p:blipFill>
+              <a:blip r:embed="rId5"/>
+              <a:stretch>
+                <a:fillRect/>
+              </a:stretch>
+            </p:blipFill>
+            <p:spPr>
+              <a:xfrm>
+                <a:off x="4500807" y="4846721"/>
+                <a:ext cx="2179080" cy="1529280"/>
+              </a:xfrm>
+              <a:prstGeom prst="rect">
+                <a:avLst/>
+              </a:prstGeom>
+            </p:spPr>
+          </p:pic>
+        </mc:Fallback>
+      </mc:AlternateContent>
+      <p:grpSp>
+        <p:nvGrpSpPr>
+          <p:cNvPr id="74" name="Group 73">
+            <a:extLst>
+              <a:ext uri="{FF2B5EF4-FFF2-40B4-BE49-F238E27FC236}">
+                <a16:creationId xmlns:a16="http://schemas.microsoft.com/office/drawing/2014/main" id="{412046A8-47BA-79E2-6CD3-179A9EE3D59D}"/>
+              </a:ext>
+            </a:extLst>
+          </p:cNvPr>
+          <p:cNvGrpSpPr/>
+          <p:nvPr/>
+        </p:nvGrpSpPr>
+        <p:grpSpPr>
+          <a:xfrm>
+            <a:off x="4086807" y="3778961"/>
+            <a:ext cx="3345120" cy="2937600"/>
+            <a:chOff x="4086807" y="3778961"/>
+            <a:chExt cx="3345120" cy="2937600"/>
+          </a:xfrm>
+        </p:grpSpPr>
+        <mc:AlternateContent xmlns:mc="http://schemas.openxmlformats.org/markup-compatibility/2006">
+          <mc:Choice xmlns:p14="http://schemas.microsoft.com/office/powerpoint/2010/main" Requires="p14">
+            <p:contentPart p14:bwMode="auto" r:id="rId6">
+              <p14:nvContentPartPr>
+                <p14:cNvPr id="41" name="Ink 40">
+                  <a:extLst>
+                    <a:ext uri="{FF2B5EF4-FFF2-40B4-BE49-F238E27FC236}">
+                      <a16:creationId xmlns:a16="http://schemas.microsoft.com/office/drawing/2014/main" id="{A2EC99AB-9FAE-B7B4-7CF3-82EB6DED18C6}"/>
+                    </a:ext>
+                  </a:extLst>
+                </p14:cNvPr>
+                <p14:cNvContentPartPr/>
+                <p14:nvPr/>
+              </p14:nvContentPartPr>
+              <p14:xfrm>
+                <a:off x="6715527" y="5984321"/>
+                <a:ext cx="80280" cy="142920"/>
+              </p14:xfrm>
+            </p:contentPart>
+          </mc:Choice>
+          <mc:Fallback>
+            <p:pic>
+              <p:nvPicPr>
+                <p:cNvPr id="41" name="Ink 40">
+                  <a:extLst>
+                    <a:ext uri="{FF2B5EF4-FFF2-40B4-BE49-F238E27FC236}">
+                      <a16:creationId xmlns:a16="http://schemas.microsoft.com/office/drawing/2014/main" id="{A2EC99AB-9FAE-B7B4-7CF3-82EB6DED18C6}"/>
+                    </a:ext>
+                  </a:extLst>
+                </p:cNvPr>
+                <p:cNvPicPr/>
+                <p:nvPr/>
+              </p:nvPicPr>
+              <p:blipFill>
+                <a:blip r:embed="rId7"/>
+                <a:stretch>
+                  <a:fillRect/>
+                </a:stretch>
+              </p:blipFill>
+              <p:spPr>
+                <a:xfrm>
+                  <a:off x="6706887" y="5975681"/>
+                  <a:ext cx="97920" cy="160560"/>
+                </a:xfrm>
+                <a:prstGeom prst="rect">
+                  <a:avLst/>
+                </a:prstGeom>
+              </p:spPr>
+            </p:pic>
+          </mc:Fallback>
+        </mc:AlternateContent>
+        <mc:AlternateContent xmlns:mc="http://schemas.openxmlformats.org/markup-compatibility/2006">
+          <mc:Choice xmlns:p14="http://schemas.microsoft.com/office/powerpoint/2010/main" Requires="p14">
+            <p:contentPart p14:bwMode="auto" r:id="rId8">
+              <p14:nvContentPartPr>
+                <p14:cNvPr id="42" name="Ink 41">
+                  <a:extLst>
+                    <a:ext uri="{FF2B5EF4-FFF2-40B4-BE49-F238E27FC236}">
+                      <a16:creationId xmlns:a16="http://schemas.microsoft.com/office/drawing/2014/main" id="{ED89E5F8-286B-22BE-742E-4F6483B1A1AE}"/>
+                    </a:ext>
+                  </a:extLst>
+                </p14:cNvPr>
+                <p14:cNvContentPartPr/>
+                <p14:nvPr/>
+              </p14:nvContentPartPr>
+              <p14:xfrm>
+                <a:off x="6829647" y="5965241"/>
+                <a:ext cx="43560" cy="121680"/>
+              </p14:xfrm>
+            </p:contentPart>
+          </mc:Choice>
+          <mc:Fallback>
+            <p:pic>
+              <p:nvPicPr>
+                <p:cNvPr id="42" name="Ink 41">
+                  <a:extLst>
+                    <a:ext uri="{FF2B5EF4-FFF2-40B4-BE49-F238E27FC236}">
+                      <a16:creationId xmlns:a16="http://schemas.microsoft.com/office/drawing/2014/main" id="{ED89E5F8-286B-22BE-742E-4F6483B1A1AE}"/>
+                    </a:ext>
+                  </a:extLst>
+                </p:cNvPr>
+                <p:cNvPicPr/>
+                <p:nvPr/>
+              </p:nvPicPr>
+              <p:blipFill>
+                <a:blip r:embed="rId9"/>
+                <a:stretch>
+                  <a:fillRect/>
+                </a:stretch>
+              </p:blipFill>
+              <p:spPr>
+                <a:xfrm>
+                  <a:off x="6821007" y="5956241"/>
+                  <a:ext cx="61200" cy="139320"/>
+                </a:xfrm>
+                <a:prstGeom prst="rect">
+                  <a:avLst/>
+                </a:prstGeom>
+              </p:spPr>
+            </p:pic>
+          </mc:Fallback>
+        </mc:AlternateContent>
+        <mc:AlternateContent xmlns:mc="http://schemas.openxmlformats.org/markup-compatibility/2006">
+          <mc:Choice xmlns:p14="http://schemas.microsoft.com/office/powerpoint/2010/main" Requires="p14">
+            <p:contentPart p14:bwMode="auto" r:id="rId10">
+              <p14:nvContentPartPr>
+                <p14:cNvPr id="43" name="Ink 42">
+                  <a:extLst>
+                    <a:ext uri="{FF2B5EF4-FFF2-40B4-BE49-F238E27FC236}">
+                      <a16:creationId xmlns:a16="http://schemas.microsoft.com/office/drawing/2014/main" id="{7DBDD540-F84B-B1AE-E936-DA432DD2A2F3}"/>
+                    </a:ext>
+                  </a:extLst>
+                </p14:cNvPr>
+                <p14:cNvContentPartPr/>
+                <p14:nvPr/>
+              </p14:nvContentPartPr>
+              <p14:xfrm>
+                <a:off x="6950607" y="5993681"/>
+                <a:ext cx="32760" cy="91080"/>
+              </p14:xfrm>
+            </p:contentPart>
+          </mc:Choice>
+          <mc:Fallback>
+            <p:pic>
+              <p:nvPicPr>
+                <p:cNvPr id="43" name="Ink 42">
+                  <a:extLst>
+                    <a:ext uri="{FF2B5EF4-FFF2-40B4-BE49-F238E27FC236}">
+                      <a16:creationId xmlns:a16="http://schemas.microsoft.com/office/drawing/2014/main" id="{7DBDD540-F84B-B1AE-E936-DA432DD2A2F3}"/>
+                    </a:ext>
+                  </a:extLst>
+                </p:cNvPr>
+                <p:cNvPicPr/>
+                <p:nvPr/>
+              </p:nvPicPr>
+              <p:blipFill>
+                <a:blip r:embed="rId11"/>
+                <a:stretch>
+                  <a:fillRect/>
+                </a:stretch>
+              </p:blipFill>
+              <p:spPr>
+                <a:xfrm>
+                  <a:off x="6941607" y="5985041"/>
+                  <a:ext cx="50400" cy="108720"/>
+                </a:xfrm>
+                <a:prstGeom prst="rect">
+                  <a:avLst/>
+                </a:prstGeom>
+              </p:spPr>
+            </p:pic>
+          </mc:Fallback>
+        </mc:AlternateContent>
+        <mc:AlternateContent xmlns:mc="http://schemas.openxmlformats.org/markup-compatibility/2006">
+          <mc:Choice xmlns:p14="http://schemas.microsoft.com/office/powerpoint/2010/main" Requires="p14">
+            <p:contentPart p14:bwMode="auto" r:id="rId12">
+              <p14:nvContentPartPr>
+                <p14:cNvPr id="44" name="Ink 43">
+                  <a:extLst>
+                    <a:ext uri="{FF2B5EF4-FFF2-40B4-BE49-F238E27FC236}">
+                      <a16:creationId xmlns:a16="http://schemas.microsoft.com/office/drawing/2014/main" id="{48E9F2A2-B2C5-2B14-B484-720C9A26C53D}"/>
+                    </a:ext>
+                  </a:extLst>
+                </p14:cNvPr>
+                <p14:cNvContentPartPr/>
+                <p14:nvPr/>
+              </p14:nvContentPartPr>
+              <p14:xfrm>
+                <a:off x="7070847" y="5974241"/>
+                <a:ext cx="133560" cy="124920"/>
+              </p14:xfrm>
+            </p:contentPart>
+          </mc:Choice>
+          <mc:Fallback>
+            <p:pic>
+              <p:nvPicPr>
+                <p:cNvPr id="44" name="Ink 43">
+                  <a:extLst>
+                    <a:ext uri="{FF2B5EF4-FFF2-40B4-BE49-F238E27FC236}">
+                      <a16:creationId xmlns:a16="http://schemas.microsoft.com/office/drawing/2014/main" id="{48E9F2A2-B2C5-2B14-B484-720C9A26C53D}"/>
+                    </a:ext>
+                  </a:extLst>
+                </p:cNvPr>
+                <p:cNvPicPr/>
+                <p:nvPr/>
+              </p:nvPicPr>
+              <p:blipFill>
+                <a:blip r:embed="rId13"/>
+                <a:stretch>
+                  <a:fillRect/>
+                </a:stretch>
+              </p:blipFill>
+              <p:spPr>
+                <a:xfrm>
+                  <a:off x="7061847" y="5965601"/>
+                  <a:ext cx="151200" cy="142560"/>
+                </a:xfrm>
+                <a:prstGeom prst="rect">
+                  <a:avLst/>
+                </a:prstGeom>
+              </p:spPr>
+            </p:pic>
+          </mc:Fallback>
+        </mc:AlternateContent>
+        <mc:AlternateContent xmlns:mc="http://schemas.openxmlformats.org/markup-compatibility/2006">
+          <mc:Choice xmlns:p14="http://schemas.microsoft.com/office/powerpoint/2010/main" Requires="p14">
+            <p:contentPart p14:bwMode="auto" r:id="rId14">
+              <p14:nvContentPartPr>
+                <p14:cNvPr id="45" name="Ink 44">
+                  <a:extLst>
+                    <a:ext uri="{FF2B5EF4-FFF2-40B4-BE49-F238E27FC236}">
+                      <a16:creationId xmlns:a16="http://schemas.microsoft.com/office/drawing/2014/main" id="{6CB00DB4-C010-919D-4648-6CA189506AD6}"/>
+                    </a:ext>
+                  </a:extLst>
+                </p14:cNvPr>
+                <p14:cNvContentPartPr/>
+                <p14:nvPr/>
+              </p14:nvContentPartPr>
+              <p14:xfrm>
+                <a:off x="6754407" y="6306521"/>
+                <a:ext cx="60480" cy="109080"/>
+              </p14:xfrm>
+            </p:contentPart>
+          </mc:Choice>
+          <mc:Fallback>
+            <p:pic>
+              <p:nvPicPr>
+                <p:cNvPr id="45" name="Ink 44">
+                  <a:extLst>
+                    <a:ext uri="{FF2B5EF4-FFF2-40B4-BE49-F238E27FC236}">
+                      <a16:creationId xmlns:a16="http://schemas.microsoft.com/office/drawing/2014/main" id="{6CB00DB4-C010-919D-4648-6CA189506AD6}"/>
+                    </a:ext>
+                  </a:extLst>
+                </p:cNvPr>
+                <p:cNvPicPr/>
+                <p:nvPr/>
+              </p:nvPicPr>
+              <p:blipFill>
+                <a:blip r:embed="rId15"/>
+                <a:stretch>
+                  <a:fillRect/>
+                </a:stretch>
+              </p:blipFill>
+              <p:spPr>
+                <a:xfrm>
+                  <a:off x="6745767" y="6297881"/>
+                  <a:ext cx="78120" cy="126720"/>
+                </a:xfrm>
+                <a:prstGeom prst="rect">
+                  <a:avLst/>
+                </a:prstGeom>
+              </p:spPr>
+            </p:pic>
+          </mc:Fallback>
+        </mc:AlternateContent>
+        <mc:AlternateContent xmlns:mc="http://schemas.openxmlformats.org/markup-compatibility/2006">
+          <mc:Choice xmlns:p14="http://schemas.microsoft.com/office/powerpoint/2010/main" Requires="p14">
+            <p:contentPart p14:bwMode="auto" r:id="rId16">
+              <p14:nvContentPartPr>
+                <p14:cNvPr id="46" name="Ink 45">
+                  <a:extLst>
+                    <a:ext uri="{FF2B5EF4-FFF2-40B4-BE49-F238E27FC236}">
+                      <a16:creationId xmlns:a16="http://schemas.microsoft.com/office/drawing/2014/main" id="{9DC4B296-4A53-6551-5430-BA313BB17CDC}"/>
+                    </a:ext>
+                  </a:extLst>
+                </p14:cNvPr>
+                <p14:cNvContentPartPr/>
+                <p14:nvPr/>
+              </p14:nvContentPartPr>
+              <p14:xfrm>
+                <a:off x="6895527" y="6235601"/>
+                <a:ext cx="69480" cy="141480"/>
+              </p14:xfrm>
+            </p:contentPart>
+          </mc:Choice>
+          <mc:Fallback>
+            <p:pic>
+              <p:nvPicPr>
+                <p:cNvPr id="46" name="Ink 45">
+                  <a:extLst>
+                    <a:ext uri="{FF2B5EF4-FFF2-40B4-BE49-F238E27FC236}">
+                      <a16:creationId xmlns:a16="http://schemas.microsoft.com/office/drawing/2014/main" id="{9DC4B296-4A53-6551-5430-BA313BB17CDC}"/>
+                    </a:ext>
+                  </a:extLst>
+                </p:cNvPr>
+                <p:cNvPicPr/>
+                <p:nvPr/>
+              </p:nvPicPr>
+              <p:blipFill>
+                <a:blip r:embed="rId17"/>
+                <a:stretch>
+                  <a:fillRect/>
+                </a:stretch>
+              </p:blipFill>
+              <p:spPr>
+                <a:xfrm>
+                  <a:off x="6886527" y="6226601"/>
+                  <a:ext cx="87120" cy="159120"/>
+                </a:xfrm>
+                <a:prstGeom prst="rect">
+                  <a:avLst/>
+                </a:prstGeom>
+              </p:spPr>
+            </p:pic>
+          </mc:Fallback>
+        </mc:AlternateContent>
+        <mc:AlternateContent xmlns:mc="http://schemas.openxmlformats.org/markup-compatibility/2006">
+          <mc:Choice xmlns:p14="http://schemas.microsoft.com/office/powerpoint/2010/main" Requires="p14">
+            <p:contentPart p14:bwMode="auto" r:id="rId18">
+              <p14:nvContentPartPr>
+                <p14:cNvPr id="47" name="Ink 46">
+                  <a:extLst>
+                    <a:ext uri="{FF2B5EF4-FFF2-40B4-BE49-F238E27FC236}">
+                      <a16:creationId xmlns:a16="http://schemas.microsoft.com/office/drawing/2014/main" id="{618751CA-B34A-B320-FB30-B1807EA2A018}"/>
+                    </a:ext>
+                  </a:extLst>
+                </p14:cNvPr>
+                <p14:cNvContentPartPr/>
+                <p14:nvPr/>
+              </p14:nvContentPartPr>
+              <p14:xfrm>
+                <a:off x="7048167" y="6250721"/>
+                <a:ext cx="81360" cy="92520"/>
+              </p14:xfrm>
+            </p:contentPart>
+          </mc:Choice>
+          <mc:Fallback>
+            <p:pic>
+              <p:nvPicPr>
+                <p:cNvPr id="47" name="Ink 46">
+                  <a:extLst>
+                    <a:ext uri="{FF2B5EF4-FFF2-40B4-BE49-F238E27FC236}">
+                      <a16:creationId xmlns:a16="http://schemas.microsoft.com/office/drawing/2014/main" id="{618751CA-B34A-B320-FB30-B1807EA2A018}"/>
+                    </a:ext>
+                  </a:extLst>
+                </p:cNvPr>
+                <p:cNvPicPr/>
+                <p:nvPr/>
+              </p:nvPicPr>
+              <p:blipFill>
+                <a:blip r:embed="rId19"/>
+                <a:stretch>
+                  <a:fillRect/>
+                </a:stretch>
+              </p:blipFill>
+              <p:spPr>
+                <a:xfrm>
+                  <a:off x="7039167" y="6241721"/>
+                  <a:ext cx="99000" cy="110160"/>
+                </a:xfrm>
+                <a:prstGeom prst="rect">
+                  <a:avLst/>
+                </a:prstGeom>
+              </p:spPr>
+            </p:pic>
+          </mc:Fallback>
+        </mc:AlternateContent>
+        <mc:AlternateContent xmlns:mc="http://schemas.openxmlformats.org/markup-compatibility/2006">
+          <mc:Choice xmlns:p14="http://schemas.microsoft.com/office/powerpoint/2010/main" Requires="p14">
+            <p:contentPart p14:bwMode="auto" r:id="rId20">
+              <p14:nvContentPartPr>
+                <p14:cNvPr id="48" name="Ink 47">
+                  <a:extLst>
+                    <a:ext uri="{FF2B5EF4-FFF2-40B4-BE49-F238E27FC236}">
+                      <a16:creationId xmlns:a16="http://schemas.microsoft.com/office/drawing/2014/main" id="{B2DBF7E0-95B9-77C0-7B03-5E57123C54CA}"/>
+                    </a:ext>
+                  </a:extLst>
+                </p14:cNvPr>
+                <p14:cNvContentPartPr/>
+                <p14:nvPr/>
+              </p14:nvContentPartPr>
+              <p14:xfrm>
+                <a:off x="7218807" y="6227681"/>
+                <a:ext cx="95040" cy="150480"/>
+              </p14:xfrm>
+            </p:contentPart>
+          </mc:Choice>
+          <mc:Fallback>
+            <p:pic>
+              <p:nvPicPr>
+                <p:cNvPr id="48" name="Ink 47">
+                  <a:extLst>
+                    <a:ext uri="{FF2B5EF4-FFF2-40B4-BE49-F238E27FC236}">
+                      <a16:creationId xmlns:a16="http://schemas.microsoft.com/office/drawing/2014/main" id="{B2DBF7E0-95B9-77C0-7B03-5E57123C54CA}"/>
+                    </a:ext>
+                  </a:extLst>
+                </p:cNvPr>
+                <p:cNvPicPr/>
+                <p:nvPr/>
+              </p:nvPicPr>
+              <p:blipFill>
+                <a:blip r:embed="rId21"/>
+                <a:stretch>
+                  <a:fillRect/>
+                </a:stretch>
+              </p:blipFill>
+              <p:spPr>
+                <a:xfrm>
+                  <a:off x="7209807" y="6219041"/>
+                  <a:ext cx="112680" cy="168120"/>
+                </a:xfrm>
+                <a:prstGeom prst="rect">
+                  <a:avLst/>
+                </a:prstGeom>
+              </p:spPr>
+            </p:pic>
+          </mc:Fallback>
+        </mc:AlternateContent>
+        <mc:AlternateContent xmlns:mc="http://schemas.openxmlformats.org/markup-compatibility/2006">
+          <mc:Choice xmlns:p14="http://schemas.microsoft.com/office/powerpoint/2010/main" Requires="p14">
+            <p:contentPart p14:bwMode="auto" r:id="rId22">
+              <p14:nvContentPartPr>
+                <p14:cNvPr id="49" name="Ink 48">
+                  <a:extLst>
+                    <a:ext uri="{FF2B5EF4-FFF2-40B4-BE49-F238E27FC236}">
+                      <a16:creationId xmlns:a16="http://schemas.microsoft.com/office/drawing/2014/main" id="{5E1E3273-055C-D507-432A-96F59353445E}"/>
+                    </a:ext>
+                  </a:extLst>
+                </p14:cNvPr>
+                <p14:cNvContentPartPr/>
+                <p14:nvPr/>
+              </p14:nvContentPartPr>
+              <p14:xfrm>
+                <a:off x="6771687" y="6575801"/>
+                <a:ext cx="63360" cy="140760"/>
+              </p14:xfrm>
+            </p:contentPart>
+          </mc:Choice>
+          <mc:Fallback>
+            <p:pic>
+              <p:nvPicPr>
+                <p:cNvPr id="49" name="Ink 48">
+                  <a:extLst>
+                    <a:ext uri="{FF2B5EF4-FFF2-40B4-BE49-F238E27FC236}">
+                      <a16:creationId xmlns:a16="http://schemas.microsoft.com/office/drawing/2014/main" id="{5E1E3273-055C-D507-432A-96F59353445E}"/>
+                    </a:ext>
+                  </a:extLst>
+                </p:cNvPr>
+                <p:cNvPicPr/>
+                <p:nvPr/>
+              </p:nvPicPr>
+              <p:blipFill>
+                <a:blip r:embed="rId23"/>
+                <a:stretch>
+                  <a:fillRect/>
+                </a:stretch>
+              </p:blipFill>
+              <p:spPr>
+                <a:xfrm>
+                  <a:off x="6762687" y="6567161"/>
+                  <a:ext cx="81000" cy="158400"/>
+                </a:xfrm>
+                <a:prstGeom prst="rect">
+                  <a:avLst/>
+                </a:prstGeom>
+              </p:spPr>
+            </p:pic>
+          </mc:Fallback>
+        </mc:AlternateContent>
+        <mc:AlternateContent xmlns:mc="http://schemas.openxmlformats.org/markup-compatibility/2006">
+          <mc:Choice xmlns:p14="http://schemas.microsoft.com/office/powerpoint/2010/main" Requires="p14">
+            <p:contentPart p14:bwMode="auto" r:id="rId24">
+              <p14:nvContentPartPr>
+                <p14:cNvPr id="50" name="Ink 49">
+                  <a:extLst>
+                    <a:ext uri="{FF2B5EF4-FFF2-40B4-BE49-F238E27FC236}">
+                      <a16:creationId xmlns:a16="http://schemas.microsoft.com/office/drawing/2014/main" id="{7B1DC9D7-3435-100C-B0BC-5A453280F550}"/>
+                    </a:ext>
+                  </a:extLst>
+                </p14:cNvPr>
+                <p14:cNvContentPartPr/>
+                <p14:nvPr/>
+              </p14:nvContentPartPr>
+              <p14:xfrm>
+                <a:off x="6881487" y="6523961"/>
+                <a:ext cx="78840" cy="55440"/>
+              </p14:xfrm>
+            </p:contentPart>
+          </mc:Choice>
+          <mc:Fallback>
+            <p:pic>
+              <p:nvPicPr>
+                <p:cNvPr id="50" name="Ink 49">
+                  <a:extLst>
+                    <a:ext uri="{FF2B5EF4-FFF2-40B4-BE49-F238E27FC236}">
+                      <a16:creationId xmlns:a16="http://schemas.microsoft.com/office/drawing/2014/main" id="{7B1DC9D7-3435-100C-B0BC-5A453280F550}"/>
+                    </a:ext>
+                  </a:extLst>
+                </p:cNvPr>
+                <p:cNvPicPr/>
+                <p:nvPr/>
+              </p:nvPicPr>
+              <p:blipFill>
+                <a:blip r:embed="rId25"/>
+                <a:stretch>
+                  <a:fillRect/>
+                </a:stretch>
+              </p:blipFill>
+              <p:spPr>
+                <a:xfrm>
+                  <a:off x="6872487" y="6515321"/>
+                  <a:ext cx="96480" cy="73080"/>
+                </a:xfrm>
+                <a:prstGeom prst="rect">
+                  <a:avLst/>
+                </a:prstGeom>
+              </p:spPr>
+            </p:pic>
+          </mc:Fallback>
+        </mc:AlternateContent>
+        <mc:AlternateContent xmlns:mc="http://schemas.openxmlformats.org/markup-compatibility/2006">
+          <mc:Choice xmlns:p14="http://schemas.microsoft.com/office/powerpoint/2010/main" Requires="p14">
+            <p:contentPart p14:bwMode="auto" r:id="rId26">
+              <p14:nvContentPartPr>
+                <p14:cNvPr id="51" name="Ink 50">
+                  <a:extLst>
+                    <a:ext uri="{FF2B5EF4-FFF2-40B4-BE49-F238E27FC236}">
+                      <a16:creationId xmlns:a16="http://schemas.microsoft.com/office/drawing/2014/main" id="{17C500C5-B335-1278-1967-E138618DAC62}"/>
+                    </a:ext>
+                  </a:extLst>
+                </p14:cNvPr>
+                <p14:cNvContentPartPr/>
+                <p14:nvPr/>
+              </p14:nvContentPartPr>
+              <p14:xfrm>
+                <a:off x="6904527" y="6529361"/>
+                <a:ext cx="220320" cy="159480"/>
+              </p14:xfrm>
+            </p:contentPart>
+          </mc:Choice>
+          <mc:Fallback>
+            <p:pic>
+              <p:nvPicPr>
+                <p:cNvPr id="51" name="Ink 50">
+                  <a:extLst>
+                    <a:ext uri="{FF2B5EF4-FFF2-40B4-BE49-F238E27FC236}">
+                      <a16:creationId xmlns:a16="http://schemas.microsoft.com/office/drawing/2014/main" id="{17C500C5-B335-1278-1967-E138618DAC62}"/>
+                    </a:ext>
+                  </a:extLst>
+                </p:cNvPr>
+                <p:cNvPicPr/>
+                <p:nvPr/>
+              </p:nvPicPr>
+              <p:blipFill>
+                <a:blip r:embed="rId27"/>
+                <a:stretch>
+                  <a:fillRect/>
+                </a:stretch>
+              </p:blipFill>
+              <p:spPr>
+                <a:xfrm>
+                  <a:off x="6895527" y="6520721"/>
+                  <a:ext cx="237960" cy="177120"/>
+                </a:xfrm>
+                <a:prstGeom prst="rect">
+                  <a:avLst/>
+                </a:prstGeom>
+              </p:spPr>
+            </p:pic>
+          </mc:Fallback>
+        </mc:AlternateContent>
+        <mc:AlternateContent xmlns:mc="http://schemas.openxmlformats.org/markup-compatibility/2006">
+          <mc:Choice xmlns:p14="http://schemas.microsoft.com/office/powerpoint/2010/main" Requires="p14">
+            <p:contentPart p14:bwMode="auto" r:id="rId28">
+              <p14:nvContentPartPr>
+                <p14:cNvPr id="52" name="Ink 51">
+                  <a:extLst>
+                    <a:ext uri="{FF2B5EF4-FFF2-40B4-BE49-F238E27FC236}">
+                      <a16:creationId xmlns:a16="http://schemas.microsoft.com/office/drawing/2014/main" id="{C449B177-AB8D-89E9-AC83-521955D9AD17}"/>
+                    </a:ext>
+                  </a:extLst>
+                </p14:cNvPr>
+                <p14:cNvContentPartPr/>
+                <p14:nvPr/>
+              </p14:nvContentPartPr>
+              <p14:xfrm>
+                <a:off x="7178847" y="6552041"/>
+                <a:ext cx="81360" cy="55080"/>
+              </p14:xfrm>
+            </p:contentPart>
+          </mc:Choice>
+          <mc:Fallback>
+            <p:pic>
+              <p:nvPicPr>
+                <p:cNvPr id="52" name="Ink 51">
+                  <a:extLst>
+                    <a:ext uri="{FF2B5EF4-FFF2-40B4-BE49-F238E27FC236}">
+                      <a16:creationId xmlns:a16="http://schemas.microsoft.com/office/drawing/2014/main" id="{C449B177-AB8D-89E9-AC83-521955D9AD17}"/>
+                    </a:ext>
+                  </a:extLst>
+                </p:cNvPr>
+                <p:cNvPicPr/>
+                <p:nvPr/>
+              </p:nvPicPr>
+              <p:blipFill>
+                <a:blip r:embed="rId29"/>
+                <a:stretch>
+                  <a:fillRect/>
+                </a:stretch>
+              </p:blipFill>
+              <p:spPr>
+                <a:xfrm>
+                  <a:off x="7170207" y="6543041"/>
+                  <a:ext cx="99000" cy="72720"/>
+                </a:xfrm>
+                <a:prstGeom prst="rect">
+                  <a:avLst/>
+                </a:prstGeom>
+              </p:spPr>
+            </p:pic>
+          </mc:Fallback>
+        </mc:AlternateContent>
+        <mc:AlternateContent xmlns:mc="http://schemas.openxmlformats.org/markup-compatibility/2006">
+          <mc:Choice xmlns:p14="http://schemas.microsoft.com/office/powerpoint/2010/main" Requires="p14">
+            <p:contentPart p14:bwMode="auto" r:id="rId30">
+              <p14:nvContentPartPr>
+                <p14:cNvPr id="53" name="Ink 52">
+                  <a:extLst>
+                    <a:ext uri="{FF2B5EF4-FFF2-40B4-BE49-F238E27FC236}">
+                      <a16:creationId xmlns:a16="http://schemas.microsoft.com/office/drawing/2014/main" id="{31B3D2AC-5246-4013-7D82-3DA7A1383521}"/>
+                    </a:ext>
+                  </a:extLst>
+                </p14:cNvPr>
+                <p14:cNvContentPartPr/>
+                <p14:nvPr/>
+              </p14:nvContentPartPr>
+              <p14:xfrm>
+                <a:off x="7225647" y="6548081"/>
+                <a:ext cx="17640" cy="78480"/>
+              </p14:xfrm>
+            </p:contentPart>
+          </mc:Choice>
+          <mc:Fallback>
+            <p:pic>
+              <p:nvPicPr>
+                <p:cNvPr id="53" name="Ink 52">
+                  <a:extLst>
+                    <a:ext uri="{FF2B5EF4-FFF2-40B4-BE49-F238E27FC236}">
+                      <a16:creationId xmlns:a16="http://schemas.microsoft.com/office/drawing/2014/main" id="{31B3D2AC-5246-4013-7D82-3DA7A1383521}"/>
+                    </a:ext>
+                  </a:extLst>
+                </p:cNvPr>
+                <p:cNvPicPr/>
+                <p:nvPr/>
+              </p:nvPicPr>
+              <p:blipFill>
+                <a:blip r:embed="rId31"/>
+                <a:stretch>
+                  <a:fillRect/>
+                </a:stretch>
+              </p:blipFill>
+              <p:spPr>
+                <a:xfrm>
+                  <a:off x="7216647" y="6539441"/>
+                  <a:ext cx="35280" cy="96120"/>
+                </a:xfrm>
+                <a:prstGeom prst="rect">
+                  <a:avLst/>
+                </a:prstGeom>
+              </p:spPr>
+            </p:pic>
+          </mc:Fallback>
+        </mc:AlternateContent>
+        <mc:AlternateContent xmlns:mc="http://schemas.openxmlformats.org/markup-compatibility/2006">
+          <mc:Choice xmlns:p14="http://schemas.microsoft.com/office/powerpoint/2010/main" Requires="p14">
+            <p:contentPart p14:bwMode="auto" r:id="rId32">
+              <p14:nvContentPartPr>
+                <p14:cNvPr id="37" name="Ink 36">
+                  <a:extLst>
+                    <a:ext uri="{FF2B5EF4-FFF2-40B4-BE49-F238E27FC236}">
+                      <a16:creationId xmlns:a16="http://schemas.microsoft.com/office/drawing/2014/main" id="{10BACD14-469D-8D24-B16F-68DD68B4F7D5}"/>
+                    </a:ext>
+                  </a:extLst>
+                </p14:cNvPr>
+                <p14:cNvContentPartPr/>
+                <p14:nvPr/>
+              </p14:nvContentPartPr>
+              <p14:xfrm>
+                <a:off x="6639927" y="5612081"/>
+                <a:ext cx="103320" cy="139680"/>
+              </p14:xfrm>
+            </p:contentPart>
+          </mc:Choice>
+          <mc:Fallback>
+            <p:pic>
+              <p:nvPicPr>
+                <p:cNvPr id="37" name="Ink 36">
+                  <a:extLst>
+                    <a:ext uri="{FF2B5EF4-FFF2-40B4-BE49-F238E27FC236}">
+                      <a16:creationId xmlns:a16="http://schemas.microsoft.com/office/drawing/2014/main" id="{10BACD14-469D-8D24-B16F-68DD68B4F7D5}"/>
+                    </a:ext>
+                  </a:extLst>
+                </p:cNvPr>
+                <p:cNvPicPr/>
+                <p:nvPr/>
+              </p:nvPicPr>
+              <p:blipFill>
+                <a:blip r:embed="rId33"/>
+                <a:stretch>
+                  <a:fillRect/>
+                </a:stretch>
+              </p:blipFill>
+              <p:spPr>
+                <a:xfrm>
+                  <a:off x="6630927" y="5603081"/>
+                  <a:ext cx="120960" cy="157320"/>
+                </a:xfrm>
+                <a:prstGeom prst="rect">
+                  <a:avLst/>
+                </a:prstGeom>
+              </p:spPr>
+            </p:pic>
+          </mc:Fallback>
+        </mc:AlternateContent>
+        <mc:AlternateContent xmlns:mc="http://schemas.openxmlformats.org/markup-compatibility/2006">
+          <mc:Choice xmlns:p14="http://schemas.microsoft.com/office/powerpoint/2010/main" Requires="p14">
+            <p:contentPart p14:bwMode="auto" r:id="rId34">
+              <p14:nvContentPartPr>
+                <p14:cNvPr id="38" name="Ink 37">
+                  <a:extLst>
+                    <a:ext uri="{FF2B5EF4-FFF2-40B4-BE49-F238E27FC236}">
+                      <a16:creationId xmlns:a16="http://schemas.microsoft.com/office/drawing/2014/main" id="{7B9F5D8B-4454-ABBC-B6C5-8F2819CED587}"/>
+                    </a:ext>
+                  </a:extLst>
+                </p14:cNvPr>
+                <p14:cNvContentPartPr/>
+                <p14:nvPr/>
+              </p14:nvContentPartPr>
+              <p14:xfrm>
+                <a:off x="6779967" y="5608841"/>
+                <a:ext cx="51120" cy="16920"/>
+              </p14:xfrm>
+            </p:contentPart>
+          </mc:Choice>
+          <mc:Fallback>
+            <p:pic>
+              <p:nvPicPr>
+                <p:cNvPr id="38" name="Ink 37">
+                  <a:extLst>
+                    <a:ext uri="{FF2B5EF4-FFF2-40B4-BE49-F238E27FC236}">
+                      <a16:creationId xmlns:a16="http://schemas.microsoft.com/office/drawing/2014/main" id="{7B9F5D8B-4454-ABBC-B6C5-8F2819CED587}"/>
+                    </a:ext>
+                  </a:extLst>
+                </p:cNvPr>
+                <p:cNvPicPr/>
+                <p:nvPr/>
+              </p:nvPicPr>
+              <p:blipFill>
+                <a:blip r:embed="rId35"/>
+                <a:stretch>
+                  <a:fillRect/>
+                </a:stretch>
+              </p:blipFill>
+              <p:spPr>
+                <a:xfrm>
+                  <a:off x="6770967" y="5599841"/>
+                  <a:ext cx="68760" cy="34560"/>
+                </a:xfrm>
+                <a:prstGeom prst="rect">
+                  <a:avLst/>
+                </a:prstGeom>
+              </p:spPr>
+            </p:pic>
+          </mc:Fallback>
+        </mc:AlternateContent>
+        <mc:AlternateContent xmlns:mc="http://schemas.openxmlformats.org/markup-compatibility/2006">
+          <mc:Choice xmlns:p14="http://schemas.microsoft.com/office/powerpoint/2010/main" Requires="p14">
+            <p:contentPart p14:bwMode="auto" r:id="rId36">
+              <p14:nvContentPartPr>
+                <p14:cNvPr id="39" name="Ink 38">
+                  <a:extLst>
+                    <a:ext uri="{FF2B5EF4-FFF2-40B4-BE49-F238E27FC236}">
+                      <a16:creationId xmlns:a16="http://schemas.microsoft.com/office/drawing/2014/main" id="{2C4D7145-B161-E6B7-BF8D-9EFA3781424A}"/>
+                    </a:ext>
+                  </a:extLst>
+                </p14:cNvPr>
+                <p14:cNvContentPartPr/>
+                <p14:nvPr/>
+              </p14:nvContentPartPr>
+              <p14:xfrm>
+                <a:off x="6815967" y="5620001"/>
+                <a:ext cx="170280" cy="158760"/>
+              </p14:xfrm>
+            </p:contentPart>
+          </mc:Choice>
+          <mc:Fallback>
+            <p:pic>
+              <p:nvPicPr>
+                <p:cNvPr id="39" name="Ink 38">
+                  <a:extLst>
+                    <a:ext uri="{FF2B5EF4-FFF2-40B4-BE49-F238E27FC236}">
+                      <a16:creationId xmlns:a16="http://schemas.microsoft.com/office/drawing/2014/main" id="{2C4D7145-B161-E6B7-BF8D-9EFA3781424A}"/>
+                    </a:ext>
+                  </a:extLst>
+                </p:cNvPr>
+                <p:cNvPicPr/>
+                <p:nvPr/>
+              </p:nvPicPr>
+              <p:blipFill>
+                <a:blip r:embed="rId37"/>
+                <a:stretch>
+                  <a:fillRect/>
+                </a:stretch>
+              </p:blipFill>
+              <p:spPr>
+                <a:xfrm>
+                  <a:off x="6806967" y="5611361"/>
+                  <a:ext cx="187920" cy="176400"/>
+                </a:xfrm>
+                <a:prstGeom prst="rect">
+                  <a:avLst/>
+                </a:prstGeom>
+              </p:spPr>
+            </p:pic>
+          </mc:Fallback>
+        </mc:AlternateContent>
+        <mc:AlternateContent xmlns:mc="http://schemas.openxmlformats.org/markup-compatibility/2006">
+          <mc:Choice xmlns:p14="http://schemas.microsoft.com/office/powerpoint/2010/main" Requires="p14">
+            <p:contentPart p14:bwMode="auto" r:id="rId38">
+              <p14:nvContentPartPr>
+                <p14:cNvPr id="40" name="Ink 39">
+                  <a:extLst>
+                    <a:ext uri="{FF2B5EF4-FFF2-40B4-BE49-F238E27FC236}">
+                      <a16:creationId xmlns:a16="http://schemas.microsoft.com/office/drawing/2014/main" id="{7B376BB5-E864-3671-C69C-0D64B34662CC}"/>
+                    </a:ext>
+                  </a:extLst>
+                </p14:cNvPr>
+                <p14:cNvContentPartPr/>
+                <p14:nvPr/>
+              </p14:nvContentPartPr>
+              <p14:xfrm>
+                <a:off x="7064367" y="5591921"/>
+                <a:ext cx="19440" cy="150840"/>
+              </p14:xfrm>
+            </p:contentPart>
+          </mc:Choice>
+          <mc:Fallback>
+            <p:pic>
+              <p:nvPicPr>
+                <p:cNvPr id="40" name="Ink 39">
+                  <a:extLst>
+                    <a:ext uri="{FF2B5EF4-FFF2-40B4-BE49-F238E27FC236}">
+                      <a16:creationId xmlns:a16="http://schemas.microsoft.com/office/drawing/2014/main" id="{7B376BB5-E864-3671-C69C-0D64B34662CC}"/>
+                    </a:ext>
+                  </a:extLst>
+                </p:cNvPr>
+                <p:cNvPicPr/>
+                <p:nvPr/>
+              </p:nvPicPr>
+              <p:blipFill>
+                <a:blip r:embed="rId39"/>
+                <a:stretch>
+                  <a:fillRect/>
+                </a:stretch>
+              </p:blipFill>
+              <p:spPr>
+                <a:xfrm>
+                  <a:off x="7055367" y="5583281"/>
+                  <a:ext cx="37080" cy="168480"/>
+                </a:xfrm>
+                <a:prstGeom prst="rect">
+                  <a:avLst/>
+                </a:prstGeom>
+              </p:spPr>
+            </p:pic>
+          </mc:Fallback>
+        </mc:AlternateContent>
+        <mc:AlternateContent xmlns:mc="http://schemas.openxmlformats.org/markup-compatibility/2006">
+          <mc:Choice xmlns:p14="http://schemas.microsoft.com/office/powerpoint/2010/main" Requires="p14">
+            <p:contentPart p14:bwMode="auto" r:id="rId40">
+              <p14:nvContentPartPr>
+                <p14:cNvPr id="4" name="Ink 3">
+                  <a:extLst>
+                    <a:ext uri="{FF2B5EF4-FFF2-40B4-BE49-F238E27FC236}">
+                      <a16:creationId xmlns:a16="http://schemas.microsoft.com/office/drawing/2014/main" id="{D3A190F0-494B-243A-8728-9536F3C585BA}"/>
+                    </a:ext>
+                  </a:extLst>
+                </p14:cNvPr>
+                <p14:cNvContentPartPr/>
+                <p14:nvPr/>
+              </p14:nvContentPartPr>
+              <p14:xfrm>
+                <a:off x="4086807" y="3957161"/>
+                <a:ext cx="122760" cy="266760"/>
+              </p14:xfrm>
+            </p:contentPart>
+          </mc:Choice>
+          <mc:Fallback>
+            <p:pic>
+              <p:nvPicPr>
+                <p:cNvPr id="4" name="Ink 3">
+                  <a:extLst>
+                    <a:ext uri="{FF2B5EF4-FFF2-40B4-BE49-F238E27FC236}">
+                      <a16:creationId xmlns:a16="http://schemas.microsoft.com/office/drawing/2014/main" id="{D3A190F0-494B-243A-8728-9536F3C585BA}"/>
+                    </a:ext>
+                  </a:extLst>
+                </p:cNvPr>
+                <p:cNvPicPr/>
+                <p:nvPr/>
+              </p:nvPicPr>
+              <p:blipFill>
+                <a:blip r:embed="rId41"/>
+                <a:stretch>
+                  <a:fillRect/>
+                </a:stretch>
+              </p:blipFill>
+              <p:spPr>
+                <a:xfrm>
+                  <a:off x="4078167" y="3948521"/>
+                  <a:ext cx="140400" cy="284400"/>
+                </a:xfrm>
+                <a:prstGeom prst="rect">
+                  <a:avLst/>
+                </a:prstGeom>
+              </p:spPr>
+            </p:pic>
+          </mc:Fallback>
+        </mc:AlternateContent>
+        <mc:AlternateContent xmlns:mc="http://schemas.openxmlformats.org/markup-compatibility/2006">
+          <mc:Choice xmlns:p14="http://schemas.microsoft.com/office/powerpoint/2010/main" Requires="p14">
+            <p:contentPart p14:bwMode="auto" r:id="rId42">
+              <p14:nvContentPartPr>
+                <p14:cNvPr id="5" name="Ink 4">
+                  <a:extLst>
+                    <a:ext uri="{FF2B5EF4-FFF2-40B4-BE49-F238E27FC236}">
+                      <a16:creationId xmlns:a16="http://schemas.microsoft.com/office/drawing/2014/main" id="{4697A6A1-7A05-3C29-BF8C-66C50A2B4A95}"/>
+                    </a:ext>
+                  </a:extLst>
+                </p14:cNvPr>
+                <p14:cNvContentPartPr/>
+                <p14:nvPr/>
+              </p14:nvContentPartPr>
+              <p14:xfrm>
+                <a:off x="4278327" y="3972641"/>
+                <a:ext cx="101880" cy="205200"/>
+              </p14:xfrm>
+            </p:contentPart>
+          </mc:Choice>
+          <mc:Fallback>
+            <p:pic>
+              <p:nvPicPr>
+                <p:cNvPr id="5" name="Ink 4">
+                  <a:extLst>
+                    <a:ext uri="{FF2B5EF4-FFF2-40B4-BE49-F238E27FC236}">
+                      <a16:creationId xmlns:a16="http://schemas.microsoft.com/office/drawing/2014/main" id="{4697A6A1-7A05-3C29-BF8C-66C50A2B4A95}"/>
+                    </a:ext>
+                  </a:extLst>
+                </p:cNvPr>
+                <p:cNvPicPr/>
+                <p:nvPr/>
+              </p:nvPicPr>
+              <p:blipFill>
+                <a:blip r:embed="rId43"/>
+                <a:stretch>
+                  <a:fillRect/>
+                </a:stretch>
+              </p:blipFill>
+              <p:spPr>
+                <a:xfrm>
+                  <a:off x="4269327" y="3963641"/>
+                  <a:ext cx="119520" cy="222840"/>
+                </a:xfrm>
+                <a:prstGeom prst="rect">
+                  <a:avLst/>
+                </a:prstGeom>
+              </p:spPr>
+            </p:pic>
+          </mc:Fallback>
+        </mc:AlternateContent>
+        <mc:AlternateContent xmlns:mc="http://schemas.openxmlformats.org/markup-compatibility/2006">
+          <mc:Choice xmlns:p14="http://schemas.microsoft.com/office/powerpoint/2010/main" Requires="p14">
+            <p:contentPart p14:bwMode="auto" r:id="rId44">
+              <p14:nvContentPartPr>
+                <p14:cNvPr id="6" name="Ink 5">
+                  <a:extLst>
+                    <a:ext uri="{FF2B5EF4-FFF2-40B4-BE49-F238E27FC236}">
+                      <a16:creationId xmlns:a16="http://schemas.microsoft.com/office/drawing/2014/main" id="{B0C8CBCA-AB6D-E426-099D-B0270F4D8452}"/>
+                    </a:ext>
+                  </a:extLst>
+                </p14:cNvPr>
+                <p14:cNvContentPartPr/>
+                <p14:nvPr/>
+              </p14:nvContentPartPr>
+              <p14:xfrm>
+                <a:off x="4479207" y="3924761"/>
+                <a:ext cx="127800" cy="275760"/>
+              </p14:xfrm>
+            </p:contentPart>
+          </mc:Choice>
+          <mc:Fallback>
+            <p:pic>
+              <p:nvPicPr>
+                <p:cNvPr id="6" name="Ink 5">
+                  <a:extLst>
+                    <a:ext uri="{FF2B5EF4-FFF2-40B4-BE49-F238E27FC236}">
+                      <a16:creationId xmlns:a16="http://schemas.microsoft.com/office/drawing/2014/main" id="{B0C8CBCA-AB6D-E426-099D-B0270F4D8452}"/>
+                    </a:ext>
+                  </a:extLst>
+                </p:cNvPr>
+                <p:cNvPicPr/>
+                <p:nvPr/>
+              </p:nvPicPr>
+              <p:blipFill>
+                <a:blip r:embed="rId45"/>
+                <a:stretch>
+                  <a:fillRect/>
+                </a:stretch>
+              </p:blipFill>
+              <p:spPr>
+                <a:xfrm>
+                  <a:off x="4470567" y="3915761"/>
+                  <a:ext cx="145440" cy="293400"/>
+                </a:xfrm>
+                <a:prstGeom prst="rect">
+                  <a:avLst/>
+                </a:prstGeom>
+              </p:spPr>
+            </p:pic>
+          </mc:Fallback>
+        </mc:AlternateContent>
+        <mc:AlternateContent xmlns:mc="http://schemas.openxmlformats.org/markup-compatibility/2006">
+          <mc:Choice xmlns:p14="http://schemas.microsoft.com/office/powerpoint/2010/main" Requires="p14">
+            <p:contentPart p14:bwMode="auto" r:id="rId46">
+              <p14:nvContentPartPr>
+                <p14:cNvPr id="7" name="Ink 6">
+                  <a:extLst>
+                    <a:ext uri="{FF2B5EF4-FFF2-40B4-BE49-F238E27FC236}">
+                      <a16:creationId xmlns:a16="http://schemas.microsoft.com/office/drawing/2014/main" id="{0AD00E67-AD72-577A-91B7-24CECCEC6F66}"/>
+                    </a:ext>
+                  </a:extLst>
+                </p14:cNvPr>
+                <p14:cNvContentPartPr/>
+                <p14:nvPr/>
+              </p14:nvContentPartPr>
+              <p14:xfrm>
+                <a:off x="4782687" y="3904601"/>
+                <a:ext cx="38880" cy="266040"/>
+              </p14:xfrm>
+            </p:contentPart>
+          </mc:Choice>
+          <mc:Fallback>
+            <p:pic>
+              <p:nvPicPr>
+                <p:cNvPr id="7" name="Ink 6">
+                  <a:extLst>
+                    <a:ext uri="{FF2B5EF4-FFF2-40B4-BE49-F238E27FC236}">
+                      <a16:creationId xmlns:a16="http://schemas.microsoft.com/office/drawing/2014/main" id="{0AD00E67-AD72-577A-91B7-24CECCEC6F66}"/>
+                    </a:ext>
+                  </a:extLst>
+                </p:cNvPr>
+                <p:cNvPicPr/>
+                <p:nvPr/>
+              </p:nvPicPr>
+              <p:blipFill>
+                <a:blip r:embed="rId47"/>
+                <a:stretch>
+                  <a:fillRect/>
+                </a:stretch>
+              </p:blipFill>
+              <p:spPr>
+                <a:xfrm>
+                  <a:off x="4774047" y="3895601"/>
+                  <a:ext cx="56520" cy="283680"/>
+                </a:xfrm>
+                <a:prstGeom prst="rect">
+                  <a:avLst/>
+                </a:prstGeom>
+              </p:spPr>
+            </p:pic>
+          </mc:Fallback>
+        </mc:AlternateContent>
+        <mc:AlternateContent xmlns:mc="http://schemas.openxmlformats.org/markup-compatibility/2006">
+          <mc:Choice xmlns:p14="http://schemas.microsoft.com/office/powerpoint/2010/main" Requires="p14">
+            <p:contentPart p14:bwMode="auto" r:id="rId48">
+              <p14:nvContentPartPr>
+                <p14:cNvPr id="8" name="Ink 7">
+                  <a:extLst>
+                    <a:ext uri="{FF2B5EF4-FFF2-40B4-BE49-F238E27FC236}">
+                      <a16:creationId xmlns:a16="http://schemas.microsoft.com/office/drawing/2014/main" id="{D31E4F16-0460-09D2-FA80-4F671D7EE1A7}"/>
+                    </a:ext>
+                  </a:extLst>
+                </p14:cNvPr>
+                <p14:cNvContentPartPr/>
+                <p14:nvPr/>
+              </p14:nvContentPartPr>
+              <p14:xfrm>
+                <a:off x="4125327" y="4513001"/>
+                <a:ext cx="163080" cy="201600"/>
+              </p14:xfrm>
+            </p:contentPart>
+          </mc:Choice>
+          <mc:Fallback>
+            <p:pic>
+              <p:nvPicPr>
+                <p:cNvPr id="8" name="Ink 7">
+                  <a:extLst>
+                    <a:ext uri="{FF2B5EF4-FFF2-40B4-BE49-F238E27FC236}">
+                      <a16:creationId xmlns:a16="http://schemas.microsoft.com/office/drawing/2014/main" id="{D31E4F16-0460-09D2-FA80-4F671D7EE1A7}"/>
+                    </a:ext>
+                  </a:extLst>
+                </p:cNvPr>
+                <p:cNvPicPr/>
+                <p:nvPr/>
+              </p:nvPicPr>
+              <p:blipFill>
+                <a:blip r:embed="rId49"/>
+                <a:stretch>
+                  <a:fillRect/>
+                </a:stretch>
+              </p:blipFill>
+              <p:spPr>
+                <a:xfrm>
+                  <a:off x="4116327" y="4504001"/>
+                  <a:ext cx="180720" cy="219240"/>
+                </a:xfrm>
+                <a:prstGeom prst="rect">
+                  <a:avLst/>
+                </a:prstGeom>
+              </p:spPr>
+            </p:pic>
+          </mc:Fallback>
+        </mc:AlternateContent>
+        <mc:AlternateContent xmlns:mc="http://schemas.openxmlformats.org/markup-compatibility/2006">
+          <mc:Choice xmlns:p14="http://schemas.microsoft.com/office/powerpoint/2010/main" Requires="p14">
+            <p:contentPart p14:bwMode="auto" r:id="rId50">
+              <p14:nvContentPartPr>
+                <p14:cNvPr id="9" name="Ink 8">
+                  <a:extLst>
+                    <a:ext uri="{FF2B5EF4-FFF2-40B4-BE49-F238E27FC236}">
+                      <a16:creationId xmlns:a16="http://schemas.microsoft.com/office/drawing/2014/main" id="{05217CB0-D22A-2C53-319C-DDCCF6CD9A0D}"/>
+                    </a:ext>
+                  </a:extLst>
+                </p14:cNvPr>
+                <p14:cNvContentPartPr/>
+                <p14:nvPr/>
+              </p14:nvContentPartPr>
+              <p14:xfrm>
+                <a:off x="4343487" y="4509041"/>
+                <a:ext cx="65160" cy="183960"/>
+              </p14:xfrm>
+            </p:contentPart>
+          </mc:Choice>
+          <mc:Fallback>
+            <p:pic>
+              <p:nvPicPr>
+                <p:cNvPr id="9" name="Ink 8">
+                  <a:extLst>
+                    <a:ext uri="{FF2B5EF4-FFF2-40B4-BE49-F238E27FC236}">
+                      <a16:creationId xmlns:a16="http://schemas.microsoft.com/office/drawing/2014/main" id="{05217CB0-D22A-2C53-319C-DDCCF6CD9A0D}"/>
+                    </a:ext>
+                  </a:extLst>
+                </p:cNvPr>
+                <p:cNvPicPr/>
+                <p:nvPr/>
+              </p:nvPicPr>
+              <p:blipFill>
+                <a:blip r:embed="rId51"/>
+                <a:stretch>
+                  <a:fillRect/>
+                </a:stretch>
+              </p:blipFill>
+              <p:spPr>
+                <a:xfrm>
+                  <a:off x="4334487" y="4500401"/>
+                  <a:ext cx="82800" cy="201600"/>
+                </a:xfrm>
+                <a:prstGeom prst="rect">
+                  <a:avLst/>
+                </a:prstGeom>
+              </p:spPr>
+            </p:pic>
+          </mc:Fallback>
+        </mc:AlternateContent>
+        <mc:AlternateContent xmlns:mc="http://schemas.openxmlformats.org/markup-compatibility/2006">
+          <mc:Choice xmlns:p14="http://schemas.microsoft.com/office/powerpoint/2010/main" Requires="p14">
+            <p:contentPart p14:bwMode="auto" r:id="rId52">
+              <p14:nvContentPartPr>
+                <p14:cNvPr id="10" name="Ink 9">
+                  <a:extLst>
+                    <a:ext uri="{FF2B5EF4-FFF2-40B4-BE49-F238E27FC236}">
+                      <a16:creationId xmlns:a16="http://schemas.microsoft.com/office/drawing/2014/main" id="{A392A17E-08DA-A62E-B14C-4A144752E2EA}"/>
+                    </a:ext>
+                  </a:extLst>
+                </p14:cNvPr>
+                <p14:cNvContentPartPr/>
+                <p14:nvPr/>
+              </p14:nvContentPartPr>
+              <p14:xfrm>
+                <a:off x="4451487" y="4488881"/>
+                <a:ext cx="160920" cy="235800"/>
+              </p14:xfrm>
+            </p:contentPart>
+          </mc:Choice>
+          <mc:Fallback>
+            <p:pic>
+              <p:nvPicPr>
+                <p:cNvPr id="10" name="Ink 9">
+                  <a:extLst>
+                    <a:ext uri="{FF2B5EF4-FFF2-40B4-BE49-F238E27FC236}">
+                      <a16:creationId xmlns:a16="http://schemas.microsoft.com/office/drawing/2014/main" id="{A392A17E-08DA-A62E-B14C-4A144752E2EA}"/>
+                    </a:ext>
+                  </a:extLst>
+                </p:cNvPr>
+                <p:cNvPicPr/>
+                <p:nvPr/>
+              </p:nvPicPr>
+              <p:blipFill>
+                <a:blip r:embed="rId53"/>
+                <a:stretch>
+                  <a:fillRect/>
+                </a:stretch>
+              </p:blipFill>
+              <p:spPr>
+                <a:xfrm>
+                  <a:off x="4442487" y="4480241"/>
+                  <a:ext cx="178560" cy="253440"/>
+                </a:xfrm>
+                <a:prstGeom prst="rect">
+                  <a:avLst/>
+                </a:prstGeom>
+              </p:spPr>
+            </p:pic>
+          </mc:Fallback>
+        </mc:AlternateContent>
+        <mc:AlternateContent xmlns:mc="http://schemas.openxmlformats.org/markup-compatibility/2006">
+          <mc:Choice xmlns:p14="http://schemas.microsoft.com/office/powerpoint/2010/main" Requires="p14">
+            <p:contentPart p14:bwMode="auto" r:id="rId54">
+              <p14:nvContentPartPr>
+                <p14:cNvPr id="11" name="Ink 10">
+                  <a:extLst>
+                    <a:ext uri="{FF2B5EF4-FFF2-40B4-BE49-F238E27FC236}">
+                      <a16:creationId xmlns:a16="http://schemas.microsoft.com/office/drawing/2014/main" id="{25A7082D-47EF-832B-8424-8996585F3D33}"/>
+                    </a:ext>
+                  </a:extLst>
+                </p14:cNvPr>
+                <p14:cNvContentPartPr/>
+                <p14:nvPr/>
+              </p14:nvContentPartPr>
+              <p14:xfrm>
+                <a:off x="4655967" y="4484201"/>
+                <a:ext cx="212760" cy="249840"/>
+              </p14:xfrm>
+            </p:contentPart>
+          </mc:Choice>
+          <mc:Fallback>
+            <p:pic>
+              <p:nvPicPr>
+                <p:cNvPr id="11" name="Ink 10">
+                  <a:extLst>
+                    <a:ext uri="{FF2B5EF4-FFF2-40B4-BE49-F238E27FC236}">
+                      <a16:creationId xmlns:a16="http://schemas.microsoft.com/office/drawing/2014/main" id="{25A7082D-47EF-832B-8424-8996585F3D33}"/>
+                    </a:ext>
+                  </a:extLst>
+                </p:cNvPr>
+                <p:cNvPicPr/>
+                <p:nvPr/>
+              </p:nvPicPr>
+              <p:blipFill>
+                <a:blip r:embed="rId55"/>
+                <a:stretch>
+                  <a:fillRect/>
+                </a:stretch>
+              </p:blipFill>
+              <p:spPr>
+                <a:xfrm>
+                  <a:off x="4647327" y="4475561"/>
+                  <a:ext cx="230400" cy="267480"/>
+                </a:xfrm>
+                <a:prstGeom prst="rect">
+                  <a:avLst/>
+                </a:prstGeom>
+              </p:spPr>
+            </p:pic>
+          </mc:Fallback>
+        </mc:AlternateContent>
+        <mc:AlternateContent xmlns:mc="http://schemas.openxmlformats.org/markup-compatibility/2006">
+          <mc:Choice xmlns:p14="http://schemas.microsoft.com/office/powerpoint/2010/main" Requires="p14">
+            <p:contentPart p14:bwMode="auto" r:id="rId56">
+              <p14:nvContentPartPr>
+                <p14:cNvPr id="14" name="Ink 13">
+                  <a:extLst>
+                    <a:ext uri="{FF2B5EF4-FFF2-40B4-BE49-F238E27FC236}">
+                      <a16:creationId xmlns:a16="http://schemas.microsoft.com/office/drawing/2014/main" id="{52F4EEED-7214-3A70-8013-D17373BF493A}"/>
+                    </a:ext>
+                  </a:extLst>
+                </p14:cNvPr>
+                <p14:cNvContentPartPr/>
+                <p14:nvPr/>
+              </p14:nvContentPartPr>
+              <p14:xfrm>
+                <a:off x="6269847" y="3926201"/>
+                <a:ext cx="73800" cy="164160"/>
+              </p14:xfrm>
+            </p:contentPart>
+          </mc:Choice>
+          <mc:Fallback>
+            <p:pic>
+              <p:nvPicPr>
+                <p:cNvPr id="14" name="Ink 13">
+                  <a:extLst>
+                    <a:ext uri="{FF2B5EF4-FFF2-40B4-BE49-F238E27FC236}">
+                      <a16:creationId xmlns:a16="http://schemas.microsoft.com/office/drawing/2014/main" id="{52F4EEED-7214-3A70-8013-D17373BF493A}"/>
+                    </a:ext>
+                  </a:extLst>
+                </p:cNvPr>
+                <p:cNvPicPr/>
+                <p:nvPr/>
+              </p:nvPicPr>
+              <p:blipFill>
+                <a:blip r:embed="rId57"/>
+                <a:stretch>
+                  <a:fillRect/>
+                </a:stretch>
+              </p:blipFill>
+              <p:spPr>
+                <a:xfrm>
+                  <a:off x="6260847" y="3917201"/>
+                  <a:ext cx="91440" cy="181800"/>
+                </a:xfrm>
+                <a:prstGeom prst="rect">
+                  <a:avLst/>
+                </a:prstGeom>
+              </p:spPr>
+            </p:pic>
+          </mc:Fallback>
+        </mc:AlternateContent>
+        <mc:AlternateContent xmlns:mc="http://schemas.openxmlformats.org/markup-compatibility/2006">
+          <mc:Choice xmlns:p14="http://schemas.microsoft.com/office/powerpoint/2010/main" Requires="p14">
+            <p:contentPart p14:bwMode="auto" r:id="rId58">
+              <p14:nvContentPartPr>
+                <p14:cNvPr id="15" name="Ink 14">
+                  <a:extLst>
+                    <a:ext uri="{FF2B5EF4-FFF2-40B4-BE49-F238E27FC236}">
+                      <a16:creationId xmlns:a16="http://schemas.microsoft.com/office/drawing/2014/main" id="{E443A214-744D-2A8C-B97F-39DCE68FE049}"/>
+                    </a:ext>
+                  </a:extLst>
+                </p14:cNvPr>
+                <p14:cNvContentPartPr/>
+                <p14:nvPr/>
+              </p14:nvContentPartPr>
+              <p14:xfrm>
+                <a:off x="6413487" y="3859601"/>
+                <a:ext cx="214560" cy="193680"/>
+              </p14:xfrm>
+            </p:contentPart>
+          </mc:Choice>
+          <mc:Fallback>
+            <p:pic>
+              <p:nvPicPr>
+                <p:cNvPr id="15" name="Ink 14">
+                  <a:extLst>
+                    <a:ext uri="{FF2B5EF4-FFF2-40B4-BE49-F238E27FC236}">
+                      <a16:creationId xmlns:a16="http://schemas.microsoft.com/office/drawing/2014/main" id="{E443A214-744D-2A8C-B97F-39DCE68FE049}"/>
+                    </a:ext>
+                  </a:extLst>
+                </p:cNvPr>
+                <p:cNvPicPr/>
+                <p:nvPr/>
+              </p:nvPicPr>
+              <p:blipFill>
+                <a:blip r:embed="rId59"/>
+                <a:stretch>
+                  <a:fillRect/>
+                </a:stretch>
+              </p:blipFill>
+              <p:spPr>
+                <a:xfrm>
+                  <a:off x="6404847" y="3850961"/>
+                  <a:ext cx="232200" cy="211320"/>
+                </a:xfrm>
+                <a:prstGeom prst="rect">
+                  <a:avLst/>
+                </a:prstGeom>
+              </p:spPr>
+            </p:pic>
+          </mc:Fallback>
+        </mc:AlternateContent>
+        <mc:AlternateContent xmlns:mc="http://schemas.openxmlformats.org/markup-compatibility/2006">
+          <mc:Choice xmlns:p14="http://schemas.microsoft.com/office/powerpoint/2010/main" Requires="p14">
+            <p:contentPart p14:bwMode="auto" r:id="rId60">
+              <p14:nvContentPartPr>
+                <p14:cNvPr id="16" name="Ink 15">
+                  <a:extLst>
+                    <a:ext uri="{FF2B5EF4-FFF2-40B4-BE49-F238E27FC236}">
+                      <a16:creationId xmlns:a16="http://schemas.microsoft.com/office/drawing/2014/main" id="{738FF04C-92E7-CE48-C9C2-707CA09E83CE}"/>
+                    </a:ext>
+                  </a:extLst>
+                </p14:cNvPr>
+                <p14:cNvContentPartPr/>
+                <p14:nvPr/>
+              </p14:nvContentPartPr>
+              <p14:xfrm>
+                <a:off x="6655407" y="3822521"/>
+                <a:ext cx="322560" cy="238680"/>
+              </p14:xfrm>
+            </p:contentPart>
+          </mc:Choice>
+          <mc:Fallback>
+            <p:pic>
+              <p:nvPicPr>
+                <p:cNvPr id="16" name="Ink 15">
+                  <a:extLst>
+                    <a:ext uri="{FF2B5EF4-FFF2-40B4-BE49-F238E27FC236}">
+                      <a16:creationId xmlns:a16="http://schemas.microsoft.com/office/drawing/2014/main" id="{738FF04C-92E7-CE48-C9C2-707CA09E83CE}"/>
+                    </a:ext>
+                  </a:extLst>
+                </p:cNvPr>
+                <p:cNvPicPr/>
+                <p:nvPr/>
+              </p:nvPicPr>
+              <p:blipFill>
+                <a:blip r:embed="rId61"/>
+                <a:stretch>
+                  <a:fillRect/>
+                </a:stretch>
+              </p:blipFill>
+              <p:spPr>
+                <a:xfrm>
+                  <a:off x="6646767" y="3813881"/>
+                  <a:ext cx="340200" cy="256320"/>
+                </a:xfrm>
+                <a:prstGeom prst="rect">
+                  <a:avLst/>
+                </a:prstGeom>
+              </p:spPr>
+            </p:pic>
+          </mc:Fallback>
+        </mc:AlternateContent>
+        <mc:AlternateContent xmlns:mc="http://schemas.openxmlformats.org/markup-compatibility/2006">
+          <mc:Choice xmlns:p14="http://schemas.microsoft.com/office/powerpoint/2010/main" Requires="p14">
+            <p:contentPart p14:bwMode="auto" r:id="rId62">
+              <p14:nvContentPartPr>
+                <p14:cNvPr id="17" name="Ink 16">
+                  <a:extLst>
+                    <a:ext uri="{FF2B5EF4-FFF2-40B4-BE49-F238E27FC236}">
+                      <a16:creationId xmlns:a16="http://schemas.microsoft.com/office/drawing/2014/main" id="{74CB6D67-87A4-28F0-A09D-95EF32271362}"/>
+                    </a:ext>
+                  </a:extLst>
+                </p14:cNvPr>
+                <p14:cNvContentPartPr/>
+                <p14:nvPr/>
+              </p14:nvContentPartPr>
+              <p14:xfrm>
+                <a:off x="6862767" y="3778961"/>
+                <a:ext cx="226080" cy="191880"/>
+              </p14:xfrm>
+            </p:contentPart>
+          </mc:Choice>
+          <mc:Fallback>
+            <p:pic>
+              <p:nvPicPr>
+                <p:cNvPr id="17" name="Ink 16">
+                  <a:extLst>
+                    <a:ext uri="{FF2B5EF4-FFF2-40B4-BE49-F238E27FC236}">
+                      <a16:creationId xmlns:a16="http://schemas.microsoft.com/office/drawing/2014/main" id="{74CB6D67-87A4-28F0-A09D-95EF32271362}"/>
+                    </a:ext>
+                  </a:extLst>
+                </p:cNvPr>
+                <p:cNvPicPr/>
+                <p:nvPr/>
+              </p:nvPicPr>
+              <p:blipFill>
+                <a:blip r:embed="rId63"/>
+                <a:stretch>
+                  <a:fillRect/>
+                </a:stretch>
+              </p:blipFill>
+              <p:spPr>
+                <a:xfrm>
+                  <a:off x="6853767" y="3769961"/>
+                  <a:ext cx="243720" cy="209520"/>
+                </a:xfrm>
+                <a:prstGeom prst="rect">
+                  <a:avLst/>
+                </a:prstGeom>
+              </p:spPr>
+            </p:pic>
+          </mc:Fallback>
+        </mc:AlternateContent>
+        <mc:AlternateContent xmlns:mc="http://schemas.openxmlformats.org/markup-compatibility/2006">
+          <mc:Choice xmlns:p14="http://schemas.microsoft.com/office/powerpoint/2010/main" Requires="p14">
+            <p:contentPart p14:bwMode="auto" r:id="rId64">
+              <p14:nvContentPartPr>
+                <p14:cNvPr id="18" name="Ink 17">
+                  <a:extLst>
+                    <a:ext uri="{FF2B5EF4-FFF2-40B4-BE49-F238E27FC236}">
+                      <a16:creationId xmlns:a16="http://schemas.microsoft.com/office/drawing/2014/main" id="{40F7AE26-148E-BA05-C221-D3CB313A4FA5}"/>
+                    </a:ext>
+                  </a:extLst>
+                </p14:cNvPr>
+                <p14:cNvContentPartPr/>
+                <p14:nvPr/>
+              </p14:nvContentPartPr>
+              <p14:xfrm>
+                <a:off x="6365607" y="4364681"/>
+                <a:ext cx="92160" cy="225000"/>
+              </p14:xfrm>
+            </p:contentPart>
+          </mc:Choice>
+          <mc:Fallback>
+            <p:pic>
+              <p:nvPicPr>
+                <p:cNvPr id="18" name="Ink 17">
+                  <a:extLst>
+                    <a:ext uri="{FF2B5EF4-FFF2-40B4-BE49-F238E27FC236}">
+                      <a16:creationId xmlns:a16="http://schemas.microsoft.com/office/drawing/2014/main" id="{40F7AE26-148E-BA05-C221-D3CB313A4FA5}"/>
+                    </a:ext>
+                  </a:extLst>
+                </p:cNvPr>
+                <p:cNvPicPr/>
+                <p:nvPr/>
+              </p:nvPicPr>
+              <p:blipFill>
+                <a:blip r:embed="rId65"/>
+                <a:stretch>
+                  <a:fillRect/>
+                </a:stretch>
+              </p:blipFill>
+              <p:spPr>
+                <a:xfrm>
+                  <a:off x="6356607" y="4356041"/>
+                  <a:ext cx="109800" cy="242640"/>
+                </a:xfrm>
+                <a:prstGeom prst="rect">
+                  <a:avLst/>
+                </a:prstGeom>
+              </p:spPr>
+            </p:pic>
+          </mc:Fallback>
+        </mc:AlternateContent>
+        <mc:AlternateContent xmlns:mc="http://schemas.openxmlformats.org/markup-compatibility/2006">
+          <mc:Choice xmlns:p14="http://schemas.microsoft.com/office/powerpoint/2010/main" Requires="p14">
+            <p:contentPart p14:bwMode="auto" r:id="rId66">
+              <p14:nvContentPartPr>
+                <p14:cNvPr id="19" name="Ink 18">
+                  <a:extLst>
+                    <a:ext uri="{FF2B5EF4-FFF2-40B4-BE49-F238E27FC236}">
+                      <a16:creationId xmlns:a16="http://schemas.microsoft.com/office/drawing/2014/main" id="{AAD073D7-262C-C268-F492-F7BDBA1C440B}"/>
+                    </a:ext>
+                  </a:extLst>
+                </p14:cNvPr>
+                <p14:cNvContentPartPr/>
+                <p14:nvPr/>
+              </p14:nvContentPartPr>
+              <p14:xfrm>
+                <a:off x="6493047" y="4384121"/>
+                <a:ext cx="215640" cy="150840"/>
+              </p14:xfrm>
+            </p:contentPart>
+          </mc:Choice>
+          <mc:Fallback>
+            <p:pic>
+              <p:nvPicPr>
+                <p:cNvPr id="19" name="Ink 18">
+                  <a:extLst>
+                    <a:ext uri="{FF2B5EF4-FFF2-40B4-BE49-F238E27FC236}">
+                      <a16:creationId xmlns:a16="http://schemas.microsoft.com/office/drawing/2014/main" id="{AAD073D7-262C-C268-F492-F7BDBA1C440B}"/>
+                    </a:ext>
+                  </a:extLst>
+                </p:cNvPr>
+                <p:cNvPicPr/>
+                <p:nvPr/>
+              </p:nvPicPr>
+              <p:blipFill>
+                <a:blip r:embed="rId67"/>
+                <a:stretch>
+                  <a:fillRect/>
+                </a:stretch>
+              </p:blipFill>
+              <p:spPr>
+                <a:xfrm>
+                  <a:off x="6484047" y="4375121"/>
+                  <a:ext cx="233280" cy="168480"/>
+                </a:xfrm>
+                <a:prstGeom prst="rect">
+                  <a:avLst/>
+                </a:prstGeom>
+              </p:spPr>
+            </p:pic>
+          </mc:Fallback>
+        </mc:AlternateContent>
+        <mc:AlternateContent xmlns:mc="http://schemas.openxmlformats.org/markup-compatibility/2006">
+          <mc:Choice xmlns:p14="http://schemas.microsoft.com/office/powerpoint/2010/main" Requires="p14">
+            <p:contentPart p14:bwMode="auto" r:id="rId68">
+              <p14:nvContentPartPr>
+                <p14:cNvPr id="22" name="Ink 21">
+                  <a:extLst>
+                    <a:ext uri="{FF2B5EF4-FFF2-40B4-BE49-F238E27FC236}">
+                      <a16:creationId xmlns:a16="http://schemas.microsoft.com/office/drawing/2014/main" id="{B24B374B-DE46-C32B-458C-E854F9A923DE}"/>
+                    </a:ext>
+                  </a:extLst>
+                </p14:cNvPr>
+                <p14:cNvContentPartPr/>
+                <p14:nvPr/>
+              </p14:nvContentPartPr>
+              <p14:xfrm>
+                <a:off x="6791847" y="4352081"/>
+                <a:ext cx="271800" cy="194040"/>
+              </p14:xfrm>
+            </p:contentPart>
+          </mc:Choice>
+          <mc:Fallback>
+            <p:pic>
+              <p:nvPicPr>
+                <p:cNvPr id="22" name="Ink 21">
+                  <a:extLst>
+                    <a:ext uri="{FF2B5EF4-FFF2-40B4-BE49-F238E27FC236}">
+                      <a16:creationId xmlns:a16="http://schemas.microsoft.com/office/drawing/2014/main" id="{B24B374B-DE46-C32B-458C-E854F9A923DE}"/>
+                    </a:ext>
+                  </a:extLst>
+                </p:cNvPr>
+                <p:cNvPicPr/>
+                <p:nvPr/>
+              </p:nvPicPr>
+              <p:blipFill>
+                <a:blip r:embed="rId69"/>
+                <a:stretch>
+                  <a:fillRect/>
+                </a:stretch>
+              </p:blipFill>
+              <p:spPr>
+                <a:xfrm>
+                  <a:off x="6783207" y="4343081"/>
+                  <a:ext cx="289440" cy="211680"/>
+                </a:xfrm>
+                <a:prstGeom prst="rect">
+                  <a:avLst/>
+                </a:prstGeom>
+              </p:spPr>
+            </p:pic>
+          </mc:Fallback>
+        </mc:AlternateContent>
+        <mc:AlternateContent xmlns:mc="http://schemas.openxmlformats.org/markup-compatibility/2006">
+          <mc:Choice xmlns:p14="http://schemas.microsoft.com/office/powerpoint/2010/main" Requires="p14">
+            <p:contentPart p14:bwMode="auto" r:id="rId70">
+              <p14:nvContentPartPr>
+                <p14:cNvPr id="23" name="Ink 22">
+                  <a:extLst>
+                    <a:ext uri="{FF2B5EF4-FFF2-40B4-BE49-F238E27FC236}">
+                      <a16:creationId xmlns:a16="http://schemas.microsoft.com/office/drawing/2014/main" id="{C6E63EB2-81D0-C145-E9DC-BCEA7F61BEEB}"/>
+                    </a:ext>
+                  </a:extLst>
+                </p14:cNvPr>
+                <p14:cNvContentPartPr/>
+                <p14:nvPr/>
+              </p14:nvContentPartPr>
+              <p14:xfrm>
+                <a:off x="7017567" y="4380161"/>
+                <a:ext cx="81720" cy="99000"/>
+              </p14:xfrm>
+            </p:contentPart>
+          </mc:Choice>
+          <mc:Fallback>
+            <p:pic>
+              <p:nvPicPr>
+                <p:cNvPr id="23" name="Ink 22">
+                  <a:extLst>
+                    <a:ext uri="{FF2B5EF4-FFF2-40B4-BE49-F238E27FC236}">
+                      <a16:creationId xmlns:a16="http://schemas.microsoft.com/office/drawing/2014/main" id="{C6E63EB2-81D0-C145-E9DC-BCEA7F61BEEB}"/>
+                    </a:ext>
+                  </a:extLst>
+                </p:cNvPr>
+                <p:cNvPicPr/>
+                <p:nvPr/>
+              </p:nvPicPr>
+              <p:blipFill>
+                <a:blip r:embed="rId71"/>
+                <a:stretch>
+                  <a:fillRect/>
+                </a:stretch>
+              </p:blipFill>
+              <p:spPr>
+                <a:xfrm>
+                  <a:off x="7008927" y="4371521"/>
+                  <a:ext cx="99360" cy="116640"/>
+                </a:xfrm>
+                <a:prstGeom prst="rect">
+                  <a:avLst/>
+                </a:prstGeom>
+              </p:spPr>
+            </p:pic>
+          </mc:Fallback>
+        </mc:AlternateContent>
+        <mc:AlternateContent xmlns:mc="http://schemas.openxmlformats.org/markup-compatibility/2006">
+          <mc:Choice xmlns:p14="http://schemas.microsoft.com/office/powerpoint/2010/main" Requires="p14">
+            <p:contentPart p14:bwMode="auto" r:id="rId72">
+              <p14:nvContentPartPr>
+                <p14:cNvPr id="24" name="Ink 23">
+                  <a:extLst>
+                    <a:ext uri="{FF2B5EF4-FFF2-40B4-BE49-F238E27FC236}">
+                      <a16:creationId xmlns:a16="http://schemas.microsoft.com/office/drawing/2014/main" id="{DFD24C49-AE71-83B7-6608-BABB64B6C81F}"/>
+                    </a:ext>
+                  </a:extLst>
+                </p14:cNvPr>
+                <p14:cNvContentPartPr/>
+                <p14:nvPr/>
+              </p14:nvContentPartPr>
+              <p14:xfrm>
+                <a:off x="7162287" y="4304201"/>
+                <a:ext cx="203400" cy="226800"/>
+              </p14:xfrm>
+            </p:contentPart>
+          </mc:Choice>
+          <mc:Fallback>
+            <p:pic>
+              <p:nvPicPr>
+                <p:cNvPr id="24" name="Ink 23">
+                  <a:extLst>
+                    <a:ext uri="{FF2B5EF4-FFF2-40B4-BE49-F238E27FC236}">
+                      <a16:creationId xmlns:a16="http://schemas.microsoft.com/office/drawing/2014/main" id="{DFD24C49-AE71-83B7-6608-BABB64B6C81F}"/>
+                    </a:ext>
+                  </a:extLst>
+                </p:cNvPr>
+                <p:cNvPicPr/>
+                <p:nvPr/>
+              </p:nvPicPr>
+              <p:blipFill>
+                <a:blip r:embed="rId73"/>
+                <a:stretch>
+                  <a:fillRect/>
+                </a:stretch>
+              </p:blipFill>
+              <p:spPr>
+                <a:xfrm>
+                  <a:off x="7153287" y="4295561"/>
+                  <a:ext cx="221040" cy="244440"/>
+                </a:xfrm>
+                <a:prstGeom prst="rect">
+                  <a:avLst/>
+                </a:prstGeom>
+              </p:spPr>
+            </p:pic>
+          </mc:Fallback>
+        </mc:AlternateContent>
+        <mc:AlternateContent xmlns:mc="http://schemas.openxmlformats.org/markup-compatibility/2006">
+          <mc:Choice xmlns:p14="http://schemas.microsoft.com/office/powerpoint/2010/main" Requires="p14">
+            <p:contentPart p14:bwMode="auto" r:id="rId74">
+              <p14:nvContentPartPr>
+                <p14:cNvPr id="26" name="Ink 25">
+                  <a:extLst>
+                    <a:ext uri="{FF2B5EF4-FFF2-40B4-BE49-F238E27FC236}">
+                      <a16:creationId xmlns:a16="http://schemas.microsoft.com/office/drawing/2014/main" id="{119031B8-87E8-C863-7840-43BE046210C0}"/>
+                    </a:ext>
+                  </a:extLst>
+                </p14:cNvPr>
+                <p14:cNvContentPartPr/>
+                <p14:nvPr/>
+              </p14:nvContentPartPr>
+              <p14:xfrm>
+                <a:off x="6463527" y="4889561"/>
+                <a:ext cx="67680" cy="157680"/>
+              </p14:xfrm>
+            </p:contentPart>
+          </mc:Choice>
+          <mc:Fallback>
+            <p:pic>
+              <p:nvPicPr>
+                <p:cNvPr id="26" name="Ink 25">
+                  <a:extLst>
+                    <a:ext uri="{FF2B5EF4-FFF2-40B4-BE49-F238E27FC236}">
+                      <a16:creationId xmlns:a16="http://schemas.microsoft.com/office/drawing/2014/main" id="{119031B8-87E8-C863-7840-43BE046210C0}"/>
+                    </a:ext>
+                  </a:extLst>
+                </p:cNvPr>
+                <p:cNvPicPr/>
+                <p:nvPr/>
+              </p:nvPicPr>
+              <p:blipFill>
+                <a:blip r:embed="rId75"/>
+                <a:stretch>
+                  <a:fillRect/>
+                </a:stretch>
+              </p:blipFill>
+              <p:spPr>
+                <a:xfrm>
+                  <a:off x="6454527" y="4880561"/>
+                  <a:ext cx="85320" cy="175320"/>
+                </a:xfrm>
+                <a:prstGeom prst="rect">
+                  <a:avLst/>
+                </a:prstGeom>
+              </p:spPr>
+            </p:pic>
+          </mc:Fallback>
+        </mc:AlternateContent>
+        <mc:AlternateContent xmlns:mc="http://schemas.openxmlformats.org/markup-compatibility/2006">
+          <mc:Choice xmlns:p14="http://schemas.microsoft.com/office/powerpoint/2010/main" Requires="p14">
+            <p:contentPart p14:bwMode="auto" r:id="rId76">
+              <p14:nvContentPartPr>
+                <p14:cNvPr id="27" name="Ink 26">
+                  <a:extLst>
+                    <a:ext uri="{FF2B5EF4-FFF2-40B4-BE49-F238E27FC236}">
+                      <a16:creationId xmlns:a16="http://schemas.microsoft.com/office/drawing/2014/main" id="{849341E7-D0EB-3E06-D050-75C2248657DE}"/>
+                    </a:ext>
+                  </a:extLst>
+                </p14:cNvPr>
+                <p14:cNvContentPartPr/>
+                <p14:nvPr/>
+              </p14:nvContentPartPr>
+              <p14:xfrm>
+                <a:off x="6563247" y="4865081"/>
+                <a:ext cx="217440" cy="174600"/>
+              </p14:xfrm>
+            </p:contentPart>
+          </mc:Choice>
+          <mc:Fallback>
+            <p:pic>
+              <p:nvPicPr>
+                <p:cNvPr id="27" name="Ink 26">
+                  <a:extLst>
+                    <a:ext uri="{FF2B5EF4-FFF2-40B4-BE49-F238E27FC236}">
+                      <a16:creationId xmlns:a16="http://schemas.microsoft.com/office/drawing/2014/main" id="{849341E7-D0EB-3E06-D050-75C2248657DE}"/>
+                    </a:ext>
+                  </a:extLst>
+                </p:cNvPr>
+                <p:cNvPicPr/>
+                <p:nvPr/>
+              </p:nvPicPr>
+              <p:blipFill>
+                <a:blip r:embed="rId77"/>
+                <a:stretch>
+                  <a:fillRect/>
+                </a:stretch>
+              </p:blipFill>
+              <p:spPr>
+                <a:xfrm>
+                  <a:off x="6554247" y="4856081"/>
+                  <a:ext cx="235080" cy="192240"/>
+                </a:xfrm>
+                <a:prstGeom prst="rect">
+                  <a:avLst/>
+                </a:prstGeom>
+              </p:spPr>
+            </p:pic>
+          </mc:Fallback>
+        </mc:AlternateContent>
+        <mc:AlternateContent xmlns:mc="http://schemas.openxmlformats.org/markup-compatibility/2006">
+          <mc:Choice xmlns:p14="http://schemas.microsoft.com/office/powerpoint/2010/main" Requires="p14">
+            <p:contentPart p14:bwMode="auto" r:id="rId78">
+              <p14:nvContentPartPr>
+                <p14:cNvPr id="28" name="Ink 27">
+                  <a:extLst>
+                    <a:ext uri="{FF2B5EF4-FFF2-40B4-BE49-F238E27FC236}">
+                      <a16:creationId xmlns:a16="http://schemas.microsoft.com/office/drawing/2014/main" id="{2A18821E-2888-9C96-F60D-92BA7FA1C4BC}"/>
+                    </a:ext>
+                  </a:extLst>
+                </p14:cNvPr>
+                <p14:cNvContentPartPr/>
+                <p14:nvPr/>
+              </p14:nvContentPartPr>
+              <p14:xfrm>
+                <a:off x="6806607" y="4801001"/>
+                <a:ext cx="311400" cy="210600"/>
+              </p14:xfrm>
+            </p:contentPart>
+          </mc:Choice>
+          <mc:Fallback>
+            <p:pic>
+              <p:nvPicPr>
+                <p:cNvPr id="28" name="Ink 27">
+                  <a:extLst>
+                    <a:ext uri="{FF2B5EF4-FFF2-40B4-BE49-F238E27FC236}">
+                      <a16:creationId xmlns:a16="http://schemas.microsoft.com/office/drawing/2014/main" id="{2A18821E-2888-9C96-F60D-92BA7FA1C4BC}"/>
+                    </a:ext>
+                  </a:extLst>
+                </p:cNvPr>
+                <p:cNvPicPr/>
+                <p:nvPr/>
+              </p:nvPicPr>
+              <p:blipFill>
+                <a:blip r:embed="rId79"/>
+                <a:stretch>
+                  <a:fillRect/>
+                </a:stretch>
+              </p:blipFill>
+              <p:spPr>
+                <a:xfrm>
+                  <a:off x="6797967" y="4792361"/>
+                  <a:ext cx="329040" cy="228240"/>
+                </a:xfrm>
+                <a:prstGeom prst="rect">
+                  <a:avLst/>
+                </a:prstGeom>
+              </p:spPr>
+            </p:pic>
+          </mc:Fallback>
+        </mc:AlternateContent>
+        <mc:AlternateContent xmlns:mc="http://schemas.openxmlformats.org/markup-compatibility/2006">
+          <mc:Choice xmlns:p14="http://schemas.microsoft.com/office/powerpoint/2010/main" Requires="p14">
+            <p:contentPart p14:bwMode="auto" r:id="rId80">
+              <p14:nvContentPartPr>
+                <p14:cNvPr id="29" name="Ink 28">
+                  <a:extLst>
+                    <a:ext uri="{FF2B5EF4-FFF2-40B4-BE49-F238E27FC236}">
+                      <a16:creationId xmlns:a16="http://schemas.microsoft.com/office/drawing/2014/main" id="{037FB57E-85A6-7B81-B4F7-515F72F6AE25}"/>
+                    </a:ext>
+                  </a:extLst>
+                </p14:cNvPr>
+                <p14:cNvContentPartPr/>
+                <p14:nvPr/>
+              </p14:nvContentPartPr>
+              <p14:xfrm>
+                <a:off x="7036647" y="4814681"/>
+                <a:ext cx="162000" cy="97200"/>
+              </p14:xfrm>
+            </p:contentPart>
+          </mc:Choice>
+          <mc:Fallback>
+            <p:pic>
+              <p:nvPicPr>
+                <p:cNvPr id="29" name="Ink 28">
+                  <a:extLst>
+                    <a:ext uri="{FF2B5EF4-FFF2-40B4-BE49-F238E27FC236}">
+                      <a16:creationId xmlns:a16="http://schemas.microsoft.com/office/drawing/2014/main" id="{037FB57E-85A6-7B81-B4F7-515F72F6AE25}"/>
+                    </a:ext>
+                  </a:extLst>
+                </p:cNvPr>
+                <p:cNvPicPr/>
+                <p:nvPr/>
+              </p:nvPicPr>
+              <p:blipFill>
+                <a:blip r:embed="rId81"/>
+                <a:stretch>
+                  <a:fillRect/>
+                </a:stretch>
+              </p:blipFill>
+              <p:spPr>
+                <a:xfrm>
+                  <a:off x="7027647" y="4806041"/>
+                  <a:ext cx="179640" cy="114840"/>
+                </a:xfrm>
+                <a:prstGeom prst="rect">
+                  <a:avLst/>
+                </a:prstGeom>
+              </p:spPr>
+            </p:pic>
+          </mc:Fallback>
+        </mc:AlternateContent>
+        <mc:AlternateContent xmlns:mc="http://schemas.openxmlformats.org/markup-compatibility/2006">
+          <mc:Choice xmlns:p14="http://schemas.microsoft.com/office/powerpoint/2010/main" Requires="p14">
+            <p:contentPart p14:bwMode="auto" r:id="rId82">
+              <p14:nvContentPartPr>
+                <p14:cNvPr id="30" name="Ink 29">
+                  <a:extLst>
+                    <a:ext uri="{FF2B5EF4-FFF2-40B4-BE49-F238E27FC236}">
+                      <a16:creationId xmlns:a16="http://schemas.microsoft.com/office/drawing/2014/main" id="{1A29A2A3-2412-8345-6780-65EB2D481181}"/>
+                    </a:ext>
+                  </a:extLst>
+                </p14:cNvPr>
+                <p14:cNvContentPartPr/>
+                <p14:nvPr/>
+              </p14:nvContentPartPr>
+              <p14:xfrm>
+                <a:off x="7231767" y="4779401"/>
+                <a:ext cx="115560" cy="195480"/>
+              </p14:xfrm>
+            </p:contentPart>
+          </mc:Choice>
+          <mc:Fallback>
+            <p:pic>
+              <p:nvPicPr>
+                <p:cNvPr id="30" name="Ink 29">
+                  <a:extLst>
+                    <a:ext uri="{FF2B5EF4-FFF2-40B4-BE49-F238E27FC236}">
+                      <a16:creationId xmlns:a16="http://schemas.microsoft.com/office/drawing/2014/main" id="{1A29A2A3-2412-8345-6780-65EB2D481181}"/>
+                    </a:ext>
+                  </a:extLst>
+                </p:cNvPr>
+                <p:cNvPicPr/>
+                <p:nvPr/>
+              </p:nvPicPr>
+              <p:blipFill>
+                <a:blip r:embed="rId83"/>
+                <a:stretch>
+                  <a:fillRect/>
+                </a:stretch>
+              </p:blipFill>
+              <p:spPr>
+                <a:xfrm>
+                  <a:off x="7223127" y="4770761"/>
+                  <a:ext cx="133200" cy="213120"/>
+                </a:xfrm>
+                <a:prstGeom prst="rect">
+                  <a:avLst/>
+                </a:prstGeom>
+              </p:spPr>
+            </p:pic>
+          </mc:Fallback>
+        </mc:AlternateContent>
+        <mc:AlternateContent xmlns:mc="http://schemas.openxmlformats.org/markup-compatibility/2006">
+          <mc:Choice xmlns:p14="http://schemas.microsoft.com/office/powerpoint/2010/main" Requires="p14">
+            <p:contentPart p14:bwMode="auto" r:id="rId84">
+              <p14:nvContentPartPr>
+                <p14:cNvPr id="31" name="Ink 30">
+                  <a:extLst>
+                    <a:ext uri="{FF2B5EF4-FFF2-40B4-BE49-F238E27FC236}">
+                      <a16:creationId xmlns:a16="http://schemas.microsoft.com/office/drawing/2014/main" id="{310CE355-1A2E-B19F-7426-24137A54386B}"/>
+                    </a:ext>
+                  </a:extLst>
+                </p14:cNvPr>
+                <p14:cNvContentPartPr/>
+                <p14:nvPr/>
+              </p14:nvContentPartPr>
+              <p14:xfrm>
+                <a:off x="6546687" y="5238401"/>
+                <a:ext cx="68760" cy="173520"/>
+              </p14:xfrm>
+            </p:contentPart>
+          </mc:Choice>
+          <mc:Fallback>
+            <p:pic>
+              <p:nvPicPr>
+                <p:cNvPr id="31" name="Ink 30">
+                  <a:extLst>
+                    <a:ext uri="{FF2B5EF4-FFF2-40B4-BE49-F238E27FC236}">
+                      <a16:creationId xmlns:a16="http://schemas.microsoft.com/office/drawing/2014/main" id="{310CE355-1A2E-B19F-7426-24137A54386B}"/>
+                    </a:ext>
+                  </a:extLst>
+                </p:cNvPr>
+                <p:cNvPicPr/>
+                <p:nvPr/>
+              </p:nvPicPr>
+              <p:blipFill>
+                <a:blip r:embed="rId85"/>
+                <a:stretch>
+                  <a:fillRect/>
+                </a:stretch>
+              </p:blipFill>
+              <p:spPr>
+                <a:xfrm>
+                  <a:off x="6538047" y="5229401"/>
+                  <a:ext cx="86400" cy="191160"/>
+                </a:xfrm>
+                <a:prstGeom prst="rect">
+                  <a:avLst/>
+                </a:prstGeom>
+              </p:spPr>
+            </p:pic>
+          </mc:Fallback>
+        </mc:AlternateContent>
+        <mc:AlternateContent xmlns:mc="http://schemas.openxmlformats.org/markup-compatibility/2006">
+          <mc:Choice xmlns:p14="http://schemas.microsoft.com/office/powerpoint/2010/main" Requires="p14">
+            <p:contentPart p14:bwMode="auto" r:id="rId86">
+              <p14:nvContentPartPr>
+                <p14:cNvPr id="32" name="Ink 31">
+                  <a:extLst>
+                    <a:ext uri="{FF2B5EF4-FFF2-40B4-BE49-F238E27FC236}">
+                      <a16:creationId xmlns:a16="http://schemas.microsoft.com/office/drawing/2014/main" id="{C62F8ACE-598B-0956-6C03-D8984F9D6E7D}"/>
+                    </a:ext>
+                  </a:extLst>
+                </p14:cNvPr>
+                <p14:cNvContentPartPr/>
+                <p14:nvPr/>
+              </p14:nvContentPartPr>
+              <p14:xfrm>
+                <a:off x="6664047" y="5260001"/>
+                <a:ext cx="218880" cy="120240"/>
+              </p14:xfrm>
+            </p:contentPart>
+          </mc:Choice>
+          <mc:Fallback>
+            <p:pic>
+              <p:nvPicPr>
+                <p:cNvPr id="32" name="Ink 31">
+                  <a:extLst>
+                    <a:ext uri="{FF2B5EF4-FFF2-40B4-BE49-F238E27FC236}">
+                      <a16:creationId xmlns:a16="http://schemas.microsoft.com/office/drawing/2014/main" id="{C62F8ACE-598B-0956-6C03-D8984F9D6E7D}"/>
+                    </a:ext>
+                  </a:extLst>
+                </p:cNvPr>
+                <p:cNvPicPr/>
+                <p:nvPr/>
+              </p:nvPicPr>
+              <p:blipFill>
+                <a:blip r:embed="rId87"/>
+                <a:stretch>
+                  <a:fillRect/>
+                </a:stretch>
+              </p:blipFill>
+              <p:spPr>
+                <a:xfrm>
+                  <a:off x="6655047" y="5251001"/>
+                  <a:ext cx="236520" cy="137880"/>
+                </a:xfrm>
+                <a:prstGeom prst="rect">
+                  <a:avLst/>
+                </a:prstGeom>
+              </p:spPr>
+            </p:pic>
+          </mc:Fallback>
+        </mc:AlternateContent>
+        <mc:AlternateContent xmlns:mc="http://schemas.openxmlformats.org/markup-compatibility/2006">
+          <mc:Choice xmlns:p14="http://schemas.microsoft.com/office/powerpoint/2010/main" Requires="p14">
+            <p:contentPart p14:bwMode="auto" r:id="rId88">
+              <p14:nvContentPartPr>
+                <p14:cNvPr id="33" name="Ink 32">
+                  <a:extLst>
+                    <a:ext uri="{FF2B5EF4-FFF2-40B4-BE49-F238E27FC236}">
+                      <a16:creationId xmlns:a16="http://schemas.microsoft.com/office/drawing/2014/main" id="{DFE54AAB-6B0C-9022-E5ED-A7C9523AF19F}"/>
+                    </a:ext>
+                  </a:extLst>
+                </p14:cNvPr>
+                <p14:cNvContentPartPr/>
+                <p14:nvPr/>
+              </p14:nvContentPartPr>
+              <p14:xfrm>
+                <a:off x="6880047" y="5155601"/>
+                <a:ext cx="343440" cy="213480"/>
+              </p14:xfrm>
+            </p:contentPart>
+          </mc:Choice>
+          <mc:Fallback>
+            <p:pic>
+              <p:nvPicPr>
+                <p:cNvPr id="33" name="Ink 32">
+                  <a:extLst>
+                    <a:ext uri="{FF2B5EF4-FFF2-40B4-BE49-F238E27FC236}">
+                      <a16:creationId xmlns:a16="http://schemas.microsoft.com/office/drawing/2014/main" id="{DFE54AAB-6B0C-9022-E5ED-A7C9523AF19F}"/>
+                    </a:ext>
+                  </a:extLst>
+                </p:cNvPr>
+                <p:cNvPicPr/>
+                <p:nvPr/>
+              </p:nvPicPr>
+              <p:blipFill>
+                <a:blip r:embed="rId89"/>
+                <a:stretch>
+                  <a:fillRect/>
+                </a:stretch>
+              </p:blipFill>
+              <p:spPr>
+                <a:xfrm>
+                  <a:off x="6871407" y="5146961"/>
+                  <a:ext cx="361080" cy="231120"/>
+                </a:xfrm>
+                <a:prstGeom prst="rect">
+                  <a:avLst/>
+                </a:prstGeom>
+              </p:spPr>
+            </p:pic>
+          </mc:Fallback>
+        </mc:AlternateContent>
+        <mc:AlternateContent xmlns:mc="http://schemas.openxmlformats.org/markup-compatibility/2006">
+          <mc:Choice xmlns:p14="http://schemas.microsoft.com/office/powerpoint/2010/main" Requires="p14">
+            <p:contentPart p14:bwMode="auto" r:id="rId90">
+              <p14:nvContentPartPr>
+                <p14:cNvPr id="34" name="Ink 33">
+                  <a:extLst>
+                    <a:ext uri="{FF2B5EF4-FFF2-40B4-BE49-F238E27FC236}">
+                      <a16:creationId xmlns:a16="http://schemas.microsoft.com/office/drawing/2014/main" id="{25600BA2-EF50-6321-13D8-B80A2E8AC426}"/>
+                    </a:ext>
+                  </a:extLst>
+                </p14:cNvPr>
+                <p14:cNvContentPartPr/>
+                <p14:nvPr/>
+              </p14:nvContentPartPr>
+              <p14:xfrm>
+                <a:off x="7151847" y="5149121"/>
+                <a:ext cx="117360" cy="119880"/>
+              </p14:xfrm>
+            </p:contentPart>
+          </mc:Choice>
+          <mc:Fallback>
+            <p:pic>
+              <p:nvPicPr>
+                <p:cNvPr id="34" name="Ink 33">
+                  <a:extLst>
+                    <a:ext uri="{FF2B5EF4-FFF2-40B4-BE49-F238E27FC236}">
+                      <a16:creationId xmlns:a16="http://schemas.microsoft.com/office/drawing/2014/main" id="{25600BA2-EF50-6321-13D8-B80A2E8AC426}"/>
+                    </a:ext>
+                  </a:extLst>
+                </p:cNvPr>
+                <p:cNvPicPr/>
+                <p:nvPr/>
+              </p:nvPicPr>
+              <p:blipFill>
+                <a:blip r:embed="rId91"/>
+                <a:stretch>
+                  <a:fillRect/>
+                </a:stretch>
+              </p:blipFill>
+              <p:spPr>
+                <a:xfrm>
+                  <a:off x="7142847" y="5140121"/>
+                  <a:ext cx="135000" cy="137520"/>
+                </a:xfrm>
+                <a:prstGeom prst="rect">
+                  <a:avLst/>
+                </a:prstGeom>
+              </p:spPr>
+            </p:pic>
+          </mc:Fallback>
+        </mc:AlternateContent>
+        <mc:AlternateContent xmlns:mc="http://schemas.openxmlformats.org/markup-compatibility/2006">
+          <mc:Choice xmlns:p14="http://schemas.microsoft.com/office/powerpoint/2010/main" Requires="p14">
+            <p:contentPart p14:bwMode="auto" r:id="rId92">
+              <p14:nvContentPartPr>
+                <p14:cNvPr id="35" name="Ink 34">
+                  <a:extLst>
+                    <a:ext uri="{FF2B5EF4-FFF2-40B4-BE49-F238E27FC236}">
+                      <a16:creationId xmlns:a16="http://schemas.microsoft.com/office/drawing/2014/main" id="{0977964C-5654-15BE-708A-33A613F09D0D}"/>
+                    </a:ext>
+                  </a:extLst>
+                </p14:cNvPr>
+                <p14:cNvContentPartPr/>
+                <p14:nvPr/>
+              </p14:nvContentPartPr>
+              <p14:xfrm>
+                <a:off x="7353087" y="5054441"/>
+                <a:ext cx="78840" cy="314640"/>
+              </p14:xfrm>
+            </p:contentPart>
+          </mc:Choice>
+          <mc:Fallback>
+            <p:pic>
+              <p:nvPicPr>
+                <p:cNvPr id="35" name="Ink 34">
+                  <a:extLst>
+                    <a:ext uri="{FF2B5EF4-FFF2-40B4-BE49-F238E27FC236}">
+                      <a16:creationId xmlns:a16="http://schemas.microsoft.com/office/drawing/2014/main" id="{0977964C-5654-15BE-708A-33A613F09D0D}"/>
+                    </a:ext>
+                  </a:extLst>
+                </p:cNvPr>
+                <p:cNvPicPr/>
+                <p:nvPr/>
+              </p:nvPicPr>
+              <p:blipFill>
+                <a:blip r:embed="rId93"/>
+                <a:stretch>
+                  <a:fillRect/>
+                </a:stretch>
+              </p:blipFill>
+              <p:spPr>
+                <a:xfrm>
+                  <a:off x="7344447" y="5045801"/>
+                  <a:ext cx="96480" cy="332280"/>
+                </a:xfrm>
+                <a:prstGeom prst="rect">
+                  <a:avLst/>
+                </a:prstGeom>
+              </p:spPr>
+            </p:pic>
+          </mc:Fallback>
+        </mc:AlternateContent>
+        <mc:AlternateContent xmlns:mc="http://schemas.openxmlformats.org/markup-compatibility/2006">
+          <mc:Choice xmlns:p14="http://schemas.microsoft.com/office/powerpoint/2010/main" Requires="p14">
+            <p:contentPart p14:bwMode="auto" r:id="rId94">
+              <p14:nvContentPartPr>
+                <p14:cNvPr id="58" name="Ink 57">
+                  <a:extLst>
+                    <a:ext uri="{FF2B5EF4-FFF2-40B4-BE49-F238E27FC236}">
+                      <a16:creationId xmlns:a16="http://schemas.microsoft.com/office/drawing/2014/main" id="{8A433D1F-F25C-C1B6-9B6E-8752B9482E11}"/>
+                    </a:ext>
+                  </a:extLst>
+                </p14:cNvPr>
+                <p14:cNvContentPartPr/>
+                <p14:nvPr/>
+              </p14:nvContentPartPr>
+              <p14:xfrm>
+                <a:off x="5001927" y="4008281"/>
+                <a:ext cx="1131480" cy="50400"/>
+              </p14:xfrm>
+            </p:contentPart>
+          </mc:Choice>
+          <mc:Fallback>
+            <p:pic>
+              <p:nvPicPr>
+                <p:cNvPr id="58" name="Ink 57">
+                  <a:extLst>
+                    <a:ext uri="{FF2B5EF4-FFF2-40B4-BE49-F238E27FC236}">
+                      <a16:creationId xmlns:a16="http://schemas.microsoft.com/office/drawing/2014/main" id="{8A433D1F-F25C-C1B6-9B6E-8752B9482E11}"/>
+                    </a:ext>
+                  </a:extLst>
+                </p:cNvPr>
+                <p:cNvPicPr/>
+                <p:nvPr/>
+              </p:nvPicPr>
+              <p:blipFill>
+                <a:blip r:embed="rId95"/>
+                <a:stretch>
+                  <a:fillRect/>
+                </a:stretch>
+              </p:blipFill>
+              <p:spPr>
+                <a:xfrm>
+                  <a:off x="4992927" y="3999641"/>
+                  <a:ext cx="1149120" cy="68040"/>
+                </a:xfrm>
+                <a:prstGeom prst="rect">
+                  <a:avLst/>
+                </a:prstGeom>
+              </p:spPr>
+            </p:pic>
+          </mc:Fallback>
+        </mc:AlternateContent>
+        <mc:AlternateContent xmlns:mc="http://schemas.openxmlformats.org/markup-compatibility/2006">
+          <mc:Choice xmlns:p14="http://schemas.microsoft.com/office/powerpoint/2010/main" Requires="p14">
+            <p:contentPart p14:bwMode="auto" r:id="rId96">
+              <p14:nvContentPartPr>
+                <p14:cNvPr id="59" name="Ink 58">
+                  <a:extLst>
+                    <a:ext uri="{FF2B5EF4-FFF2-40B4-BE49-F238E27FC236}">
+                      <a16:creationId xmlns:a16="http://schemas.microsoft.com/office/drawing/2014/main" id="{4F3DBEFD-741B-92E1-62D5-16666B7EDB3D}"/>
+                    </a:ext>
+                  </a:extLst>
+                </p14:cNvPr>
+                <p14:cNvContentPartPr/>
+                <p14:nvPr/>
+              </p14:nvContentPartPr>
+              <p14:xfrm>
+                <a:off x="4977447" y="4445321"/>
+                <a:ext cx="1312920" cy="187200"/>
+              </p14:xfrm>
+            </p:contentPart>
+          </mc:Choice>
+          <mc:Fallback>
+            <p:pic>
+              <p:nvPicPr>
+                <p:cNvPr id="59" name="Ink 58">
+                  <a:extLst>
+                    <a:ext uri="{FF2B5EF4-FFF2-40B4-BE49-F238E27FC236}">
+                      <a16:creationId xmlns:a16="http://schemas.microsoft.com/office/drawing/2014/main" id="{4F3DBEFD-741B-92E1-62D5-16666B7EDB3D}"/>
+                    </a:ext>
+                  </a:extLst>
+                </p:cNvPr>
+                <p:cNvPicPr/>
+                <p:nvPr/>
+              </p:nvPicPr>
+              <p:blipFill>
+                <a:blip r:embed="rId97"/>
+                <a:stretch>
+                  <a:fillRect/>
+                </a:stretch>
+              </p:blipFill>
+              <p:spPr>
+                <a:xfrm>
+                  <a:off x="4968807" y="4436321"/>
+                  <a:ext cx="1330560" cy="204840"/>
+                </a:xfrm>
+                <a:prstGeom prst="rect">
+                  <a:avLst/>
+                </a:prstGeom>
+              </p:spPr>
+            </p:pic>
+          </mc:Fallback>
+        </mc:AlternateContent>
+        <mc:AlternateContent xmlns:mc="http://schemas.openxmlformats.org/markup-compatibility/2006">
+          <mc:Choice xmlns:p14="http://schemas.microsoft.com/office/powerpoint/2010/main" Requires="p14">
+            <p:contentPart p14:bwMode="auto" r:id="rId98">
+              <p14:nvContentPartPr>
+                <p14:cNvPr id="60" name="Ink 59">
+                  <a:extLst>
+                    <a:ext uri="{FF2B5EF4-FFF2-40B4-BE49-F238E27FC236}">
+                      <a16:creationId xmlns:a16="http://schemas.microsoft.com/office/drawing/2014/main" id="{0E355D07-90A5-E2C5-57E8-9518F6381338}"/>
+                    </a:ext>
+                  </a:extLst>
+                </p14:cNvPr>
+                <p14:cNvContentPartPr/>
+                <p14:nvPr/>
+              </p14:nvContentPartPr>
+              <p14:xfrm>
+                <a:off x="4984287" y="4014041"/>
+                <a:ext cx="1353960" cy="877680"/>
+              </p14:xfrm>
+            </p:contentPart>
+          </mc:Choice>
+          <mc:Fallback>
+            <p:pic>
+              <p:nvPicPr>
+                <p:cNvPr id="60" name="Ink 59">
+                  <a:extLst>
+                    <a:ext uri="{FF2B5EF4-FFF2-40B4-BE49-F238E27FC236}">
+                      <a16:creationId xmlns:a16="http://schemas.microsoft.com/office/drawing/2014/main" id="{0E355D07-90A5-E2C5-57E8-9518F6381338}"/>
+                    </a:ext>
+                  </a:extLst>
+                </p:cNvPr>
+                <p:cNvPicPr/>
+                <p:nvPr/>
+              </p:nvPicPr>
+              <p:blipFill>
+                <a:blip r:embed="rId99"/>
+                <a:stretch>
+                  <a:fillRect/>
+                </a:stretch>
+              </p:blipFill>
+              <p:spPr>
+                <a:xfrm>
+                  <a:off x="4975647" y="4005401"/>
+                  <a:ext cx="1371600" cy="895320"/>
+                </a:xfrm>
+                <a:prstGeom prst="rect">
+                  <a:avLst/>
+                </a:prstGeom>
+              </p:spPr>
+            </p:pic>
+          </mc:Fallback>
+        </mc:AlternateContent>
+        <mc:AlternateContent xmlns:mc="http://schemas.openxmlformats.org/markup-compatibility/2006">
+          <mc:Choice xmlns:p14="http://schemas.microsoft.com/office/powerpoint/2010/main" Requires="p14">
+            <p:contentPart p14:bwMode="auto" r:id="rId100">
+              <p14:nvContentPartPr>
+                <p14:cNvPr id="62" name="Ink 61">
+                  <a:extLst>
+                    <a:ext uri="{FF2B5EF4-FFF2-40B4-BE49-F238E27FC236}">
+                      <a16:creationId xmlns:a16="http://schemas.microsoft.com/office/drawing/2014/main" id="{7A746E96-C306-90B6-B7A6-8977158267BB}"/>
+                    </a:ext>
+                  </a:extLst>
+                </p14:cNvPr>
+                <p14:cNvContentPartPr/>
+                <p14:nvPr/>
+              </p14:nvContentPartPr>
+              <p14:xfrm>
+                <a:off x="4996527" y="4643681"/>
+                <a:ext cx="1445400" cy="549360"/>
+              </p14:xfrm>
+            </p:contentPart>
+          </mc:Choice>
+          <mc:Fallback>
+            <p:pic>
+              <p:nvPicPr>
+                <p:cNvPr id="62" name="Ink 61">
+                  <a:extLst>
+                    <a:ext uri="{FF2B5EF4-FFF2-40B4-BE49-F238E27FC236}">
+                      <a16:creationId xmlns:a16="http://schemas.microsoft.com/office/drawing/2014/main" id="{7A746E96-C306-90B6-B7A6-8977158267BB}"/>
+                    </a:ext>
+                  </a:extLst>
+                </p:cNvPr>
+                <p:cNvPicPr/>
+                <p:nvPr/>
+              </p:nvPicPr>
+              <p:blipFill>
+                <a:blip r:embed="rId101"/>
+                <a:stretch>
+                  <a:fillRect/>
+                </a:stretch>
+              </p:blipFill>
+              <p:spPr>
+                <a:xfrm>
+                  <a:off x="4987887" y="4634681"/>
+                  <a:ext cx="1463040" cy="567000"/>
+                </a:xfrm>
+                <a:prstGeom prst="rect">
+                  <a:avLst/>
+                </a:prstGeom>
+              </p:spPr>
+            </p:pic>
+          </mc:Fallback>
+        </mc:AlternateContent>
+        <mc:AlternateContent xmlns:mc="http://schemas.openxmlformats.org/markup-compatibility/2006">
+          <mc:Choice xmlns:p14="http://schemas.microsoft.com/office/powerpoint/2010/main" Requires="p14">
+            <p:contentPart p14:bwMode="auto" r:id="rId102">
+              <p14:nvContentPartPr>
+                <p14:cNvPr id="64" name="Ink 63">
+                  <a:extLst>
+                    <a:ext uri="{FF2B5EF4-FFF2-40B4-BE49-F238E27FC236}">
+                      <a16:creationId xmlns:a16="http://schemas.microsoft.com/office/drawing/2014/main" id="{5F6FB263-840B-A26A-301A-CBD49AF7B130}"/>
+                    </a:ext>
+                  </a:extLst>
+                </p14:cNvPr>
+                <p14:cNvContentPartPr/>
+                <p14:nvPr/>
+              </p14:nvContentPartPr>
+              <p14:xfrm>
+                <a:off x="4918407" y="4796321"/>
+                <a:ext cx="1483920" cy="785880"/>
+              </p14:xfrm>
+            </p:contentPart>
+          </mc:Choice>
+          <mc:Fallback>
+            <p:pic>
+              <p:nvPicPr>
+                <p:cNvPr id="64" name="Ink 63">
+                  <a:extLst>
+                    <a:ext uri="{FF2B5EF4-FFF2-40B4-BE49-F238E27FC236}">
+                      <a16:creationId xmlns:a16="http://schemas.microsoft.com/office/drawing/2014/main" id="{5F6FB263-840B-A26A-301A-CBD49AF7B130}"/>
+                    </a:ext>
+                  </a:extLst>
+                </p:cNvPr>
+                <p:cNvPicPr/>
+                <p:nvPr/>
+              </p:nvPicPr>
+              <p:blipFill>
+                <a:blip r:embed="rId103"/>
+                <a:stretch>
+                  <a:fillRect/>
+                </a:stretch>
+              </p:blipFill>
+              <p:spPr>
+                <a:xfrm>
+                  <a:off x="4909767" y="4787681"/>
+                  <a:ext cx="1501560" cy="803520"/>
+                </a:xfrm>
+                <a:prstGeom prst="rect">
+                  <a:avLst/>
+                </a:prstGeom>
+              </p:spPr>
+            </p:pic>
+          </mc:Fallback>
+        </mc:AlternateContent>
+        <mc:AlternateContent xmlns:mc="http://schemas.openxmlformats.org/markup-compatibility/2006">
+          <mc:Choice xmlns:p14="http://schemas.microsoft.com/office/powerpoint/2010/main" Requires="p14">
+            <p:contentPart p14:bwMode="auto" r:id="rId104">
+              <p14:nvContentPartPr>
+                <p14:cNvPr id="66" name="Ink 65">
+                  <a:extLst>
+                    <a:ext uri="{FF2B5EF4-FFF2-40B4-BE49-F238E27FC236}">
+                      <a16:creationId xmlns:a16="http://schemas.microsoft.com/office/drawing/2014/main" id="{DE1C1A9E-8175-4945-ADB1-E89EBC84A7B5}"/>
+                    </a:ext>
+                  </a:extLst>
+                </p14:cNvPr>
+                <p14:cNvContentPartPr/>
+                <p14:nvPr/>
+              </p14:nvContentPartPr>
+              <p14:xfrm>
+                <a:off x="6386847" y="5575361"/>
+                <a:ext cx="137160" cy="86760"/>
+              </p14:xfrm>
+            </p:contentPart>
+          </mc:Choice>
+          <mc:Fallback>
+            <p:pic>
+              <p:nvPicPr>
+                <p:cNvPr id="66" name="Ink 65">
+                  <a:extLst>
+                    <a:ext uri="{FF2B5EF4-FFF2-40B4-BE49-F238E27FC236}">
+                      <a16:creationId xmlns:a16="http://schemas.microsoft.com/office/drawing/2014/main" id="{DE1C1A9E-8175-4945-ADB1-E89EBC84A7B5}"/>
+                    </a:ext>
+                  </a:extLst>
+                </p:cNvPr>
+                <p:cNvPicPr/>
+                <p:nvPr/>
+              </p:nvPicPr>
+              <p:blipFill>
+                <a:blip r:embed="rId105"/>
+                <a:stretch>
+                  <a:fillRect/>
+                </a:stretch>
+              </p:blipFill>
+              <p:spPr>
+                <a:xfrm>
+                  <a:off x="6378207" y="5566361"/>
+                  <a:ext cx="154800" cy="104400"/>
+                </a:xfrm>
+                <a:prstGeom prst="rect">
+                  <a:avLst/>
+                </a:prstGeom>
+              </p:spPr>
+            </p:pic>
+          </mc:Fallback>
+        </mc:AlternateContent>
+        <mc:AlternateContent xmlns:mc="http://schemas.openxmlformats.org/markup-compatibility/2006">
+          <mc:Choice xmlns:p14="http://schemas.microsoft.com/office/powerpoint/2010/main" Requires="p14">
+            <p:contentPart p14:bwMode="auto" r:id="rId106">
+              <p14:nvContentPartPr>
+                <p14:cNvPr id="73" name="Ink 72">
+                  <a:extLst>
+                    <a:ext uri="{FF2B5EF4-FFF2-40B4-BE49-F238E27FC236}">
+                      <a16:creationId xmlns:a16="http://schemas.microsoft.com/office/drawing/2014/main" id="{07BEA312-6BBA-AE31-2027-A9078AB0B8B5}"/>
+                    </a:ext>
+                  </a:extLst>
+                </p14:cNvPr>
+                <p14:cNvContentPartPr/>
+                <p14:nvPr/>
+              </p14:nvContentPartPr>
+              <p14:xfrm>
+                <a:off x="4359687" y="4798841"/>
+                <a:ext cx="2333880" cy="1775880"/>
+              </p14:xfrm>
+            </p:contentPart>
+          </mc:Choice>
+          <mc:Fallback>
+            <p:pic>
+              <p:nvPicPr>
+                <p:cNvPr id="73" name="Ink 72">
+                  <a:extLst>
+                    <a:ext uri="{FF2B5EF4-FFF2-40B4-BE49-F238E27FC236}">
+                      <a16:creationId xmlns:a16="http://schemas.microsoft.com/office/drawing/2014/main" id="{07BEA312-6BBA-AE31-2027-A9078AB0B8B5}"/>
+                    </a:ext>
+                  </a:extLst>
+                </p:cNvPr>
+                <p:cNvPicPr/>
+                <p:nvPr/>
+              </p:nvPicPr>
+              <p:blipFill>
+                <a:blip r:embed="rId107"/>
+                <a:stretch>
+                  <a:fillRect/>
+                </a:stretch>
+              </p:blipFill>
+              <p:spPr>
+                <a:xfrm>
+                  <a:off x="4350687" y="4790201"/>
+                  <a:ext cx="2351520" cy="1793520"/>
+                </a:xfrm>
+                <a:prstGeom prst="rect">
+                  <a:avLst/>
+                </a:prstGeom>
+              </p:spPr>
+            </p:pic>
+          </mc:Fallback>
+        </mc:AlternateContent>
+      </p:grpSp>
+    </p:spTree>
+    <p:extLst>
+      <p:ext uri="{BB962C8B-B14F-4D97-AF65-F5344CB8AC3E}">
+        <p14:creationId xmlns:p14="http://schemas.microsoft.com/office/powerpoint/2010/main" val="641046434"/>
+      </p:ext>
+    </p:extLst>
+  </p:cSld>
+  <p:clrMapOvr>
+    <a:masterClrMapping/>
+  </p:clrMapOvr>
+</p:sld>
+</file>
+
+<file path=ppt/slides/slide16.xml><?xml version="1.0" encoding="utf-8"?>
+<p:sld xmlns:a="http://schemas.openxmlformats.org/drawingml/2006/main" xmlns:r="http://schemas.openxmlformats.org/officeDocument/2006/relationships" xmlns:p="http://schemas.openxmlformats.org/presentationml/2006/main">
+  <p:cSld>
+    <p:spTree>
+      <p:nvGrpSpPr>
+        <p:cNvPr id="1" name=""/>
+        <p:cNvGrpSpPr/>
+        <p:nvPr/>
+      </p:nvGrpSpPr>
+      <p:grpSpPr>
+        <a:xfrm>
+          <a:off x="0" y="0"/>
+          <a:ext cx="0" cy="0"/>
+          <a:chOff x="0" y="0"/>
+          <a:chExt cx="0" cy="0"/>
+        </a:xfrm>
+      </p:grpSpPr>
+      <p:sp>
+        <p:nvSpPr>
+          <p:cNvPr id="2" name="Title 1">
+            <a:extLst>
+              <a:ext uri="{FF2B5EF4-FFF2-40B4-BE49-F238E27FC236}">
+                <a16:creationId xmlns:a16="http://schemas.microsoft.com/office/drawing/2014/main" id="{F7A96ED2-25C7-A1D2-41F6-8AFA98A7F7A2}"/>
+              </a:ext>
+            </a:extLst>
+          </p:cNvPr>
+          <p:cNvSpPr>
+            <a:spLocks noGrp="1"/>
+          </p:cNvSpPr>
+          <p:nvPr>
+            <p:ph type="title"/>
+          </p:nvPr>
+        </p:nvSpPr>
+        <p:spPr/>
+        <p:txBody>
+          <a:bodyPr/>
+          <a:lstStyle/>
+          <a:p>
+            <a:r>
+              <a:rPr lang="en-US" dirty="0"/>
+              <a:t>NSG Rules</a:t>
+            </a:r>
+            <a:endParaRPr lang="en-IN" dirty="0"/>
+          </a:p>
+        </p:txBody>
+      </p:sp>
+      <p:sp>
+        <p:nvSpPr>
+          <p:cNvPr id="3" name="Content Placeholder 2">
+            <a:extLst>
+              <a:ext uri="{FF2B5EF4-FFF2-40B4-BE49-F238E27FC236}">
+                <a16:creationId xmlns:a16="http://schemas.microsoft.com/office/drawing/2014/main" id="{B99B8EEA-B5DE-B267-982A-F0733165DE94}"/>
+              </a:ext>
+            </a:extLst>
+          </p:cNvPr>
+          <p:cNvSpPr>
+            <a:spLocks noGrp="1"/>
+          </p:cNvSpPr>
+          <p:nvPr>
+            <p:ph idx="1"/>
+          </p:nvPr>
+        </p:nvSpPr>
+        <p:spPr/>
+        <p:txBody>
+          <a:bodyPr/>
+          <a:lstStyle/>
+          <a:p>
+            <a:r>
+              <a:rPr lang="en-US" dirty="0"/>
+              <a:t>Inbound – 3 Default</a:t>
+            </a:r>
+          </a:p>
+          <a:p>
+            <a:r>
+              <a:rPr lang="en-US" dirty="0"/>
+              <a:t>Outbound – 3 Default</a:t>
+            </a:r>
+            <a:endParaRPr lang="en-IN" dirty="0"/>
+          </a:p>
+        </p:txBody>
+      </p:sp>
+    </p:spTree>
+    <p:extLst>
+      <p:ext uri="{BB962C8B-B14F-4D97-AF65-F5344CB8AC3E}">
+        <p14:creationId xmlns:p14="http://schemas.microsoft.com/office/powerpoint/2010/main" val="2015516885"/>
       </p:ext>
     </p:extLst>
   </p:cSld>
@@ -10224,8 +15398,8 @@
             <a:chExt cx="1903680" cy="2392560"/>
           </a:xfrm>
         </p:grpSpPr>
-        <mc:AlternateContent xmlns:mc="http://schemas.openxmlformats.org/markup-compatibility/2006">
-          <mc:Choice xmlns:p14="http://schemas.microsoft.com/office/powerpoint/2010/main" Requires="p14">
+        <mc:AlternateContent xmlns:mc="http://schemas.openxmlformats.org/markup-compatibility/2006" xmlns:p14="http://schemas.microsoft.com/office/powerpoint/2010/main">
+          <mc:Choice Requires="p14">
             <p:contentPart p14:bwMode="auto" r:id="rId2">
               <p14:nvContentPartPr>
                 <p14:cNvPr id="4" name="Ink 3">
@@ -10244,7 +15418,7 @@
               </p14:xfrm>
             </p:contentPart>
           </mc:Choice>
-          <mc:Fallback>
+          <mc:Fallback xmlns="">
             <p:pic>
               <p:nvPicPr>
                 <p:cNvPr id="4" name="Ink 3">
@@ -10275,8 +15449,8 @@
             </p:pic>
           </mc:Fallback>
         </mc:AlternateContent>
-        <mc:AlternateContent xmlns:mc="http://schemas.openxmlformats.org/markup-compatibility/2006">
-          <mc:Choice xmlns:p14="http://schemas.microsoft.com/office/powerpoint/2010/main" Requires="p14">
+        <mc:AlternateContent xmlns:mc="http://schemas.openxmlformats.org/markup-compatibility/2006" xmlns:p14="http://schemas.microsoft.com/office/powerpoint/2010/main">
+          <mc:Choice Requires="p14">
             <p:contentPart p14:bwMode="auto" r:id="rId4">
               <p14:nvContentPartPr>
                 <p14:cNvPr id="5" name="Ink 4">
@@ -10295,7 +15469,7 @@
               </p14:xfrm>
             </p:contentPart>
           </mc:Choice>
-          <mc:Fallback>
+          <mc:Fallback xmlns="">
             <p:pic>
               <p:nvPicPr>
                 <p:cNvPr id="5" name="Ink 4">
@@ -10326,8 +15500,8 @@
             </p:pic>
           </mc:Fallback>
         </mc:AlternateContent>
-        <mc:AlternateContent xmlns:mc="http://schemas.openxmlformats.org/markup-compatibility/2006">
-          <mc:Choice xmlns:p14="http://schemas.microsoft.com/office/powerpoint/2010/main" Requires="p14">
+        <mc:AlternateContent xmlns:mc="http://schemas.openxmlformats.org/markup-compatibility/2006" xmlns:p14="http://schemas.microsoft.com/office/powerpoint/2010/main">
+          <mc:Choice Requires="p14">
             <p:contentPart p14:bwMode="auto" r:id="rId6">
               <p14:nvContentPartPr>
                 <p14:cNvPr id="6" name="Ink 5">
@@ -10346,7 +15520,7 @@
               </p14:xfrm>
             </p:contentPart>
           </mc:Choice>
-          <mc:Fallback>
+          <mc:Fallback xmlns="">
             <p:pic>
               <p:nvPicPr>
                 <p:cNvPr id="6" name="Ink 5">
@@ -10377,8 +15551,8 @@
             </p:pic>
           </mc:Fallback>
         </mc:AlternateContent>
-        <mc:AlternateContent xmlns:mc="http://schemas.openxmlformats.org/markup-compatibility/2006">
-          <mc:Choice xmlns:p14="http://schemas.microsoft.com/office/powerpoint/2010/main" Requires="p14">
+        <mc:AlternateContent xmlns:mc="http://schemas.openxmlformats.org/markup-compatibility/2006" xmlns:p14="http://schemas.microsoft.com/office/powerpoint/2010/main">
+          <mc:Choice Requires="p14">
             <p:contentPart p14:bwMode="auto" r:id="rId8">
               <p14:nvContentPartPr>
                 <p14:cNvPr id="7" name="Ink 6">
@@ -10397,7 +15571,7 @@
               </p14:xfrm>
             </p:contentPart>
           </mc:Choice>
-          <mc:Fallback>
+          <mc:Fallback xmlns="">
             <p:pic>
               <p:nvPicPr>
                 <p:cNvPr id="7" name="Ink 6">
@@ -10428,8 +15602,8 @@
             </p:pic>
           </mc:Fallback>
         </mc:AlternateContent>
-        <mc:AlternateContent xmlns:mc="http://schemas.openxmlformats.org/markup-compatibility/2006">
-          <mc:Choice xmlns:p14="http://schemas.microsoft.com/office/powerpoint/2010/main" Requires="p14">
+        <mc:AlternateContent xmlns:mc="http://schemas.openxmlformats.org/markup-compatibility/2006" xmlns:p14="http://schemas.microsoft.com/office/powerpoint/2010/main">
+          <mc:Choice Requires="p14">
             <p:contentPart p14:bwMode="auto" r:id="rId10">
               <p14:nvContentPartPr>
                 <p14:cNvPr id="8" name="Ink 7">
@@ -10448,7 +15622,7 @@
               </p14:xfrm>
             </p:contentPart>
           </mc:Choice>
-          <mc:Fallback>
+          <mc:Fallback xmlns="">
             <p:pic>
               <p:nvPicPr>
                 <p:cNvPr id="8" name="Ink 7">
@@ -10479,8 +15653,8 @@
             </p:pic>
           </mc:Fallback>
         </mc:AlternateContent>
-        <mc:AlternateContent xmlns:mc="http://schemas.openxmlformats.org/markup-compatibility/2006">
-          <mc:Choice xmlns:p14="http://schemas.microsoft.com/office/powerpoint/2010/main" Requires="p14">
+        <mc:AlternateContent xmlns:mc="http://schemas.openxmlformats.org/markup-compatibility/2006" xmlns:p14="http://schemas.microsoft.com/office/powerpoint/2010/main">
+          <mc:Choice Requires="p14">
             <p:contentPart p14:bwMode="auto" r:id="rId12">
               <p14:nvContentPartPr>
                 <p14:cNvPr id="9" name="Ink 8">
@@ -10499,7 +15673,7 @@
               </p14:xfrm>
             </p:contentPart>
           </mc:Choice>
-          <mc:Fallback>
+          <mc:Fallback xmlns="">
             <p:pic>
               <p:nvPicPr>
                 <p:cNvPr id="9" name="Ink 8">
@@ -10530,8 +15704,8 @@
             </p:pic>
           </mc:Fallback>
         </mc:AlternateContent>
-        <mc:AlternateContent xmlns:mc="http://schemas.openxmlformats.org/markup-compatibility/2006">
-          <mc:Choice xmlns:p14="http://schemas.microsoft.com/office/powerpoint/2010/main" Requires="p14">
+        <mc:AlternateContent xmlns:mc="http://schemas.openxmlformats.org/markup-compatibility/2006" xmlns:p14="http://schemas.microsoft.com/office/powerpoint/2010/main">
+          <mc:Choice Requires="p14">
             <p:contentPart p14:bwMode="auto" r:id="rId14">
               <p14:nvContentPartPr>
                 <p14:cNvPr id="11" name="Ink 10">
@@ -10550,7 +15724,7 @@
               </p14:xfrm>
             </p:contentPart>
           </mc:Choice>
-          <mc:Fallback>
+          <mc:Fallback xmlns="">
             <p:pic>
               <p:nvPicPr>
                 <p:cNvPr id="11" name="Ink 10">
@@ -10581,8 +15755,8 @@
             </p:pic>
           </mc:Fallback>
         </mc:AlternateContent>
-        <mc:AlternateContent xmlns:mc="http://schemas.openxmlformats.org/markup-compatibility/2006">
-          <mc:Choice xmlns:p14="http://schemas.microsoft.com/office/powerpoint/2010/main" Requires="p14">
+        <mc:AlternateContent xmlns:mc="http://schemas.openxmlformats.org/markup-compatibility/2006" xmlns:p14="http://schemas.microsoft.com/office/powerpoint/2010/main">
+          <mc:Choice Requires="p14">
             <p:contentPart p14:bwMode="auto" r:id="rId16">
               <p14:nvContentPartPr>
                 <p14:cNvPr id="12" name="Ink 11">
@@ -10601,7 +15775,7 @@
               </p14:xfrm>
             </p:contentPart>
           </mc:Choice>
-          <mc:Fallback>
+          <mc:Fallback xmlns="">
             <p:pic>
               <p:nvPicPr>
                 <p:cNvPr id="12" name="Ink 11">
@@ -10632,8 +15806,8 @@
             </p:pic>
           </mc:Fallback>
         </mc:AlternateContent>
-        <mc:AlternateContent xmlns:mc="http://schemas.openxmlformats.org/markup-compatibility/2006">
-          <mc:Choice xmlns:p14="http://schemas.microsoft.com/office/powerpoint/2010/main" Requires="p14">
+        <mc:AlternateContent xmlns:mc="http://schemas.openxmlformats.org/markup-compatibility/2006" xmlns:p14="http://schemas.microsoft.com/office/powerpoint/2010/main">
+          <mc:Choice Requires="p14">
             <p:contentPart p14:bwMode="auto" r:id="rId18">
               <p14:nvContentPartPr>
                 <p14:cNvPr id="13" name="Ink 12">
@@ -10652,7 +15826,7 @@
               </p14:xfrm>
             </p:contentPart>
           </mc:Choice>
-          <mc:Fallback>
+          <mc:Fallback xmlns="">
             <p:pic>
               <p:nvPicPr>
                 <p:cNvPr id="13" name="Ink 12">
@@ -10683,8 +15857,8 @@
             </p:pic>
           </mc:Fallback>
         </mc:AlternateContent>
-        <mc:AlternateContent xmlns:mc="http://schemas.openxmlformats.org/markup-compatibility/2006">
-          <mc:Choice xmlns:p14="http://schemas.microsoft.com/office/powerpoint/2010/main" Requires="p14">
+        <mc:AlternateContent xmlns:mc="http://schemas.openxmlformats.org/markup-compatibility/2006" xmlns:p14="http://schemas.microsoft.com/office/powerpoint/2010/main">
+          <mc:Choice Requires="p14">
             <p:contentPart p14:bwMode="auto" r:id="rId20">
               <p14:nvContentPartPr>
                 <p14:cNvPr id="15" name="Ink 14">
@@ -10703,7 +15877,7 @@
               </p14:xfrm>
             </p:contentPart>
           </mc:Choice>
-          <mc:Fallback>
+          <mc:Fallback xmlns="">
             <p:pic>
               <p:nvPicPr>
                 <p:cNvPr id="15" name="Ink 14">
@@ -10734,8 +15908,8 @@
             </p:pic>
           </mc:Fallback>
         </mc:AlternateContent>
-        <mc:AlternateContent xmlns:mc="http://schemas.openxmlformats.org/markup-compatibility/2006">
-          <mc:Choice xmlns:p14="http://schemas.microsoft.com/office/powerpoint/2010/main" Requires="p14">
+        <mc:AlternateContent xmlns:mc="http://schemas.openxmlformats.org/markup-compatibility/2006" xmlns:p14="http://schemas.microsoft.com/office/powerpoint/2010/main">
+          <mc:Choice Requires="p14">
             <p:contentPart p14:bwMode="auto" r:id="rId22">
               <p14:nvContentPartPr>
                 <p14:cNvPr id="16" name="Ink 15">
@@ -10754,7 +15928,7 @@
               </p14:xfrm>
             </p:contentPart>
           </mc:Choice>
-          <mc:Fallback>
+          <mc:Fallback xmlns="">
             <p:pic>
               <p:nvPicPr>
                 <p:cNvPr id="16" name="Ink 15">
@@ -10785,8 +15959,8 @@
             </p:pic>
           </mc:Fallback>
         </mc:AlternateContent>
-        <mc:AlternateContent xmlns:mc="http://schemas.openxmlformats.org/markup-compatibility/2006">
-          <mc:Choice xmlns:p14="http://schemas.microsoft.com/office/powerpoint/2010/main" Requires="p14">
+        <mc:AlternateContent xmlns:mc="http://schemas.openxmlformats.org/markup-compatibility/2006" xmlns:p14="http://schemas.microsoft.com/office/powerpoint/2010/main">
+          <mc:Choice Requires="p14">
             <p:contentPart p14:bwMode="auto" r:id="rId24">
               <p14:nvContentPartPr>
                 <p14:cNvPr id="17" name="Ink 16">
@@ -10805,7 +15979,7 @@
               </p14:xfrm>
             </p:contentPart>
           </mc:Choice>
-          <mc:Fallback>
+          <mc:Fallback xmlns="">
             <p:pic>
               <p:nvPicPr>
                 <p:cNvPr id="17" name="Ink 16">
@@ -10836,8 +16010,8 @@
             </p:pic>
           </mc:Fallback>
         </mc:AlternateContent>
-        <mc:AlternateContent xmlns:mc="http://schemas.openxmlformats.org/markup-compatibility/2006">
-          <mc:Choice xmlns:p14="http://schemas.microsoft.com/office/powerpoint/2010/main" Requires="p14">
+        <mc:AlternateContent xmlns:mc="http://schemas.openxmlformats.org/markup-compatibility/2006" xmlns:p14="http://schemas.microsoft.com/office/powerpoint/2010/main">
+          <mc:Choice Requires="p14">
             <p:contentPart p14:bwMode="auto" r:id="rId26">
               <p14:nvContentPartPr>
                 <p14:cNvPr id="19" name="Ink 18">
@@ -10856,7 +16030,7 @@
               </p14:xfrm>
             </p:contentPart>
           </mc:Choice>
-          <mc:Fallback>
+          <mc:Fallback xmlns="">
             <p:pic>
               <p:nvPicPr>
                 <p:cNvPr id="19" name="Ink 18">
@@ -10887,8 +16061,8 @@
             </p:pic>
           </mc:Fallback>
         </mc:AlternateContent>
-        <mc:AlternateContent xmlns:mc="http://schemas.openxmlformats.org/markup-compatibility/2006">
-          <mc:Choice xmlns:p14="http://schemas.microsoft.com/office/powerpoint/2010/main" Requires="p14">
+        <mc:AlternateContent xmlns:mc="http://schemas.openxmlformats.org/markup-compatibility/2006" xmlns:p14="http://schemas.microsoft.com/office/powerpoint/2010/main">
+          <mc:Choice Requires="p14">
             <p:contentPart p14:bwMode="auto" r:id="rId28">
               <p14:nvContentPartPr>
                 <p14:cNvPr id="20" name="Ink 19">
@@ -10907,7 +16081,7 @@
               </p14:xfrm>
             </p:contentPart>
           </mc:Choice>
-          <mc:Fallback>
+          <mc:Fallback xmlns="">
             <p:pic>
               <p:nvPicPr>
                 <p:cNvPr id="20" name="Ink 19">
@@ -10938,8 +16112,8 @@
             </p:pic>
           </mc:Fallback>
         </mc:AlternateContent>
-        <mc:AlternateContent xmlns:mc="http://schemas.openxmlformats.org/markup-compatibility/2006">
-          <mc:Choice xmlns:p14="http://schemas.microsoft.com/office/powerpoint/2010/main" Requires="p14">
+        <mc:AlternateContent xmlns:mc="http://schemas.openxmlformats.org/markup-compatibility/2006" xmlns:p14="http://schemas.microsoft.com/office/powerpoint/2010/main">
+          <mc:Choice Requires="p14">
             <p:contentPart p14:bwMode="auto" r:id="rId30">
               <p14:nvContentPartPr>
                 <p14:cNvPr id="21" name="Ink 20">
@@ -10958,7 +16132,7 @@
               </p14:xfrm>
             </p:contentPart>
           </mc:Choice>
-          <mc:Fallback>
+          <mc:Fallback xmlns="">
             <p:pic>
               <p:nvPicPr>
                 <p:cNvPr id="21" name="Ink 20">
@@ -10989,8 +16163,8 @@
             </p:pic>
           </mc:Fallback>
         </mc:AlternateContent>
-        <mc:AlternateContent xmlns:mc="http://schemas.openxmlformats.org/markup-compatibility/2006">
-          <mc:Choice xmlns:p14="http://schemas.microsoft.com/office/powerpoint/2010/main" Requires="p14">
+        <mc:AlternateContent xmlns:mc="http://schemas.openxmlformats.org/markup-compatibility/2006" xmlns:p14="http://schemas.microsoft.com/office/powerpoint/2010/main">
+          <mc:Choice Requires="p14">
             <p:contentPart p14:bwMode="auto" r:id="rId32">
               <p14:nvContentPartPr>
                 <p14:cNvPr id="22" name="Ink 21">
@@ -11009,7 +16183,7 @@
               </p14:xfrm>
             </p:contentPart>
           </mc:Choice>
-          <mc:Fallback>
+          <mc:Fallback xmlns="">
             <p:pic>
               <p:nvPicPr>
                 <p:cNvPr id="22" name="Ink 21">
@@ -11040,8 +16214,8 @@
             </p:pic>
           </mc:Fallback>
         </mc:AlternateContent>
-        <mc:AlternateContent xmlns:mc="http://schemas.openxmlformats.org/markup-compatibility/2006">
-          <mc:Choice xmlns:p14="http://schemas.microsoft.com/office/powerpoint/2010/main" Requires="p14">
+        <mc:AlternateContent xmlns:mc="http://schemas.openxmlformats.org/markup-compatibility/2006" xmlns:p14="http://schemas.microsoft.com/office/powerpoint/2010/main">
+          <mc:Choice Requires="p14">
             <p:contentPart p14:bwMode="auto" r:id="rId34">
               <p14:nvContentPartPr>
                 <p14:cNvPr id="24" name="Ink 23">
@@ -11060,7 +16234,7 @@
               </p14:xfrm>
             </p:contentPart>
           </mc:Choice>
-          <mc:Fallback>
+          <mc:Fallback xmlns="">
             <p:pic>
               <p:nvPicPr>
                 <p:cNvPr id="24" name="Ink 23">
